--- a/CYBER360-2.7-2.A-Control-Structures.pptx
+++ b/CYBER360-2.7-2.A-Control-Structures.pptx
@@ -28,6 +28,10 @@
     <p:sldId id="295" r:id="rId22"/>
     <p:sldId id="297" r:id="rId23"/>
     <p:sldId id="298" r:id="rId24"/>
+    <p:sldId id="299" r:id="rId25"/>
+    <p:sldId id="300" r:id="rId26"/>
+    <p:sldId id="301" r:id="rId27"/>
+    <p:sldId id="274" r:id="rId28"/>
   </p:sldIdLst>
   <p:sldSz cx="12192000" cy="6858000"/>
   <p:notesSz cx="6858000" cy="9144000"/>
@@ -137,7 +141,7 @@
 <file path=ppt/revisionInfo.xml><?xml version="1.0" encoding="utf-8"?>
 <p1510:revInfo xmlns:a="http://schemas.openxmlformats.org/drawingml/2006/main" xmlns:r="http://schemas.openxmlformats.org/officeDocument/2006/relationships" xmlns:p1510="http://schemas.microsoft.com/office/powerpoint/2015/10/main">
   <p1510:revLst>
-    <p1510:client id="{7B5B51BB-EDBF-4DA9-A87C-3EE01BE9AC5A}" v="5" dt="2024-05-07T17:19:34.378"/>
+    <p1510:client id="{7B5B51BB-EDBF-4DA9-A87C-3EE01BE9AC5A}" v="9" dt="2024-05-17T01:21:50.252"/>
   </p1510:revLst>
 </p1510:revInfo>
 </file>
@@ -147,18 +151,101 @@
   <pc:docChgLst>
     <pc:chgData name="Gibbons, Carl" userId="d2b037bc-8fb4-4222-845c-61440543a456" providerId="ADAL" clId="{7B5B51BB-EDBF-4DA9-A87C-3EE01BE9AC5A}"/>
     <pc:docChg chg="undo custSel addSld delSld modSld sldOrd">
-      <pc:chgData name="Gibbons, Carl" userId="d2b037bc-8fb4-4222-845c-61440543a456" providerId="ADAL" clId="{7B5B51BB-EDBF-4DA9-A87C-3EE01BE9AC5A}" dt="2024-05-07T17:24:36.283" v="5020" actId="20577"/>
+      <pc:chgData name="Gibbons, Carl" userId="d2b037bc-8fb4-4222-845c-61440543a456" providerId="ADAL" clId="{7B5B51BB-EDBF-4DA9-A87C-3EE01BE9AC5A}" dt="2024-05-17T16:24:51.194" v="12020" actId="20577"/>
       <pc:docMkLst>
         <pc:docMk/>
       </pc:docMkLst>
       <pc:sldChg chg="modSp mod">
-        <pc:chgData name="Gibbons, Carl" userId="d2b037bc-8fb4-4222-845c-61440543a456" providerId="ADAL" clId="{7B5B51BB-EDBF-4DA9-A87C-3EE01BE9AC5A}" dt="2024-04-30T16:37:49.336" v="1" actId="20577"/>
+        <pc:chgData name="Gibbons, Carl" userId="d2b037bc-8fb4-4222-845c-61440543a456" providerId="ADAL" clId="{7B5B51BB-EDBF-4DA9-A87C-3EE01BE9AC5A}" dt="2024-05-17T16:01:32.937" v="11949" actId="20577"/>
+        <pc:sldMkLst>
+          <pc:docMk/>
+          <pc:sldMk cId="2312486803" sldId="261"/>
+        </pc:sldMkLst>
+        <pc:spChg chg="mod">
+          <ac:chgData name="Gibbons, Carl" userId="d2b037bc-8fb4-4222-845c-61440543a456" providerId="ADAL" clId="{7B5B51BB-EDBF-4DA9-A87C-3EE01BE9AC5A}" dt="2024-05-17T16:01:32.937" v="11949" actId="20577"/>
+          <ac:spMkLst>
+            <pc:docMk/>
+            <pc:sldMk cId="2312486803" sldId="261"/>
+            <ac:spMk id="3" creationId="{B5924E0F-A977-1710-779D-EEB74261AF34}"/>
+          </ac:spMkLst>
+        </pc:spChg>
+      </pc:sldChg>
+      <pc:sldChg chg="modSp mod">
+        <pc:chgData name="Gibbons, Carl" userId="d2b037bc-8fb4-4222-845c-61440543a456" providerId="ADAL" clId="{7B5B51BB-EDBF-4DA9-A87C-3EE01BE9AC5A}" dt="2024-05-17T01:52:22.150" v="8216" actId="20577"/>
+        <pc:sldMkLst>
+          <pc:docMk/>
+          <pc:sldMk cId="3798299007" sldId="274"/>
+        </pc:sldMkLst>
+        <pc:spChg chg="mod">
+          <ac:chgData name="Gibbons, Carl" userId="d2b037bc-8fb4-4222-845c-61440543a456" providerId="ADAL" clId="{7B5B51BB-EDBF-4DA9-A87C-3EE01BE9AC5A}" dt="2024-05-17T01:22:07.337" v="7608" actId="20577"/>
+          <ac:spMkLst>
+            <pc:docMk/>
+            <pc:sldMk cId="3798299007" sldId="274"/>
+            <ac:spMk id="2" creationId="{361EE6A6-565D-6719-0FBC-5CFE8D6A76E8}"/>
+          </ac:spMkLst>
+        </pc:spChg>
+        <pc:spChg chg="mod">
+          <ac:chgData name="Gibbons, Carl" userId="d2b037bc-8fb4-4222-845c-61440543a456" providerId="ADAL" clId="{7B5B51BB-EDBF-4DA9-A87C-3EE01BE9AC5A}" dt="2024-05-17T01:52:22.150" v="8216" actId="20577"/>
+          <ac:spMkLst>
+            <pc:docMk/>
+            <pc:sldMk cId="3798299007" sldId="274"/>
+            <ac:spMk id="3" creationId="{ADD8957C-88E6-A920-4979-2BDA9406B518}"/>
+          </ac:spMkLst>
+        </pc:spChg>
+      </pc:sldChg>
+      <pc:sldChg chg="modSp mod">
+        <pc:chgData name="Gibbons, Carl" userId="d2b037bc-8fb4-4222-845c-61440543a456" providerId="ADAL" clId="{7B5B51BB-EDBF-4DA9-A87C-3EE01BE9AC5A}" dt="2024-05-17T01:59:08.063" v="8580" actId="20577"/>
+        <pc:sldMkLst>
+          <pc:docMk/>
+          <pc:sldMk cId="657795359" sldId="277"/>
+        </pc:sldMkLst>
+        <pc:spChg chg="mod">
+          <ac:chgData name="Gibbons, Carl" userId="d2b037bc-8fb4-4222-845c-61440543a456" providerId="ADAL" clId="{7B5B51BB-EDBF-4DA9-A87C-3EE01BE9AC5A}" dt="2024-05-17T01:59:08.063" v="8580" actId="20577"/>
+          <ac:spMkLst>
+            <pc:docMk/>
+            <pc:sldMk cId="657795359" sldId="277"/>
+            <ac:spMk id="3" creationId="{90179172-96B3-95D0-A137-257770BE7642}"/>
+          </ac:spMkLst>
+        </pc:spChg>
+      </pc:sldChg>
+      <pc:sldChg chg="modSp mod">
+        <pc:chgData name="Gibbons, Carl" userId="d2b037bc-8fb4-4222-845c-61440543a456" providerId="ADAL" clId="{7B5B51BB-EDBF-4DA9-A87C-3EE01BE9AC5A}" dt="2024-05-17T16:00:25.322" v="11934" actId="20577"/>
+        <pc:sldMkLst>
+          <pc:docMk/>
+          <pc:sldMk cId="3989541258" sldId="278"/>
+        </pc:sldMkLst>
+        <pc:spChg chg="mod">
+          <ac:chgData name="Gibbons, Carl" userId="d2b037bc-8fb4-4222-845c-61440543a456" providerId="ADAL" clId="{7B5B51BB-EDBF-4DA9-A87C-3EE01BE9AC5A}" dt="2024-05-17T16:00:25.322" v="11934" actId="20577"/>
+          <ac:spMkLst>
+            <pc:docMk/>
+            <pc:sldMk cId="3989541258" sldId="278"/>
+            <ac:spMk id="3" creationId="{B5924E0F-A977-1710-779D-EEB74261AF34}"/>
+          </ac:spMkLst>
+        </pc:spChg>
+      </pc:sldChg>
+      <pc:sldChg chg="modSp mod">
+        <pc:chgData name="Gibbons, Carl" userId="d2b037bc-8fb4-4222-845c-61440543a456" providerId="ADAL" clId="{7B5B51BB-EDBF-4DA9-A87C-3EE01BE9AC5A}" dt="2024-05-17T15:48:07.490" v="11091" actId="20577"/>
+        <pc:sldMkLst>
+          <pc:docMk/>
+          <pc:sldMk cId="2335633195" sldId="279"/>
+        </pc:sldMkLst>
+        <pc:spChg chg="mod">
+          <ac:chgData name="Gibbons, Carl" userId="d2b037bc-8fb4-4222-845c-61440543a456" providerId="ADAL" clId="{7B5B51BB-EDBF-4DA9-A87C-3EE01BE9AC5A}" dt="2024-05-17T15:48:07.490" v="11091" actId="20577"/>
+          <ac:spMkLst>
+            <pc:docMk/>
+            <pc:sldMk cId="2335633195" sldId="279"/>
+            <ac:spMk id="3" creationId="{B5924E0F-A977-1710-779D-EEB74261AF34}"/>
+          </ac:spMkLst>
+        </pc:spChg>
+      </pc:sldChg>
+      <pc:sldChg chg="modSp mod">
+        <pc:chgData name="Gibbons, Carl" userId="d2b037bc-8fb4-4222-845c-61440543a456" providerId="ADAL" clId="{7B5B51BB-EDBF-4DA9-A87C-3EE01BE9AC5A}" dt="2024-05-17T15:49:09.813" v="11137" actId="20577"/>
         <pc:sldMkLst>
           <pc:docMk/>
           <pc:sldMk cId="1284534978" sldId="280"/>
         </pc:sldMkLst>
         <pc:spChg chg="mod">
-          <ac:chgData name="Gibbons, Carl" userId="d2b037bc-8fb4-4222-845c-61440543a456" providerId="ADAL" clId="{7B5B51BB-EDBF-4DA9-A87C-3EE01BE9AC5A}" dt="2024-04-30T16:37:49.336" v="1" actId="20577"/>
+          <ac:chgData name="Gibbons, Carl" userId="d2b037bc-8fb4-4222-845c-61440543a456" providerId="ADAL" clId="{7B5B51BB-EDBF-4DA9-A87C-3EE01BE9AC5A}" dt="2024-05-17T15:49:09.813" v="11137" actId="20577"/>
           <ac:spMkLst>
             <pc:docMk/>
             <pc:sldMk cId="1284534978" sldId="280"/>
@@ -167,13 +254,28 @@
         </pc:spChg>
       </pc:sldChg>
       <pc:sldChg chg="modSp mod">
-        <pc:chgData name="Gibbons, Carl" userId="d2b037bc-8fb4-4222-845c-61440543a456" providerId="ADAL" clId="{7B5B51BB-EDBF-4DA9-A87C-3EE01BE9AC5A}" dt="2024-05-02T15:15:44.922" v="50"/>
+        <pc:chgData name="Gibbons, Carl" userId="d2b037bc-8fb4-4222-845c-61440543a456" providerId="ADAL" clId="{7B5B51BB-EDBF-4DA9-A87C-3EE01BE9AC5A}" dt="2024-05-17T15:58:18.981" v="11932" actId="20577"/>
+        <pc:sldMkLst>
+          <pc:docMk/>
+          <pc:sldMk cId="1802585387" sldId="281"/>
+        </pc:sldMkLst>
+        <pc:spChg chg="mod">
+          <ac:chgData name="Gibbons, Carl" userId="d2b037bc-8fb4-4222-845c-61440543a456" providerId="ADAL" clId="{7B5B51BB-EDBF-4DA9-A87C-3EE01BE9AC5A}" dt="2024-05-17T15:58:18.981" v="11932" actId="20577"/>
+          <ac:spMkLst>
+            <pc:docMk/>
+            <pc:sldMk cId="1802585387" sldId="281"/>
+            <ac:spMk id="3" creationId="{B5924E0F-A977-1710-779D-EEB74261AF34}"/>
+          </ac:spMkLst>
+        </pc:spChg>
+      </pc:sldChg>
+      <pc:sldChg chg="modSp mod">
+        <pc:chgData name="Gibbons, Carl" userId="d2b037bc-8fb4-4222-845c-61440543a456" providerId="ADAL" clId="{7B5B51BB-EDBF-4DA9-A87C-3EE01BE9AC5A}" dt="2024-05-17T00:13:48.611" v="5087" actId="20577"/>
         <pc:sldMkLst>
           <pc:docMk/>
           <pc:sldMk cId="1926009205" sldId="283"/>
         </pc:sldMkLst>
         <pc:spChg chg="mod">
-          <ac:chgData name="Gibbons, Carl" userId="d2b037bc-8fb4-4222-845c-61440543a456" providerId="ADAL" clId="{7B5B51BB-EDBF-4DA9-A87C-3EE01BE9AC5A}" dt="2024-05-02T15:15:44.922" v="50"/>
+          <ac:chgData name="Gibbons, Carl" userId="d2b037bc-8fb4-4222-845c-61440543a456" providerId="ADAL" clId="{7B5B51BB-EDBF-4DA9-A87C-3EE01BE9AC5A}" dt="2024-05-17T00:13:48.611" v="5087" actId="20577"/>
           <ac:spMkLst>
             <pc:docMk/>
             <pc:sldMk cId="1926009205" sldId="283"/>
@@ -182,13 +284,13 @@
         </pc:spChg>
       </pc:sldChg>
       <pc:sldChg chg="modSp mod">
-        <pc:chgData name="Gibbons, Carl" userId="d2b037bc-8fb4-4222-845c-61440543a456" providerId="ADAL" clId="{7B5B51BB-EDBF-4DA9-A87C-3EE01BE9AC5A}" dt="2024-04-30T16:44:20.918" v="21" actId="20577"/>
+        <pc:chgData name="Gibbons, Carl" userId="d2b037bc-8fb4-4222-845c-61440543a456" providerId="ADAL" clId="{7B5B51BB-EDBF-4DA9-A87C-3EE01BE9AC5A}" dt="2024-05-17T00:14:20.719" v="5115" actId="20577"/>
         <pc:sldMkLst>
           <pc:docMk/>
           <pc:sldMk cId="2366216895" sldId="284"/>
         </pc:sldMkLst>
         <pc:spChg chg="mod">
-          <ac:chgData name="Gibbons, Carl" userId="d2b037bc-8fb4-4222-845c-61440543a456" providerId="ADAL" clId="{7B5B51BB-EDBF-4DA9-A87C-3EE01BE9AC5A}" dt="2024-04-30T16:44:20.918" v="21" actId="20577"/>
+          <ac:chgData name="Gibbons, Carl" userId="d2b037bc-8fb4-4222-845c-61440543a456" providerId="ADAL" clId="{7B5B51BB-EDBF-4DA9-A87C-3EE01BE9AC5A}" dt="2024-05-17T00:14:20.719" v="5115" actId="20577"/>
           <ac:spMkLst>
             <pc:docMk/>
             <pc:sldMk cId="2366216895" sldId="284"/>
@@ -197,7 +299,7 @@
         </pc:spChg>
       </pc:sldChg>
       <pc:sldChg chg="modSp mod">
-        <pc:chgData name="Gibbons, Carl" userId="d2b037bc-8fb4-4222-845c-61440543a456" providerId="ADAL" clId="{7B5B51BB-EDBF-4DA9-A87C-3EE01BE9AC5A}" dt="2024-05-02T16:43:41.899" v="300" actId="20577"/>
+        <pc:chgData name="Gibbons, Carl" userId="d2b037bc-8fb4-4222-845c-61440543a456" providerId="ADAL" clId="{7B5B51BB-EDBF-4DA9-A87C-3EE01BE9AC5A}" dt="2024-05-17T00:19:50.584" v="5231" actId="2711"/>
         <pc:sldMkLst>
           <pc:docMk/>
           <pc:sldMk cId="3371896289" sldId="285"/>
@@ -211,7 +313,7 @@
           </ac:spMkLst>
         </pc:spChg>
         <pc:spChg chg="mod">
-          <ac:chgData name="Gibbons, Carl" userId="d2b037bc-8fb4-4222-845c-61440543a456" providerId="ADAL" clId="{7B5B51BB-EDBF-4DA9-A87C-3EE01BE9AC5A}" dt="2024-05-02T16:43:41.899" v="300" actId="20577"/>
+          <ac:chgData name="Gibbons, Carl" userId="d2b037bc-8fb4-4222-845c-61440543a456" providerId="ADAL" clId="{7B5B51BB-EDBF-4DA9-A87C-3EE01BE9AC5A}" dt="2024-05-17T00:19:50.584" v="5231" actId="2711"/>
           <ac:spMkLst>
             <pc:docMk/>
             <pc:sldMk cId="3371896289" sldId="285"/>
@@ -220,7 +322,7 @@
         </pc:spChg>
       </pc:sldChg>
       <pc:sldChg chg="modSp mod ord">
-        <pc:chgData name="Gibbons, Carl" userId="d2b037bc-8fb4-4222-845c-61440543a456" providerId="ADAL" clId="{7B5B51BB-EDBF-4DA9-A87C-3EE01BE9AC5A}" dt="2024-05-02T16:41:18.901" v="54" actId="20577"/>
+        <pc:chgData name="Gibbons, Carl" userId="d2b037bc-8fb4-4222-845c-61440543a456" providerId="ADAL" clId="{7B5B51BB-EDBF-4DA9-A87C-3EE01BE9AC5A}" dt="2024-05-17T00:16:13.215" v="5166" actId="20577"/>
         <pc:sldMkLst>
           <pc:docMk/>
           <pc:sldMk cId="3193160409" sldId="286"/>
@@ -233,15 +335,68 @@
             <ac:spMk id="2" creationId="{31B75992-5098-A283-4925-2CCEBB801DC5}"/>
           </ac:spMkLst>
         </pc:spChg>
+        <pc:spChg chg="mod">
+          <ac:chgData name="Gibbons, Carl" userId="d2b037bc-8fb4-4222-845c-61440543a456" providerId="ADAL" clId="{7B5B51BB-EDBF-4DA9-A87C-3EE01BE9AC5A}" dt="2024-05-17T00:16:13.215" v="5166" actId="20577"/>
+          <ac:spMkLst>
+            <pc:docMk/>
+            <pc:sldMk cId="3193160409" sldId="286"/>
+            <ac:spMk id="3" creationId="{B5924E0F-A977-1710-779D-EEB74261AF34}"/>
+          </ac:spMkLst>
+        </pc:spChg>
       </pc:sldChg>
       <pc:sldChg chg="modSp mod">
-        <pc:chgData name="Gibbons, Carl" userId="d2b037bc-8fb4-4222-845c-61440543a456" providerId="ADAL" clId="{7B5B51BB-EDBF-4DA9-A87C-3EE01BE9AC5A}" dt="2024-05-02T16:48:24.915" v="309" actId="114"/>
+        <pc:chgData name="Gibbons, Carl" userId="d2b037bc-8fb4-4222-845c-61440543a456" providerId="ADAL" clId="{7B5B51BB-EDBF-4DA9-A87C-3EE01BE9AC5A}" dt="2024-05-17T00:21:19.057" v="5239" actId="2711"/>
+        <pc:sldMkLst>
+          <pc:docMk/>
+          <pc:sldMk cId="2688338374" sldId="287"/>
+        </pc:sldMkLst>
+        <pc:spChg chg="mod">
+          <ac:chgData name="Gibbons, Carl" userId="d2b037bc-8fb4-4222-845c-61440543a456" providerId="ADAL" clId="{7B5B51BB-EDBF-4DA9-A87C-3EE01BE9AC5A}" dt="2024-05-17T00:21:19.057" v="5239" actId="2711"/>
+          <ac:spMkLst>
+            <pc:docMk/>
+            <pc:sldMk cId="2688338374" sldId="287"/>
+            <ac:spMk id="3" creationId="{B5924E0F-A977-1710-779D-EEB74261AF34}"/>
+          </ac:spMkLst>
+        </pc:spChg>
+      </pc:sldChg>
+      <pc:sldChg chg="modSp mod">
+        <pc:chgData name="Gibbons, Carl" userId="d2b037bc-8fb4-4222-845c-61440543a456" providerId="ADAL" clId="{7B5B51BB-EDBF-4DA9-A87C-3EE01BE9AC5A}" dt="2024-05-17T00:24:22.883" v="5272" actId="20577"/>
+        <pc:sldMkLst>
+          <pc:docMk/>
+          <pc:sldMk cId="2142935017" sldId="288"/>
+        </pc:sldMkLst>
+        <pc:spChg chg="mod">
+          <ac:chgData name="Gibbons, Carl" userId="d2b037bc-8fb4-4222-845c-61440543a456" providerId="ADAL" clId="{7B5B51BB-EDBF-4DA9-A87C-3EE01BE9AC5A}" dt="2024-05-17T00:24:22.883" v="5272" actId="20577"/>
+          <ac:spMkLst>
+            <pc:docMk/>
+            <pc:sldMk cId="2142935017" sldId="288"/>
+            <ac:spMk id="3" creationId="{B5924E0F-A977-1710-779D-EEB74261AF34}"/>
+          </ac:spMkLst>
+        </pc:spChg>
+      </pc:sldChg>
+      <pc:sldChg chg="modSp mod">
+        <pc:chgData name="Gibbons, Carl" userId="d2b037bc-8fb4-4222-845c-61440543a456" providerId="ADAL" clId="{7B5B51BB-EDBF-4DA9-A87C-3EE01BE9AC5A}" dt="2024-05-17T16:22:44.226" v="12015"/>
+        <pc:sldMkLst>
+          <pc:docMk/>
+          <pc:sldMk cId="2784625941" sldId="289"/>
+        </pc:sldMkLst>
+        <pc:spChg chg="mod">
+          <ac:chgData name="Gibbons, Carl" userId="d2b037bc-8fb4-4222-845c-61440543a456" providerId="ADAL" clId="{7B5B51BB-EDBF-4DA9-A87C-3EE01BE9AC5A}" dt="2024-05-17T16:22:44.226" v="12015"/>
+          <ac:spMkLst>
+            <pc:docMk/>
+            <pc:sldMk cId="2784625941" sldId="289"/>
+            <ac:spMk id="3" creationId="{B5924E0F-A977-1710-779D-EEB74261AF34}"/>
+          </ac:spMkLst>
+        </pc:spChg>
+      </pc:sldChg>
+      <pc:sldChg chg="modSp mod">
+        <pc:chgData name="Gibbons, Carl" userId="d2b037bc-8fb4-4222-845c-61440543a456" providerId="ADAL" clId="{7B5B51BB-EDBF-4DA9-A87C-3EE01BE9AC5A}" dt="2024-05-17T00:29:18.616" v="5323" actId="20577"/>
         <pc:sldMkLst>
           <pc:docMk/>
           <pc:sldMk cId="1677974689" sldId="290"/>
         </pc:sldMkLst>
         <pc:spChg chg="mod">
-          <ac:chgData name="Gibbons, Carl" userId="d2b037bc-8fb4-4222-845c-61440543a456" providerId="ADAL" clId="{7B5B51BB-EDBF-4DA9-A87C-3EE01BE9AC5A}" dt="2024-05-02T16:48:24.915" v="309" actId="114"/>
+          <ac:chgData name="Gibbons, Carl" userId="d2b037bc-8fb4-4222-845c-61440543a456" providerId="ADAL" clId="{7B5B51BB-EDBF-4DA9-A87C-3EE01BE9AC5A}" dt="2024-05-17T00:29:18.616" v="5323" actId="20577"/>
           <ac:spMkLst>
             <pc:docMk/>
             <pc:sldMk cId="1677974689" sldId="290"/>
@@ -250,7 +405,22 @@
         </pc:spChg>
       </pc:sldChg>
       <pc:sldChg chg="modSp mod">
-        <pc:chgData name="Gibbons, Carl" userId="d2b037bc-8fb4-4222-845c-61440543a456" providerId="ADAL" clId="{7B5B51BB-EDBF-4DA9-A87C-3EE01BE9AC5A}" dt="2024-05-03T01:04:03.114" v="1434" actId="20577"/>
+        <pc:chgData name="Gibbons, Carl" userId="d2b037bc-8fb4-4222-845c-61440543a456" providerId="ADAL" clId="{7B5B51BB-EDBF-4DA9-A87C-3EE01BE9AC5A}" dt="2024-05-17T16:24:51.194" v="12020" actId="20577"/>
+        <pc:sldMkLst>
+          <pc:docMk/>
+          <pc:sldMk cId="4219326696" sldId="291"/>
+        </pc:sldMkLst>
+        <pc:spChg chg="mod">
+          <ac:chgData name="Gibbons, Carl" userId="d2b037bc-8fb4-4222-845c-61440543a456" providerId="ADAL" clId="{7B5B51BB-EDBF-4DA9-A87C-3EE01BE9AC5A}" dt="2024-05-17T16:24:51.194" v="12020" actId="20577"/>
+          <ac:spMkLst>
+            <pc:docMk/>
+            <pc:sldMk cId="4219326696" sldId="291"/>
+            <ac:spMk id="3" creationId="{B5924E0F-A977-1710-779D-EEB74261AF34}"/>
+          </ac:spMkLst>
+        </pc:spChg>
+      </pc:sldChg>
+      <pc:sldChg chg="modSp mod">
+        <pc:chgData name="Gibbons, Carl" userId="d2b037bc-8fb4-4222-845c-61440543a456" providerId="ADAL" clId="{7B5B51BB-EDBF-4DA9-A87C-3EE01BE9AC5A}" dt="2024-05-17T15:45:21.863" v="11071" actId="20577"/>
         <pc:sldMkLst>
           <pc:docMk/>
           <pc:sldMk cId="33911121" sldId="292"/>
@@ -264,7 +434,7 @@
           </ac:spMkLst>
         </pc:spChg>
         <pc:spChg chg="mod">
-          <ac:chgData name="Gibbons, Carl" userId="d2b037bc-8fb4-4222-845c-61440543a456" providerId="ADAL" clId="{7B5B51BB-EDBF-4DA9-A87C-3EE01BE9AC5A}" dt="2024-05-03T01:04:03.114" v="1434" actId="20577"/>
+          <ac:chgData name="Gibbons, Carl" userId="d2b037bc-8fb4-4222-845c-61440543a456" providerId="ADAL" clId="{7B5B51BB-EDBF-4DA9-A87C-3EE01BE9AC5A}" dt="2024-05-17T15:45:21.863" v="11071" actId="20577"/>
           <ac:spMkLst>
             <pc:docMk/>
             <pc:sldMk cId="33911121" sldId="292"/>
@@ -357,7 +527,7 @@
         </pc:spChg>
       </pc:sldChg>
       <pc:sldChg chg="modSp add mod">
-        <pc:chgData name="Gibbons, Carl" userId="d2b037bc-8fb4-4222-845c-61440543a456" providerId="ADAL" clId="{7B5B51BB-EDBF-4DA9-A87C-3EE01BE9AC5A}" dt="2024-05-07T17:10:19.214" v="4000" actId="20577"/>
+        <pc:chgData name="Gibbons, Carl" userId="d2b037bc-8fb4-4222-845c-61440543a456" providerId="ADAL" clId="{7B5B51BB-EDBF-4DA9-A87C-3EE01BE9AC5A}" dt="2024-05-17T02:36:44.320" v="10989" actId="20577"/>
         <pc:sldMkLst>
           <pc:docMk/>
           <pc:sldMk cId="2019361039" sldId="297"/>
@@ -371,7 +541,7 @@
           </ac:spMkLst>
         </pc:spChg>
         <pc:spChg chg="mod">
-          <ac:chgData name="Gibbons, Carl" userId="d2b037bc-8fb4-4222-845c-61440543a456" providerId="ADAL" clId="{7B5B51BB-EDBF-4DA9-A87C-3EE01BE9AC5A}" dt="2024-05-07T17:10:19.214" v="4000" actId="20577"/>
+          <ac:chgData name="Gibbons, Carl" userId="d2b037bc-8fb4-4222-845c-61440543a456" providerId="ADAL" clId="{7B5B51BB-EDBF-4DA9-A87C-3EE01BE9AC5A}" dt="2024-05-17T02:36:44.320" v="10989" actId="20577"/>
           <ac:spMkLst>
             <pc:docMk/>
             <pc:sldMk cId="2019361039" sldId="297"/>
@@ -379,8 +549,8 @@
           </ac:spMkLst>
         </pc:spChg>
       </pc:sldChg>
-      <pc:sldChg chg="modSp add mod">
-        <pc:chgData name="Gibbons, Carl" userId="d2b037bc-8fb4-4222-845c-61440543a456" providerId="ADAL" clId="{7B5B51BB-EDBF-4DA9-A87C-3EE01BE9AC5A}" dt="2024-05-07T17:24:36.283" v="5020" actId="20577"/>
+      <pc:sldChg chg="modSp add mod ord">
+        <pc:chgData name="Gibbons, Carl" userId="d2b037bc-8fb4-4222-845c-61440543a456" providerId="ADAL" clId="{7B5B51BB-EDBF-4DA9-A87C-3EE01BE9AC5A}" dt="2024-05-17T02:43:46.071" v="11058" actId="20577"/>
         <pc:sldMkLst>
           <pc:docMk/>
           <pc:sldMk cId="1101538689" sldId="298"/>
@@ -394,11 +564,72 @@
           </ac:spMkLst>
         </pc:spChg>
         <pc:spChg chg="mod">
-          <ac:chgData name="Gibbons, Carl" userId="d2b037bc-8fb4-4222-845c-61440543a456" providerId="ADAL" clId="{7B5B51BB-EDBF-4DA9-A87C-3EE01BE9AC5A}" dt="2024-05-07T17:24:04.969" v="4958" actId="20577"/>
+          <ac:chgData name="Gibbons, Carl" userId="d2b037bc-8fb4-4222-845c-61440543a456" providerId="ADAL" clId="{7B5B51BB-EDBF-4DA9-A87C-3EE01BE9AC5A}" dt="2024-05-17T02:43:46.071" v="11058" actId="20577"/>
           <ac:spMkLst>
             <pc:docMk/>
             <pc:sldMk cId="1101538689" sldId="298"/>
             <ac:spMk id="3" creationId="{90179172-96B3-95D0-A137-257770BE7642}"/>
+          </ac:spMkLst>
+        </pc:spChg>
+      </pc:sldChg>
+      <pc:sldChg chg="modSp mod">
+        <pc:chgData name="Gibbons, Carl" userId="d2b037bc-8fb4-4222-845c-61440543a456" providerId="ADAL" clId="{7B5B51BB-EDBF-4DA9-A87C-3EE01BE9AC5A}" dt="2024-05-17T02:45:12.703" v="11059" actId="115"/>
+        <pc:sldMkLst>
+          <pc:docMk/>
+          <pc:sldMk cId="1464749429" sldId="299"/>
+        </pc:sldMkLst>
+        <pc:spChg chg="mod">
+          <ac:chgData name="Gibbons, Carl" userId="d2b037bc-8fb4-4222-845c-61440543a456" providerId="ADAL" clId="{7B5B51BB-EDBF-4DA9-A87C-3EE01BE9AC5A}" dt="2024-05-17T02:45:12.703" v="11059" actId="115"/>
+          <ac:spMkLst>
+            <pc:docMk/>
+            <pc:sldMk cId="1464749429" sldId="299"/>
+            <ac:spMk id="3" creationId="{ADD8957C-88E6-A920-4979-2BDA9406B518}"/>
+          </ac:spMkLst>
+        </pc:spChg>
+      </pc:sldChg>
+      <pc:sldChg chg="modSp mod">
+        <pc:chgData name="Gibbons, Carl" userId="d2b037bc-8fb4-4222-845c-61440543a456" providerId="ADAL" clId="{7B5B51BB-EDBF-4DA9-A87C-3EE01BE9AC5A}" dt="2024-05-17T01:50:23.348" v="8207" actId="20577"/>
+        <pc:sldMkLst>
+          <pc:docMk/>
+          <pc:sldMk cId="2272690951" sldId="300"/>
+        </pc:sldMkLst>
+        <pc:spChg chg="mod">
+          <ac:chgData name="Gibbons, Carl" userId="d2b037bc-8fb4-4222-845c-61440543a456" providerId="ADAL" clId="{7B5B51BB-EDBF-4DA9-A87C-3EE01BE9AC5A}" dt="2024-05-17T01:21:59.806" v="7604" actId="20577"/>
+          <ac:spMkLst>
+            <pc:docMk/>
+            <pc:sldMk cId="2272690951" sldId="300"/>
+            <ac:spMk id="2" creationId="{361EE6A6-565D-6719-0FBC-5CFE8D6A76E8}"/>
+          </ac:spMkLst>
+        </pc:spChg>
+        <pc:spChg chg="mod">
+          <ac:chgData name="Gibbons, Carl" userId="d2b037bc-8fb4-4222-845c-61440543a456" providerId="ADAL" clId="{7B5B51BB-EDBF-4DA9-A87C-3EE01BE9AC5A}" dt="2024-05-17T01:50:23.348" v="8207" actId="20577"/>
+          <ac:spMkLst>
+            <pc:docMk/>
+            <pc:sldMk cId="2272690951" sldId="300"/>
+            <ac:spMk id="3" creationId="{ADD8957C-88E6-A920-4979-2BDA9406B518}"/>
+          </ac:spMkLst>
+        </pc:spChg>
+      </pc:sldChg>
+      <pc:sldChg chg="modSp mod">
+        <pc:chgData name="Gibbons, Carl" userId="d2b037bc-8fb4-4222-845c-61440543a456" providerId="ADAL" clId="{7B5B51BB-EDBF-4DA9-A87C-3EE01BE9AC5A}" dt="2024-05-17T01:50:16.602" v="8204" actId="20577"/>
+        <pc:sldMkLst>
+          <pc:docMk/>
+          <pc:sldMk cId="2246322020" sldId="301"/>
+        </pc:sldMkLst>
+        <pc:spChg chg="mod">
+          <ac:chgData name="Gibbons, Carl" userId="d2b037bc-8fb4-4222-845c-61440543a456" providerId="ADAL" clId="{7B5B51BB-EDBF-4DA9-A87C-3EE01BE9AC5A}" dt="2024-05-17T01:22:03.597" v="7606" actId="20577"/>
+          <ac:spMkLst>
+            <pc:docMk/>
+            <pc:sldMk cId="2246322020" sldId="301"/>
+            <ac:spMk id="2" creationId="{361EE6A6-565D-6719-0FBC-5CFE8D6A76E8}"/>
+          </ac:spMkLst>
+        </pc:spChg>
+        <pc:spChg chg="mod">
+          <ac:chgData name="Gibbons, Carl" userId="d2b037bc-8fb4-4222-845c-61440543a456" providerId="ADAL" clId="{7B5B51BB-EDBF-4DA9-A87C-3EE01BE9AC5A}" dt="2024-05-17T01:50:16.602" v="8204" actId="20577"/>
+          <ac:spMkLst>
+            <pc:docMk/>
+            <pc:sldMk cId="2246322020" sldId="301"/>
+            <ac:spMk id="3" creationId="{ADD8957C-88E6-A920-4979-2BDA9406B518}"/>
           </ac:spMkLst>
         </pc:spChg>
       </pc:sldChg>
@@ -1905,7 +2136,7 @@
           <a:p>
             <a:fld id="{421996D4-4A1C-4BBC-AA2B-FD5B7FC395A0}" type="datetime1">
               <a:rPr lang="en-US" smtClean="0"/>
-              <a:t>5/7/2024</a:t>
+              <a:t>5/17/2024</a:t>
             </a:fld>
             <a:endParaRPr lang="en-US"/>
           </a:p>
@@ -2103,7 +2334,7 @@
           <a:p>
             <a:fld id="{CB43818D-5554-4105-BE04-CEE32DEBDA0A}" type="datetime1">
               <a:rPr lang="en-US" smtClean="0"/>
-              <a:t>5/7/2024</a:t>
+              <a:t>5/17/2024</a:t>
             </a:fld>
             <a:endParaRPr lang="en-US"/>
           </a:p>
@@ -2311,7 +2542,7 @@
           <a:p>
             <a:fld id="{AFAC11C6-1708-41BC-9474-3D7842023D96}" type="datetime1">
               <a:rPr lang="en-US" smtClean="0"/>
-              <a:t>5/7/2024</a:t>
+              <a:t>5/17/2024</a:t>
             </a:fld>
             <a:endParaRPr lang="en-US"/>
           </a:p>
@@ -2590,7 +2821,7 @@
           <a:p>
             <a:fld id="{490605F8-8C86-41F5-9F5E-04EDB8C2540B}" type="datetime1">
               <a:rPr lang="en-US" smtClean="0"/>
-              <a:t>5/7/2024</a:t>
+              <a:t>5/17/2024</a:t>
             </a:fld>
             <a:endParaRPr lang="en-US"/>
           </a:p>
@@ -2865,7 +3096,7 @@
           <a:p>
             <a:fld id="{CA355DA2-1E89-41CC-B722-CBFC08F260AE}" type="datetime1">
               <a:rPr lang="en-US" smtClean="0"/>
-              <a:t>5/7/2024</a:t>
+              <a:t>5/17/2024</a:t>
             </a:fld>
             <a:endParaRPr lang="en-US"/>
           </a:p>
@@ -3130,7 +3361,7 @@
           <a:p>
             <a:fld id="{7F6AFD48-C472-404E-B7B5-BA44CCF2F55D}" type="datetime1">
               <a:rPr lang="en-US" smtClean="0"/>
-              <a:t>5/7/2024</a:t>
+              <a:t>5/17/2024</a:t>
             </a:fld>
             <a:endParaRPr lang="en-US"/>
           </a:p>
@@ -3542,7 +3773,7 @@
           <a:p>
             <a:fld id="{B33F52E9-9255-4CAF-909C-660126F1B079}" type="datetime1">
               <a:rPr lang="en-US" smtClean="0"/>
-              <a:t>5/7/2024</a:t>
+              <a:t>5/17/2024</a:t>
             </a:fld>
             <a:endParaRPr lang="en-US"/>
           </a:p>
@@ -3683,7 +3914,7 @@
           <a:p>
             <a:fld id="{67F9F019-D13C-4797-8A9F-7B02D5B8121E}" type="datetime1">
               <a:rPr lang="en-US" smtClean="0"/>
-              <a:t>5/7/2024</a:t>
+              <a:t>5/17/2024</a:t>
             </a:fld>
             <a:endParaRPr lang="en-US"/>
           </a:p>
@@ -3796,7 +4027,7 @@
           <a:p>
             <a:fld id="{FDA143B9-A6C4-436D-945A-FF5B3EA2EF39}" type="datetime1">
               <a:rPr lang="en-US" smtClean="0"/>
-              <a:t>5/7/2024</a:t>
+              <a:t>5/17/2024</a:t>
             </a:fld>
             <a:endParaRPr lang="en-US"/>
           </a:p>
@@ -4107,7 +4338,7 @@
           <a:p>
             <a:fld id="{457E18FE-B6F9-4F6A-835B-8251F04458A0}" type="datetime1">
               <a:rPr lang="en-US" smtClean="0"/>
-              <a:t>5/7/2024</a:t>
+              <a:t>5/17/2024</a:t>
             </a:fld>
             <a:endParaRPr lang="en-US"/>
           </a:p>
@@ -4395,7 +4626,7 @@
           <a:p>
             <a:fld id="{5F2690CE-112A-455B-AD5F-E26CEA6A5331}" type="datetime1">
               <a:rPr lang="en-US" smtClean="0"/>
-              <a:t>5/7/2024</a:t>
+              <a:t>5/17/2024</a:t>
             </a:fld>
             <a:endParaRPr lang="en-US"/>
           </a:p>
@@ -4636,7 +4867,7 @@
           <a:p>
             <a:fld id="{9C4E342D-98AB-407C-88D4-A20ED0F70E1C}" type="datetime1">
               <a:rPr lang="en-US" smtClean="0"/>
-              <a:t>5/7/2024</a:t>
+              <a:t>5/17/2024</a:t>
             </a:fld>
             <a:endParaRPr lang="en-US"/>
           </a:p>
@@ -5291,7 +5522,15 @@
             </a:r>
             <a:r>
               <a:rPr lang="en-US" sz="2000" dirty="0"/>
-              <a:t> as the loop variable inside the script block, just as you saw previously with the Foreach-Object pipeline command.</a:t>
+              <a:t> as the loop variable inside the script block, just as you saw previously with </a:t>
+            </a:r>
+            <a:r>
+              <a:rPr lang="en-US" sz="2000" b="1" dirty="0"/>
+              <a:t>Foreach-Object</a:t>
+            </a:r>
+            <a:r>
+              <a:rPr lang="en-US" sz="2000" dirty="0"/>
+              <a:t> in pipelines.</a:t>
             </a:r>
           </a:p>
           <a:p>
@@ -5490,7 +5729,7 @@
             </a:pPr>
             <a:r>
               <a:rPr lang="en-US" sz="2000" dirty="0"/>
-              <a:t>The rest of PowerShell’s loop keywords are meant to be used in scripts (not as pipeline targets or methods).</a:t>
+              <a:t>The rest of PowerShell’s loop keywords are meant to be used in scripts (not as pipeline targets or methods), but they can still be used in command lines.</a:t>
             </a:r>
           </a:p>
           <a:p>
@@ -5528,7 +5767,17 @@
             </a:r>
             <a:r>
               <a:rPr lang="en-US" sz="2000" dirty="0"/>
-              <a:t> keyword and between parentheses, put your loop variable before the </a:t>
+              <a:t> keyword and between parentheses  </a:t>
+            </a:r>
+            <a:r>
+              <a:rPr lang="en-US" sz="2000" dirty="0">
+                <a:latin typeface="Lucida Console" panose="020B0609040504020204" pitchFamily="49" charset="0"/>
+              </a:rPr>
+              <a:t>( )</a:t>
+            </a:r>
+            <a:r>
+              <a:rPr lang="en-US" sz="2000" dirty="0"/>
+              <a:t>, put your loop variable before the </a:t>
             </a:r>
             <a:r>
               <a:rPr lang="en-US" sz="2000" b="1" dirty="0"/>
@@ -5782,7 +6031,47 @@
             </a:r>
             <a:r>
               <a:rPr lang="en-US" sz="2000" dirty="0"/>
-              <a:t> keyword is followed by a conditional expression and a script block.</a:t>
+              <a:t> keyword is followed by a </a:t>
+            </a:r>
+            <a:r>
+              <a:rPr lang="en-US" sz="2000" dirty="0">
+                <a:latin typeface="Lucida Console" panose="020B0609040504020204" pitchFamily="49" charset="0"/>
+              </a:rPr>
+              <a:t>(</a:t>
+            </a:r>
+            <a:r>
+              <a:rPr lang="en-US" sz="2000" dirty="0"/>
+              <a:t>conditional expression</a:t>
+            </a:r>
+            <a:r>
+              <a:rPr lang="en-US" sz="2000" dirty="0">
+                <a:latin typeface="Lucida Console" panose="020B0609040504020204" pitchFamily="49" charset="0"/>
+              </a:rPr>
+              <a:t>)</a:t>
+            </a:r>
+            <a:r>
+              <a:rPr lang="en-US" sz="2000" dirty="0"/>
+              <a:t> and a </a:t>
+            </a:r>
+            <a:r>
+              <a:rPr lang="en-US" sz="2000" dirty="0">
+                <a:latin typeface="Lucida Console" panose="020B0609040504020204" pitchFamily="49" charset="0"/>
+              </a:rPr>
+              <a:t>{</a:t>
+            </a:r>
+            <a:r>
+              <a:rPr lang="en-US" sz="2000" dirty="0"/>
+              <a:t>script block</a:t>
+            </a:r>
+            <a:r>
+              <a:rPr lang="en-US" sz="2000" dirty="0">
+                <a:latin typeface="Lucida Console" panose="020B0609040504020204" pitchFamily="49" charset="0"/>
+              </a:rPr>
+              <a:t>}</a:t>
+            </a:r>
+            <a:r>
+              <a:rPr lang="en-US" sz="2000" dirty="0"/>
+              <a:t>.</a:t>
             </a:r>
           </a:p>
           <a:p>
@@ -6124,7 +6413,7 @@
             </a:pPr>
             <a:r>
               <a:rPr lang="en-US" sz="2000" dirty="0"/>
-              <a:t>The </a:t>
+              <a:t>The  </a:t>
             </a:r>
             <a:r>
               <a:rPr lang="en-US" sz="2000" dirty="0">
@@ -6134,7 +6423,27 @@
             </a:r>
             <a:r>
               <a:rPr lang="en-US" sz="2000" dirty="0"/>
-              <a:t> keyword is followed by a script block, then one of the keywords </a:t>
+              <a:t>  keyword is followed by a </a:t>
+            </a:r>
+            <a:r>
+              <a:rPr lang="en-US" sz="2000" dirty="0">
+                <a:latin typeface="Lucida Console" panose="020B0609040504020204" pitchFamily="49" charset="0"/>
+              </a:rPr>
+              <a:t>{</a:t>
+            </a:r>
+            <a:r>
+              <a:rPr lang="en-US" sz="2000" dirty="0"/>
+              <a:t>script block</a:t>
+            </a:r>
+            <a:r>
+              <a:rPr lang="en-US" sz="2000" dirty="0">
+                <a:latin typeface="Lucida Console" panose="020B0609040504020204" pitchFamily="49" charset="0"/>
+              </a:rPr>
+              <a:t>}</a:t>
+            </a:r>
+            <a:r>
+              <a:rPr lang="en-US" sz="2000" dirty="0"/>
+              <a:t>, then one of the keywords </a:t>
             </a:r>
             <a:r>
               <a:rPr lang="en-US" sz="2000" dirty="0">
@@ -6154,7 +6463,27 @@
             </a:r>
             <a:r>
               <a:rPr lang="en-US" sz="2000" dirty="0"/>
-              <a:t>, then a conditional expression (in parentheses).</a:t>
+              <a:t>, then a </a:t>
+            </a:r>
+            <a:r>
+              <a:rPr lang="en-US" sz="2000" dirty="0">
+                <a:latin typeface="Lucida Console" panose="020B0609040504020204" pitchFamily="49" charset="0"/>
+              </a:rPr>
+              <a:t>(</a:t>
+            </a:r>
+            <a:r>
+              <a:rPr lang="en-US" sz="2000" dirty="0"/>
+              <a:t>conditional expression</a:t>
+            </a:r>
+            <a:r>
+              <a:rPr lang="en-US" sz="2000" dirty="0">
+                <a:latin typeface="Lucida Console" panose="020B0609040504020204" pitchFamily="49" charset="0"/>
+              </a:rPr>
+              <a:t>)</a:t>
+            </a:r>
+            <a:r>
+              <a:rPr lang="en-US" sz="2000" dirty="0"/>
+              <a:t>.</a:t>
             </a:r>
           </a:p>
           <a:p>
@@ -6190,7 +6519,7 @@
             </a:r>
             <a:r>
               <a:rPr lang="en-US" sz="2000" dirty="0"/>
-              <a:t>. The loop stops the first time the condition evaluates to </a:t>
+              <a:t>. The loop stops the first time the condition evaluates  </a:t>
             </a:r>
             <a:r>
               <a:rPr lang="en-US" sz="2000" b="1" dirty="0"/>
@@ -6224,7 +6553,7 @@
             </a:r>
             <a:r>
               <a:rPr lang="en-US" sz="2000" dirty="0"/>
-              <a:t>. The loop stops the first time the condition evaluates to </a:t>
+              <a:t>. The loop stops the first time the condition evaluates  </a:t>
             </a:r>
             <a:r>
               <a:rPr lang="en-US" sz="2000" b="1" dirty="0"/>
@@ -6520,7 +6849,7 @@
             </a:r>
             <a:r>
               <a:rPr lang="en-US" sz="2000" i="1" dirty="0"/>
-              <a:t> statements in many other popular coding languages including C, C++, Java, C#, </a:t>
+              <a:t> statements in many other popular coding languages including C#, </a:t>
             </a:r>
             <a:r>
               <a:rPr lang="en-US" sz="2000" i="1" dirty="0" err="1"/>
@@ -6528,7 +6857,7 @@
             </a:r>
             <a:r>
               <a:rPr lang="en-US" sz="2000" i="1" dirty="0"/>
-              <a:t>, etc.</a:t>
+              <a:t>, C++, Java, C, PHP, etc.</a:t>
             </a:r>
           </a:p>
           <a:p>
@@ -6536,9 +6865,16 @@
               <a:buFont typeface="Arial" panose="020B0604020202020204" pitchFamily="34" charset="0"/>
               <a:buChar char="•"/>
             </a:pPr>
-            <a:r>
-              <a:rPr lang="en-US" sz="2000" dirty="0"/>
-              <a:t>The </a:t>
+            <a:endParaRPr lang="en-US" sz="2000" i="1" dirty="0"/>
+          </a:p>
+          <a:p>
+            <a:pPr marL="342900" indent="-342900">
+              <a:buFont typeface="Arial" panose="020B0604020202020204" pitchFamily="34" charset="0"/>
+              <a:buChar char="•"/>
+            </a:pPr>
+            <a:r>
+              <a:rPr lang="en-US" sz="2000" dirty="0"/>
+              <a:t>The  </a:t>
             </a:r>
             <a:r>
               <a:rPr lang="en-US" sz="2000" dirty="0">
@@ -6548,7 +6884,15 @@
             </a:r>
             <a:r>
               <a:rPr lang="en-US" sz="2000" dirty="0"/>
-              <a:t> keyword is followed by three expressions (enclosed in parentheses and delimited with </a:t>
+              <a:t>  keyword is followed by </a:t>
+            </a:r>
+            <a:r>
+              <a:rPr lang="en-US" sz="2000" i="1" dirty="0"/>
+              <a:t>three</a:t>
+            </a:r>
+            <a:r>
+              <a:rPr lang="en-US" sz="2000" dirty="0"/>
+              <a:t> expressions (enclosed in parentheses and delimited </a:t>
             </a:r>
             <a:r>
               <a:rPr lang="en-US" sz="2000" dirty="0">
@@ -6558,7 +6902,37 @@
             </a:r>
             <a:r>
               <a:rPr lang="en-US" sz="2000" dirty="0"/>
-              <a:t> semicolons) and a script block. Syntax:</a:t>
+              <a:t> with </a:t>
+            </a:r>
+            <a:r>
+              <a:rPr lang="en-US" sz="2000" dirty="0">
+                <a:latin typeface="Lucida Console" panose="020B0609040504020204" pitchFamily="49" charset="0"/>
+              </a:rPr>
+              <a:t>;</a:t>
+            </a:r>
+            <a:r>
+              <a:rPr lang="en-US" sz="2000" dirty="0"/>
+              <a:t> semicolons) and a </a:t>
+            </a:r>
+            <a:r>
+              <a:rPr lang="en-US" sz="2000" dirty="0">
+                <a:latin typeface="Lucida Console" panose="020B0609040504020204" pitchFamily="49" charset="0"/>
+              </a:rPr>
+              <a:t>{</a:t>
+            </a:r>
+            <a:r>
+              <a:rPr lang="en-US" sz="2000" dirty="0"/>
+              <a:t>script block</a:t>
+            </a:r>
+            <a:r>
+              <a:rPr lang="en-US" sz="2000" dirty="0">
+                <a:latin typeface="Lucida Console" panose="020B0609040504020204" pitchFamily="49" charset="0"/>
+              </a:rPr>
+              <a:t>}</a:t>
+            </a:r>
+            <a:r>
+              <a:rPr lang="en-US" sz="2000" dirty="0"/>
+              <a:t>. Syntax:</a:t>
             </a:r>
           </a:p>
           <a:p>
@@ -6602,15 +6976,7 @@
             </a:r>
             <a:r>
               <a:rPr lang="en-US" sz="2000" i="1" dirty="0"/>
-              <a:t>&lt;</a:t>
-            </a:r>
-            <a:r>
-              <a:rPr lang="en-US" sz="2000" i="1" dirty="0" err="1"/>
-              <a:t>incrementer</a:t>
-            </a:r>
-            <a:r>
-              <a:rPr lang="en-US" sz="2000" i="1" dirty="0"/>
-              <a:t> expr.&gt;</a:t>
+              <a:t>&lt;modifier expr.&gt;</a:t>
             </a:r>
             <a:r>
               <a:rPr lang="en-US" sz="2000" dirty="0">
@@ -6743,8 +7109,6 @@
               </a:rPr>
               <a:t>}</a:t>
             </a:r>
-          </a:p>
-          <a:p>
             <a:endParaRPr lang="en-US" sz="2000" dirty="0"/>
           </a:p>
           <a:p>
@@ -6898,7 +7262,7 @@
             </a:r>
             <a:r>
               <a:rPr lang="en-US" sz="2000" i="1" dirty="0"/>
-              <a:t>&lt;incr. expr.&gt;</a:t>
+              <a:t>&lt;modifier expr.&gt;</a:t>
             </a:r>
             <a:r>
               <a:rPr lang="en-US" sz="2000" dirty="0">
@@ -7395,7 +7759,15 @@
             </a:pPr>
             <a:r>
               <a:rPr lang="en-US" sz="2000" dirty="0"/>
-              <a:t>Use a continue keyword in a script block to skip the rest of a script block and prepare for the next iteration. Here’s an example that counts from zero to nine, but uses continue to skip over three and eight:</a:t>
+              <a:t>Use a continue keyword in a script block to skip the rest of </a:t>
+            </a:r>
+            <a:r>
+              <a:rPr lang="en-US" sz="2000"/>
+              <a:t>a loop script </a:t>
+            </a:r>
+            <a:r>
+              <a:rPr lang="en-US" sz="2000" dirty="0"/>
+              <a:t>block and prepare for the next iteration. Here’s an example that counts from zero to nine, but uses continue to skip over three and eight:</a:t>
             </a:r>
           </a:p>
           <a:p>
@@ -7587,15 +7959,7 @@
             </a:pPr>
             <a:r>
               <a:rPr lang="en-US" sz="2000" dirty="0"/>
-              <a:t>Conditional execution (</a:t>
-            </a:r>
-            <a:r>
-              <a:rPr lang="en-US" sz="2000"/>
-              <a:t>a.k.a. branching</a:t>
-            </a:r>
-            <a:r>
-              <a:rPr lang="en-US" sz="2000" dirty="0"/>
-              <a:t>, selection)</a:t>
+              <a:t>Conditional execution (a.k.a. branching, selection, decisions)</a:t>
             </a:r>
           </a:p>
           <a:p>
@@ -7605,7 +7969,7 @@
             </a:pPr>
             <a:r>
               <a:rPr lang="en-US" sz="2000" dirty="0"/>
-              <a:t>Repeated execution (loops)</a:t>
+              <a:t>Repeated execution (a.k.a. loops, iterations)</a:t>
             </a:r>
           </a:p>
           <a:p>
@@ -7628,7 +7992,7 @@
             </a:r>
             <a:r>
               <a:rPr lang="en-US" sz="2000" dirty="0"/>
-              <a:t>. It’s a special case, because unlike the aforementioned control structures, it deals with situations that may be “</a:t>
+              <a:t>. It’s a special case, because unlike the aforementioned control structures, it deals with risky situations that may be </a:t>
             </a:r>
             <a:r>
               <a:rPr lang="en-US" sz="2000" i="1" dirty="0"/>
@@ -7636,7 +8000,7 @@
             </a:r>
             <a:r>
               <a:rPr lang="en-US" sz="2000" dirty="0"/>
-              <a:t>,” such as unpredictable system errors or failures.</a:t>
+              <a:t>, such as unpredictable system errors or failures.</a:t>
             </a:r>
           </a:p>
           <a:p>
@@ -8938,7 +9302,7 @@
             </a:r>
             <a:r>
               <a:rPr lang="en-US" sz="2000" dirty="0"/>
-              <a:t> in their given order. This is the </a:t>
+              <a:t> one at a time, in their given order. This is the </a:t>
             </a:r>
             <a:r>
               <a:rPr lang="en-US" sz="2000" u="sng" dirty="0"/>
@@ -9176,7 +9540,7 @@
         <p:spPr>
           <a:xfrm>
             <a:off x="1268392" y="1054728"/>
-            <a:ext cx="9655207" cy="400110"/>
+            <a:ext cx="9655207" cy="707886"/>
           </a:xfrm>
           <a:prstGeom prst="rect">
             <a:avLst/>
@@ -9191,7 +9555,7 @@
           <a:p>
             <a:r>
               <a:rPr lang="en-US" sz="2000" dirty="0"/>
-              <a:t>In your next exercises, you will practice using conditional execution and loops.</a:t>
+              <a:t>In your next exercises, you will practice using conditional execution and loops, and you will also practice with PowerShell’s error and exception handling features.</a:t>
             </a:r>
           </a:p>
         </p:txBody>
@@ -9616,7 +9980,7 @@
         <p:spPr>
           <a:xfrm>
             <a:off x="1268392" y="1054728"/>
-            <a:ext cx="9655207" cy="5601533"/>
+            <a:ext cx="9655207" cy="4801314"/>
           </a:xfrm>
           <a:prstGeom prst="rect">
             <a:avLst/>
@@ -9637,6 +10001,12 @@
               <a:rPr lang="en-US" sz="2000" i="1" dirty="0"/>
               <a:t>Interactively try some command lines in a terminal. When you find commands that do what you want, then you know what commands might work best in your script.</a:t>
             </a:r>
+          </a:p>
+          <a:p>
+            <a:pPr marL="800100" lvl="1" indent="-342900">
+              <a:buFont typeface="Arial" panose="020B0604020202020204" pitchFamily="34" charset="0"/>
+              <a:buChar char="•"/>
+            </a:pPr>
             <a:endParaRPr lang="en-US" sz="2000" dirty="0"/>
           </a:p>
           <a:p>
@@ -9698,23 +10068,23 @@
               <a:rPr lang="en-US" sz="2000" i="1" dirty="0">
                 <a:effectLst/>
               </a:rPr>
-              <a:t>A </a:t>
-            </a:r>
-            <a:r>
-              <a:rPr lang="en-US" sz="2000" dirty="0">
+              <a:t>The </a:t>
+            </a:r>
+            <a:r>
+              <a:rPr lang="en-US" sz="2000" b="1" dirty="0">
                 <a:effectLst/>
               </a:rPr>
-              <a:t>“bubble sort”</a:t>
+              <a:t>Sort-Object</a:t>
             </a:r>
             <a:r>
               <a:rPr lang="en-US" sz="2000" i="1" dirty="0">
                 <a:effectLst/>
               </a:rPr>
-              <a:t> algorithm</a:t>
+              <a:t> </a:t>
             </a:r>
             <a:r>
               <a:rPr lang="en-US" sz="2000" i="1" dirty="0"/>
-              <a:t> can sort three variables in non-decreasing order:</a:t>
+              <a:t>cmdlet organizes an array of numbers in non-decreasing order:</a:t>
             </a:r>
           </a:p>
           <a:p>
@@ -9732,174 +10102,8 @@
                 <a:effectLst/>
                 <a:latin typeface="Consolas" panose="020B0609020204030204" pitchFamily="49" charset="0"/>
               </a:rPr>
-              <a:t>$</a:t>
-            </a:r>
-            <a:r>
-              <a:rPr lang="en-US" b="1" i="0" dirty="0" err="1">
-                <a:effectLst/>
-                <a:latin typeface="Consolas" panose="020B0609020204030204" pitchFamily="49" charset="0"/>
-              </a:rPr>
-              <a:t>a,$b,$c</a:t>
-            </a:r>
-            <a:r>
-              <a:rPr lang="en-US" b="1" i="0" dirty="0">
-                <a:effectLst/>
-                <a:latin typeface="Consolas" panose="020B0609020204030204" pitchFamily="49" charset="0"/>
-              </a:rPr>
-              <a:t> = 2,1,3</a:t>
-            </a:r>
-          </a:p>
-          <a:p>
-            <a:r>
-              <a:rPr lang="en-US" b="1" dirty="0">
-                <a:latin typeface="Consolas" panose="020B0609020204030204" pitchFamily="49" charset="0"/>
-              </a:rPr>
-              <a:t>if ($a –</a:t>
-            </a:r>
-            <a:r>
-              <a:rPr lang="en-US" b="1" dirty="0" err="1">
-                <a:latin typeface="Consolas" panose="020B0609020204030204" pitchFamily="49" charset="0"/>
-              </a:rPr>
-              <a:t>gt</a:t>
-            </a:r>
-            <a:r>
-              <a:rPr lang="en-US" b="1" dirty="0">
-                <a:latin typeface="Consolas" panose="020B0609020204030204" pitchFamily="49" charset="0"/>
-              </a:rPr>
-              <a:t> $c) { $</a:t>
-            </a:r>
-            <a:r>
-              <a:rPr lang="en-US" b="1" dirty="0" err="1">
-                <a:latin typeface="Consolas" panose="020B0609020204030204" pitchFamily="49" charset="0"/>
-              </a:rPr>
-              <a:t>a,$c</a:t>
-            </a:r>
-            <a:r>
-              <a:rPr lang="en-US" b="1" dirty="0">
-                <a:latin typeface="Consolas" panose="020B0609020204030204" pitchFamily="49" charset="0"/>
-              </a:rPr>
-              <a:t> = $</a:t>
-            </a:r>
-            <a:r>
-              <a:rPr lang="en-US" b="1" dirty="0" err="1">
-                <a:latin typeface="Consolas" panose="020B0609020204030204" pitchFamily="49" charset="0"/>
-              </a:rPr>
-              <a:t>c,$a</a:t>
-            </a:r>
-            <a:r>
-              <a:rPr lang="en-US" b="1" dirty="0">
-                <a:latin typeface="Consolas" panose="020B0609020204030204" pitchFamily="49" charset="0"/>
-              </a:rPr>
-              <a:t> }</a:t>
-            </a:r>
-          </a:p>
-          <a:p>
-            <a:r>
-              <a:rPr lang="en-US" b="1" dirty="0">
-                <a:latin typeface="Consolas" panose="020B0609020204030204" pitchFamily="49" charset="0"/>
-              </a:rPr>
-              <a:t>if ($a –</a:t>
-            </a:r>
-            <a:r>
-              <a:rPr lang="en-US" b="1" dirty="0" err="1">
-                <a:latin typeface="Consolas" panose="020B0609020204030204" pitchFamily="49" charset="0"/>
-              </a:rPr>
-              <a:t>gt</a:t>
-            </a:r>
-            <a:r>
-              <a:rPr lang="en-US" b="1" dirty="0">
-                <a:latin typeface="Consolas" panose="020B0609020204030204" pitchFamily="49" charset="0"/>
-              </a:rPr>
-              <a:t> $b) { $</a:t>
-            </a:r>
-            <a:r>
-              <a:rPr lang="en-US" b="1" dirty="0" err="1">
-                <a:latin typeface="Consolas" panose="020B0609020204030204" pitchFamily="49" charset="0"/>
-              </a:rPr>
-              <a:t>a,$b</a:t>
-            </a:r>
-            <a:r>
-              <a:rPr lang="en-US" b="1" dirty="0">
-                <a:latin typeface="Consolas" panose="020B0609020204030204" pitchFamily="49" charset="0"/>
-              </a:rPr>
-              <a:t> = $</a:t>
-            </a:r>
-            <a:r>
-              <a:rPr lang="en-US" b="1" dirty="0" err="1">
-                <a:latin typeface="Consolas" panose="020B0609020204030204" pitchFamily="49" charset="0"/>
-              </a:rPr>
-              <a:t>b,$a</a:t>
-            </a:r>
-            <a:r>
-              <a:rPr lang="en-US" b="1" dirty="0">
-                <a:latin typeface="Consolas" panose="020B0609020204030204" pitchFamily="49" charset="0"/>
-              </a:rPr>
-              <a:t> }</a:t>
-            </a:r>
-          </a:p>
-          <a:p>
-            <a:r>
-              <a:rPr lang="en-US" b="1" dirty="0">
-                <a:latin typeface="Consolas" panose="020B0609020204030204" pitchFamily="49" charset="0"/>
-              </a:rPr>
-              <a:t>if ($b –</a:t>
-            </a:r>
-            <a:r>
-              <a:rPr lang="en-US" b="1" dirty="0" err="1">
-                <a:latin typeface="Consolas" panose="020B0609020204030204" pitchFamily="49" charset="0"/>
-              </a:rPr>
-              <a:t>gt</a:t>
-            </a:r>
-            <a:r>
-              <a:rPr lang="en-US" b="1" dirty="0">
-                <a:latin typeface="Consolas" panose="020B0609020204030204" pitchFamily="49" charset="0"/>
-              </a:rPr>
-              <a:t> $c) { $</a:t>
-            </a:r>
-            <a:r>
-              <a:rPr lang="en-US" b="1" dirty="0" err="1">
-                <a:latin typeface="Consolas" panose="020B0609020204030204" pitchFamily="49" charset="0"/>
-              </a:rPr>
-              <a:t>b,$c</a:t>
-            </a:r>
-            <a:r>
-              <a:rPr lang="en-US" b="1" dirty="0">
-                <a:latin typeface="Consolas" panose="020B0609020204030204" pitchFamily="49" charset="0"/>
-              </a:rPr>
-              <a:t> = $</a:t>
-            </a:r>
-            <a:r>
-              <a:rPr lang="en-US" b="1" dirty="0" err="1">
-                <a:latin typeface="Consolas" panose="020B0609020204030204" pitchFamily="49" charset="0"/>
-              </a:rPr>
-              <a:t>c,$b</a:t>
-            </a:r>
-            <a:r>
-              <a:rPr lang="en-US" b="1" dirty="0">
-                <a:latin typeface="Consolas" panose="020B0609020204030204" pitchFamily="49" charset="0"/>
-              </a:rPr>
-              <a:t> }</a:t>
-            </a:r>
-          </a:p>
-          <a:p>
-            <a:r>
-              <a:rPr lang="en-US" b="1" i="0" dirty="0">
-                <a:effectLst/>
-                <a:latin typeface="Consolas" panose="020B0609020204030204" pitchFamily="49" charset="0"/>
-              </a:rPr>
-              <a:t>$</a:t>
-            </a:r>
-            <a:r>
-              <a:rPr lang="en-US" b="1" i="0" dirty="0" err="1">
-                <a:effectLst/>
-                <a:latin typeface="Consolas" panose="020B0609020204030204" pitchFamily="49" charset="0"/>
-              </a:rPr>
-              <a:t>a,$b,$c</a:t>
-            </a:r>
-            <a:endParaRPr lang="en-US" b="1" i="0" dirty="0">
-              <a:effectLst/>
-              <a:latin typeface="Consolas" panose="020B0609020204030204" pitchFamily="49" charset="0"/>
-            </a:endParaRPr>
+              <a:t>2,3,1 | Sort-Object</a:t>
+            </a:r>
           </a:p>
           <a:p>
             <a:endParaRPr lang="en-US" b="1" i="0" dirty="0">
@@ -10041,7 +10245,7 @@
         <p:spPr>
           <a:xfrm>
             <a:off x="1268392" y="1054728"/>
-            <a:ext cx="9655207" cy="2554545"/>
+            <a:ext cx="9655207" cy="4708981"/>
           </a:xfrm>
           <a:prstGeom prst="rect">
             <a:avLst/>
@@ -10066,7 +10270,7 @@
             </a:pPr>
             <a:r>
               <a:rPr lang="en-US" sz="2000" dirty="0"/>
-              <a:t>Try modifying it so that the use can “give up” and reveal the answer, rather than keep looping until the user finally gets the answer correct.</a:t>
+              <a:t>Try modifying it so that the user can “give up” and reveal the answer, rather than keep looping until the user finally gets the answer correct.</a:t>
             </a:r>
           </a:p>
           <a:p>
@@ -10076,7 +10280,7 @@
             </a:pPr>
             <a:r>
               <a:rPr lang="en-US" sz="2000" dirty="0"/>
-              <a:t>Try modifying the game to keep track of how many times the user entered guesses, and when the user guesses correctly, tell the user how many times they guessed before winning.</a:t>
+              <a:t>Try modifying the game to keep track of how many times users entered guesses, and when they guesses correctly, tell them how many times they guessed before they won.</a:t>
             </a:r>
           </a:p>
           <a:p>
@@ -10086,7 +10290,44 @@
             </a:pPr>
             <a:r>
               <a:rPr lang="en-US" sz="2000" dirty="0"/>
-              <a:t>Try modifying the game to ask “Do you want to play again?” and if so, keep starting the game again three new dice rolls.</a:t>
+              <a:t>Try modifying the game to ask, “Do you want to play again?” and if so, keep restarting the game again with new rolls of the three dice.</a:t>
+            </a:r>
+          </a:p>
+          <a:p>
+            <a:pPr marL="342900" indent="-342900">
+              <a:buFont typeface="Arial" panose="020B0604020202020204" pitchFamily="34" charset="0"/>
+              <a:buChar char="•"/>
+            </a:pPr>
+            <a:endParaRPr lang="en-US" sz="2000" dirty="0"/>
+          </a:p>
+          <a:p>
+            <a:pPr algn="r"/>
+            <a:r>
+              <a:rPr lang="en-US" sz="2000" i="1" dirty="0"/>
+              <a:t>PT (Pro-tip): Scripting Puzzles and Games</a:t>
+            </a:r>
+          </a:p>
+          <a:p>
+            <a:pPr algn="r"/>
+            <a:r>
+              <a:rPr lang="en-US" sz="2000" i="1" dirty="0"/>
+              <a:t>The scripting or programming skills you use to code a briefly entertaining amusement, like this game, are </a:t>
+            </a:r>
+            <a:r>
+              <a:rPr lang="en-US" sz="2000" b="1" i="1" dirty="0"/>
+              <a:t>exactly the same skills</a:t>
+            </a:r>
+            <a:r>
+              <a:rPr lang="en-US" sz="2000" i="1" dirty="0"/>
+              <a:t> that can provide business value by automating IT and cybersecurity tasks. Hone these skills. Whenever you are working and struggling to solve any puzzle, whether you are mining evidence data, hunting threats, evicting cyber intruders, or penetration testing: keep yourself motivated by treating it like a fun game! They’re all challenges you </a:t>
+            </a:r>
+            <a:r>
+              <a:rPr lang="en-US" sz="2000" b="1" i="1" dirty="0"/>
+              <a:t>can</a:t>
+            </a:r>
+            <a:r>
+              <a:rPr lang="en-US" sz="2000" i="1" dirty="0"/>
+              <a:t> win with enough grit, determination, and the right tools and know-how.</a:t>
             </a:r>
           </a:p>
         </p:txBody>
@@ -10095,6 +10336,941 @@
     <p:extLst>
       <p:ext uri="{BB962C8B-B14F-4D97-AF65-F5344CB8AC3E}">
         <p14:creationId xmlns:p14="http://schemas.microsoft.com/office/powerpoint/2010/main" val="1101538689"/>
+      </p:ext>
+    </p:extLst>
+  </p:cSld>
+  <p:clrMapOvr>
+    <a:masterClrMapping/>
+  </p:clrMapOvr>
+</p:sld>
+</file>
+
+<file path=ppt/slides/slide24.xml><?xml version="1.0" encoding="utf-8"?>
+<p:sld xmlns:a="http://schemas.openxmlformats.org/drawingml/2006/main" xmlns:r="http://schemas.openxmlformats.org/officeDocument/2006/relationships" xmlns:p="http://schemas.openxmlformats.org/presentationml/2006/main">
+  <p:cSld>
+    <p:spTree>
+      <p:nvGrpSpPr>
+        <p:cNvPr id="1" name=""/>
+        <p:cNvGrpSpPr/>
+        <p:nvPr/>
+      </p:nvGrpSpPr>
+      <p:grpSpPr>
+        <a:xfrm>
+          <a:off x="0" y="0"/>
+          <a:ext cx="0" cy="0"/>
+          <a:chOff x="0" y="0"/>
+          <a:chExt cx="0" cy="0"/>
+        </a:xfrm>
+      </p:grpSpPr>
+      <p:sp>
+        <p:nvSpPr>
+          <p:cNvPr id="2" name="Text Placeholder 1">
+            <a:extLst>
+              <a:ext uri="{FF2B5EF4-FFF2-40B4-BE49-F238E27FC236}">
+                <a16:creationId xmlns:a16="http://schemas.microsoft.com/office/drawing/2014/main" id="{361EE6A6-565D-6719-0FBC-5CFE8D6A76E8}"/>
+              </a:ext>
+            </a:extLst>
+          </p:cNvPr>
+          <p:cNvSpPr>
+            <a:spLocks noGrp="1"/>
+          </p:cNvSpPr>
+          <p:nvPr>
+            <p:ph type="body" sz="quarter" idx="10"/>
+          </p:nvPr>
+        </p:nvSpPr>
+        <p:spPr/>
+        <p:txBody>
+          <a:bodyPr>
+            <a:normAutofit fontScale="92500" lnSpcReduction="10000"/>
+          </a:bodyPr>
+          <a:lstStyle/>
+          <a:p>
+            <a:pPr algn="r"/>
+            <a:r>
+              <a:rPr lang="en-US" i="1" dirty="0"/>
+              <a:t>PT: functional pipelines (1)</a:t>
+            </a:r>
+          </a:p>
+        </p:txBody>
+      </p:sp>
+      <p:sp>
+        <p:nvSpPr>
+          <p:cNvPr id="3" name="TextBox 2">
+            <a:extLst>
+              <a:ext uri="{FF2B5EF4-FFF2-40B4-BE49-F238E27FC236}">
+                <a16:creationId xmlns:a16="http://schemas.microsoft.com/office/drawing/2014/main" id="{ADD8957C-88E6-A920-4979-2BDA9406B518}"/>
+              </a:ext>
+            </a:extLst>
+          </p:cNvPr>
+          <p:cNvSpPr txBox="1"/>
+          <p:nvPr/>
+        </p:nvSpPr>
+        <p:spPr>
+          <a:xfrm>
+            <a:off x="1268392" y="1054728"/>
+            <a:ext cx="9655207" cy="4401205"/>
+          </a:xfrm>
+          <a:prstGeom prst="rect">
+            <a:avLst/>
+          </a:prstGeom>
+          <a:noFill/>
+        </p:spPr>
+        <p:txBody>
+          <a:bodyPr wrap="square" rtlCol="0">
+            <a:spAutoFit/>
+          </a:bodyPr>
+          <a:lstStyle/>
+          <a:p>
+            <a:pPr lvl="1" algn="r"/>
+            <a:r>
+              <a:rPr lang="en-US" sz="2000" i="1" dirty="0"/>
+              <a:t>These PT “Pro-tips” provide extra information that you might find useful.</a:t>
+            </a:r>
+          </a:p>
+          <a:p>
+            <a:pPr lvl="1" algn="r"/>
+            <a:r>
+              <a:rPr lang="en-US" sz="2000" i="1" dirty="0"/>
+              <a:t>However, there will not be any exercises that practice pro-tips,</a:t>
+            </a:r>
+          </a:p>
+          <a:p>
+            <a:pPr lvl="1" algn="r"/>
+            <a:r>
+              <a:rPr lang="en-US" sz="2000" i="1" dirty="0"/>
+              <a:t>nor quizzes or exams that assess your knowledge of pro-tips.</a:t>
+            </a:r>
+          </a:p>
+          <a:p>
+            <a:pPr marL="342900" indent="-342900">
+              <a:buFont typeface="Arial" panose="020B0604020202020204" pitchFamily="34" charset="0"/>
+              <a:buChar char="•"/>
+            </a:pPr>
+            <a:endParaRPr lang="en-US" sz="2000" dirty="0"/>
+          </a:p>
+          <a:p>
+            <a:pPr marL="342900" indent="-342900">
+              <a:buFont typeface="Arial" panose="020B0604020202020204" pitchFamily="34" charset="0"/>
+              <a:buChar char="•"/>
+            </a:pPr>
+            <a:endParaRPr lang="en-US" sz="2000" dirty="0"/>
+          </a:p>
+          <a:p>
+            <a:pPr lvl="1" algn="r"/>
+            <a:r>
+              <a:rPr lang="en-US" sz="2000" i="1" u="sng" dirty="0"/>
+              <a:t>Every</a:t>
+            </a:r>
+            <a:r>
+              <a:rPr lang="en-US" sz="2000" i="1" dirty="0"/>
+              <a:t> functional algorithm follows of one of three different fundamental patterns:</a:t>
+            </a:r>
+          </a:p>
+          <a:p>
+            <a:pPr lvl="1" algn="r"/>
+            <a:r>
+              <a:rPr lang="en-US" sz="2000" b="1" i="1" dirty="0"/>
+              <a:t>Map</a:t>
+            </a:r>
+            <a:r>
+              <a:rPr lang="en-US" sz="2000" i="1" dirty="0"/>
+              <a:t> (take every item in a collection and transform it into something else),</a:t>
+            </a:r>
+          </a:p>
+          <a:p>
+            <a:pPr lvl="1" algn="r"/>
+            <a:r>
+              <a:rPr lang="en-US" sz="2000" b="1" i="1" dirty="0"/>
+              <a:t>Filter</a:t>
+            </a:r>
+            <a:r>
+              <a:rPr lang="en-US" sz="2000" i="1" dirty="0"/>
+              <a:t> (decide whether to preserve or discard each item in a collection), and</a:t>
+            </a:r>
+          </a:p>
+          <a:p>
+            <a:pPr lvl="1" algn="r"/>
+            <a:r>
+              <a:rPr lang="en-US" sz="2000" b="1" i="1" dirty="0"/>
+              <a:t>Reduce</a:t>
+            </a:r>
+            <a:r>
+              <a:rPr lang="en-US" sz="2000" i="1" dirty="0"/>
+              <a:t> (process all items of a collection together into a single summary result).</a:t>
+            </a:r>
+          </a:p>
+          <a:p>
+            <a:pPr lvl="3"/>
+            <a:endParaRPr lang="en-US" sz="2000" i="1" dirty="0"/>
+          </a:p>
+          <a:p>
+            <a:pPr lvl="1" algn="r"/>
+            <a:r>
+              <a:rPr lang="en-US" sz="2000" i="1" dirty="0"/>
+              <a:t>PowerShell’s pipeline cmdlets </a:t>
+            </a:r>
+            <a:r>
+              <a:rPr lang="en-US" sz="2000" b="1" dirty="0"/>
+              <a:t>Foreach-Object</a:t>
+            </a:r>
+            <a:r>
+              <a:rPr lang="en-US" sz="2000" i="1" dirty="0"/>
+              <a:t> and </a:t>
+            </a:r>
+            <a:r>
+              <a:rPr lang="en-US" sz="2000" b="1" dirty="0"/>
+              <a:t>Where-Object</a:t>
+            </a:r>
+            <a:r>
+              <a:rPr lang="en-US" sz="2000" i="1" dirty="0"/>
+              <a:t> may be used to implement each of these three functional programming patterns…</a:t>
+            </a:r>
+          </a:p>
+          <a:p>
+            <a:pPr lvl="1" algn="r"/>
+            <a:endParaRPr lang="en-US" sz="2000" i="1" dirty="0"/>
+          </a:p>
+          <a:p>
+            <a:pPr lvl="1" algn="r"/>
+            <a:r>
+              <a:rPr lang="en-US" sz="2000" i="1" dirty="0"/>
+              <a:t>(continued next slide)</a:t>
+            </a:r>
+          </a:p>
+        </p:txBody>
+      </p:sp>
+    </p:spTree>
+    <p:extLst>
+      <p:ext uri="{BB962C8B-B14F-4D97-AF65-F5344CB8AC3E}">
+        <p14:creationId xmlns:p14="http://schemas.microsoft.com/office/powerpoint/2010/main" val="1464749429"/>
+      </p:ext>
+    </p:extLst>
+  </p:cSld>
+  <p:clrMapOvr>
+    <a:masterClrMapping/>
+  </p:clrMapOvr>
+</p:sld>
+</file>
+
+<file path=ppt/slides/slide25.xml><?xml version="1.0" encoding="utf-8"?>
+<p:sld xmlns:a="http://schemas.openxmlformats.org/drawingml/2006/main" xmlns:r="http://schemas.openxmlformats.org/officeDocument/2006/relationships" xmlns:p="http://schemas.openxmlformats.org/presentationml/2006/main">
+  <p:cSld>
+    <p:spTree>
+      <p:nvGrpSpPr>
+        <p:cNvPr id="1" name=""/>
+        <p:cNvGrpSpPr/>
+        <p:nvPr/>
+      </p:nvGrpSpPr>
+      <p:grpSpPr>
+        <a:xfrm>
+          <a:off x="0" y="0"/>
+          <a:ext cx="0" cy="0"/>
+          <a:chOff x="0" y="0"/>
+          <a:chExt cx="0" cy="0"/>
+        </a:xfrm>
+      </p:grpSpPr>
+      <p:sp>
+        <p:nvSpPr>
+          <p:cNvPr id="2" name="Text Placeholder 1">
+            <a:extLst>
+              <a:ext uri="{FF2B5EF4-FFF2-40B4-BE49-F238E27FC236}">
+                <a16:creationId xmlns:a16="http://schemas.microsoft.com/office/drawing/2014/main" id="{361EE6A6-565D-6719-0FBC-5CFE8D6A76E8}"/>
+              </a:ext>
+            </a:extLst>
+          </p:cNvPr>
+          <p:cNvSpPr>
+            <a:spLocks noGrp="1"/>
+          </p:cNvSpPr>
+          <p:nvPr>
+            <p:ph type="body" sz="quarter" idx="10"/>
+          </p:nvPr>
+        </p:nvSpPr>
+        <p:spPr/>
+        <p:txBody>
+          <a:bodyPr>
+            <a:normAutofit fontScale="92500" lnSpcReduction="10000"/>
+          </a:bodyPr>
+          <a:lstStyle/>
+          <a:p>
+            <a:pPr algn="r"/>
+            <a:r>
+              <a:rPr lang="en-US" i="1" dirty="0"/>
+              <a:t>PT: functional pipelines (2)</a:t>
+            </a:r>
+          </a:p>
+        </p:txBody>
+      </p:sp>
+      <p:sp>
+        <p:nvSpPr>
+          <p:cNvPr id="3" name="TextBox 2">
+            <a:extLst>
+              <a:ext uri="{FF2B5EF4-FFF2-40B4-BE49-F238E27FC236}">
+                <a16:creationId xmlns:a16="http://schemas.microsoft.com/office/drawing/2014/main" id="{ADD8957C-88E6-A920-4979-2BDA9406B518}"/>
+              </a:ext>
+            </a:extLst>
+          </p:cNvPr>
+          <p:cNvSpPr txBox="1"/>
+          <p:nvPr/>
+        </p:nvSpPr>
+        <p:spPr>
+          <a:xfrm>
+            <a:off x="1268392" y="1054728"/>
+            <a:ext cx="9655207" cy="4708981"/>
+          </a:xfrm>
+          <a:prstGeom prst="rect">
+            <a:avLst/>
+          </a:prstGeom>
+          <a:noFill/>
+        </p:spPr>
+        <p:txBody>
+          <a:bodyPr wrap="square" rtlCol="0">
+            <a:spAutoFit/>
+          </a:bodyPr>
+          <a:lstStyle/>
+          <a:p>
+            <a:pPr lvl="1" algn="r"/>
+            <a:r>
+              <a:rPr lang="en-US" sz="2000" i="1" dirty="0"/>
+              <a:t>These PT “Pro-tips” provide extra information that you might find useful.</a:t>
+            </a:r>
+          </a:p>
+          <a:p>
+            <a:pPr lvl="1" algn="r"/>
+            <a:r>
+              <a:rPr lang="en-US" sz="2000" i="1" dirty="0"/>
+              <a:t>However, there will not be any exercises that practice pro-tips,</a:t>
+            </a:r>
+          </a:p>
+          <a:p>
+            <a:pPr lvl="1" algn="r"/>
+            <a:r>
+              <a:rPr lang="en-US" sz="2000" i="1" dirty="0"/>
+              <a:t>nor quizzes or exams that assess your knowledge of pro-tips.</a:t>
+            </a:r>
+          </a:p>
+          <a:p>
+            <a:pPr marL="342900" indent="-342900">
+              <a:buFont typeface="Arial" panose="020B0604020202020204" pitchFamily="34" charset="0"/>
+              <a:buChar char="•"/>
+            </a:pPr>
+            <a:endParaRPr lang="en-US" sz="2000" dirty="0"/>
+          </a:p>
+          <a:p>
+            <a:pPr lvl="1" algn="r"/>
+            <a:endParaRPr lang="en-US" sz="2000" i="1" dirty="0"/>
+          </a:p>
+          <a:p>
+            <a:pPr lvl="1" algn="r"/>
+            <a:r>
+              <a:rPr lang="en-US" sz="2000" b="1" i="1" dirty="0"/>
+              <a:t>Map</a:t>
+            </a:r>
+            <a:r>
+              <a:rPr lang="en-US" sz="2000" i="1" dirty="0"/>
+              <a:t> pipeline examples, using </a:t>
+            </a:r>
+            <a:r>
+              <a:rPr lang="en-US" sz="2000" b="1" dirty="0" err="1"/>
+              <a:t>ForEach</a:t>
+            </a:r>
+            <a:r>
+              <a:rPr lang="en-US" sz="2000" b="1" dirty="0"/>
+              <a:t>-Object</a:t>
+            </a:r>
+            <a:r>
+              <a:rPr lang="en-US" sz="2000" i="1" dirty="0"/>
+              <a:t>’s alias </a:t>
+            </a:r>
+            <a:r>
+              <a:rPr lang="en-US" sz="2000" b="1" dirty="0">
+                <a:latin typeface="Consolas" panose="020B0609020204030204" pitchFamily="49" charset="0"/>
+              </a:rPr>
+              <a:t>%</a:t>
+            </a:r>
+            <a:r>
+              <a:rPr lang="en-US" sz="2000" i="1" dirty="0"/>
+              <a:t> :</a:t>
+            </a:r>
+          </a:p>
+          <a:p>
+            <a:pPr lvl="1" algn="r"/>
+            <a:endParaRPr lang="en-US" sz="2000" i="1" dirty="0"/>
+          </a:p>
+          <a:p>
+            <a:pPr lvl="1" algn="r"/>
+            <a:r>
+              <a:rPr lang="en-US" sz="2000" b="1" dirty="0">
+                <a:latin typeface="Consolas" panose="020B0609020204030204" pitchFamily="49" charset="0"/>
+              </a:rPr>
+              <a:t>1..7 | % { $_ + 10 }</a:t>
+            </a:r>
+            <a:endParaRPr lang="en-US" sz="2000" b="1" i="1" dirty="0">
+              <a:latin typeface="Consolas" panose="020B0609020204030204" pitchFamily="49" charset="0"/>
+            </a:endParaRPr>
+          </a:p>
+          <a:p>
+            <a:pPr lvl="1" algn="r"/>
+            <a:r>
+              <a:rPr lang="en-US" sz="2000" i="1" dirty="0"/>
+              <a:t># maps 1,2,3,4,5,6,7  into  11,12,13,14,15,16,17</a:t>
+            </a:r>
+          </a:p>
+          <a:p>
+            <a:pPr lvl="1" algn="r"/>
+            <a:endParaRPr lang="en-US" sz="2000" i="1" dirty="0"/>
+          </a:p>
+          <a:p>
+            <a:pPr lvl="1" algn="r"/>
+            <a:r>
+              <a:rPr lang="en-US" sz="2000" b="1" dirty="0">
+                <a:latin typeface="Consolas" panose="020B0609020204030204" pitchFamily="49" charset="0"/>
+              </a:rPr>
+              <a:t>"faith", "hope", "charity" | % { $_.</a:t>
+            </a:r>
+            <a:r>
+              <a:rPr lang="en-US" sz="2000" b="1" dirty="0" err="1">
+                <a:latin typeface="Consolas" panose="020B0609020204030204" pitchFamily="49" charset="0"/>
+              </a:rPr>
+              <a:t>ToUpper</a:t>
+            </a:r>
+            <a:r>
+              <a:rPr lang="en-US" sz="2000" b="1" dirty="0">
+                <a:latin typeface="Consolas" panose="020B0609020204030204" pitchFamily="49" charset="0"/>
+              </a:rPr>
+              <a:t>() }</a:t>
+            </a:r>
+          </a:p>
+          <a:p>
+            <a:pPr lvl="1" algn="r"/>
+            <a:r>
+              <a:rPr lang="en-US" sz="2000" i="1" dirty="0"/>
+              <a:t># maps “faith”, “hope”, “charity” into “FAITH”, “HOPE”, “CHARITY”</a:t>
+            </a:r>
+          </a:p>
+          <a:p>
+            <a:pPr lvl="1" algn="r"/>
+            <a:endParaRPr lang="en-US" sz="2000" i="1" dirty="0"/>
+          </a:p>
+          <a:p>
+            <a:pPr lvl="1" algn="r"/>
+            <a:r>
+              <a:rPr lang="en-US" sz="2000" i="1" dirty="0"/>
+              <a:t>Learn more: </a:t>
+            </a:r>
+            <a:r>
+              <a:rPr lang="en-US" sz="2000" b="1" dirty="0">
+                <a:latin typeface="Consolas" panose="020B0609020204030204" pitchFamily="49" charset="0"/>
+              </a:rPr>
+              <a:t>Get-Help </a:t>
+            </a:r>
+            <a:r>
+              <a:rPr lang="en-US" sz="2000" b="1" dirty="0" err="1">
+                <a:latin typeface="Consolas" panose="020B0609020204030204" pitchFamily="49" charset="0"/>
+              </a:rPr>
+              <a:t>ForEach</a:t>
+            </a:r>
+            <a:r>
+              <a:rPr lang="en-US" sz="2000" b="1" dirty="0">
+                <a:latin typeface="Consolas" panose="020B0609020204030204" pitchFamily="49" charset="0"/>
+              </a:rPr>
+              <a:t>-Object -Examples</a:t>
+            </a:r>
+            <a:endParaRPr lang="en-US" sz="2000" i="1" dirty="0"/>
+          </a:p>
+          <a:p>
+            <a:pPr lvl="1" algn="r"/>
+            <a:r>
+              <a:rPr lang="en-US" sz="2000" i="1" dirty="0"/>
+              <a:t>(continued next slide)</a:t>
+            </a:r>
+          </a:p>
+        </p:txBody>
+      </p:sp>
+    </p:spTree>
+    <p:extLst>
+      <p:ext uri="{BB962C8B-B14F-4D97-AF65-F5344CB8AC3E}">
+        <p14:creationId xmlns:p14="http://schemas.microsoft.com/office/powerpoint/2010/main" val="2272690951"/>
+      </p:ext>
+    </p:extLst>
+  </p:cSld>
+  <p:clrMapOvr>
+    <a:masterClrMapping/>
+  </p:clrMapOvr>
+</p:sld>
+</file>
+
+<file path=ppt/slides/slide26.xml><?xml version="1.0" encoding="utf-8"?>
+<p:sld xmlns:a="http://schemas.openxmlformats.org/drawingml/2006/main" xmlns:r="http://schemas.openxmlformats.org/officeDocument/2006/relationships" xmlns:p="http://schemas.openxmlformats.org/presentationml/2006/main">
+  <p:cSld>
+    <p:spTree>
+      <p:nvGrpSpPr>
+        <p:cNvPr id="1" name=""/>
+        <p:cNvGrpSpPr/>
+        <p:nvPr/>
+      </p:nvGrpSpPr>
+      <p:grpSpPr>
+        <a:xfrm>
+          <a:off x="0" y="0"/>
+          <a:ext cx="0" cy="0"/>
+          <a:chOff x="0" y="0"/>
+          <a:chExt cx="0" cy="0"/>
+        </a:xfrm>
+      </p:grpSpPr>
+      <p:sp>
+        <p:nvSpPr>
+          <p:cNvPr id="2" name="Text Placeholder 1">
+            <a:extLst>
+              <a:ext uri="{FF2B5EF4-FFF2-40B4-BE49-F238E27FC236}">
+                <a16:creationId xmlns:a16="http://schemas.microsoft.com/office/drawing/2014/main" id="{361EE6A6-565D-6719-0FBC-5CFE8D6A76E8}"/>
+              </a:ext>
+            </a:extLst>
+          </p:cNvPr>
+          <p:cNvSpPr>
+            <a:spLocks noGrp="1"/>
+          </p:cNvSpPr>
+          <p:nvPr>
+            <p:ph type="body" sz="quarter" idx="10"/>
+          </p:nvPr>
+        </p:nvSpPr>
+        <p:spPr/>
+        <p:txBody>
+          <a:bodyPr>
+            <a:normAutofit fontScale="92500" lnSpcReduction="10000"/>
+          </a:bodyPr>
+          <a:lstStyle/>
+          <a:p>
+            <a:pPr algn="r"/>
+            <a:r>
+              <a:rPr lang="en-US" i="1" dirty="0"/>
+              <a:t>PT: functional pipelines (3)</a:t>
+            </a:r>
+          </a:p>
+        </p:txBody>
+      </p:sp>
+      <p:sp>
+        <p:nvSpPr>
+          <p:cNvPr id="3" name="TextBox 2">
+            <a:extLst>
+              <a:ext uri="{FF2B5EF4-FFF2-40B4-BE49-F238E27FC236}">
+                <a16:creationId xmlns:a16="http://schemas.microsoft.com/office/drawing/2014/main" id="{ADD8957C-88E6-A920-4979-2BDA9406B518}"/>
+              </a:ext>
+            </a:extLst>
+          </p:cNvPr>
+          <p:cNvSpPr txBox="1"/>
+          <p:nvPr/>
+        </p:nvSpPr>
+        <p:spPr>
+          <a:xfrm>
+            <a:off x="1268392" y="1054728"/>
+            <a:ext cx="9655207" cy="4708981"/>
+          </a:xfrm>
+          <a:prstGeom prst="rect">
+            <a:avLst/>
+          </a:prstGeom>
+          <a:noFill/>
+        </p:spPr>
+        <p:txBody>
+          <a:bodyPr wrap="square" rtlCol="0">
+            <a:spAutoFit/>
+          </a:bodyPr>
+          <a:lstStyle/>
+          <a:p>
+            <a:pPr lvl="1" algn="r"/>
+            <a:r>
+              <a:rPr lang="en-US" sz="2000" i="1" dirty="0"/>
+              <a:t>These PT “Pro-tips” provide extra information that you might find useful.</a:t>
+            </a:r>
+          </a:p>
+          <a:p>
+            <a:pPr lvl="1" algn="r"/>
+            <a:r>
+              <a:rPr lang="en-US" sz="2000" i="1" dirty="0"/>
+              <a:t>However, there will not be any exercises that practice pro-tips,</a:t>
+            </a:r>
+          </a:p>
+          <a:p>
+            <a:pPr lvl="1" algn="r"/>
+            <a:r>
+              <a:rPr lang="en-US" sz="2000" i="1" dirty="0"/>
+              <a:t>nor quizzes or exams that assess your knowledge of pro-tips.</a:t>
+            </a:r>
+          </a:p>
+          <a:p>
+            <a:pPr marL="342900" indent="-342900">
+              <a:buFont typeface="Arial" panose="020B0604020202020204" pitchFamily="34" charset="0"/>
+              <a:buChar char="•"/>
+            </a:pPr>
+            <a:endParaRPr lang="en-US" sz="2000" dirty="0"/>
+          </a:p>
+          <a:p>
+            <a:pPr lvl="1" algn="r"/>
+            <a:endParaRPr lang="en-US" sz="2000" i="1" dirty="0"/>
+          </a:p>
+          <a:p>
+            <a:pPr lvl="1" algn="r"/>
+            <a:r>
+              <a:rPr lang="en-US" sz="2000" b="1" i="1" dirty="0"/>
+              <a:t>Filter</a:t>
+            </a:r>
+            <a:r>
+              <a:rPr lang="en-US" sz="2000" i="1" dirty="0"/>
+              <a:t> pipeline examples, using </a:t>
+            </a:r>
+            <a:r>
+              <a:rPr lang="en-US" sz="2000" b="1" dirty="0"/>
+              <a:t>Where-Object</a:t>
+            </a:r>
+            <a:r>
+              <a:rPr lang="en-US" sz="2000" i="1" dirty="0"/>
+              <a:t>’s alias </a:t>
+            </a:r>
+            <a:r>
+              <a:rPr lang="en-US" sz="2000" b="1" dirty="0">
+                <a:latin typeface="Consolas" panose="020B0609020204030204" pitchFamily="49" charset="0"/>
+              </a:rPr>
+              <a:t>?</a:t>
+            </a:r>
+            <a:r>
+              <a:rPr lang="en-US" sz="2000" i="1" dirty="0"/>
+              <a:t> :</a:t>
+            </a:r>
+          </a:p>
+          <a:p>
+            <a:pPr lvl="1" algn="r"/>
+            <a:endParaRPr lang="en-US" sz="2000" i="1" dirty="0"/>
+          </a:p>
+          <a:p>
+            <a:pPr lvl="1" algn="r"/>
+            <a:r>
+              <a:rPr lang="en-US" sz="2000" b="1" dirty="0">
+                <a:latin typeface="Consolas" panose="020B0609020204030204" pitchFamily="49" charset="0"/>
+              </a:rPr>
+              <a:t>1..7 | ? { $_ % 3 –eq 1 }</a:t>
+            </a:r>
+            <a:endParaRPr lang="en-US" sz="2000" b="1" i="1" dirty="0">
+              <a:latin typeface="Consolas" panose="020B0609020204030204" pitchFamily="49" charset="0"/>
+            </a:endParaRPr>
+          </a:p>
+          <a:p>
+            <a:pPr lvl="1" algn="r"/>
+            <a:r>
+              <a:rPr lang="en-US" sz="2000" i="1" dirty="0"/>
+              <a:t># filters 1,2,3,4,5,6,7  down to just  1,4,7</a:t>
+            </a:r>
+          </a:p>
+          <a:p>
+            <a:pPr lvl="1" algn="r"/>
+            <a:endParaRPr lang="en-US" sz="2000" i="1" dirty="0"/>
+          </a:p>
+          <a:p>
+            <a:pPr lvl="1" algn="r"/>
+            <a:r>
+              <a:rPr lang="en-US" sz="2000" b="1" dirty="0">
+                <a:latin typeface="Consolas" panose="020B0609020204030204" pitchFamily="49" charset="0"/>
+              </a:rPr>
+              <a:t>"</a:t>
+            </a:r>
+            <a:r>
+              <a:rPr lang="en-US" sz="2000" b="1" dirty="0" err="1">
+                <a:latin typeface="Consolas" panose="020B0609020204030204" pitchFamily="49" charset="0"/>
+              </a:rPr>
+              <a:t>hdwwiz.cpl</a:t>
+            </a:r>
+            <a:r>
+              <a:rPr lang="en-US" sz="2000" b="1" dirty="0">
+                <a:latin typeface="Consolas" panose="020B0609020204030204" pitchFamily="49" charset="0"/>
+              </a:rPr>
+              <a:t>", "hdwwiz.exe" | ? { $_ -like "*.exe" }</a:t>
+            </a:r>
+          </a:p>
+          <a:p>
+            <a:pPr lvl="1" algn="r"/>
+            <a:r>
+              <a:rPr lang="en-US" sz="2000" i="1" dirty="0"/>
+              <a:t># filters “</a:t>
+            </a:r>
+            <a:r>
+              <a:rPr lang="en-US" sz="2000" i="1" dirty="0" err="1"/>
+              <a:t>hdwwiz.cpl</a:t>
+            </a:r>
+            <a:r>
+              <a:rPr lang="en-US" sz="2000" i="1" dirty="0"/>
+              <a:t>”, “hdwwiz.exe”  down to just  “hdwwiz.exe”</a:t>
+            </a:r>
+          </a:p>
+          <a:p>
+            <a:pPr lvl="1" algn="r"/>
+            <a:endParaRPr lang="en-US" sz="2000" i="1" dirty="0"/>
+          </a:p>
+          <a:p>
+            <a:pPr lvl="1" algn="r"/>
+            <a:r>
+              <a:rPr lang="en-US" sz="2000" i="1" dirty="0"/>
+              <a:t>Learn more: </a:t>
+            </a:r>
+            <a:r>
+              <a:rPr lang="en-US" sz="2000" b="1" dirty="0">
+                <a:latin typeface="Consolas" panose="020B0609020204030204" pitchFamily="49" charset="0"/>
+              </a:rPr>
+              <a:t>Get-Help Where-Object -Examples</a:t>
+            </a:r>
+            <a:endParaRPr lang="en-US" sz="2000" i="1" dirty="0"/>
+          </a:p>
+          <a:p>
+            <a:pPr lvl="1" algn="r"/>
+            <a:r>
+              <a:rPr lang="en-US" sz="2000" i="1" dirty="0"/>
+              <a:t>(continued next slide)</a:t>
+            </a:r>
+          </a:p>
+        </p:txBody>
+      </p:sp>
+    </p:spTree>
+    <p:extLst>
+      <p:ext uri="{BB962C8B-B14F-4D97-AF65-F5344CB8AC3E}">
+        <p14:creationId xmlns:p14="http://schemas.microsoft.com/office/powerpoint/2010/main" val="2246322020"/>
+      </p:ext>
+    </p:extLst>
+  </p:cSld>
+  <p:clrMapOvr>
+    <a:masterClrMapping/>
+  </p:clrMapOvr>
+</p:sld>
+</file>
+
+<file path=ppt/slides/slide27.xml><?xml version="1.0" encoding="utf-8"?>
+<p:sld xmlns:a="http://schemas.openxmlformats.org/drawingml/2006/main" xmlns:r="http://schemas.openxmlformats.org/officeDocument/2006/relationships" xmlns:p="http://schemas.openxmlformats.org/presentationml/2006/main">
+  <p:cSld>
+    <p:spTree>
+      <p:nvGrpSpPr>
+        <p:cNvPr id="1" name=""/>
+        <p:cNvGrpSpPr/>
+        <p:nvPr/>
+      </p:nvGrpSpPr>
+      <p:grpSpPr>
+        <a:xfrm>
+          <a:off x="0" y="0"/>
+          <a:ext cx="0" cy="0"/>
+          <a:chOff x="0" y="0"/>
+          <a:chExt cx="0" cy="0"/>
+        </a:xfrm>
+      </p:grpSpPr>
+      <p:sp>
+        <p:nvSpPr>
+          <p:cNvPr id="2" name="Text Placeholder 1">
+            <a:extLst>
+              <a:ext uri="{FF2B5EF4-FFF2-40B4-BE49-F238E27FC236}">
+                <a16:creationId xmlns:a16="http://schemas.microsoft.com/office/drawing/2014/main" id="{361EE6A6-565D-6719-0FBC-5CFE8D6A76E8}"/>
+              </a:ext>
+            </a:extLst>
+          </p:cNvPr>
+          <p:cNvSpPr>
+            <a:spLocks noGrp="1"/>
+          </p:cNvSpPr>
+          <p:nvPr>
+            <p:ph type="body" sz="quarter" idx="10"/>
+          </p:nvPr>
+        </p:nvSpPr>
+        <p:spPr/>
+        <p:txBody>
+          <a:bodyPr>
+            <a:normAutofit fontScale="92500" lnSpcReduction="10000"/>
+          </a:bodyPr>
+          <a:lstStyle/>
+          <a:p>
+            <a:pPr algn="r"/>
+            <a:r>
+              <a:rPr lang="en-US" i="1" dirty="0"/>
+              <a:t>PT: functional pipelines (4)</a:t>
+            </a:r>
+          </a:p>
+        </p:txBody>
+      </p:sp>
+      <p:sp>
+        <p:nvSpPr>
+          <p:cNvPr id="3" name="TextBox 2">
+            <a:extLst>
+              <a:ext uri="{FF2B5EF4-FFF2-40B4-BE49-F238E27FC236}">
+                <a16:creationId xmlns:a16="http://schemas.microsoft.com/office/drawing/2014/main" id="{ADD8957C-88E6-A920-4979-2BDA9406B518}"/>
+              </a:ext>
+            </a:extLst>
+          </p:cNvPr>
+          <p:cNvSpPr txBox="1"/>
+          <p:nvPr/>
+        </p:nvSpPr>
+        <p:spPr>
+          <a:xfrm>
+            <a:off x="1268392" y="1054728"/>
+            <a:ext cx="9655207" cy="4708981"/>
+          </a:xfrm>
+          <a:prstGeom prst="rect">
+            <a:avLst/>
+          </a:prstGeom>
+          <a:noFill/>
+        </p:spPr>
+        <p:txBody>
+          <a:bodyPr wrap="square" rtlCol="0">
+            <a:spAutoFit/>
+          </a:bodyPr>
+          <a:lstStyle/>
+          <a:p>
+            <a:pPr lvl="1" algn="r"/>
+            <a:r>
+              <a:rPr lang="en-US" sz="2000" i="1" dirty="0"/>
+              <a:t>These PT “Pro-tips” provide extra information that you might find useful.</a:t>
+            </a:r>
+          </a:p>
+          <a:p>
+            <a:pPr lvl="1" algn="r"/>
+            <a:r>
+              <a:rPr lang="en-US" sz="2000" i="1" dirty="0"/>
+              <a:t>However, there will not be any exercises that practice pro-tips,</a:t>
+            </a:r>
+          </a:p>
+          <a:p>
+            <a:pPr lvl="1" algn="r"/>
+            <a:r>
+              <a:rPr lang="en-US" sz="2000" i="1" dirty="0"/>
+              <a:t>nor quizzes or exams that assess your knowledge of pro-tips.</a:t>
+            </a:r>
+          </a:p>
+          <a:p>
+            <a:pPr marL="342900" indent="-342900">
+              <a:buFont typeface="Arial" panose="020B0604020202020204" pitchFamily="34" charset="0"/>
+              <a:buChar char="•"/>
+            </a:pPr>
+            <a:endParaRPr lang="en-US" sz="2000" dirty="0"/>
+          </a:p>
+          <a:p>
+            <a:pPr lvl="1" algn="r"/>
+            <a:endParaRPr lang="en-US" sz="2000" i="1" dirty="0"/>
+          </a:p>
+          <a:p>
+            <a:pPr lvl="1" algn="r"/>
+            <a:r>
+              <a:rPr lang="en-US" sz="2000" b="1" i="1" dirty="0"/>
+              <a:t>Reduce</a:t>
+            </a:r>
+            <a:r>
+              <a:rPr lang="en-US" sz="2000" i="1" dirty="0"/>
+              <a:t> pipeline examples, using </a:t>
+            </a:r>
+            <a:r>
+              <a:rPr lang="en-US" sz="2000" b="1" dirty="0" err="1"/>
+              <a:t>ForEach</a:t>
+            </a:r>
+            <a:r>
+              <a:rPr lang="en-US" sz="2000" b="1" dirty="0"/>
+              <a:t>-Object</a:t>
+            </a:r>
+            <a:r>
+              <a:rPr lang="en-US" sz="2000" i="1" dirty="0"/>
+              <a:t>’s alias </a:t>
+            </a:r>
+            <a:r>
+              <a:rPr lang="en-US" sz="2000" b="1" dirty="0">
+                <a:latin typeface="Consolas" panose="020B0609020204030204" pitchFamily="49" charset="0"/>
+              </a:rPr>
+              <a:t>%</a:t>
+            </a:r>
+            <a:br>
+              <a:rPr lang="en-US" sz="2000" i="1" dirty="0"/>
+            </a:br>
+            <a:r>
+              <a:rPr lang="en-US" sz="2000" i="1" dirty="0"/>
+              <a:t>with its {begin} {process} {end} script block syntax:</a:t>
+            </a:r>
+          </a:p>
+          <a:p>
+            <a:pPr lvl="1" algn="r"/>
+            <a:endParaRPr lang="en-US" sz="2000" i="1" dirty="0"/>
+          </a:p>
+          <a:p>
+            <a:pPr lvl="1" algn="r"/>
+            <a:r>
+              <a:rPr lang="en-US" sz="2000" b="1" dirty="0">
+                <a:latin typeface="Consolas" panose="020B0609020204030204" pitchFamily="49" charset="0"/>
+              </a:rPr>
+              <a:t>1..7 | % { $total=0 } { $total += $_ } { $total }</a:t>
+            </a:r>
+            <a:endParaRPr lang="en-US" sz="2000" b="1" i="1" dirty="0">
+              <a:latin typeface="Consolas" panose="020B0609020204030204" pitchFamily="49" charset="0"/>
+            </a:endParaRPr>
+          </a:p>
+          <a:p>
+            <a:pPr lvl="1" algn="r"/>
+            <a:r>
+              <a:rPr lang="en-US" sz="2000" i="1" dirty="0"/>
+              <a:t># summarizes 1,2,3,4,5,6,7  by adding them to their total  28</a:t>
+            </a:r>
+          </a:p>
+          <a:p>
+            <a:pPr lvl="1" algn="r"/>
+            <a:endParaRPr lang="en-US" sz="2000" i="1" dirty="0"/>
+          </a:p>
+          <a:p>
+            <a:pPr lvl="1" algn="r"/>
+            <a:r>
+              <a:rPr lang="en-US" sz="2000" b="1" dirty="0">
+                <a:latin typeface="Consolas" panose="020B0609020204030204" pitchFamily="49" charset="0"/>
+              </a:rPr>
+              <a:t>"</a:t>
+            </a:r>
+            <a:r>
+              <a:rPr lang="en-US" sz="2000" b="1" dirty="0" err="1">
+                <a:latin typeface="Consolas" panose="020B0609020204030204" pitchFamily="49" charset="0"/>
+              </a:rPr>
+              <a:t>Data","Loss","Prevention</a:t>
+            </a:r>
+            <a:r>
+              <a:rPr lang="en-US" sz="2000" b="1" dirty="0">
+                <a:latin typeface="Consolas" panose="020B0609020204030204" pitchFamily="49" charset="0"/>
+              </a:rPr>
+              <a:t>"|%{$a=""}{$a+=$_.Substring(0,1)}{$a}</a:t>
+            </a:r>
+          </a:p>
+          <a:p>
+            <a:pPr lvl="1" algn="r"/>
+            <a:r>
+              <a:rPr lang="en-US" sz="2000" i="1" dirty="0"/>
+              <a:t># summarizes “Data”, “Loss”, “Prevention”  to the acronym “DLP”</a:t>
+            </a:r>
+          </a:p>
+          <a:p>
+            <a:pPr lvl="1" algn="r"/>
+            <a:endParaRPr lang="en-US" sz="2000" i="1" dirty="0"/>
+          </a:p>
+          <a:p>
+            <a:pPr lvl="1" algn="r"/>
+            <a:r>
+              <a:rPr lang="en-US" sz="2000" i="1" dirty="0"/>
+              <a:t>Learn more: </a:t>
+            </a:r>
+            <a:r>
+              <a:rPr lang="en-US" sz="2000" b="1" dirty="0">
+                <a:latin typeface="Consolas" panose="020B0609020204030204" pitchFamily="49" charset="0"/>
+              </a:rPr>
+              <a:t>Get-Help </a:t>
+            </a:r>
+            <a:r>
+              <a:rPr lang="en-US" sz="2000" b="1" dirty="0" err="1">
+                <a:latin typeface="Consolas" panose="020B0609020204030204" pitchFamily="49" charset="0"/>
+              </a:rPr>
+              <a:t>ForEach</a:t>
+            </a:r>
+            <a:r>
+              <a:rPr lang="en-US" sz="2000" b="1" dirty="0">
+                <a:latin typeface="Consolas" panose="020B0609020204030204" pitchFamily="49" charset="0"/>
+              </a:rPr>
+              <a:t>-Object -Examples</a:t>
+            </a:r>
+          </a:p>
+        </p:txBody>
+      </p:sp>
+    </p:spTree>
+    <p:extLst>
+      <p:ext uri="{BB962C8B-B14F-4D97-AF65-F5344CB8AC3E}">
+        <p14:creationId xmlns:p14="http://schemas.microsoft.com/office/powerpoint/2010/main" val="3798299007"/>
       </p:ext>
     </p:extLst>
   </p:cSld>
@@ -10292,7 +11468,7 @@
             </a:pPr>
             <a:r>
               <a:rPr lang="en-US" sz="2000" dirty="0"/>
-              <a:t>Then you can use the “call” operator </a:t>
+              <a:t>Then you can use the “call” operator  </a:t>
             </a:r>
             <a:r>
               <a:rPr lang="en-US" sz="2000" dirty="0">
@@ -10302,7 +11478,7 @@
             </a:r>
             <a:r>
               <a:rPr lang="en-US" sz="2000" dirty="0"/>
-              <a:t> to execute the statements in the script block:</a:t>
+              <a:t>  to execute the statements in the script block:</a:t>
             </a:r>
           </a:p>
           <a:p>
@@ -10406,14 +11582,10 @@
             </a:pPr>
             <a:r>
               <a:rPr lang="en-US" sz="2000" dirty="0"/>
-              <a:t>More info if you’re </a:t>
-            </a:r>
-            <a:r>
-              <a:rPr lang="en-US" sz="2000"/>
-              <a:t>interested:  </a:t>
-            </a:r>
-            <a:r>
-              <a:rPr lang="en-US" sz="2000">
+              <a:t>More info if you’re interested:  </a:t>
+            </a:r>
+            <a:r>
+              <a:rPr lang="en-US" sz="2000" dirty="0">
                 <a:latin typeface="Lucida Console" panose="020B0609040504020204" pitchFamily="49" charset="0"/>
               </a:rPr>
               <a:t>Get-Help </a:t>
@@ -10533,7 +11705,7 @@
             </a:pPr>
             <a:r>
               <a:rPr lang="en-US" sz="2000" dirty="0"/>
-              <a:t>In front of a script block, use the keyword </a:t>
+              <a:t>In front of a script block, use the keyword  </a:t>
             </a:r>
             <a:r>
               <a:rPr lang="en-US" sz="2000" dirty="0">
@@ -10543,7 +11715,17 @@
             </a:r>
             <a:r>
               <a:rPr lang="en-US" sz="2000" dirty="0"/>
-              <a:t> followed by (in parentheses) a </a:t>
+              <a:t>  followed by parentheses  </a:t>
+            </a:r>
+            <a:r>
+              <a:rPr lang="en-US" sz="2000" dirty="0">
+                <a:latin typeface="Lucida Console" panose="020B0609040504020204" pitchFamily="49" charset="0"/>
+              </a:rPr>
+              <a:t>( )</a:t>
+            </a:r>
+            <a:r>
+              <a:rPr lang="en-US" sz="2000" dirty="0"/>
+              <a:t>  that contain a </a:t>
             </a:r>
             <a:r>
               <a:rPr lang="en-US" sz="2000" i="1" dirty="0"/>
@@ -10771,7 +11953,7 @@
             </a:pPr>
             <a:r>
               <a:rPr lang="en-US" sz="2000" dirty="0"/>
-              <a:t>After the first script block in an </a:t>
+              <a:t>After the first script block in an  </a:t>
             </a:r>
             <a:r>
               <a:rPr lang="en-US" sz="2000" dirty="0">
@@ -10781,7 +11963,7 @@
             </a:r>
             <a:r>
               <a:rPr lang="en-US" sz="2000" dirty="0"/>
-              <a:t> control structure, you can add another condition and script block with the keyword </a:t>
+              <a:t>  control structure, you can add another condition and script block with the keyword  </a:t>
             </a:r>
             <a:r>
               <a:rPr lang="en-US" sz="2000" dirty="0">
@@ -10791,7 +11973,7 @@
             </a:r>
             <a:r>
               <a:rPr lang="en-US" sz="2000" dirty="0"/>
-              <a:t>. Example:</a:t>
+              <a:t>.</a:t>
             </a:r>
           </a:p>
           <a:p>
@@ -10800,12 +11982,8 @@
               <a:buChar char="•"/>
             </a:pPr>
             <a:r>
-              <a:rPr lang="en-US" sz="2000" dirty="0" err="1"/>
-              <a:t>Powershell</a:t>
-            </a:r>
-            <a:r>
-              <a:rPr lang="en-US" sz="2000" dirty="0"/>
-              <a:t> will evaluate the conditional expression to a </a:t>
+              <a:rPr lang="en-US" sz="2000" dirty="0"/>
+              <a:t>PowerShell will evaluate the conditional expression to a </a:t>
             </a:r>
             <a:r>
               <a:rPr lang="en-US" sz="2000" b="1" dirty="0"/>
@@ -10855,19 +12033,7 @@
               <a:rPr lang="en-US" sz="2000" dirty="0">
                 <a:latin typeface="Lucida Console" panose="020B0609040504020204" pitchFamily="49" charset="0"/>
               </a:rPr>
-              <a:t>if ($flavor –eq "savory") {echo "yummy"} elseif ($flavor –eq </a:t>
-            </a:r>
-            <a:r>
-              <a:rPr lang="en-US" sz="2000">
-                <a:latin typeface="Lucida Console" panose="020B0609040504020204" pitchFamily="49" charset="0"/>
-              </a:rPr>
-              <a:t>"sweet") </a:t>
-            </a:r>
-            <a:r>
-              <a:rPr lang="en-US" sz="2000" dirty="0">
-                <a:latin typeface="Lucida Console" panose="020B0609040504020204" pitchFamily="49" charset="0"/>
-              </a:rPr>
-              <a:t>{echo "sugary"}</a:t>
+              <a:t>if ($flavor –eq "savory") {echo "yummy"} elseif ($flavor –eq "sweet") {echo "sugary"}</a:t>
             </a:r>
           </a:p>
           <a:p>
@@ -10880,7 +12046,7 @@
             </a:pPr>
             <a:r>
               <a:rPr lang="en-US" sz="2000" dirty="0"/>
-              <a:t>In a script file:</a:t>
+              <a:t>In a script file, with nicer formatting and code arrangement:</a:t>
             </a:r>
             <a:endParaRPr lang="en-US" sz="2000" dirty="0">
               <a:latin typeface="Lucida Console" panose="020B0609040504020204" pitchFamily="49" charset="0"/>
@@ -11015,7 +12181,7 @@
         <p:spPr>
           <a:xfrm>
             <a:off x="1260764" y="1054728"/>
-            <a:ext cx="9662835" cy="3477875"/>
+            <a:ext cx="9662835" cy="5324535"/>
           </a:xfrm>
           <a:prstGeom prst="rect">
             <a:avLst/>
@@ -11112,6 +12278,74 @@
                 <a:latin typeface="Lucida Console" panose="020B0609040504020204" pitchFamily="49" charset="0"/>
               </a:rPr>
               <a:t>}</a:t>
+            </a:r>
+          </a:p>
+          <a:p>
+            <a:endParaRPr lang="en-US" sz="2000" dirty="0">
+              <a:latin typeface="Lucida Console" panose="020B0609040504020204" pitchFamily="49" charset="0"/>
+            </a:endParaRPr>
+          </a:p>
+          <a:p>
+            <a:pPr algn="r"/>
+            <a:r>
+              <a:rPr lang="en-US" sz="2000" i="1" dirty="0"/>
+              <a:t>PT (Pro-Tip):</a:t>
+            </a:r>
+          </a:p>
+          <a:p>
+            <a:pPr algn="r"/>
+            <a:r>
+              <a:rPr lang="en-US" sz="2000" i="1" dirty="0"/>
+              <a:t>Many programming languages’ syntax rules let you omit</a:t>
+            </a:r>
+          </a:p>
+          <a:p>
+            <a:pPr algn="r"/>
+            <a:r>
+              <a:rPr lang="en-US" sz="2000" i="1" dirty="0"/>
+              <a:t>curly braces for single-statement code blocks. Remember that</a:t>
+            </a:r>
+          </a:p>
+          <a:p>
+            <a:pPr algn="r"/>
+            <a:r>
+              <a:rPr lang="en-US" sz="2000" i="1" dirty="0"/>
+              <a:t>PowerShell </a:t>
+            </a:r>
+            <a:r>
+              <a:rPr lang="en-US" sz="2000" b="1" i="1" dirty="0"/>
+              <a:t>always</a:t>
+            </a:r>
+            <a:r>
+              <a:rPr lang="en-US" sz="2000" i="1" dirty="0"/>
+              <a:t> requires curly braces around </a:t>
+            </a:r>
+            <a:r>
+              <a:rPr lang="en-US" sz="2000" dirty="0">
+                <a:latin typeface="Lucida Console" panose="020B0609040504020204" pitchFamily="49" charset="0"/>
+              </a:rPr>
+              <a:t>{</a:t>
+            </a:r>
+            <a:r>
+              <a:rPr lang="en-US" sz="2000" i="1" dirty="0"/>
+              <a:t>script blocks</a:t>
+            </a:r>
+            <a:r>
+              <a:rPr lang="en-US" sz="2000" dirty="0">
+                <a:latin typeface="Lucida Console" panose="020B0609040504020204" pitchFamily="49" charset="0"/>
+              </a:rPr>
+              <a:t>}</a:t>
+            </a:r>
+            <a:r>
+              <a:rPr lang="en-US" sz="2000" i="1" dirty="0"/>
+              <a:t>,</a:t>
+            </a:r>
+          </a:p>
+          <a:p>
+            <a:pPr algn="r"/>
+            <a:r>
+              <a:rPr lang="en-US" sz="2000" i="1" dirty="0"/>
+              <a:t>even when there’s only one statement like the examples above.</a:t>
             </a:r>
           </a:p>
         </p:txBody>
@@ -11455,7 +12689,7 @@
             </a:r>
             <a:r>
               <a:rPr lang="en-US" sz="2000" dirty="0"/>
-              <a:t>. There’s an efficient structure for this situation, using the keyword </a:t>
+              <a:t>. There’s an efficient structure for this situation, using the keyword  </a:t>
             </a:r>
             <a:r>
               <a:rPr lang="en-US" sz="2000" dirty="0">
@@ -11671,7 +12905,7 @@
             </a:pPr>
             <a:r>
               <a:rPr lang="en-US" sz="2000" dirty="0"/>
-              <a:t>It’s commonly used in a command prompt pipeline, rather than in a script file.</a:t>
+              <a:t>It’s commonly used in a command prompt pipeline, but can also be used in a script file.</a:t>
             </a:r>
           </a:p>
           <a:p>

--- a/CYBER360-2.7-2.A-Control-Structures.pptx
+++ b/CYBER360-2.7-2.A-Control-Structures.pptx
@@ -149,493 +149,6 @@
 <file path=ppt/changesInfos/changesInfo1.xml><?xml version="1.0" encoding="utf-8"?>
 <pc:chgInfo xmlns:a="http://schemas.openxmlformats.org/drawingml/2006/main" xmlns:r="http://schemas.openxmlformats.org/officeDocument/2006/relationships" xmlns:ac="http://schemas.microsoft.com/office/drawing/2013/main/command" xmlns:pc="http://schemas.microsoft.com/office/powerpoint/2013/main/command">
   <pc:docChgLst>
-    <pc:chgData name="Gibbons, Carl" userId="d2b037bc-8fb4-4222-845c-61440543a456" providerId="ADAL" clId="{7B5B51BB-EDBF-4DA9-A87C-3EE01BE9AC5A}"/>
-    <pc:docChg chg="undo custSel addSld delSld modSld sldOrd">
-      <pc:chgData name="Gibbons, Carl" userId="d2b037bc-8fb4-4222-845c-61440543a456" providerId="ADAL" clId="{7B5B51BB-EDBF-4DA9-A87C-3EE01BE9AC5A}" dt="2024-05-17T16:24:51.194" v="12020" actId="20577"/>
-      <pc:docMkLst>
-        <pc:docMk/>
-      </pc:docMkLst>
-      <pc:sldChg chg="modSp mod">
-        <pc:chgData name="Gibbons, Carl" userId="d2b037bc-8fb4-4222-845c-61440543a456" providerId="ADAL" clId="{7B5B51BB-EDBF-4DA9-A87C-3EE01BE9AC5A}" dt="2024-05-17T16:01:32.937" v="11949" actId="20577"/>
-        <pc:sldMkLst>
-          <pc:docMk/>
-          <pc:sldMk cId="2312486803" sldId="261"/>
-        </pc:sldMkLst>
-        <pc:spChg chg="mod">
-          <ac:chgData name="Gibbons, Carl" userId="d2b037bc-8fb4-4222-845c-61440543a456" providerId="ADAL" clId="{7B5B51BB-EDBF-4DA9-A87C-3EE01BE9AC5A}" dt="2024-05-17T16:01:32.937" v="11949" actId="20577"/>
-          <ac:spMkLst>
-            <pc:docMk/>
-            <pc:sldMk cId="2312486803" sldId="261"/>
-            <ac:spMk id="3" creationId="{B5924E0F-A977-1710-779D-EEB74261AF34}"/>
-          </ac:spMkLst>
-        </pc:spChg>
-      </pc:sldChg>
-      <pc:sldChg chg="modSp mod">
-        <pc:chgData name="Gibbons, Carl" userId="d2b037bc-8fb4-4222-845c-61440543a456" providerId="ADAL" clId="{7B5B51BB-EDBF-4DA9-A87C-3EE01BE9AC5A}" dt="2024-05-17T01:52:22.150" v="8216" actId="20577"/>
-        <pc:sldMkLst>
-          <pc:docMk/>
-          <pc:sldMk cId="3798299007" sldId="274"/>
-        </pc:sldMkLst>
-        <pc:spChg chg="mod">
-          <ac:chgData name="Gibbons, Carl" userId="d2b037bc-8fb4-4222-845c-61440543a456" providerId="ADAL" clId="{7B5B51BB-EDBF-4DA9-A87C-3EE01BE9AC5A}" dt="2024-05-17T01:22:07.337" v="7608" actId="20577"/>
-          <ac:spMkLst>
-            <pc:docMk/>
-            <pc:sldMk cId="3798299007" sldId="274"/>
-            <ac:spMk id="2" creationId="{361EE6A6-565D-6719-0FBC-5CFE8D6A76E8}"/>
-          </ac:spMkLst>
-        </pc:spChg>
-        <pc:spChg chg="mod">
-          <ac:chgData name="Gibbons, Carl" userId="d2b037bc-8fb4-4222-845c-61440543a456" providerId="ADAL" clId="{7B5B51BB-EDBF-4DA9-A87C-3EE01BE9AC5A}" dt="2024-05-17T01:52:22.150" v="8216" actId="20577"/>
-          <ac:spMkLst>
-            <pc:docMk/>
-            <pc:sldMk cId="3798299007" sldId="274"/>
-            <ac:spMk id="3" creationId="{ADD8957C-88E6-A920-4979-2BDA9406B518}"/>
-          </ac:spMkLst>
-        </pc:spChg>
-      </pc:sldChg>
-      <pc:sldChg chg="modSp mod">
-        <pc:chgData name="Gibbons, Carl" userId="d2b037bc-8fb4-4222-845c-61440543a456" providerId="ADAL" clId="{7B5B51BB-EDBF-4DA9-A87C-3EE01BE9AC5A}" dt="2024-05-17T01:59:08.063" v="8580" actId="20577"/>
-        <pc:sldMkLst>
-          <pc:docMk/>
-          <pc:sldMk cId="657795359" sldId="277"/>
-        </pc:sldMkLst>
-        <pc:spChg chg="mod">
-          <ac:chgData name="Gibbons, Carl" userId="d2b037bc-8fb4-4222-845c-61440543a456" providerId="ADAL" clId="{7B5B51BB-EDBF-4DA9-A87C-3EE01BE9AC5A}" dt="2024-05-17T01:59:08.063" v="8580" actId="20577"/>
-          <ac:spMkLst>
-            <pc:docMk/>
-            <pc:sldMk cId="657795359" sldId="277"/>
-            <ac:spMk id="3" creationId="{90179172-96B3-95D0-A137-257770BE7642}"/>
-          </ac:spMkLst>
-        </pc:spChg>
-      </pc:sldChg>
-      <pc:sldChg chg="modSp mod">
-        <pc:chgData name="Gibbons, Carl" userId="d2b037bc-8fb4-4222-845c-61440543a456" providerId="ADAL" clId="{7B5B51BB-EDBF-4DA9-A87C-3EE01BE9AC5A}" dt="2024-05-17T16:00:25.322" v="11934" actId="20577"/>
-        <pc:sldMkLst>
-          <pc:docMk/>
-          <pc:sldMk cId="3989541258" sldId="278"/>
-        </pc:sldMkLst>
-        <pc:spChg chg="mod">
-          <ac:chgData name="Gibbons, Carl" userId="d2b037bc-8fb4-4222-845c-61440543a456" providerId="ADAL" clId="{7B5B51BB-EDBF-4DA9-A87C-3EE01BE9AC5A}" dt="2024-05-17T16:00:25.322" v="11934" actId="20577"/>
-          <ac:spMkLst>
-            <pc:docMk/>
-            <pc:sldMk cId="3989541258" sldId="278"/>
-            <ac:spMk id="3" creationId="{B5924E0F-A977-1710-779D-EEB74261AF34}"/>
-          </ac:spMkLst>
-        </pc:spChg>
-      </pc:sldChg>
-      <pc:sldChg chg="modSp mod">
-        <pc:chgData name="Gibbons, Carl" userId="d2b037bc-8fb4-4222-845c-61440543a456" providerId="ADAL" clId="{7B5B51BB-EDBF-4DA9-A87C-3EE01BE9AC5A}" dt="2024-05-17T15:48:07.490" v="11091" actId="20577"/>
-        <pc:sldMkLst>
-          <pc:docMk/>
-          <pc:sldMk cId="2335633195" sldId="279"/>
-        </pc:sldMkLst>
-        <pc:spChg chg="mod">
-          <ac:chgData name="Gibbons, Carl" userId="d2b037bc-8fb4-4222-845c-61440543a456" providerId="ADAL" clId="{7B5B51BB-EDBF-4DA9-A87C-3EE01BE9AC5A}" dt="2024-05-17T15:48:07.490" v="11091" actId="20577"/>
-          <ac:spMkLst>
-            <pc:docMk/>
-            <pc:sldMk cId="2335633195" sldId="279"/>
-            <ac:spMk id="3" creationId="{B5924E0F-A977-1710-779D-EEB74261AF34}"/>
-          </ac:spMkLst>
-        </pc:spChg>
-      </pc:sldChg>
-      <pc:sldChg chg="modSp mod">
-        <pc:chgData name="Gibbons, Carl" userId="d2b037bc-8fb4-4222-845c-61440543a456" providerId="ADAL" clId="{7B5B51BB-EDBF-4DA9-A87C-3EE01BE9AC5A}" dt="2024-05-17T15:49:09.813" v="11137" actId="20577"/>
-        <pc:sldMkLst>
-          <pc:docMk/>
-          <pc:sldMk cId="1284534978" sldId="280"/>
-        </pc:sldMkLst>
-        <pc:spChg chg="mod">
-          <ac:chgData name="Gibbons, Carl" userId="d2b037bc-8fb4-4222-845c-61440543a456" providerId="ADAL" clId="{7B5B51BB-EDBF-4DA9-A87C-3EE01BE9AC5A}" dt="2024-05-17T15:49:09.813" v="11137" actId="20577"/>
-          <ac:spMkLst>
-            <pc:docMk/>
-            <pc:sldMk cId="1284534978" sldId="280"/>
-            <ac:spMk id="3" creationId="{B5924E0F-A977-1710-779D-EEB74261AF34}"/>
-          </ac:spMkLst>
-        </pc:spChg>
-      </pc:sldChg>
-      <pc:sldChg chg="modSp mod">
-        <pc:chgData name="Gibbons, Carl" userId="d2b037bc-8fb4-4222-845c-61440543a456" providerId="ADAL" clId="{7B5B51BB-EDBF-4DA9-A87C-3EE01BE9AC5A}" dt="2024-05-17T15:58:18.981" v="11932" actId="20577"/>
-        <pc:sldMkLst>
-          <pc:docMk/>
-          <pc:sldMk cId="1802585387" sldId="281"/>
-        </pc:sldMkLst>
-        <pc:spChg chg="mod">
-          <ac:chgData name="Gibbons, Carl" userId="d2b037bc-8fb4-4222-845c-61440543a456" providerId="ADAL" clId="{7B5B51BB-EDBF-4DA9-A87C-3EE01BE9AC5A}" dt="2024-05-17T15:58:18.981" v="11932" actId="20577"/>
-          <ac:spMkLst>
-            <pc:docMk/>
-            <pc:sldMk cId="1802585387" sldId="281"/>
-            <ac:spMk id="3" creationId="{B5924E0F-A977-1710-779D-EEB74261AF34}"/>
-          </ac:spMkLst>
-        </pc:spChg>
-      </pc:sldChg>
-      <pc:sldChg chg="modSp mod">
-        <pc:chgData name="Gibbons, Carl" userId="d2b037bc-8fb4-4222-845c-61440543a456" providerId="ADAL" clId="{7B5B51BB-EDBF-4DA9-A87C-3EE01BE9AC5A}" dt="2024-05-17T00:13:48.611" v="5087" actId="20577"/>
-        <pc:sldMkLst>
-          <pc:docMk/>
-          <pc:sldMk cId="1926009205" sldId="283"/>
-        </pc:sldMkLst>
-        <pc:spChg chg="mod">
-          <ac:chgData name="Gibbons, Carl" userId="d2b037bc-8fb4-4222-845c-61440543a456" providerId="ADAL" clId="{7B5B51BB-EDBF-4DA9-A87C-3EE01BE9AC5A}" dt="2024-05-17T00:13:48.611" v="5087" actId="20577"/>
-          <ac:spMkLst>
-            <pc:docMk/>
-            <pc:sldMk cId="1926009205" sldId="283"/>
-            <ac:spMk id="3" creationId="{B5924E0F-A977-1710-779D-EEB74261AF34}"/>
-          </ac:spMkLst>
-        </pc:spChg>
-      </pc:sldChg>
-      <pc:sldChg chg="modSp mod">
-        <pc:chgData name="Gibbons, Carl" userId="d2b037bc-8fb4-4222-845c-61440543a456" providerId="ADAL" clId="{7B5B51BB-EDBF-4DA9-A87C-3EE01BE9AC5A}" dt="2024-05-17T00:14:20.719" v="5115" actId="20577"/>
-        <pc:sldMkLst>
-          <pc:docMk/>
-          <pc:sldMk cId="2366216895" sldId="284"/>
-        </pc:sldMkLst>
-        <pc:spChg chg="mod">
-          <ac:chgData name="Gibbons, Carl" userId="d2b037bc-8fb4-4222-845c-61440543a456" providerId="ADAL" clId="{7B5B51BB-EDBF-4DA9-A87C-3EE01BE9AC5A}" dt="2024-05-17T00:14:20.719" v="5115" actId="20577"/>
-          <ac:spMkLst>
-            <pc:docMk/>
-            <pc:sldMk cId="2366216895" sldId="284"/>
-            <ac:spMk id="3" creationId="{B5924E0F-A977-1710-779D-EEB74261AF34}"/>
-          </ac:spMkLst>
-        </pc:spChg>
-      </pc:sldChg>
-      <pc:sldChg chg="modSp mod">
-        <pc:chgData name="Gibbons, Carl" userId="d2b037bc-8fb4-4222-845c-61440543a456" providerId="ADAL" clId="{7B5B51BB-EDBF-4DA9-A87C-3EE01BE9AC5A}" dt="2024-05-17T00:19:50.584" v="5231" actId="2711"/>
-        <pc:sldMkLst>
-          <pc:docMk/>
-          <pc:sldMk cId="3371896289" sldId="285"/>
-        </pc:sldMkLst>
-        <pc:spChg chg="mod">
-          <ac:chgData name="Gibbons, Carl" userId="d2b037bc-8fb4-4222-845c-61440543a456" providerId="ADAL" clId="{7B5B51BB-EDBF-4DA9-A87C-3EE01BE9AC5A}" dt="2024-05-02T16:41:22.862" v="56" actId="20577"/>
-          <ac:spMkLst>
-            <pc:docMk/>
-            <pc:sldMk cId="3371896289" sldId="285"/>
-            <ac:spMk id="2" creationId="{31B75992-5098-A283-4925-2CCEBB801DC5}"/>
-          </ac:spMkLst>
-        </pc:spChg>
-        <pc:spChg chg="mod">
-          <ac:chgData name="Gibbons, Carl" userId="d2b037bc-8fb4-4222-845c-61440543a456" providerId="ADAL" clId="{7B5B51BB-EDBF-4DA9-A87C-3EE01BE9AC5A}" dt="2024-05-17T00:19:50.584" v="5231" actId="2711"/>
-          <ac:spMkLst>
-            <pc:docMk/>
-            <pc:sldMk cId="3371896289" sldId="285"/>
-            <ac:spMk id="3" creationId="{B5924E0F-A977-1710-779D-EEB74261AF34}"/>
-          </ac:spMkLst>
-        </pc:spChg>
-      </pc:sldChg>
-      <pc:sldChg chg="modSp mod ord">
-        <pc:chgData name="Gibbons, Carl" userId="d2b037bc-8fb4-4222-845c-61440543a456" providerId="ADAL" clId="{7B5B51BB-EDBF-4DA9-A87C-3EE01BE9AC5A}" dt="2024-05-17T00:16:13.215" v="5166" actId="20577"/>
-        <pc:sldMkLst>
-          <pc:docMk/>
-          <pc:sldMk cId="3193160409" sldId="286"/>
-        </pc:sldMkLst>
-        <pc:spChg chg="mod">
-          <ac:chgData name="Gibbons, Carl" userId="d2b037bc-8fb4-4222-845c-61440543a456" providerId="ADAL" clId="{7B5B51BB-EDBF-4DA9-A87C-3EE01BE9AC5A}" dt="2024-05-02T16:41:18.901" v="54" actId="20577"/>
-          <ac:spMkLst>
-            <pc:docMk/>
-            <pc:sldMk cId="3193160409" sldId="286"/>
-            <ac:spMk id="2" creationId="{31B75992-5098-A283-4925-2CCEBB801DC5}"/>
-          </ac:spMkLst>
-        </pc:spChg>
-        <pc:spChg chg="mod">
-          <ac:chgData name="Gibbons, Carl" userId="d2b037bc-8fb4-4222-845c-61440543a456" providerId="ADAL" clId="{7B5B51BB-EDBF-4DA9-A87C-3EE01BE9AC5A}" dt="2024-05-17T00:16:13.215" v="5166" actId="20577"/>
-          <ac:spMkLst>
-            <pc:docMk/>
-            <pc:sldMk cId="3193160409" sldId="286"/>
-            <ac:spMk id="3" creationId="{B5924E0F-A977-1710-779D-EEB74261AF34}"/>
-          </ac:spMkLst>
-        </pc:spChg>
-      </pc:sldChg>
-      <pc:sldChg chg="modSp mod">
-        <pc:chgData name="Gibbons, Carl" userId="d2b037bc-8fb4-4222-845c-61440543a456" providerId="ADAL" clId="{7B5B51BB-EDBF-4DA9-A87C-3EE01BE9AC5A}" dt="2024-05-17T00:21:19.057" v="5239" actId="2711"/>
-        <pc:sldMkLst>
-          <pc:docMk/>
-          <pc:sldMk cId="2688338374" sldId="287"/>
-        </pc:sldMkLst>
-        <pc:spChg chg="mod">
-          <ac:chgData name="Gibbons, Carl" userId="d2b037bc-8fb4-4222-845c-61440543a456" providerId="ADAL" clId="{7B5B51BB-EDBF-4DA9-A87C-3EE01BE9AC5A}" dt="2024-05-17T00:21:19.057" v="5239" actId="2711"/>
-          <ac:spMkLst>
-            <pc:docMk/>
-            <pc:sldMk cId="2688338374" sldId="287"/>
-            <ac:spMk id="3" creationId="{B5924E0F-A977-1710-779D-EEB74261AF34}"/>
-          </ac:spMkLst>
-        </pc:spChg>
-      </pc:sldChg>
-      <pc:sldChg chg="modSp mod">
-        <pc:chgData name="Gibbons, Carl" userId="d2b037bc-8fb4-4222-845c-61440543a456" providerId="ADAL" clId="{7B5B51BB-EDBF-4DA9-A87C-3EE01BE9AC5A}" dt="2024-05-17T00:24:22.883" v="5272" actId="20577"/>
-        <pc:sldMkLst>
-          <pc:docMk/>
-          <pc:sldMk cId="2142935017" sldId="288"/>
-        </pc:sldMkLst>
-        <pc:spChg chg="mod">
-          <ac:chgData name="Gibbons, Carl" userId="d2b037bc-8fb4-4222-845c-61440543a456" providerId="ADAL" clId="{7B5B51BB-EDBF-4DA9-A87C-3EE01BE9AC5A}" dt="2024-05-17T00:24:22.883" v="5272" actId="20577"/>
-          <ac:spMkLst>
-            <pc:docMk/>
-            <pc:sldMk cId="2142935017" sldId="288"/>
-            <ac:spMk id="3" creationId="{B5924E0F-A977-1710-779D-EEB74261AF34}"/>
-          </ac:spMkLst>
-        </pc:spChg>
-      </pc:sldChg>
-      <pc:sldChg chg="modSp mod">
-        <pc:chgData name="Gibbons, Carl" userId="d2b037bc-8fb4-4222-845c-61440543a456" providerId="ADAL" clId="{7B5B51BB-EDBF-4DA9-A87C-3EE01BE9AC5A}" dt="2024-05-17T16:22:44.226" v="12015"/>
-        <pc:sldMkLst>
-          <pc:docMk/>
-          <pc:sldMk cId="2784625941" sldId="289"/>
-        </pc:sldMkLst>
-        <pc:spChg chg="mod">
-          <ac:chgData name="Gibbons, Carl" userId="d2b037bc-8fb4-4222-845c-61440543a456" providerId="ADAL" clId="{7B5B51BB-EDBF-4DA9-A87C-3EE01BE9AC5A}" dt="2024-05-17T16:22:44.226" v="12015"/>
-          <ac:spMkLst>
-            <pc:docMk/>
-            <pc:sldMk cId="2784625941" sldId="289"/>
-            <ac:spMk id="3" creationId="{B5924E0F-A977-1710-779D-EEB74261AF34}"/>
-          </ac:spMkLst>
-        </pc:spChg>
-      </pc:sldChg>
-      <pc:sldChg chg="modSp mod">
-        <pc:chgData name="Gibbons, Carl" userId="d2b037bc-8fb4-4222-845c-61440543a456" providerId="ADAL" clId="{7B5B51BB-EDBF-4DA9-A87C-3EE01BE9AC5A}" dt="2024-05-17T00:29:18.616" v="5323" actId="20577"/>
-        <pc:sldMkLst>
-          <pc:docMk/>
-          <pc:sldMk cId="1677974689" sldId="290"/>
-        </pc:sldMkLst>
-        <pc:spChg chg="mod">
-          <ac:chgData name="Gibbons, Carl" userId="d2b037bc-8fb4-4222-845c-61440543a456" providerId="ADAL" clId="{7B5B51BB-EDBF-4DA9-A87C-3EE01BE9AC5A}" dt="2024-05-17T00:29:18.616" v="5323" actId="20577"/>
-          <ac:spMkLst>
-            <pc:docMk/>
-            <pc:sldMk cId="1677974689" sldId="290"/>
-            <ac:spMk id="3" creationId="{B5924E0F-A977-1710-779D-EEB74261AF34}"/>
-          </ac:spMkLst>
-        </pc:spChg>
-      </pc:sldChg>
-      <pc:sldChg chg="modSp mod">
-        <pc:chgData name="Gibbons, Carl" userId="d2b037bc-8fb4-4222-845c-61440543a456" providerId="ADAL" clId="{7B5B51BB-EDBF-4DA9-A87C-3EE01BE9AC5A}" dt="2024-05-17T16:24:51.194" v="12020" actId="20577"/>
-        <pc:sldMkLst>
-          <pc:docMk/>
-          <pc:sldMk cId="4219326696" sldId="291"/>
-        </pc:sldMkLst>
-        <pc:spChg chg="mod">
-          <ac:chgData name="Gibbons, Carl" userId="d2b037bc-8fb4-4222-845c-61440543a456" providerId="ADAL" clId="{7B5B51BB-EDBF-4DA9-A87C-3EE01BE9AC5A}" dt="2024-05-17T16:24:51.194" v="12020" actId="20577"/>
-          <ac:spMkLst>
-            <pc:docMk/>
-            <pc:sldMk cId="4219326696" sldId="291"/>
-            <ac:spMk id="3" creationId="{B5924E0F-A977-1710-779D-EEB74261AF34}"/>
-          </ac:spMkLst>
-        </pc:spChg>
-      </pc:sldChg>
-      <pc:sldChg chg="modSp mod">
-        <pc:chgData name="Gibbons, Carl" userId="d2b037bc-8fb4-4222-845c-61440543a456" providerId="ADAL" clId="{7B5B51BB-EDBF-4DA9-A87C-3EE01BE9AC5A}" dt="2024-05-17T15:45:21.863" v="11071" actId="20577"/>
-        <pc:sldMkLst>
-          <pc:docMk/>
-          <pc:sldMk cId="33911121" sldId="292"/>
-        </pc:sldMkLst>
-        <pc:spChg chg="mod">
-          <ac:chgData name="Gibbons, Carl" userId="d2b037bc-8fb4-4222-845c-61440543a456" providerId="ADAL" clId="{7B5B51BB-EDBF-4DA9-A87C-3EE01BE9AC5A}" dt="2024-05-03T01:03:18.547" v="1393" actId="20577"/>
-          <ac:spMkLst>
-            <pc:docMk/>
-            <pc:sldMk cId="33911121" sldId="292"/>
-            <ac:spMk id="2" creationId="{1862E903-3C56-BB42-2361-009F2336475A}"/>
-          </ac:spMkLst>
-        </pc:spChg>
-        <pc:spChg chg="mod">
-          <ac:chgData name="Gibbons, Carl" userId="d2b037bc-8fb4-4222-845c-61440543a456" providerId="ADAL" clId="{7B5B51BB-EDBF-4DA9-A87C-3EE01BE9AC5A}" dt="2024-05-17T15:45:21.863" v="11071" actId="20577"/>
-          <ac:spMkLst>
-            <pc:docMk/>
-            <pc:sldMk cId="33911121" sldId="292"/>
-            <ac:spMk id="3" creationId="{90179172-96B3-95D0-A137-257770BE7642}"/>
-          </ac:spMkLst>
-        </pc:spChg>
-      </pc:sldChg>
-      <pc:sldChg chg="modSp add mod">
-        <pc:chgData name="Gibbons, Carl" userId="d2b037bc-8fb4-4222-845c-61440543a456" providerId="ADAL" clId="{7B5B51BB-EDBF-4DA9-A87C-3EE01BE9AC5A}" dt="2024-05-07T16:32:40.834" v="2311" actId="20577"/>
-        <pc:sldMkLst>
-          <pc:docMk/>
-          <pc:sldMk cId="1322372106" sldId="293"/>
-        </pc:sldMkLst>
-        <pc:spChg chg="mod">
-          <ac:chgData name="Gibbons, Carl" userId="d2b037bc-8fb4-4222-845c-61440543a456" providerId="ADAL" clId="{7B5B51BB-EDBF-4DA9-A87C-3EE01BE9AC5A}" dt="2024-05-07T16:12:12.690" v="1563" actId="20577"/>
-          <ac:spMkLst>
-            <pc:docMk/>
-            <pc:sldMk cId="1322372106" sldId="293"/>
-            <ac:spMk id="2" creationId="{1862E903-3C56-BB42-2361-009F2336475A}"/>
-          </ac:spMkLst>
-        </pc:spChg>
-        <pc:spChg chg="mod">
-          <ac:chgData name="Gibbons, Carl" userId="d2b037bc-8fb4-4222-845c-61440543a456" providerId="ADAL" clId="{7B5B51BB-EDBF-4DA9-A87C-3EE01BE9AC5A}" dt="2024-05-07T16:32:40.834" v="2311" actId="20577"/>
-          <ac:spMkLst>
-            <pc:docMk/>
-            <pc:sldMk cId="1322372106" sldId="293"/>
-            <ac:spMk id="3" creationId="{90179172-96B3-95D0-A137-257770BE7642}"/>
-          </ac:spMkLst>
-        </pc:spChg>
-      </pc:sldChg>
-      <pc:sldChg chg="modSp add mod">
-        <pc:chgData name="Gibbons, Carl" userId="d2b037bc-8fb4-4222-845c-61440543a456" providerId="ADAL" clId="{7B5B51BB-EDBF-4DA9-A87C-3EE01BE9AC5A}" dt="2024-05-07T16:31:46.179" v="2278" actId="20577"/>
-        <pc:sldMkLst>
-          <pc:docMk/>
-          <pc:sldMk cId="3130736821" sldId="294"/>
-        </pc:sldMkLst>
-        <pc:spChg chg="mod">
-          <ac:chgData name="Gibbons, Carl" userId="d2b037bc-8fb4-4222-845c-61440543a456" providerId="ADAL" clId="{7B5B51BB-EDBF-4DA9-A87C-3EE01BE9AC5A}" dt="2024-05-07T16:12:27.137" v="1566" actId="20577"/>
-          <ac:spMkLst>
-            <pc:docMk/>
-            <pc:sldMk cId="3130736821" sldId="294"/>
-            <ac:spMk id="2" creationId="{1862E903-3C56-BB42-2361-009F2336475A}"/>
-          </ac:spMkLst>
-        </pc:spChg>
-        <pc:spChg chg="mod">
-          <ac:chgData name="Gibbons, Carl" userId="d2b037bc-8fb4-4222-845c-61440543a456" providerId="ADAL" clId="{7B5B51BB-EDBF-4DA9-A87C-3EE01BE9AC5A}" dt="2024-05-07T16:31:46.179" v="2278" actId="20577"/>
-          <ac:spMkLst>
-            <pc:docMk/>
-            <pc:sldMk cId="3130736821" sldId="294"/>
-            <ac:spMk id="3" creationId="{90179172-96B3-95D0-A137-257770BE7642}"/>
-          </ac:spMkLst>
-        </pc:spChg>
-      </pc:sldChg>
-      <pc:sldChg chg="modSp mod">
-        <pc:chgData name="Gibbons, Carl" userId="d2b037bc-8fb4-4222-845c-61440543a456" providerId="ADAL" clId="{7B5B51BB-EDBF-4DA9-A87C-3EE01BE9AC5A}" dt="2024-05-07T17:03:03.855" v="3774" actId="20577"/>
-        <pc:sldMkLst>
-          <pc:docMk/>
-          <pc:sldMk cId="3395791171" sldId="295"/>
-        </pc:sldMkLst>
-        <pc:spChg chg="mod">
-          <ac:chgData name="Gibbons, Carl" userId="d2b037bc-8fb4-4222-845c-61440543a456" providerId="ADAL" clId="{7B5B51BB-EDBF-4DA9-A87C-3EE01BE9AC5A}" dt="2024-05-07T16:41:58.655" v="2634" actId="20577"/>
-          <ac:spMkLst>
-            <pc:docMk/>
-            <pc:sldMk cId="3395791171" sldId="295"/>
-            <ac:spMk id="2" creationId="{1862E903-3C56-BB42-2361-009F2336475A}"/>
-          </ac:spMkLst>
-        </pc:spChg>
-        <pc:spChg chg="mod">
-          <ac:chgData name="Gibbons, Carl" userId="d2b037bc-8fb4-4222-845c-61440543a456" providerId="ADAL" clId="{7B5B51BB-EDBF-4DA9-A87C-3EE01BE9AC5A}" dt="2024-05-07T17:03:03.855" v="3774" actId="20577"/>
-          <ac:spMkLst>
-            <pc:docMk/>
-            <pc:sldMk cId="3395791171" sldId="295"/>
-            <ac:spMk id="3" creationId="{90179172-96B3-95D0-A137-257770BE7642}"/>
-          </ac:spMkLst>
-        </pc:spChg>
-      </pc:sldChg>
-      <pc:sldChg chg="modSp new del mod">
-        <pc:chgData name="Gibbons, Carl" userId="d2b037bc-8fb4-4222-845c-61440543a456" providerId="ADAL" clId="{7B5B51BB-EDBF-4DA9-A87C-3EE01BE9AC5A}" dt="2024-05-07T17:00:32.619" v="3691" actId="47"/>
-        <pc:sldMkLst>
-          <pc:docMk/>
-          <pc:sldMk cId="231497659" sldId="296"/>
-        </pc:sldMkLst>
-        <pc:spChg chg="mod">
-          <ac:chgData name="Gibbons, Carl" userId="d2b037bc-8fb4-4222-845c-61440543a456" providerId="ADAL" clId="{7B5B51BB-EDBF-4DA9-A87C-3EE01BE9AC5A}" dt="2024-05-07T16:42:36.241" v="2636" actId="27636"/>
-          <ac:spMkLst>
-            <pc:docMk/>
-            <pc:sldMk cId="231497659" sldId="296"/>
-            <ac:spMk id="2" creationId="{49EE59EA-7285-3924-F227-6FB17992699A}"/>
-          </ac:spMkLst>
-        </pc:spChg>
-      </pc:sldChg>
-      <pc:sldChg chg="modSp add mod">
-        <pc:chgData name="Gibbons, Carl" userId="d2b037bc-8fb4-4222-845c-61440543a456" providerId="ADAL" clId="{7B5B51BB-EDBF-4DA9-A87C-3EE01BE9AC5A}" dt="2024-05-17T02:36:44.320" v="10989" actId="20577"/>
-        <pc:sldMkLst>
-          <pc:docMk/>
-          <pc:sldMk cId="2019361039" sldId="297"/>
-        </pc:sldMkLst>
-        <pc:spChg chg="mod">
-          <ac:chgData name="Gibbons, Carl" userId="d2b037bc-8fb4-4222-845c-61440543a456" providerId="ADAL" clId="{7B5B51BB-EDBF-4DA9-A87C-3EE01BE9AC5A}" dt="2024-05-07T16:42:48.466" v="2665" actId="20577"/>
-          <ac:spMkLst>
-            <pc:docMk/>
-            <pc:sldMk cId="2019361039" sldId="297"/>
-            <ac:spMk id="2" creationId="{1862E903-3C56-BB42-2361-009F2336475A}"/>
-          </ac:spMkLst>
-        </pc:spChg>
-        <pc:spChg chg="mod">
-          <ac:chgData name="Gibbons, Carl" userId="d2b037bc-8fb4-4222-845c-61440543a456" providerId="ADAL" clId="{7B5B51BB-EDBF-4DA9-A87C-3EE01BE9AC5A}" dt="2024-05-17T02:36:44.320" v="10989" actId="20577"/>
-          <ac:spMkLst>
-            <pc:docMk/>
-            <pc:sldMk cId="2019361039" sldId="297"/>
-            <ac:spMk id="3" creationId="{90179172-96B3-95D0-A137-257770BE7642}"/>
-          </ac:spMkLst>
-        </pc:spChg>
-      </pc:sldChg>
-      <pc:sldChg chg="modSp add mod ord">
-        <pc:chgData name="Gibbons, Carl" userId="d2b037bc-8fb4-4222-845c-61440543a456" providerId="ADAL" clId="{7B5B51BB-EDBF-4DA9-A87C-3EE01BE9AC5A}" dt="2024-05-17T02:43:46.071" v="11058" actId="20577"/>
-        <pc:sldMkLst>
-          <pc:docMk/>
-          <pc:sldMk cId="1101538689" sldId="298"/>
-        </pc:sldMkLst>
-        <pc:spChg chg="mod">
-          <ac:chgData name="Gibbons, Carl" userId="d2b037bc-8fb4-4222-845c-61440543a456" providerId="ADAL" clId="{7B5B51BB-EDBF-4DA9-A87C-3EE01BE9AC5A}" dt="2024-05-07T17:24:36.283" v="5020" actId="20577"/>
-          <ac:spMkLst>
-            <pc:docMk/>
-            <pc:sldMk cId="1101538689" sldId="298"/>
-            <ac:spMk id="2" creationId="{1862E903-3C56-BB42-2361-009F2336475A}"/>
-          </ac:spMkLst>
-        </pc:spChg>
-        <pc:spChg chg="mod">
-          <ac:chgData name="Gibbons, Carl" userId="d2b037bc-8fb4-4222-845c-61440543a456" providerId="ADAL" clId="{7B5B51BB-EDBF-4DA9-A87C-3EE01BE9AC5A}" dt="2024-05-17T02:43:46.071" v="11058" actId="20577"/>
-          <ac:spMkLst>
-            <pc:docMk/>
-            <pc:sldMk cId="1101538689" sldId="298"/>
-            <ac:spMk id="3" creationId="{90179172-96B3-95D0-A137-257770BE7642}"/>
-          </ac:spMkLst>
-        </pc:spChg>
-      </pc:sldChg>
-      <pc:sldChg chg="modSp mod">
-        <pc:chgData name="Gibbons, Carl" userId="d2b037bc-8fb4-4222-845c-61440543a456" providerId="ADAL" clId="{7B5B51BB-EDBF-4DA9-A87C-3EE01BE9AC5A}" dt="2024-05-17T02:45:12.703" v="11059" actId="115"/>
-        <pc:sldMkLst>
-          <pc:docMk/>
-          <pc:sldMk cId="1464749429" sldId="299"/>
-        </pc:sldMkLst>
-        <pc:spChg chg="mod">
-          <ac:chgData name="Gibbons, Carl" userId="d2b037bc-8fb4-4222-845c-61440543a456" providerId="ADAL" clId="{7B5B51BB-EDBF-4DA9-A87C-3EE01BE9AC5A}" dt="2024-05-17T02:45:12.703" v="11059" actId="115"/>
-          <ac:spMkLst>
-            <pc:docMk/>
-            <pc:sldMk cId="1464749429" sldId="299"/>
-            <ac:spMk id="3" creationId="{ADD8957C-88E6-A920-4979-2BDA9406B518}"/>
-          </ac:spMkLst>
-        </pc:spChg>
-      </pc:sldChg>
-      <pc:sldChg chg="modSp mod">
-        <pc:chgData name="Gibbons, Carl" userId="d2b037bc-8fb4-4222-845c-61440543a456" providerId="ADAL" clId="{7B5B51BB-EDBF-4DA9-A87C-3EE01BE9AC5A}" dt="2024-05-17T01:50:23.348" v="8207" actId="20577"/>
-        <pc:sldMkLst>
-          <pc:docMk/>
-          <pc:sldMk cId="2272690951" sldId="300"/>
-        </pc:sldMkLst>
-        <pc:spChg chg="mod">
-          <ac:chgData name="Gibbons, Carl" userId="d2b037bc-8fb4-4222-845c-61440543a456" providerId="ADAL" clId="{7B5B51BB-EDBF-4DA9-A87C-3EE01BE9AC5A}" dt="2024-05-17T01:21:59.806" v="7604" actId="20577"/>
-          <ac:spMkLst>
-            <pc:docMk/>
-            <pc:sldMk cId="2272690951" sldId="300"/>
-            <ac:spMk id="2" creationId="{361EE6A6-565D-6719-0FBC-5CFE8D6A76E8}"/>
-          </ac:spMkLst>
-        </pc:spChg>
-        <pc:spChg chg="mod">
-          <ac:chgData name="Gibbons, Carl" userId="d2b037bc-8fb4-4222-845c-61440543a456" providerId="ADAL" clId="{7B5B51BB-EDBF-4DA9-A87C-3EE01BE9AC5A}" dt="2024-05-17T01:50:23.348" v="8207" actId="20577"/>
-          <ac:spMkLst>
-            <pc:docMk/>
-            <pc:sldMk cId="2272690951" sldId="300"/>
-            <ac:spMk id="3" creationId="{ADD8957C-88E6-A920-4979-2BDA9406B518}"/>
-          </ac:spMkLst>
-        </pc:spChg>
-      </pc:sldChg>
-      <pc:sldChg chg="modSp mod">
-        <pc:chgData name="Gibbons, Carl" userId="d2b037bc-8fb4-4222-845c-61440543a456" providerId="ADAL" clId="{7B5B51BB-EDBF-4DA9-A87C-3EE01BE9AC5A}" dt="2024-05-17T01:50:16.602" v="8204" actId="20577"/>
-        <pc:sldMkLst>
-          <pc:docMk/>
-          <pc:sldMk cId="2246322020" sldId="301"/>
-        </pc:sldMkLst>
-        <pc:spChg chg="mod">
-          <ac:chgData name="Gibbons, Carl" userId="d2b037bc-8fb4-4222-845c-61440543a456" providerId="ADAL" clId="{7B5B51BB-EDBF-4DA9-A87C-3EE01BE9AC5A}" dt="2024-05-17T01:22:03.597" v="7606" actId="20577"/>
-          <ac:spMkLst>
-            <pc:docMk/>
-            <pc:sldMk cId="2246322020" sldId="301"/>
-            <ac:spMk id="2" creationId="{361EE6A6-565D-6719-0FBC-5CFE8D6A76E8}"/>
-          </ac:spMkLst>
-        </pc:spChg>
-        <pc:spChg chg="mod">
-          <ac:chgData name="Gibbons, Carl" userId="d2b037bc-8fb4-4222-845c-61440543a456" providerId="ADAL" clId="{7B5B51BB-EDBF-4DA9-A87C-3EE01BE9AC5A}" dt="2024-05-17T01:50:16.602" v="8204" actId="20577"/>
-          <ac:spMkLst>
-            <pc:docMk/>
-            <pc:sldMk cId="2246322020" sldId="301"/>
-            <ac:spMk id="3" creationId="{ADD8957C-88E6-A920-4979-2BDA9406B518}"/>
-          </ac:spMkLst>
-        </pc:spChg>
-      </pc:sldChg>
-    </pc:docChg>
-  </pc:docChgLst>
-  <pc:docChgLst>
     <pc:chgData name="Gibbons, Carl" userId="d2b037bc-8fb4-4222-845c-61440543a456" providerId="ADAL" clId="{0B6CB96C-5C81-45BE-B402-C02C27EB3BC6}"/>
     <pc:docChg chg="custSel modSld">
       <pc:chgData name="Gibbons, Carl" userId="d2b037bc-8fb4-4222-845c-61440543a456" providerId="ADAL" clId="{0B6CB96C-5C81-45BE-B402-C02C27EB3BC6}" dt="2024-01-23T17:13:54.346" v="15" actId="20577"/>
@@ -684,6 +197,99 @@
             <pc:docMk/>
             <pc:sldMk cId="724803187" sldId="282"/>
             <ac:spMk id="3" creationId="{B5924E0F-A977-1710-779D-EEB74261AF34}"/>
+          </ac:spMkLst>
+        </pc:spChg>
+      </pc:sldChg>
+    </pc:docChg>
+  </pc:docChgLst>
+  <pc:docChgLst>
+    <pc:chgData name="Gibbons, Carl" userId="d2b037bc-8fb4-4222-845c-61440543a456" providerId="ADAL" clId="{C1E6ABF6-BAED-4B26-97DB-20A1E8B7A1A4}"/>
+    <pc:docChg chg="custSel modSld">
+      <pc:chgData name="Gibbons, Carl" userId="d2b037bc-8fb4-4222-845c-61440543a456" providerId="ADAL" clId="{C1E6ABF6-BAED-4B26-97DB-20A1E8B7A1A4}" dt="2023-12-06T02:23:48.337" v="274" actId="20577"/>
+      <pc:docMkLst>
+        <pc:docMk/>
+      </pc:docMkLst>
+      <pc:sldChg chg="modSp mod">
+        <pc:chgData name="Gibbons, Carl" userId="d2b037bc-8fb4-4222-845c-61440543a456" providerId="ADAL" clId="{C1E6ABF6-BAED-4B26-97DB-20A1E8B7A1A4}" dt="2023-11-21T16:22:17.597" v="97" actId="20577"/>
+        <pc:sldMkLst>
+          <pc:docMk/>
+          <pc:sldMk cId="3308175748" sldId="256"/>
+        </pc:sldMkLst>
+        <pc:spChg chg="mod">
+          <ac:chgData name="Gibbons, Carl" userId="d2b037bc-8fb4-4222-845c-61440543a456" providerId="ADAL" clId="{C1E6ABF6-BAED-4B26-97DB-20A1E8B7A1A4}" dt="2023-11-21T05:49:34.464" v="2"/>
+          <ac:spMkLst>
+            <pc:docMk/>
+            <pc:sldMk cId="3308175748" sldId="256"/>
+            <ac:spMk id="2" creationId="{ACEA2649-DC6B-3373-A7E6-7F0E103D8B8B}"/>
+          </ac:spMkLst>
+        </pc:spChg>
+        <pc:spChg chg="mod">
+          <ac:chgData name="Gibbons, Carl" userId="d2b037bc-8fb4-4222-845c-61440543a456" providerId="ADAL" clId="{C1E6ABF6-BAED-4B26-97DB-20A1E8B7A1A4}" dt="2023-11-21T16:22:17.597" v="97" actId="20577"/>
+          <ac:spMkLst>
+            <pc:docMk/>
+            <pc:sldMk cId="3308175748" sldId="256"/>
+            <ac:spMk id="3" creationId="{EEC4D41B-E776-05F2-BE0B-89BB339485AB}"/>
+          </ac:spMkLst>
+        </pc:spChg>
+        <pc:spChg chg="mod">
+          <ac:chgData name="Gibbons, Carl" userId="d2b037bc-8fb4-4222-845c-61440543a456" providerId="ADAL" clId="{C1E6ABF6-BAED-4B26-97DB-20A1E8B7A1A4}" dt="2023-11-21T05:49:34.464" v="2"/>
+          <ac:spMkLst>
+            <pc:docMk/>
+            <pc:sldMk cId="3308175748" sldId="256"/>
+            <ac:spMk id="4" creationId="{4664ABB7-0B55-0242-2E51-B3286EE7B5EB}"/>
+          </ac:spMkLst>
+        </pc:spChg>
+      </pc:sldChg>
+      <pc:sldChg chg="modSp">
+        <pc:chgData name="Gibbons, Carl" userId="d2b037bc-8fb4-4222-845c-61440543a456" providerId="ADAL" clId="{C1E6ABF6-BAED-4B26-97DB-20A1E8B7A1A4}" dt="2023-11-21T05:49:34.464" v="2"/>
+        <pc:sldMkLst>
+          <pc:docMk/>
+          <pc:sldMk cId="2312486803" sldId="261"/>
+        </pc:sldMkLst>
+        <pc:spChg chg="mod">
+          <ac:chgData name="Gibbons, Carl" userId="d2b037bc-8fb4-4222-845c-61440543a456" providerId="ADAL" clId="{C1E6ABF6-BAED-4B26-97DB-20A1E8B7A1A4}" dt="2023-11-21T05:49:34.464" v="2"/>
+          <ac:spMkLst>
+            <pc:docMk/>
+            <pc:sldMk cId="2312486803" sldId="261"/>
+            <ac:spMk id="2" creationId="{31B75992-5098-A283-4925-2CCEBB801DC5}"/>
+          </ac:spMkLst>
+        </pc:spChg>
+      </pc:sldChg>
+      <pc:sldChg chg="modSp mod">
+        <pc:chgData name="Gibbons, Carl" userId="d2b037bc-8fb4-4222-845c-61440543a456" providerId="ADAL" clId="{C1E6ABF6-BAED-4B26-97DB-20A1E8B7A1A4}" dt="2023-11-21T07:48:19.790" v="77" actId="20577"/>
+        <pc:sldMkLst>
+          <pc:docMk/>
+          <pc:sldMk cId="378743348" sldId="270"/>
+        </pc:sldMkLst>
+        <pc:spChg chg="mod">
+          <ac:chgData name="Gibbons, Carl" userId="d2b037bc-8fb4-4222-845c-61440543a456" providerId="ADAL" clId="{C1E6ABF6-BAED-4B26-97DB-20A1E8B7A1A4}" dt="2023-11-21T07:48:19.790" v="77" actId="20577"/>
+          <ac:spMkLst>
+            <pc:docMk/>
+            <pc:sldMk cId="378743348" sldId="270"/>
+            <ac:spMk id="3" creationId="{80041865-9773-290D-EB35-F8AF8BFC505C}"/>
+          </ac:spMkLst>
+        </pc:spChg>
+      </pc:sldChg>
+      <pc:sldChg chg="modSp mod">
+        <pc:chgData name="Gibbons, Carl" userId="d2b037bc-8fb4-4222-845c-61440543a456" providerId="ADAL" clId="{C1E6ABF6-BAED-4B26-97DB-20A1E8B7A1A4}" dt="2023-12-06T02:23:48.337" v="274" actId="20577"/>
+        <pc:sldMkLst>
+          <pc:docMk/>
+          <pc:sldMk cId="657795359" sldId="277"/>
+        </pc:sldMkLst>
+        <pc:spChg chg="mod">
+          <ac:chgData name="Gibbons, Carl" userId="d2b037bc-8fb4-4222-845c-61440543a456" providerId="ADAL" clId="{C1E6ABF6-BAED-4B26-97DB-20A1E8B7A1A4}" dt="2023-11-21T05:49:34.464" v="2"/>
+          <ac:spMkLst>
+            <pc:docMk/>
+            <pc:sldMk cId="657795359" sldId="277"/>
+            <ac:spMk id="2" creationId="{1862E903-3C56-BB42-2361-009F2336475A}"/>
+          </ac:spMkLst>
+        </pc:spChg>
+        <pc:spChg chg="mod">
+          <ac:chgData name="Gibbons, Carl" userId="d2b037bc-8fb4-4222-845c-61440543a456" providerId="ADAL" clId="{C1E6ABF6-BAED-4B26-97DB-20A1E8B7A1A4}" dt="2023-12-06T02:23:48.337" v="274" actId="20577"/>
+          <ac:spMkLst>
+            <pc:docMk/>
+            <pc:sldMk cId="657795359" sldId="277"/>
+            <ac:spMk id="3" creationId="{90179172-96B3-95D0-A137-257770BE7642}"/>
           </ac:spMkLst>
         </pc:spChg>
       </pc:sldChg>
@@ -1640,99 +1246,6 @@
     </pc:docChg>
   </pc:docChgLst>
   <pc:docChgLst>
-    <pc:chgData name="Gibbons, Carl" userId="d2b037bc-8fb4-4222-845c-61440543a456" providerId="ADAL" clId="{C1E6ABF6-BAED-4B26-97DB-20A1E8B7A1A4}"/>
-    <pc:docChg chg="custSel modSld">
-      <pc:chgData name="Gibbons, Carl" userId="d2b037bc-8fb4-4222-845c-61440543a456" providerId="ADAL" clId="{C1E6ABF6-BAED-4B26-97DB-20A1E8B7A1A4}" dt="2023-12-06T02:23:48.337" v="274" actId="20577"/>
-      <pc:docMkLst>
-        <pc:docMk/>
-      </pc:docMkLst>
-      <pc:sldChg chg="modSp mod">
-        <pc:chgData name="Gibbons, Carl" userId="d2b037bc-8fb4-4222-845c-61440543a456" providerId="ADAL" clId="{C1E6ABF6-BAED-4B26-97DB-20A1E8B7A1A4}" dt="2023-11-21T16:22:17.597" v="97" actId="20577"/>
-        <pc:sldMkLst>
-          <pc:docMk/>
-          <pc:sldMk cId="3308175748" sldId="256"/>
-        </pc:sldMkLst>
-        <pc:spChg chg="mod">
-          <ac:chgData name="Gibbons, Carl" userId="d2b037bc-8fb4-4222-845c-61440543a456" providerId="ADAL" clId="{C1E6ABF6-BAED-4B26-97DB-20A1E8B7A1A4}" dt="2023-11-21T05:49:34.464" v="2"/>
-          <ac:spMkLst>
-            <pc:docMk/>
-            <pc:sldMk cId="3308175748" sldId="256"/>
-            <ac:spMk id="2" creationId="{ACEA2649-DC6B-3373-A7E6-7F0E103D8B8B}"/>
-          </ac:spMkLst>
-        </pc:spChg>
-        <pc:spChg chg="mod">
-          <ac:chgData name="Gibbons, Carl" userId="d2b037bc-8fb4-4222-845c-61440543a456" providerId="ADAL" clId="{C1E6ABF6-BAED-4B26-97DB-20A1E8B7A1A4}" dt="2023-11-21T16:22:17.597" v="97" actId="20577"/>
-          <ac:spMkLst>
-            <pc:docMk/>
-            <pc:sldMk cId="3308175748" sldId="256"/>
-            <ac:spMk id="3" creationId="{EEC4D41B-E776-05F2-BE0B-89BB339485AB}"/>
-          </ac:spMkLst>
-        </pc:spChg>
-        <pc:spChg chg="mod">
-          <ac:chgData name="Gibbons, Carl" userId="d2b037bc-8fb4-4222-845c-61440543a456" providerId="ADAL" clId="{C1E6ABF6-BAED-4B26-97DB-20A1E8B7A1A4}" dt="2023-11-21T05:49:34.464" v="2"/>
-          <ac:spMkLst>
-            <pc:docMk/>
-            <pc:sldMk cId="3308175748" sldId="256"/>
-            <ac:spMk id="4" creationId="{4664ABB7-0B55-0242-2E51-B3286EE7B5EB}"/>
-          </ac:spMkLst>
-        </pc:spChg>
-      </pc:sldChg>
-      <pc:sldChg chg="modSp">
-        <pc:chgData name="Gibbons, Carl" userId="d2b037bc-8fb4-4222-845c-61440543a456" providerId="ADAL" clId="{C1E6ABF6-BAED-4B26-97DB-20A1E8B7A1A4}" dt="2023-11-21T05:49:34.464" v="2"/>
-        <pc:sldMkLst>
-          <pc:docMk/>
-          <pc:sldMk cId="2312486803" sldId="261"/>
-        </pc:sldMkLst>
-        <pc:spChg chg="mod">
-          <ac:chgData name="Gibbons, Carl" userId="d2b037bc-8fb4-4222-845c-61440543a456" providerId="ADAL" clId="{C1E6ABF6-BAED-4B26-97DB-20A1E8B7A1A4}" dt="2023-11-21T05:49:34.464" v="2"/>
-          <ac:spMkLst>
-            <pc:docMk/>
-            <pc:sldMk cId="2312486803" sldId="261"/>
-            <ac:spMk id="2" creationId="{31B75992-5098-A283-4925-2CCEBB801DC5}"/>
-          </ac:spMkLst>
-        </pc:spChg>
-      </pc:sldChg>
-      <pc:sldChg chg="modSp mod">
-        <pc:chgData name="Gibbons, Carl" userId="d2b037bc-8fb4-4222-845c-61440543a456" providerId="ADAL" clId="{C1E6ABF6-BAED-4B26-97DB-20A1E8B7A1A4}" dt="2023-11-21T07:48:19.790" v="77" actId="20577"/>
-        <pc:sldMkLst>
-          <pc:docMk/>
-          <pc:sldMk cId="378743348" sldId="270"/>
-        </pc:sldMkLst>
-        <pc:spChg chg="mod">
-          <ac:chgData name="Gibbons, Carl" userId="d2b037bc-8fb4-4222-845c-61440543a456" providerId="ADAL" clId="{C1E6ABF6-BAED-4B26-97DB-20A1E8B7A1A4}" dt="2023-11-21T07:48:19.790" v="77" actId="20577"/>
-          <ac:spMkLst>
-            <pc:docMk/>
-            <pc:sldMk cId="378743348" sldId="270"/>
-            <ac:spMk id="3" creationId="{80041865-9773-290D-EB35-F8AF8BFC505C}"/>
-          </ac:spMkLst>
-        </pc:spChg>
-      </pc:sldChg>
-      <pc:sldChg chg="modSp mod">
-        <pc:chgData name="Gibbons, Carl" userId="d2b037bc-8fb4-4222-845c-61440543a456" providerId="ADAL" clId="{C1E6ABF6-BAED-4B26-97DB-20A1E8B7A1A4}" dt="2023-12-06T02:23:48.337" v="274" actId="20577"/>
-        <pc:sldMkLst>
-          <pc:docMk/>
-          <pc:sldMk cId="657795359" sldId="277"/>
-        </pc:sldMkLst>
-        <pc:spChg chg="mod">
-          <ac:chgData name="Gibbons, Carl" userId="d2b037bc-8fb4-4222-845c-61440543a456" providerId="ADAL" clId="{C1E6ABF6-BAED-4B26-97DB-20A1E8B7A1A4}" dt="2023-11-21T05:49:34.464" v="2"/>
-          <ac:spMkLst>
-            <pc:docMk/>
-            <pc:sldMk cId="657795359" sldId="277"/>
-            <ac:spMk id="2" creationId="{1862E903-3C56-BB42-2361-009F2336475A}"/>
-          </ac:spMkLst>
-        </pc:spChg>
-        <pc:spChg chg="mod">
-          <ac:chgData name="Gibbons, Carl" userId="d2b037bc-8fb4-4222-845c-61440543a456" providerId="ADAL" clId="{C1E6ABF6-BAED-4B26-97DB-20A1E8B7A1A4}" dt="2023-12-06T02:23:48.337" v="274" actId="20577"/>
-          <ac:spMkLst>
-            <pc:docMk/>
-            <pc:sldMk cId="657795359" sldId="277"/>
-            <ac:spMk id="3" creationId="{90179172-96B3-95D0-A137-257770BE7642}"/>
-          </ac:spMkLst>
-        </pc:spChg>
-      </pc:sldChg>
-    </pc:docChg>
-  </pc:docChgLst>
-  <pc:docChgLst>
     <pc:chgData name="Gibbons, Carl" userId="d2b037bc-8fb4-4222-845c-61440543a456" providerId="ADAL" clId="{3D73FC3D-A932-426E-A7E0-475220CAB957}"/>
     <pc:docChg chg="undo redo custSel addSld delSld modSld">
       <pc:chgData name="Gibbons, Carl" userId="d2b037bc-8fb4-4222-845c-61440543a456" providerId="ADAL" clId="{3D73FC3D-A932-426E-A7E0-475220CAB957}" dt="2023-12-24T03:24:28.415" v="11663" actId="20577"/>
@@ -1981,6 +1494,493 @@
             <pc:docMk/>
             <pc:sldMk cId="1371681654" sldId="282"/>
             <ac:spMk id="3" creationId="{17D02A72-79B4-B4A1-5F2B-4922B2F25909}"/>
+          </ac:spMkLst>
+        </pc:spChg>
+      </pc:sldChg>
+    </pc:docChg>
+  </pc:docChgLst>
+  <pc:docChgLst>
+    <pc:chgData name="Gibbons, Carl" userId="d2b037bc-8fb4-4222-845c-61440543a456" providerId="ADAL" clId="{7B5B51BB-EDBF-4DA9-A87C-3EE01BE9AC5A}"/>
+    <pc:docChg chg="undo custSel addSld delSld modSld sldOrd">
+      <pc:chgData name="Gibbons, Carl" userId="d2b037bc-8fb4-4222-845c-61440543a456" providerId="ADAL" clId="{7B5B51BB-EDBF-4DA9-A87C-3EE01BE9AC5A}" dt="2024-05-17T16:24:51.194" v="12020" actId="20577"/>
+      <pc:docMkLst>
+        <pc:docMk/>
+      </pc:docMkLst>
+      <pc:sldChg chg="modSp mod">
+        <pc:chgData name="Gibbons, Carl" userId="d2b037bc-8fb4-4222-845c-61440543a456" providerId="ADAL" clId="{7B5B51BB-EDBF-4DA9-A87C-3EE01BE9AC5A}" dt="2024-05-17T16:01:32.937" v="11949" actId="20577"/>
+        <pc:sldMkLst>
+          <pc:docMk/>
+          <pc:sldMk cId="2312486803" sldId="261"/>
+        </pc:sldMkLst>
+        <pc:spChg chg="mod">
+          <ac:chgData name="Gibbons, Carl" userId="d2b037bc-8fb4-4222-845c-61440543a456" providerId="ADAL" clId="{7B5B51BB-EDBF-4DA9-A87C-3EE01BE9AC5A}" dt="2024-05-17T16:01:32.937" v="11949" actId="20577"/>
+          <ac:spMkLst>
+            <pc:docMk/>
+            <pc:sldMk cId="2312486803" sldId="261"/>
+            <ac:spMk id="3" creationId="{B5924E0F-A977-1710-779D-EEB74261AF34}"/>
+          </ac:spMkLst>
+        </pc:spChg>
+      </pc:sldChg>
+      <pc:sldChg chg="modSp mod">
+        <pc:chgData name="Gibbons, Carl" userId="d2b037bc-8fb4-4222-845c-61440543a456" providerId="ADAL" clId="{7B5B51BB-EDBF-4DA9-A87C-3EE01BE9AC5A}" dt="2024-05-17T01:52:22.150" v="8216" actId="20577"/>
+        <pc:sldMkLst>
+          <pc:docMk/>
+          <pc:sldMk cId="3798299007" sldId="274"/>
+        </pc:sldMkLst>
+        <pc:spChg chg="mod">
+          <ac:chgData name="Gibbons, Carl" userId="d2b037bc-8fb4-4222-845c-61440543a456" providerId="ADAL" clId="{7B5B51BB-EDBF-4DA9-A87C-3EE01BE9AC5A}" dt="2024-05-17T01:22:07.337" v="7608" actId="20577"/>
+          <ac:spMkLst>
+            <pc:docMk/>
+            <pc:sldMk cId="3798299007" sldId="274"/>
+            <ac:spMk id="2" creationId="{361EE6A6-565D-6719-0FBC-5CFE8D6A76E8}"/>
+          </ac:spMkLst>
+        </pc:spChg>
+        <pc:spChg chg="mod">
+          <ac:chgData name="Gibbons, Carl" userId="d2b037bc-8fb4-4222-845c-61440543a456" providerId="ADAL" clId="{7B5B51BB-EDBF-4DA9-A87C-3EE01BE9AC5A}" dt="2024-05-17T01:52:22.150" v="8216" actId="20577"/>
+          <ac:spMkLst>
+            <pc:docMk/>
+            <pc:sldMk cId="3798299007" sldId="274"/>
+            <ac:spMk id="3" creationId="{ADD8957C-88E6-A920-4979-2BDA9406B518}"/>
+          </ac:spMkLst>
+        </pc:spChg>
+      </pc:sldChg>
+      <pc:sldChg chg="modSp mod">
+        <pc:chgData name="Gibbons, Carl" userId="d2b037bc-8fb4-4222-845c-61440543a456" providerId="ADAL" clId="{7B5B51BB-EDBF-4DA9-A87C-3EE01BE9AC5A}" dt="2024-05-17T01:59:08.063" v="8580" actId="20577"/>
+        <pc:sldMkLst>
+          <pc:docMk/>
+          <pc:sldMk cId="657795359" sldId="277"/>
+        </pc:sldMkLst>
+        <pc:spChg chg="mod">
+          <ac:chgData name="Gibbons, Carl" userId="d2b037bc-8fb4-4222-845c-61440543a456" providerId="ADAL" clId="{7B5B51BB-EDBF-4DA9-A87C-3EE01BE9AC5A}" dt="2024-05-17T01:59:08.063" v="8580" actId="20577"/>
+          <ac:spMkLst>
+            <pc:docMk/>
+            <pc:sldMk cId="657795359" sldId="277"/>
+            <ac:spMk id="3" creationId="{90179172-96B3-95D0-A137-257770BE7642}"/>
+          </ac:spMkLst>
+        </pc:spChg>
+      </pc:sldChg>
+      <pc:sldChg chg="modSp mod">
+        <pc:chgData name="Gibbons, Carl" userId="d2b037bc-8fb4-4222-845c-61440543a456" providerId="ADAL" clId="{7B5B51BB-EDBF-4DA9-A87C-3EE01BE9AC5A}" dt="2024-05-17T16:00:25.322" v="11934" actId="20577"/>
+        <pc:sldMkLst>
+          <pc:docMk/>
+          <pc:sldMk cId="3989541258" sldId="278"/>
+        </pc:sldMkLst>
+        <pc:spChg chg="mod">
+          <ac:chgData name="Gibbons, Carl" userId="d2b037bc-8fb4-4222-845c-61440543a456" providerId="ADAL" clId="{7B5B51BB-EDBF-4DA9-A87C-3EE01BE9AC5A}" dt="2024-05-17T16:00:25.322" v="11934" actId="20577"/>
+          <ac:spMkLst>
+            <pc:docMk/>
+            <pc:sldMk cId="3989541258" sldId="278"/>
+            <ac:spMk id="3" creationId="{B5924E0F-A977-1710-779D-EEB74261AF34}"/>
+          </ac:spMkLst>
+        </pc:spChg>
+      </pc:sldChg>
+      <pc:sldChg chg="modSp mod">
+        <pc:chgData name="Gibbons, Carl" userId="d2b037bc-8fb4-4222-845c-61440543a456" providerId="ADAL" clId="{7B5B51BB-EDBF-4DA9-A87C-3EE01BE9AC5A}" dt="2024-05-17T15:48:07.490" v="11091" actId="20577"/>
+        <pc:sldMkLst>
+          <pc:docMk/>
+          <pc:sldMk cId="2335633195" sldId="279"/>
+        </pc:sldMkLst>
+        <pc:spChg chg="mod">
+          <ac:chgData name="Gibbons, Carl" userId="d2b037bc-8fb4-4222-845c-61440543a456" providerId="ADAL" clId="{7B5B51BB-EDBF-4DA9-A87C-3EE01BE9AC5A}" dt="2024-05-17T15:48:07.490" v="11091" actId="20577"/>
+          <ac:spMkLst>
+            <pc:docMk/>
+            <pc:sldMk cId="2335633195" sldId="279"/>
+            <ac:spMk id="3" creationId="{B5924E0F-A977-1710-779D-EEB74261AF34}"/>
+          </ac:spMkLst>
+        </pc:spChg>
+      </pc:sldChg>
+      <pc:sldChg chg="modSp mod">
+        <pc:chgData name="Gibbons, Carl" userId="d2b037bc-8fb4-4222-845c-61440543a456" providerId="ADAL" clId="{7B5B51BB-EDBF-4DA9-A87C-3EE01BE9AC5A}" dt="2024-05-17T15:49:09.813" v="11137" actId="20577"/>
+        <pc:sldMkLst>
+          <pc:docMk/>
+          <pc:sldMk cId="1284534978" sldId="280"/>
+        </pc:sldMkLst>
+        <pc:spChg chg="mod">
+          <ac:chgData name="Gibbons, Carl" userId="d2b037bc-8fb4-4222-845c-61440543a456" providerId="ADAL" clId="{7B5B51BB-EDBF-4DA9-A87C-3EE01BE9AC5A}" dt="2024-05-17T15:49:09.813" v="11137" actId="20577"/>
+          <ac:spMkLst>
+            <pc:docMk/>
+            <pc:sldMk cId="1284534978" sldId="280"/>
+            <ac:spMk id="3" creationId="{B5924E0F-A977-1710-779D-EEB74261AF34}"/>
+          </ac:spMkLst>
+        </pc:spChg>
+      </pc:sldChg>
+      <pc:sldChg chg="modSp mod">
+        <pc:chgData name="Gibbons, Carl" userId="d2b037bc-8fb4-4222-845c-61440543a456" providerId="ADAL" clId="{7B5B51BB-EDBF-4DA9-A87C-3EE01BE9AC5A}" dt="2024-05-17T15:58:18.981" v="11932" actId="20577"/>
+        <pc:sldMkLst>
+          <pc:docMk/>
+          <pc:sldMk cId="1802585387" sldId="281"/>
+        </pc:sldMkLst>
+        <pc:spChg chg="mod">
+          <ac:chgData name="Gibbons, Carl" userId="d2b037bc-8fb4-4222-845c-61440543a456" providerId="ADAL" clId="{7B5B51BB-EDBF-4DA9-A87C-3EE01BE9AC5A}" dt="2024-05-17T15:58:18.981" v="11932" actId="20577"/>
+          <ac:spMkLst>
+            <pc:docMk/>
+            <pc:sldMk cId="1802585387" sldId="281"/>
+            <ac:spMk id="3" creationId="{B5924E0F-A977-1710-779D-EEB74261AF34}"/>
+          </ac:spMkLst>
+        </pc:spChg>
+      </pc:sldChg>
+      <pc:sldChg chg="modSp mod">
+        <pc:chgData name="Gibbons, Carl" userId="d2b037bc-8fb4-4222-845c-61440543a456" providerId="ADAL" clId="{7B5B51BB-EDBF-4DA9-A87C-3EE01BE9AC5A}" dt="2024-05-17T00:13:48.611" v="5087" actId="20577"/>
+        <pc:sldMkLst>
+          <pc:docMk/>
+          <pc:sldMk cId="1926009205" sldId="283"/>
+        </pc:sldMkLst>
+        <pc:spChg chg="mod">
+          <ac:chgData name="Gibbons, Carl" userId="d2b037bc-8fb4-4222-845c-61440543a456" providerId="ADAL" clId="{7B5B51BB-EDBF-4DA9-A87C-3EE01BE9AC5A}" dt="2024-05-17T00:13:48.611" v="5087" actId="20577"/>
+          <ac:spMkLst>
+            <pc:docMk/>
+            <pc:sldMk cId="1926009205" sldId="283"/>
+            <ac:spMk id="3" creationId="{B5924E0F-A977-1710-779D-EEB74261AF34}"/>
+          </ac:spMkLst>
+        </pc:spChg>
+      </pc:sldChg>
+      <pc:sldChg chg="modSp mod">
+        <pc:chgData name="Gibbons, Carl" userId="d2b037bc-8fb4-4222-845c-61440543a456" providerId="ADAL" clId="{7B5B51BB-EDBF-4DA9-A87C-3EE01BE9AC5A}" dt="2024-05-17T00:14:20.719" v="5115" actId="20577"/>
+        <pc:sldMkLst>
+          <pc:docMk/>
+          <pc:sldMk cId="2366216895" sldId="284"/>
+        </pc:sldMkLst>
+        <pc:spChg chg="mod">
+          <ac:chgData name="Gibbons, Carl" userId="d2b037bc-8fb4-4222-845c-61440543a456" providerId="ADAL" clId="{7B5B51BB-EDBF-4DA9-A87C-3EE01BE9AC5A}" dt="2024-05-17T00:14:20.719" v="5115" actId="20577"/>
+          <ac:spMkLst>
+            <pc:docMk/>
+            <pc:sldMk cId="2366216895" sldId="284"/>
+            <ac:spMk id="3" creationId="{B5924E0F-A977-1710-779D-EEB74261AF34}"/>
+          </ac:spMkLst>
+        </pc:spChg>
+      </pc:sldChg>
+      <pc:sldChg chg="modSp mod">
+        <pc:chgData name="Gibbons, Carl" userId="d2b037bc-8fb4-4222-845c-61440543a456" providerId="ADAL" clId="{7B5B51BB-EDBF-4DA9-A87C-3EE01BE9AC5A}" dt="2024-05-17T00:19:50.584" v="5231" actId="2711"/>
+        <pc:sldMkLst>
+          <pc:docMk/>
+          <pc:sldMk cId="3371896289" sldId="285"/>
+        </pc:sldMkLst>
+        <pc:spChg chg="mod">
+          <ac:chgData name="Gibbons, Carl" userId="d2b037bc-8fb4-4222-845c-61440543a456" providerId="ADAL" clId="{7B5B51BB-EDBF-4DA9-A87C-3EE01BE9AC5A}" dt="2024-05-02T16:41:22.862" v="56" actId="20577"/>
+          <ac:spMkLst>
+            <pc:docMk/>
+            <pc:sldMk cId="3371896289" sldId="285"/>
+            <ac:spMk id="2" creationId="{31B75992-5098-A283-4925-2CCEBB801DC5}"/>
+          </ac:spMkLst>
+        </pc:spChg>
+        <pc:spChg chg="mod">
+          <ac:chgData name="Gibbons, Carl" userId="d2b037bc-8fb4-4222-845c-61440543a456" providerId="ADAL" clId="{7B5B51BB-EDBF-4DA9-A87C-3EE01BE9AC5A}" dt="2024-05-17T00:19:50.584" v="5231" actId="2711"/>
+          <ac:spMkLst>
+            <pc:docMk/>
+            <pc:sldMk cId="3371896289" sldId="285"/>
+            <ac:spMk id="3" creationId="{B5924E0F-A977-1710-779D-EEB74261AF34}"/>
+          </ac:spMkLst>
+        </pc:spChg>
+      </pc:sldChg>
+      <pc:sldChg chg="modSp mod ord">
+        <pc:chgData name="Gibbons, Carl" userId="d2b037bc-8fb4-4222-845c-61440543a456" providerId="ADAL" clId="{7B5B51BB-EDBF-4DA9-A87C-3EE01BE9AC5A}" dt="2024-05-17T00:16:13.215" v="5166" actId="20577"/>
+        <pc:sldMkLst>
+          <pc:docMk/>
+          <pc:sldMk cId="3193160409" sldId="286"/>
+        </pc:sldMkLst>
+        <pc:spChg chg="mod">
+          <ac:chgData name="Gibbons, Carl" userId="d2b037bc-8fb4-4222-845c-61440543a456" providerId="ADAL" clId="{7B5B51BB-EDBF-4DA9-A87C-3EE01BE9AC5A}" dt="2024-05-02T16:41:18.901" v="54" actId="20577"/>
+          <ac:spMkLst>
+            <pc:docMk/>
+            <pc:sldMk cId="3193160409" sldId="286"/>
+            <ac:spMk id="2" creationId="{31B75992-5098-A283-4925-2CCEBB801DC5}"/>
+          </ac:spMkLst>
+        </pc:spChg>
+        <pc:spChg chg="mod">
+          <ac:chgData name="Gibbons, Carl" userId="d2b037bc-8fb4-4222-845c-61440543a456" providerId="ADAL" clId="{7B5B51BB-EDBF-4DA9-A87C-3EE01BE9AC5A}" dt="2024-05-17T00:16:13.215" v="5166" actId="20577"/>
+          <ac:spMkLst>
+            <pc:docMk/>
+            <pc:sldMk cId="3193160409" sldId="286"/>
+            <ac:spMk id="3" creationId="{B5924E0F-A977-1710-779D-EEB74261AF34}"/>
+          </ac:spMkLst>
+        </pc:spChg>
+      </pc:sldChg>
+      <pc:sldChg chg="modSp mod">
+        <pc:chgData name="Gibbons, Carl" userId="d2b037bc-8fb4-4222-845c-61440543a456" providerId="ADAL" clId="{7B5B51BB-EDBF-4DA9-A87C-3EE01BE9AC5A}" dt="2024-05-17T00:21:19.057" v="5239" actId="2711"/>
+        <pc:sldMkLst>
+          <pc:docMk/>
+          <pc:sldMk cId="2688338374" sldId="287"/>
+        </pc:sldMkLst>
+        <pc:spChg chg="mod">
+          <ac:chgData name="Gibbons, Carl" userId="d2b037bc-8fb4-4222-845c-61440543a456" providerId="ADAL" clId="{7B5B51BB-EDBF-4DA9-A87C-3EE01BE9AC5A}" dt="2024-05-17T00:21:19.057" v="5239" actId="2711"/>
+          <ac:spMkLst>
+            <pc:docMk/>
+            <pc:sldMk cId="2688338374" sldId="287"/>
+            <ac:spMk id="3" creationId="{B5924E0F-A977-1710-779D-EEB74261AF34}"/>
+          </ac:spMkLst>
+        </pc:spChg>
+      </pc:sldChg>
+      <pc:sldChg chg="modSp mod">
+        <pc:chgData name="Gibbons, Carl" userId="d2b037bc-8fb4-4222-845c-61440543a456" providerId="ADAL" clId="{7B5B51BB-EDBF-4DA9-A87C-3EE01BE9AC5A}" dt="2024-05-17T00:24:22.883" v="5272" actId="20577"/>
+        <pc:sldMkLst>
+          <pc:docMk/>
+          <pc:sldMk cId="2142935017" sldId="288"/>
+        </pc:sldMkLst>
+        <pc:spChg chg="mod">
+          <ac:chgData name="Gibbons, Carl" userId="d2b037bc-8fb4-4222-845c-61440543a456" providerId="ADAL" clId="{7B5B51BB-EDBF-4DA9-A87C-3EE01BE9AC5A}" dt="2024-05-17T00:24:22.883" v="5272" actId="20577"/>
+          <ac:spMkLst>
+            <pc:docMk/>
+            <pc:sldMk cId="2142935017" sldId="288"/>
+            <ac:spMk id="3" creationId="{B5924E0F-A977-1710-779D-EEB74261AF34}"/>
+          </ac:spMkLst>
+        </pc:spChg>
+      </pc:sldChg>
+      <pc:sldChg chg="modSp mod">
+        <pc:chgData name="Gibbons, Carl" userId="d2b037bc-8fb4-4222-845c-61440543a456" providerId="ADAL" clId="{7B5B51BB-EDBF-4DA9-A87C-3EE01BE9AC5A}" dt="2024-05-17T16:22:44.226" v="12015"/>
+        <pc:sldMkLst>
+          <pc:docMk/>
+          <pc:sldMk cId="2784625941" sldId="289"/>
+        </pc:sldMkLst>
+        <pc:spChg chg="mod">
+          <ac:chgData name="Gibbons, Carl" userId="d2b037bc-8fb4-4222-845c-61440543a456" providerId="ADAL" clId="{7B5B51BB-EDBF-4DA9-A87C-3EE01BE9AC5A}" dt="2024-05-17T16:22:44.226" v="12015"/>
+          <ac:spMkLst>
+            <pc:docMk/>
+            <pc:sldMk cId="2784625941" sldId="289"/>
+            <ac:spMk id="3" creationId="{B5924E0F-A977-1710-779D-EEB74261AF34}"/>
+          </ac:spMkLst>
+        </pc:spChg>
+      </pc:sldChg>
+      <pc:sldChg chg="modSp mod">
+        <pc:chgData name="Gibbons, Carl" userId="d2b037bc-8fb4-4222-845c-61440543a456" providerId="ADAL" clId="{7B5B51BB-EDBF-4DA9-A87C-3EE01BE9AC5A}" dt="2024-05-17T00:29:18.616" v="5323" actId="20577"/>
+        <pc:sldMkLst>
+          <pc:docMk/>
+          <pc:sldMk cId="1677974689" sldId="290"/>
+        </pc:sldMkLst>
+        <pc:spChg chg="mod">
+          <ac:chgData name="Gibbons, Carl" userId="d2b037bc-8fb4-4222-845c-61440543a456" providerId="ADAL" clId="{7B5B51BB-EDBF-4DA9-A87C-3EE01BE9AC5A}" dt="2024-05-17T00:29:18.616" v="5323" actId="20577"/>
+          <ac:spMkLst>
+            <pc:docMk/>
+            <pc:sldMk cId="1677974689" sldId="290"/>
+            <ac:spMk id="3" creationId="{B5924E0F-A977-1710-779D-EEB74261AF34}"/>
+          </ac:spMkLst>
+        </pc:spChg>
+      </pc:sldChg>
+      <pc:sldChg chg="modSp mod">
+        <pc:chgData name="Gibbons, Carl" userId="d2b037bc-8fb4-4222-845c-61440543a456" providerId="ADAL" clId="{7B5B51BB-EDBF-4DA9-A87C-3EE01BE9AC5A}" dt="2024-05-17T16:24:51.194" v="12020" actId="20577"/>
+        <pc:sldMkLst>
+          <pc:docMk/>
+          <pc:sldMk cId="4219326696" sldId="291"/>
+        </pc:sldMkLst>
+        <pc:spChg chg="mod">
+          <ac:chgData name="Gibbons, Carl" userId="d2b037bc-8fb4-4222-845c-61440543a456" providerId="ADAL" clId="{7B5B51BB-EDBF-4DA9-A87C-3EE01BE9AC5A}" dt="2024-05-17T16:24:51.194" v="12020" actId="20577"/>
+          <ac:spMkLst>
+            <pc:docMk/>
+            <pc:sldMk cId="4219326696" sldId="291"/>
+            <ac:spMk id="3" creationId="{B5924E0F-A977-1710-779D-EEB74261AF34}"/>
+          </ac:spMkLst>
+        </pc:spChg>
+      </pc:sldChg>
+      <pc:sldChg chg="modSp mod">
+        <pc:chgData name="Gibbons, Carl" userId="d2b037bc-8fb4-4222-845c-61440543a456" providerId="ADAL" clId="{7B5B51BB-EDBF-4DA9-A87C-3EE01BE9AC5A}" dt="2024-05-17T15:45:21.863" v="11071" actId="20577"/>
+        <pc:sldMkLst>
+          <pc:docMk/>
+          <pc:sldMk cId="33911121" sldId="292"/>
+        </pc:sldMkLst>
+        <pc:spChg chg="mod">
+          <ac:chgData name="Gibbons, Carl" userId="d2b037bc-8fb4-4222-845c-61440543a456" providerId="ADAL" clId="{7B5B51BB-EDBF-4DA9-A87C-3EE01BE9AC5A}" dt="2024-05-03T01:03:18.547" v="1393" actId="20577"/>
+          <ac:spMkLst>
+            <pc:docMk/>
+            <pc:sldMk cId="33911121" sldId="292"/>
+            <ac:spMk id="2" creationId="{1862E903-3C56-BB42-2361-009F2336475A}"/>
+          </ac:spMkLst>
+        </pc:spChg>
+        <pc:spChg chg="mod">
+          <ac:chgData name="Gibbons, Carl" userId="d2b037bc-8fb4-4222-845c-61440543a456" providerId="ADAL" clId="{7B5B51BB-EDBF-4DA9-A87C-3EE01BE9AC5A}" dt="2024-05-17T15:45:21.863" v="11071" actId="20577"/>
+          <ac:spMkLst>
+            <pc:docMk/>
+            <pc:sldMk cId="33911121" sldId="292"/>
+            <ac:spMk id="3" creationId="{90179172-96B3-95D0-A137-257770BE7642}"/>
+          </ac:spMkLst>
+        </pc:spChg>
+      </pc:sldChg>
+      <pc:sldChg chg="modSp add mod">
+        <pc:chgData name="Gibbons, Carl" userId="d2b037bc-8fb4-4222-845c-61440543a456" providerId="ADAL" clId="{7B5B51BB-EDBF-4DA9-A87C-3EE01BE9AC5A}" dt="2024-05-07T16:32:40.834" v="2311" actId="20577"/>
+        <pc:sldMkLst>
+          <pc:docMk/>
+          <pc:sldMk cId="1322372106" sldId="293"/>
+        </pc:sldMkLst>
+        <pc:spChg chg="mod">
+          <ac:chgData name="Gibbons, Carl" userId="d2b037bc-8fb4-4222-845c-61440543a456" providerId="ADAL" clId="{7B5B51BB-EDBF-4DA9-A87C-3EE01BE9AC5A}" dt="2024-05-07T16:12:12.690" v="1563" actId="20577"/>
+          <ac:spMkLst>
+            <pc:docMk/>
+            <pc:sldMk cId="1322372106" sldId="293"/>
+            <ac:spMk id="2" creationId="{1862E903-3C56-BB42-2361-009F2336475A}"/>
+          </ac:spMkLst>
+        </pc:spChg>
+        <pc:spChg chg="mod">
+          <ac:chgData name="Gibbons, Carl" userId="d2b037bc-8fb4-4222-845c-61440543a456" providerId="ADAL" clId="{7B5B51BB-EDBF-4DA9-A87C-3EE01BE9AC5A}" dt="2024-05-07T16:32:40.834" v="2311" actId="20577"/>
+          <ac:spMkLst>
+            <pc:docMk/>
+            <pc:sldMk cId="1322372106" sldId="293"/>
+            <ac:spMk id="3" creationId="{90179172-96B3-95D0-A137-257770BE7642}"/>
+          </ac:spMkLst>
+        </pc:spChg>
+      </pc:sldChg>
+      <pc:sldChg chg="modSp add mod">
+        <pc:chgData name="Gibbons, Carl" userId="d2b037bc-8fb4-4222-845c-61440543a456" providerId="ADAL" clId="{7B5B51BB-EDBF-4DA9-A87C-3EE01BE9AC5A}" dt="2024-05-07T16:31:46.179" v="2278" actId="20577"/>
+        <pc:sldMkLst>
+          <pc:docMk/>
+          <pc:sldMk cId="3130736821" sldId="294"/>
+        </pc:sldMkLst>
+        <pc:spChg chg="mod">
+          <ac:chgData name="Gibbons, Carl" userId="d2b037bc-8fb4-4222-845c-61440543a456" providerId="ADAL" clId="{7B5B51BB-EDBF-4DA9-A87C-3EE01BE9AC5A}" dt="2024-05-07T16:12:27.137" v="1566" actId="20577"/>
+          <ac:spMkLst>
+            <pc:docMk/>
+            <pc:sldMk cId="3130736821" sldId="294"/>
+            <ac:spMk id="2" creationId="{1862E903-3C56-BB42-2361-009F2336475A}"/>
+          </ac:spMkLst>
+        </pc:spChg>
+        <pc:spChg chg="mod">
+          <ac:chgData name="Gibbons, Carl" userId="d2b037bc-8fb4-4222-845c-61440543a456" providerId="ADAL" clId="{7B5B51BB-EDBF-4DA9-A87C-3EE01BE9AC5A}" dt="2024-05-07T16:31:46.179" v="2278" actId="20577"/>
+          <ac:spMkLst>
+            <pc:docMk/>
+            <pc:sldMk cId="3130736821" sldId="294"/>
+            <ac:spMk id="3" creationId="{90179172-96B3-95D0-A137-257770BE7642}"/>
+          </ac:spMkLst>
+        </pc:spChg>
+      </pc:sldChg>
+      <pc:sldChg chg="modSp mod">
+        <pc:chgData name="Gibbons, Carl" userId="d2b037bc-8fb4-4222-845c-61440543a456" providerId="ADAL" clId="{7B5B51BB-EDBF-4DA9-A87C-3EE01BE9AC5A}" dt="2024-05-07T17:03:03.855" v="3774" actId="20577"/>
+        <pc:sldMkLst>
+          <pc:docMk/>
+          <pc:sldMk cId="3395791171" sldId="295"/>
+        </pc:sldMkLst>
+        <pc:spChg chg="mod">
+          <ac:chgData name="Gibbons, Carl" userId="d2b037bc-8fb4-4222-845c-61440543a456" providerId="ADAL" clId="{7B5B51BB-EDBF-4DA9-A87C-3EE01BE9AC5A}" dt="2024-05-07T16:41:58.655" v="2634" actId="20577"/>
+          <ac:spMkLst>
+            <pc:docMk/>
+            <pc:sldMk cId="3395791171" sldId="295"/>
+            <ac:spMk id="2" creationId="{1862E903-3C56-BB42-2361-009F2336475A}"/>
+          </ac:spMkLst>
+        </pc:spChg>
+        <pc:spChg chg="mod">
+          <ac:chgData name="Gibbons, Carl" userId="d2b037bc-8fb4-4222-845c-61440543a456" providerId="ADAL" clId="{7B5B51BB-EDBF-4DA9-A87C-3EE01BE9AC5A}" dt="2024-05-07T17:03:03.855" v="3774" actId="20577"/>
+          <ac:spMkLst>
+            <pc:docMk/>
+            <pc:sldMk cId="3395791171" sldId="295"/>
+            <ac:spMk id="3" creationId="{90179172-96B3-95D0-A137-257770BE7642}"/>
+          </ac:spMkLst>
+        </pc:spChg>
+      </pc:sldChg>
+      <pc:sldChg chg="modSp new del mod">
+        <pc:chgData name="Gibbons, Carl" userId="d2b037bc-8fb4-4222-845c-61440543a456" providerId="ADAL" clId="{7B5B51BB-EDBF-4DA9-A87C-3EE01BE9AC5A}" dt="2024-05-07T17:00:32.619" v="3691" actId="47"/>
+        <pc:sldMkLst>
+          <pc:docMk/>
+          <pc:sldMk cId="231497659" sldId="296"/>
+        </pc:sldMkLst>
+        <pc:spChg chg="mod">
+          <ac:chgData name="Gibbons, Carl" userId="d2b037bc-8fb4-4222-845c-61440543a456" providerId="ADAL" clId="{7B5B51BB-EDBF-4DA9-A87C-3EE01BE9AC5A}" dt="2024-05-07T16:42:36.241" v="2636" actId="27636"/>
+          <ac:spMkLst>
+            <pc:docMk/>
+            <pc:sldMk cId="231497659" sldId="296"/>
+            <ac:spMk id="2" creationId="{49EE59EA-7285-3924-F227-6FB17992699A}"/>
+          </ac:spMkLst>
+        </pc:spChg>
+      </pc:sldChg>
+      <pc:sldChg chg="modSp add mod">
+        <pc:chgData name="Gibbons, Carl" userId="d2b037bc-8fb4-4222-845c-61440543a456" providerId="ADAL" clId="{7B5B51BB-EDBF-4DA9-A87C-3EE01BE9AC5A}" dt="2024-05-17T02:36:44.320" v="10989" actId="20577"/>
+        <pc:sldMkLst>
+          <pc:docMk/>
+          <pc:sldMk cId="2019361039" sldId="297"/>
+        </pc:sldMkLst>
+        <pc:spChg chg="mod">
+          <ac:chgData name="Gibbons, Carl" userId="d2b037bc-8fb4-4222-845c-61440543a456" providerId="ADAL" clId="{7B5B51BB-EDBF-4DA9-A87C-3EE01BE9AC5A}" dt="2024-05-07T16:42:48.466" v="2665" actId="20577"/>
+          <ac:spMkLst>
+            <pc:docMk/>
+            <pc:sldMk cId="2019361039" sldId="297"/>
+            <ac:spMk id="2" creationId="{1862E903-3C56-BB42-2361-009F2336475A}"/>
+          </ac:spMkLst>
+        </pc:spChg>
+        <pc:spChg chg="mod">
+          <ac:chgData name="Gibbons, Carl" userId="d2b037bc-8fb4-4222-845c-61440543a456" providerId="ADAL" clId="{7B5B51BB-EDBF-4DA9-A87C-3EE01BE9AC5A}" dt="2024-05-17T02:36:44.320" v="10989" actId="20577"/>
+          <ac:spMkLst>
+            <pc:docMk/>
+            <pc:sldMk cId="2019361039" sldId="297"/>
+            <ac:spMk id="3" creationId="{90179172-96B3-95D0-A137-257770BE7642}"/>
+          </ac:spMkLst>
+        </pc:spChg>
+      </pc:sldChg>
+      <pc:sldChg chg="modSp add mod ord">
+        <pc:chgData name="Gibbons, Carl" userId="d2b037bc-8fb4-4222-845c-61440543a456" providerId="ADAL" clId="{7B5B51BB-EDBF-4DA9-A87C-3EE01BE9AC5A}" dt="2024-05-17T02:43:46.071" v="11058" actId="20577"/>
+        <pc:sldMkLst>
+          <pc:docMk/>
+          <pc:sldMk cId="1101538689" sldId="298"/>
+        </pc:sldMkLst>
+        <pc:spChg chg="mod">
+          <ac:chgData name="Gibbons, Carl" userId="d2b037bc-8fb4-4222-845c-61440543a456" providerId="ADAL" clId="{7B5B51BB-EDBF-4DA9-A87C-3EE01BE9AC5A}" dt="2024-05-07T17:24:36.283" v="5020" actId="20577"/>
+          <ac:spMkLst>
+            <pc:docMk/>
+            <pc:sldMk cId="1101538689" sldId="298"/>
+            <ac:spMk id="2" creationId="{1862E903-3C56-BB42-2361-009F2336475A}"/>
+          </ac:spMkLst>
+        </pc:spChg>
+        <pc:spChg chg="mod">
+          <ac:chgData name="Gibbons, Carl" userId="d2b037bc-8fb4-4222-845c-61440543a456" providerId="ADAL" clId="{7B5B51BB-EDBF-4DA9-A87C-3EE01BE9AC5A}" dt="2024-05-17T02:43:46.071" v="11058" actId="20577"/>
+          <ac:spMkLst>
+            <pc:docMk/>
+            <pc:sldMk cId="1101538689" sldId="298"/>
+            <ac:spMk id="3" creationId="{90179172-96B3-95D0-A137-257770BE7642}"/>
+          </ac:spMkLst>
+        </pc:spChg>
+      </pc:sldChg>
+      <pc:sldChg chg="modSp mod">
+        <pc:chgData name="Gibbons, Carl" userId="d2b037bc-8fb4-4222-845c-61440543a456" providerId="ADAL" clId="{7B5B51BB-EDBF-4DA9-A87C-3EE01BE9AC5A}" dt="2024-05-17T02:45:12.703" v="11059" actId="115"/>
+        <pc:sldMkLst>
+          <pc:docMk/>
+          <pc:sldMk cId="1464749429" sldId="299"/>
+        </pc:sldMkLst>
+        <pc:spChg chg="mod">
+          <ac:chgData name="Gibbons, Carl" userId="d2b037bc-8fb4-4222-845c-61440543a456" providerId="ADAL" clId="{7B5B51BB-EDBF-4DA9-A87C-3EE01BE9AC5A}" dt="2024-05-17T02:45:12.703" v="11059" actId="115"/>
+          <ac:spMkLst>
+            <pc:docMk/>
+            <pc:sldMk cId="1464749429" sldId="299"/>
+            <ac:spMk id="3" creationId="{ADD8957C-88E6-A920-4979-2BDA9406B518}"/>
+          </ac:spMkLst>
+        </pc:spChg>
+      </pc:sldChg>
+      <pc:sldChg chg="modSp mod">
+        <pc:chgData name="Gibbons, Carl" userId="d2b037bc-8fb4-4222-845c-61440543a456" providerId="ADAL" clId="{7B5B51BB-EDBF-4DA9-A87C-3EE01BE9AC5A}" dt="2024-05-17T01:50:23.348" v="8207" actId="20577"/>
+        <pc:sldMkLst>
+          <pc:docMk/>
+          <pc:sldMk cId="2272690951" sldId="300"/>
+        </pc:sldMkLst>
+        <pc:spChg chg="mod">
+          <ac:chgData name="Gibbons, Carl" userId="d2b037bc-8fb4-4222-845c-61440543a456" providerId="ADAL" clId="{7B5B51BB-EDBF-4DA9-A87C-3EE01BE9AC5A}" dt="2024-05-17T01:21:59.806" v="7604" actId="20577"/>
+          <ac:spMkLst>
+            <pc:docMk/>
+            <pc:sldMk cId="2272690951" sldId="300"/>
+            <ac:spMk id="2" creationId="{361EE6A6-565D-6719-0FBC-5CFE8D6A76E8}"/>
+          </ac:spMkLst>
+        </pc:spChg>
+        <pc:spChg chg="mod">
+          <ac:chgData name="Gibbons, Carl" userId="d2b037bc-8fb4-4222-845c-61440543a456" providerId="ADAL" clId="{7B5B51BB-EDBF-4DA9-A87C-3EE01BE9AC5A}" dt="2024-05-17T01:50:23.348" v="8207" actId="20577"/>
+          <ac:spMkLst>
+            <pc:docMk/>
+            <pc:sldMk cId="2272690951" sldId="300"/>
+            <ac:spMk id="3" creationId="{ADD8957C-88E6-A920-4979-2BDA9406B518}"/>
+          </ac:spMkLst>
+        </pc:spChg>
+      </pc:sldChg>
+      <pc:sldChg chg="modSp mod">
+        <pc:chgData name="Gibbons, Carl" userId="d2b037bc-8fb4-4222-845c-61440543a456" providerId="ADAL" clId="{7B5B51BB-EDBF-4DA9-A87C-3EE01BE9AC5A}" dt="2024-05-17T01:50:16.602" v="8204" actId="20577"/>
+        <pc:sldMkLst>
+          <pc:docMk/>
+          <pc:sldMk cId="2246322020" sldId="301"/>
+        </pc:sldMkLst>
+        <pc:spChg chg="mod">
+          <ac:chgData name="Gibbons, Carl" userId="d2b037bc-8fb4-4222-845c-61440543a456" providerId="ADAL" clId="{7B5B51BB-EDBF-4DA9-A87C-3EE01BE9AC5A}" dt="2024-05-17T01:22:03.597" v="7606" actId="20577"/>
+          <ac:spMkLst>
+            <pc:docMk/>
+            <pc:sldMk cId="2246322020" sldId="301"/>
+            <ac:spMk id="2" creationId="{361EE6A6-565D-6719-0FBC-5CFE8D6A76E8}"/>
+          </ac:spMkLst>
+        </pc:spChg>
+        <pc:spChg chg="mod">
+          <ac:chgData name="Gibbons, Carl" userId="d2b037bc-8fb4-4222-845c-61440543a456" providerId="ADAL" clId="{7B5B51BB-EDBF-4DA9-A87C-3EE01BE9AC5A}" dt="2024-05-17T01:50:16.602" v="8204" actId="20577"/>
+          <ac:spMkLst>
+            <pc:docMk/>
+            <pc:sldMk cId="2246322020" sldId="301"/>
+            <ac:spMk id="3" creationId="{ADD8957C-88E6-A920-4979-2BDA9406B518}"/>
           </ac:spMkLst>
         </pc:spChg>
       </pc:sldChg>
@@ -2136,7 +2136,7 @@
           <a:p>
             <a:fld id="{421996D4-4A1C-4BBC-AA2B-FD5B7FC395A0}" type="datetime1">
               <a:rPr lang="en-US" smtClean="0"/>
-              <a:t>5/17/2024</a:t>
+              <a:t>10/10/2024</a:t>
             </a:fld>
             <a:endParaRPr lang="en-US"/>
           </a:p>
@@ -2334,7 +2334,7 @@
           <a:p>
             <a:fld id="{CB43818D-5554-4105-BE04-CEE32DEBDA0A}" type="datetime1">
               <a:rPr lang="en-US" smtClean="0"/>
-              <a:t>5/17/2024</a:t>
+              <a:t>10/10/2024</a:t>
             </a:fld>
             <a:endParaRPr lang="en-US"/>
           </a:p>
@@ -2542,7 +2542,7 @@
           <a:p>
             <a:fld id="{AFAC11C6-1708-41BC-9474-3D7842023D96}" type="datetime1">
               <a:rPr lang="en-US" smtClean="0"/>
-              <a:t>5/17/2024</a:t>
+              <a:t>10/10/2024</a:t>
             </a:fld>
             <a:endParaRPr lang="en-US"/>
           </a:p>
@@ -2821,7 +2821,7 @@
           <a:p>
             <a:fld id="{490605F8-8C86-41F5-9F5E-04EDB8C2540B}" type="datetime1">
               <a:rPr lang="en-US" smtClean="0"/>
-              <a:t>5/17/2024</a:t>
+              <a:t>10/10/2024</a:t>
             </a:fld>
             <a:endParaRPr lang="en-US"/>
           </a:p>
@@ -3096,7 +3096,7 @@
           <a:p>
             <a:fld id="{CA355DA2-1E89-41CC-B722-CBFC08F260AE}" type="datetime1">
               <a:rPr lang="en-US" smtClean="0"/>
-              <a:t>5/17/2024</a:t>
+              <a:t>10/10/2024</a:t>
             </a:fld>
             <a:endParaRPr lang="en-US"/>
           </a:p>
@@ -3361,7 +3361,7 @@
           <a:p>
             <a:fld id="{7F6AFD48-C472-404E-B7B5-BA44CCF2F55D}" type="datetime1">
               <a:rPr lang="en-US" smtClean="0"/>
-              <a:t>5/17/2024</a:t>
+              <a:t>10/10/2024</a:t>
             </a:fld>
             <a:endParaRPr lang="en-US"/>
           </a:p>
@@ -3773,7 +3773,7 @@
           <a:p>
             <a:fld id="{B33F52E9-9255-4CAF-909C-660126F1B079}" type="datetime1">
               <a:rPr lang="en-US" smtClean="0"/>
-              <a:t>5/17/2024</a:t>
+              <a:t>10/10/2024</a:t>
             </a:fld>
             <a:endParaRPr lang="en-US"/>
           </a:p>
@@ -3914,7 +3914,7 @@
           <a:p>
             <a:fld id="{67F9F019-D13C-4797-8A9F-7B02D5B8121E}" type="datetime1">
               <a:rPr lang="en-US" smtClean="0"/>
-              <a:t>5/17/2024</a:t>
+              <a:t>10/10/2024</a:t>
             </a:fld>
             <a:endParaRPr lang="en-US"/>
           </a:p>
@@ -4027,7 +4027,7 @@
           <a:p>
             <a:fld id="{FDA143B9-A6C4-436D-945A-FF5B3EA2EF39}" type="datetime1">
               <a:rPr lang="en-US" smtClean="0"/>
-              <a:t>5/17/2024</a:t>
+              <a:t>10/10/2024</a:t>
             </a:fld>
             <a:endParaRPr lang="en-US"/>
           </a:p>
@@ -4338,7 +4338,7 @@
           <a:p>
             <a:fld id="{457E18FE-B6F9-4F6A-835B-8251F04458A0}" type="datetime1">
               <a:rPr lang="en-US" smtClean="0"/>
-              <a:t>5/17/2024</a:t>
+              <a:t>10/10/2024</a:t>
             </a:fld>
             <a:endParaRPr lang="en-US"/>
           </a:p>
@@ -4626,7 +4626,7 @@
           <a:p>
             <a:fld id="{5F2690CE-112A-455B-AD5F-E26CEA6A5331}" type="datetime1">
               <a:rPr lang="en-US" smtClean="0"/>
-              <a:t>5/17/2024</a:t>
+              <a:t>10/10/2024</a:t>
             </a:fld>
             <a:endParaRPr lang="en-US"/>
           </a:p>
@@ -4867,7 +4867,7 @@
           <a:p>
             <a:fld id="{9C4E342D-98AB-407C-88D4-A20ED0F70E1C}" type="datetime1">
               <a:rPr lang="en-US" smtClean="0"/>
-              <a:t>5/17/2024</a:t>
+              <a:t>10/10/2024</a:t>
             </a:fld>
             <a:endParaRPr lang="en-US"/>
           </a:p>
@@ -5337,7 +5337,7 @@
           <a:p>
             <a:r>
               <a:rPr lang="en-US" dirty="0"/>
-              <a:t>2.3: Control Structures</a:t>
+              <a:t>2.7 – 2.10: Control Structures</a:t>
             </a:r>
           </a:p>
         </p:txBody>
@@ -10496,7 +10496,15 @@
             </a:r>
             <a:r>
               <a:rPr lang="en-US" sz="2000" i="1" dirty="0"/>
-              <a:t> (process all items of a collection together into a single summary result).</a:t>
+              <a:t> (process all items of a collection together </a:t>
+            </a:r>
+            <a:r>
+              <a:rPr lang="en-US" sz="2000" i="1"/>
+              <a:t>into a summary </a:t>
+            </a:r>
+            <a:r>
+              <a:rPr lang="en-US" sz="2000" i="1" dirty="0"/>
+              <a:t>result).</a:t>
             </a:r>
           </a:p>
           <a:p>
@@ -12148,7 +12156,12 @@
             <p:ph type="body" sz="quarter" idx="10"/>
           </p:nvPr>
         </p:nvSpPr>
-        <p:spPr/>
+        <p:spPr>
+          <a:xfrm>
+            <a:off x="323529" y="305005"/>
+            <a:ext cx="11573197" cy="724247"/>
+          </a:xfrm>
+        </p:spPr>
         <p:txBody>
           <a:bodyPr>
             <a:normAutofit/>

--- a/CYBER360-2.7-2.A-Control-Structures.pptx
+++ b/CYBER360-2.7-2.A-Control-Structures.pptx
@@ -2,36 +2,36 @@
 <file path=ppt/presentation.xml><?xml version="1.0" encoding="utf-8"?>
 <p:presentation xmlns:a="http://schemas.openxmlformats.org/drawingml/2006/main" xmlns:r="http://schemas.openxmlformats.org/officeDocument/2006/relationships" xmlns:p="http://schemas.openxmlformats.org/presentationml/2006/main" saveSubsetFonts="1">
   <p:sldMasterIdLst>
-    <p:sldMasterId id="2147483712" r:id="rId1"/>
+    <p:sldMasterId id="2147483648" r:id="rId1"/>
   </p:sldMasterIdLst>
   <p:sldIdLst>
-    <p:sldId id="256" r:id="rId2"/>
-    <p:sldId id="261" r:id="rId3"/>
-    <p:sldId id="278" r:id="rId4"/>
-    <p:sldId id="279" r:id="rId5"/>
-    <p:sldId id="280" r:id="rId6"/>
-    <p:sldId id="281" r:id="rId7"/>
-    <p:sldId id="282" r:id="rId8"/>
-    <p:sldId id="283" r:id="rId9"/>
-    <p:sldId id="284" r:id="rId10"/>
-    <p:sldId id="286" r:id="rId11"/>
-    <p:sldId id="285" r:id="rId12"/>
-    <p:sldId id="287" r:id="rId13"/>
-    <p:sldId id="288" r:id="rId14"/>
-    <p:sldId id="289" r:id="rId15"/>
-    <p:sldId id="290" r:id="rId16"/>
-    <p:sldId id="291" r:id="rId17"/>
-    <p:sldId id="292" r:id="rId18"/>
-    <p:sldId id="293" r:id="rId19"/>
-    <p:sldId id="294" r:id="rId20"/>
-    <p:sldId id="277" r:id="rId21"/>
-    <p:sldId id="295" r:id="rId22"/>
-    <p:sldId id="297" r:id="rId23"/>
-    <p:sldId id="298" r:id="rId24"/>
-    <p:sldId id="299" r:id="rId25"/>
-    <p:sldId id="300" r:id="rId26"/>
-    <p:sldId id="301" r:id="rId27"/>
-    <p:sldId id="274" r:id="rId28"/>
+    <p:sldId id="257" r:id="rId2"/>
+    <p:sldId id="258" r:id="rId3"/>
+    <p:sldId id="259" r:id="rId4"/>
+    <p:sldId id="260" r:id="rId5"/>
+    <p:sldId id="261" r:id="rId6"/>
+    <p:sldId id="262" r:id="rId7"/>
+    <p:sldId id="263" r:id="rId8"/>
+    <p:sldId id="264" r:id="rId9"/>
+    <p:sldId id="265" r:id="rId10"/>
+    <p:sldId id="266" r:id="rId11"/>
+    <p:sldId id="267" r:id="rId12"/>
+    <p:sldId id="268" r:id="rId13"/>
+    <p:sldId id="269" r:id="rId14"/>
+    <p:sldId id="270" r:id="rId15"/>
+    <p:sldId id="271" r:id="rId16"/>
+    <p:sldId id="272" r:id="rId17"/>
+    <p:sldId id="273" r:id="rId18"/>
+    <p:sldId id="274" r:id="rId19"/>
+    <p:sldId id="275" r:id="rId20"/>
+    <p:sldId id="276" r:id="rId21"/>
+    <p:sldId id="277" r:id="rId22"/>
+    <p:sldId id="278" r:id="rId23"/>
+    <p:sldId id="279" r:id="rId24"/>
+    <p:sldId id="280" r:id="rId25"/>
+    <p:sldId id="281" r:id="rId26"/>
+    <p:sldId id="282" r:id="rId27"/>
+    <p:sldId id="283" r:id="rId28"/>
   </p:sldIdLst>
   <p:sldSz cx="12192000" cy="6858000"/>
   <p:notesSz cx="6858000" cy="9144000"/>
@@ -138,1848 +138,609 @@
 </p:presentation>
 </file>
 
-<file path=ppt/revisionInfo.xml><?xml version="1.0" encoding="utf-8"?>
-<p1510:revInfo xmlns:a="http://schemas.openxmlformats.org/drawingml/2006/main" xmlns:r="http://schemas.openxmlformats.org/officeDocument/2006/relationships" xmlns:p1510="http://schemas.microsoft.com/office/powerpoint/2015/10/main">
-  <p1510:revLst>
-    <p1510:client id="{7B5B51BB-EDBF-4DA9-A87C-3EE01BE9AC5A}" v="9" dt="2024-05-17T01:21:50.252"/>
-  </p1510:revLst>
-</p1510:revInfo>
-</file>
-
 <file path=ppt/changesInfos/changesInfo1.xml><?xml version="1.0" encoding="utf-8"?>
 <pc:chgInfo xmlns:a="http://schemas.openxmlformats.org/drawingml/2006/main" xmlns:r="http://schemas.openxmlformats.org/officeDocument/2006/relationships" xmlns:ac="http://schemas.microsoft.com/office/drawing/2013/main/command" xmlns:pc="http://schemas.microsoft.com/office/powerpoint/2013/main/command">
   <pc:docChgLst>
-    <pc:chgData name="Gibbons, Carl" userId="d2b037bc-8fb4-4222-845c-61440543a456" providerId="ADAL" clId="{0B6CB96C-5C81-45BE-B402-C02C27EB3BC6}"/>
-    <pc:docChg chg="custSel modSld">
-      <pc:chgData name="Gibbons, Carl" userId="d2b037bc-8fb4-4222-845c-61440543a456" providerId="ADAL" clId="{0B6CB96C-5C81-45BE-B402-C02C27EB3BC6}" dt="2024-01-23T17:13:54.346" v="15" actId="20577"/>
+    <pc:chgData name="Talbert, Matthew" userId="877a4118-3f16-4ac9-a72c-5dd2c7b28c85" providerId="ADAL" clId="{CADF7B3F-11A9-4AF9-ACAB-9CCA7ECC2061}"/>
+    <pc:docChg chg="undo custSel modSld">
+      <pc:chgData name="Talbert, Matthew" userId="877a4118-3f16-4ac9-a72c-5dd2c7b28c85" providerId="ADAL" clId="{CADF7B3F-11A9-4AF9-ACAB-9CCA7ECC2061}" dt="2024-11-22T00:02:21.096" v="739" actId="1036"/>
       <pc:docMkLst>
         <pc:docMk/>
       </pc:docMkLst>
       <pc:sldChg chg="modSp mod">
-        <pc:chgData name="Gibbons, Carl" userId="d2b037bc-8fb4-4222-845c-61440543a456" providerId="ADAL" clId="{0B6CB96C-5C81-45BE-B402-C02C27EB3BC6}" dt="2024-01-23T17:12:55.313" v="13" actId="20577"/>
+        <pc:chgData name="Talbert, Matthew" userId="877a4118-3f16-4ac9-a72c-5dd2c7b28c85" providerId="ADAL" clId="{CADF7B3F-11A9-4AF9-ACAB-9CCA7ECC2061}" dt="2024-11-21T23:57:57.255" v="403" actId="12788"/>
         <pc:sldMkLst>
           <pc:docMk/>
-          <pc:sldMk cId="2335633195" sldId="279"/>
+          <pc:sldMk cId="2312486803" sldId="258"/>
         </pc:sldMkLst>
         <pc:spChg chg="mod">
-          <ac:chgData name="Gibbons, Carl" userId="d2b037bc-8fb4-4222-845c-61440543a456" providerId="ADAL" clId="{0B6CB96C-5C81-45BE-B402-C02C27EB3BC6}" dt="2024-01-23T17:12:55.313" v="13" actId="20577"/>
+          <ac:chgData name="Talbert, Matthew" userId="877a4118-3f16-4ac9-a72c-5dd2c7b28c85" providerId="ADAL" clId="{CADF7B3F-11A9-4AF9-ACAB-9CCA7ECC2061}" dt="2024-11-21T23:57:57.255" v="403" actId="12788"/>
           <ac:spMkLst>
             <pc:docMk/>
-            <pc:sldMk cId="2335633195" sldId="279"/>
+            <pc:sldMk cId="2312486803" sldId="258"/>
+            <ac:spMk id="2" creationId="{31B75992-5098-A283-4925-2CCEBB801DC5}"/>
+          </ac:spMkLst>
+        </pc:spChg>
+        <pc:spChg chg="mod">
+          <ac:chgData name="Talbert, Matthew" userId="877a4118-3f16-4ac9-a72c-5dd2c7b28c85" providerId="ADAL" clId="{CADF7B3F-11A9-4AF9-ACAB-9CCA7ECC2061}" dt="2024-11-21T23:57:57.255" v="403" actId="12788"/>
+          <ac:spMkLst>
+            <pc:docMk/>
+            <pc:sldMk cId="2312486803" sldId="258"/>
             <ac:spMk id="3" creationId="{B5924E0F-A977-1710-779D-EEB74261AF34}"/>
           </ac:spMkLst>
         </pc:spChg>
       </pc:sldChg>
       <pc:sldChg chg="modSp mod">
-        <pc:chgData name="Gibbons, Carl" userId="d2b037bc-8fb4-4222-845c-61440543a456" providerId="ADAL" clId="{0B6CB96C-5C81-45BE-B402-C02C27EB3BC6}" dt="2024-01-23T17:12:46.964" v="9" actId="20577"/>
+        <pc:chgData name="Talbert, Matthew" userId="877a4118-3f16-4ac9-a72c-5dd2c7b28c85" providerId="ADAL" clId="{CADF7B3F-11A9-4AF9-ACAB-9CCA7ECC2061}" dt="2024-11-21T23:57:58.804" v="404" actId="12788"/>
         <pc:sldMkLst>
           <pc:docMk/>
-          <pc:sldMk cId="1284534978" sldId="280"/>
+          <pc:sldMk cId="3989541258" sldId="259"/>
         </pc:sldMkLst>
         <pc:spChg chg="mod">
-          <ac:chgData name="Gibbons, Carl" userId="d2b037bc-8fb4-4222-845c-61440543a456" providerId="ADAL" clId="{0B6CB96C-5C81-45BE-B402-C02C27EB3BC6}" dt="2024-01-23T17:12:46.964" v="9" actId="20577"/>
+          <ac:chgData name="Talbert, Matthew" userId="877a4118-3f16-4ac9-a72c-5dd2c7b28c85" providerId="ADAL" clId="{CADF7B3F-11A9-4AF9-ACAB-9CCA7ECC2061}" dt="2024-11-21T23:57:58.804" v="404" actId="12788"/>
           <ac:spMkLst>
             <pc:docMk/>
-            <pc:sldMk cId="1284534978" sldId="280"/>
+            <pc:sldMk cId="3989541258" sldId="259"/>
+            <ac:spMk id="2" creationId="{31B75992-5098-A283-4925-2CCEBB801DC5}"/>
+          </ac:spMkLst>
+        </pc:spChg>
+        <pc:spChg chg="mod">
+          <ac:chgData name="Talbert, Matthew" userId="877a4118-3f16-4ac9-a72c-5dd2c7b28c85" providerId="ADAL" clId="{CADF7B3F-11A9-4AF9-ACAB-9CCA7ECC2061}" dt="2024-11-21T23:57:58.804" v="404" actId="12788"/>
+          <ac:spMkLst>
+            <pc:docMk/>
+            <pc:sldMk cId="3989541258" sldId="259"/>
             <ac:spMk id="3" creationId="{B5924E0F-A977-1710-779D-EEB74261AF34}"/>
           </ac:spMkLst>
         </pc:spChg>
       </pc:sldChg>
       <pc:sldChg chg="modSp mod">
-        <pc:chgData name="Gibbons, Carl" userId="d2b037bc-8fb4-4222-845c-61440543a456" providerId="ADAL" clId="{0B6CB96C-5C81-45BE-B402-C02C27EB3BC6}" dt="2024-01-23T17:13:54.346" v="15" actId="20577"/>
+        <pc:chgData name="Talbert, Matthew" userId="877a4118-3f16-4ac9-a72c-5dd2c7b28c85" providerId="ADAL" clId="{CADF7B3F-11A9-4AF9-ACAB-9CCA7ECC2061}" dt="2024-11-21T23:58:00.687" v="405" actId="12788"/>
         <pc:sldMkLst>
           <pc:docMk/>
-          <pc:sldMk cId="724803187" sldId="282"/>
+          <pc:sldMk cId="2335633195" sldId="260"/>
         </pc:sldMkLst>
         <pc:spChg chg="mod">
-          <ac:chgData name="Gibbons, Carl" userId="d2b037bc-8fb4-4222-845c-61440543a456" providerId="ADAL" clId="{0B6CB96C-5C81-45BE-B402-C02C27EB3BC6}" dt="2024-01-23T17:13:54.346" v="15" actId="20577"/>
+          <ac:chgData name="Talbert, Matthew" userId="877a4118-3f16-4ac9-a72c-5dd2c7b28c85" providerId="ADAL" clId="{CADF7B3F-11A9-4AF9-ACAB-9CCA7ECC2061}" dt="2024-11-21T23:58:00.687" v="405" actId="12788"/>
           <ac:spMkLst>
             <pc:docMk/>
-            <pc:sldMk cId="724803187" sldId="282"/>
-            <ac:spMk id="3" creationId="{B5924E0F-A977-1710-779D-EEB74261AF34}"/>
-          </ac:spMkLst>
-        </pc:spChg>
-      </pc:sldChg>
-    </pc:docChg>
-  </pc:docChgLst>
-  <pc:docChgLst>
-    <pc:chgData name="Gibbons, Carl" userId="d2b037bc-8fb4-4222-845c-61440543a456" providerId="ADAL" clId="{C1E6ABF6-BAED-4B26-97DB-20A1E8B7A1A4}"/>
-    <pc:docChg chg="custSel modSld">
-      <pc:chgData name="Gibbons, Carl" userId="d2b037bc-8fb4-4222-845c-61440543a456" providerId="ADAL" clId="{C1E6ABF6-BAED-4B26-97DB-20A1E8B7A1A4}" dt="2023-12-06T02:23:48.337" v="274" actId="20577"/>
-      <pc:docMkLst>
-        <pc:docMk/>
-      </pc:docMkLst>
-      <pc:sldChg chg="modSp mod">
-        <pc:chgData name="Gibbons, Carl" userId="d2b037bc-8fb4-4222-845c-61440543a456" providerId="ADAL" clId="{C1E6ABF6-BAED-4B26-97DB-20A1E8B7A1A4}" dt="2023-11-21T16:22:17.597" v="97" actId="20577"/>
-        <pc:sldMkLst>
-          <pc:docMk/>
-          <pc:sldMk cId="3308175748" sldId="256"/>
-        </pc:sldMkLst>
-        <pc:spChg chg="mod">
-          <ac:chgData name="Gibbons, Carl" userId="d2b037bc-8fb4-4222-845c-61440543a456" providerId="ADAL" clId="{C1E6ABF6-BAED-4B26-97DB-20A1E8B7A1A4}" dt="2023-11-21T05:49:34.464" v="2"/>
-          <ac:spMkLst>
-            <pc:docMk/>
-            <pc:sldMk cId="3308175748" sldId="256"/>
-            <ac:spMk id="2" creationId="{ACEA2649-DC6B-3373-A7E6-7F0E103D8B8B}"/>
-          </ac:spMkLst>
-        </pc:spChg>
-        <pc:spChg chg="mod">
-          <ac:chgData name="Gibbons, Carl" userId="d2b037bc-8fb4-4222-845c-61440543a456" providerId="ADAL" clId="{C1E6ABF6-BAED-4B26-97DB-20A1E8B7A1A4}" dt="2023-11-21T16:22:17.597" v="97" actId="20577"/>
-          <ac:spMkLst>
-            <pc:docMk/>
-            <pc:sldMk cId="3308175748" sldId="256"/>
-            <ac:spMk id="3" creationId="{EEC4D41B-E776-05F2-BE0B-89BB339485AB}"/>
-          </ac:spMkLst>
-        </pc:spChg>
-        <pc:spChg chg="mod">
-          <ac:chgData name="Gibbons, Carl" userId="d2b037bc-8fb4-4222-845c-61440543a456" providerId="ADAL" clId="{C1E6ABF6-BAED-4B26-97DB-20A1E8B7A1A4}" dt="2023-11-21T05:49:34.464" v="2"/>
-          <ac:spMkLst>
-            <pc:docMk/>
-            <pc:sldMk cId="3308175748" sldId="256"/>
-            <ac:spMk id="4" creationId="{4664ABB7-0B55-0242-2E51-B3286EE7B5EB}"/>
-          </ac:spMkLst>
-        </pc:spChg>
-      </pc:sldChg>
-      <pc:sldChg chg="modSp">
-        <pc:chgData name="Gibbons, Carl" userId="d2b037bc-8fb4-4222-845c-61440543a456" providerId="ADAL" clId="{C1E6ABF6-BAED-4B26-97DB-20A1E8B7A1A4}" dt="2023-11-21T05:49:34.464" v="2"/>
-        <pc:sldMkLst>
-          <pc:docMk/>
-          <pc:sldMk cId="2312486803" sldId="261"/>
-        </pc:sldMkLst>
-        <pc:spChg chg="mod">
-          <ac:chgData name="Gibbons, Carl" userId="d2b037bc-8fb4-4222-845c-61440543a456" providerId="ADAL" clId="{C1E6ABF6-BAED-4B26-97DB-20A1E8B7A1A4}" dt="2023-11-21T05:49:34.464" v="2"/>
-          <ac:spMkLst>
-            <pc:docMk/>
-            <pc:sldMk cId="2312486803" sldId="261"/>
-            <ac:spMk id="2" creationId="{31B75992-5098-A283-4925-2CCEBB801DC5}"/>
-          </ac:spMkLst>
-        </pc:spChg>
-      </pc:sldChg>
-      <pc:sldChg chg="modSp mod">
-        <pc:chgData name="Gibbons, Carl" userId="d2b037bc-8fb4-4222-845c-61440543a456" providerId="ADAL" clId="{C1E6ABF6-BAED-4B26-97DB-20A1E8B7A1A4}" dt="2023-11-21T07:48:19.790" v="77" actId="20577"/>
-        <pc:sldMkLst>
-          <pc:docMk/>
-          <pc:sldMk cId="378743348" sldId="270"/>
-        </pc:sldMkLst>
-        <pc:spChg chg="mod">
-          <ac:chgData name="Gibbons, Carl" userId="d2b037bc-8fb4-4222-845c-61440543a456" providerId="ADAL" clId="{C1E6ABF6-BAED-4B26-97DB-20A1E8B7A1A4}" dt="2023-11-21T07:48:19.790" v="77" actId="20577"/>
-          <ac:spMkLst>
-            <pc:docMk/>
-            <pc:sldMk cId="378743348" sldId="270"/>
-            <ac:spMk id="3" creationId="{80041865-9773-290D-EB35-F8AF8BFC505C}"/>
-          </ac:spMkLst>
-        </pc:spChg>
-      </pc:sldChg>
-      <pc:sldChg chg="modSp mod">
-        <pc:chgData name="Gibbons, Carl" userId="d2b037bc-8fb4-4222-845c-61440543a456" providerId="ADAL" clId="{C1E6ABF6-BAED-4B26-97DB-20A1E8B7A1A4}" dt="2023-12-06T02:23:48.337" v="274" actId="20577"/>
-        <pc:sldMkLst>
-          <pc:docMk/>
-          <pc:sldMk cId="657795359" sldId="277"/>
-        </pc:sldMkLst>
-        <pc:spChg chg="mod">
-          <ac:chgData name="Gibbons, Carl" userId="d2b037bc-8fb4-4222-845c-61440543a456" providerId="ADAL" clId="{C1E6ABF6-BAED-4B26-97DB-20A1E8B7A1A4}" dt="2023-11-21T05:49:34.464" v="2"/>
-          <ac:spMkLst>
-            <pc:docMk/>
-            <pc:sldMk cId="657795359" sldId="277"/>
-            <ac:spMk id="2" creationId="{1862E903-3C56-BB42-2361-009F2336475A}"/>
-          </ac:spMkLst>
-        </pc:spChg>
-        <pc:spChg chg="mod">
-          <ac:chgData name="Gibbons, Carl" userId="d2b037bc-8fb4-4222-845c-61440543a456" providerId="ADAL" clId="{C1E6ABF6-BAED-4B26-97DB-20A1E8B7A1A4}" dt="2023-12-06T02:23:48.337" v="274" actId="20577"/>
-          <ac:spMkLst>
-            <pc:docMk/>
-            <pc:sldMk cId="657795359" sldId="277"/>
-            <ac:spMk id="3" creationId="{90179172-96B3-95D0-A137-257770BE7642}"/>
-          </ac:spMkLst>
-        </pc:spChg>
-      </pc:sldChg>
-    </pc:docChg>
-  </pc:docChgLst>
-  <pc:docChgLst>
-    <pc:chgData name="Gibbons, Carl" userId="d2b037bc-8fb4-4222-845c-61440543a456" providerId="ADAL" clId="{3CE3119B-1917-4F7B-A5AD-6C146E3F914B}"/>
-    <pc:docChg chg="undo custSel addSld delSld modSld sldOrd">
-      <pc:chgData name="Gibbons, Carl" userId="d2b037bc-8fb4-4222-845c-61440543a456" providerId="ADAL" clId="{3CE3119B-1917-4F7B-A5AD-6C146E3F914B}" dt="2023-12-28T21:57:42.900" v="13126" actId="20577"/>
-      <pc:docMkLst>
-        <pc:docMk/>
-      </pc:docMkLst>
-      <pc:sldChg chg="modSp mod">
-        <pc:chgData name="Gibbons, Carl" userId="d2b037bc-8fb4-4222-845c-61440543a456" providerId="ADAL" clId="{3CE3119B-1917-4F7B-A5AD-6C146E3F914B}" dt="2023-12-24T03:25:35.899" v="17" actId="20577"/>
-        <pc:sldMkLst>
-          <pc:docMk/>
-          <pc:sldMk cId="3308175748" sldId="256"/>
-        </pc:sldMkLst>
-        <pc:spChg chg="mod">
-          <ac:chgData name="Gibbons, Carl" userId="d2b037bc-8fb4-4222-845c-61440543a456" providerId="ADAL" clId="{3CE3119B-1917-4F7B-A5AD-6C146E3F914B}" dt="2023-12-24T03:25:35.899" v="17" actId="20577"/>
-          <ac:spMkLst>
-            <pc:docMk/>
-            <pc:sldMk cId="3308175748" sldId="256"/>
-            <ac:spMk id="3" creationId="{EEC4D41B-E776-05F2-BE0B-89BB339485AB}"/>
-          </ac:spMkLst>
-        </pc:spChg>
-      </pc:sldChg>
-      <pc:sldChg chg="del">
-        <pc:chgData name="Gibbons, Carl" userId="d2b037bc-8fb4-4222-845c-61440543a456" providerId="ADAL" clId="{3CE3119B-1917-4F7B-A5AD-6C146E3F914B}" dt="2023-12-24T04:15:13.652" v="2206" actId="47"/>
-        <pc:sldMkLst>
-          <pc:docMk/>
-          <pc:sldMk cId="519357719" sldId="260"/>
-        </pc:sldMkLst>
-      </pc:sldChg>
-      <pc:sldChg chg="delSp modSp mod">
-        <pc:chgData name="Gibbons, Carl" userId="d2b037bc-8fb4-4222-845c-61440543a456" providerId="ADAL" clId="{3CE3119B-1917-4F7B-A5AD-6C146E3F914B}" dt="2023-12-28T19:44:28.921" v="4873" actId="20577"/>
-        <pc:sldMkLst>
-          <pc:docMk/>
-          <pc:sldMk cId="2312486803" sldId="261"/>
-        </pc:sldMkLst>
-        <pc:spChg chg="mod">
-          <ac:chgData name="Gibbons, Carl" userId="d2b037bc-8fb4-4222-845c-61440543a456" providerId="ADAL" clId="{3CE3119B-1917-4F7B-A5AD-6C146E3F914B}" dt="2023-12-24T03:44:40.577" v="592" actId="20577"/>
-          <ac:spMkLst>
-            <pc:docMk/>
-            <pc:sldMk cId="2312486803" sldId="261"/>
+            <pc:sldMk cId="2335633195" sldId="260"/>
             <ac:spMk id="2" creationId="{31B75992-5098-A283-4925-2CCEBB801DC5}"/>
           </ac:spMkLst>
         </pc:spChg>
         <pc:spChg chg="mod">
-          <ac:chgData name="Gibbons, Carl" userId="d2b037bc-8fb4-4222-845c-61440543a456" providerId="ADAL" clId="{3CE3119B-1917-4F7B-A5AD-6C146E3F914B}" dt="2023-12-28T19:44:28.921" v="4873" actId="20577"/>
+          <ac:chgData name="Talbert, Matthew" userId="877a4118-3f16-4ac9-a72c-5dd2c7b28c85" providerId="ADAL" clId="{CADF7B3F-11A9-4AF9-ACAB-9CCA7ECC2061}" dt="2024-11-21T23:58:00.687" v="405" actId="12788"/>
           <ac:spMkLst>
             <pc:docMk/>
-            <pc:sldMk cId="2312486803" sldId="261"/>
-            <ac:spMk id="3" creationId="{B5924E0F-A977-1710-779D-EEB74261AF34}"/>
-          </ac:spMkLst>
-        </pc:spChg>
-        <pc:picChg chg="del">
-          <ac:chgData name="Gibbons, Carl" userId="d2b037bc-8fb4-4222-845c-61440543a456" providerId="ADAL" clId="{3CE3119B-1917-4F7B-A5AD-6C146E3F914B}" dt="2023-12-24T03:25:42.885" v="18" actId="478"/>
-          <ac:picMkLst>
-            <pc:docMk/>
-            <pc:sldMk cId="2312486803" sldId="261"/>
-            <ac:picMk id="5" creationId="{95F1B758-8221-A28F-F68D-1A79ADBC274D}"/>
-          </ac:picMkLst>
-        </pc:picChg>
-      </pc:sldChg>
-      <pc:sldChg chg="del">
-        <pc:chgData name="Gibbons, Carl" userId="d2b037bc-8fb4-4222-845c-61440543a456" providerId="ADAL" clId="{3CE3119B-1917-4F7B-A5AD-6C146E3F914B}" dt="2023-12-24T04:15:12.349" v="2205" actId="47"/>
-        <pc:sldMkLst>
-          <pc:docMk/>
-          <pc:sldMk cId="378743348" sldId="270"/>
-        </pc:sldMkLst>
-      </pc:sldChg>
-      <pc:sldChg chg="modSp mod">
-        <pc:chgData name="Gibbons, Carl" userId="d2b037bc-8fb4-4222-845c-61440543a456" providerId="ADAL" clId="{3CE3119B-1917-4F7B-A5AD-6C146E3F914B}" dt="2023-12-28T21:57:42.900" v="13126" actId="20577"/>
-        <pc:sldMkLst>
-          <pc:docMk/>
-          <pc:sldMk cId="657795359" sldId="277"/>
-        </pc:sldMkLst>
-        <pc:spChg chg="mod">
-          <ac:chgData name="Gibbons, Carl" userId="d2b037bc-8fb4-4222-845c-61440543a456" providerId="ADAL" clId="{3CE3119B-1917-4F7B-A5AD-6C146E3F914B}" dt="2023-12-28T21:57:42.900" v="13126" actId="20577"/>
-          <ac:spMkLst>
-            <pc:docMk/>
-            <pc:sldMk cId="657795359" sldId="277"/>
-            <ac:spMk id="2" creationId="{1862E903-3C56-BB42-2361-009F2336475A}"/>
-          </ac:spMkLst>
-        </pc:spChg>
-        <pc:spChg chg="mod">
-          <ac:chgData name="Gibbons, Carl" userId="d2b037bc-8fb4-4222-845c-61440543a456" providerId="ADAL" clId="{3CE3119B-1917-4F7B-A5AD-6C146E3F914B}" dt="2023-12-28T21:57:39.566" v="13125" actId="20577"/>
-          <ac:spMkLst>
-            <pc:docMk/>
-            <pc:sldMk cId="657795359" sldId="277"/>
-            <ac:spMk id="3" creationId="{90179172-96B3-95D0-A137-257770BE7642}"/>
-          </ac:spMkLst>
-        </pc:spChg>
-      </pc:sldChg>
-      <pc:sldChg chg="del">
-        <pc:chgData name="Gibbons, Carl" userId="d2b037bc-8fb4-4222-845c-61440543a456" providerId="ADAL" clId="{3CE3119B-1917-4F7B-A5AD-6C146E3F914B}" dt="2023-12-24T04:15:14.863" v="2207" actId="47"/>
-        <pc:sldMkLst>
-          <pc:docMk/>
-          <pc:sldMk cId="376509629" sldId="278"/>
-        </pc:sldMkLst>
-      </pc:sldChg>
-      <pc:sldChg chg="del">
-        <pc:chgData name="Gibbons, Carl" userId="d2b037bc-8fb4-4222-845c-61440543a456" providerId="ADAL" clId="{3CE3119B-1917-4F7B-A5AD-6C146E3F914B}" dt="2023-12-24T04:15:16.084" v="2208" actId="47"/>
-        <pc:sldMkLst>
-          <pc:docMk/>
-          <pc:sldMk cId="3153831418" sldId="279"/>
-        </pc:sldMkLst>
-      </pc:sldChg>
-      <pc:sldChg chg="del">
-        <pc:chgData name="Gibbons, Carl" userId="d2b037bc-8fb4-4222-845c-61440543a456" providerId="ADAL" clId="{3CE3119B-1917-4F7B-A5AD-6C146E3F914B}" dt="2023-12-24T04:15:16.999" v="2209" actId="47"/>
-        <pc:sldMkLst>
-          <pc:docMk/>
-          <pc:sldMk cId="1730491475" sldId="280"/>
-        </pc:sldMkLst>
-      </pc:sldChg>
-      <pc:sldChg chg="del">
-        <pc:chgData name="Gibbons, Carl" userId="d2b037bc-8fb4-4222-845c-61440543a456" providerId="ADAL" clId="{3CE3119B-1917-4F7B-A5AD-6C146E3F914B}" dt="2023-12-24T04:15:17.902" v="2210" actId="47"/>
-        <pc:sldMkLst>
-          <pc:docMk/>
-          <pc:sldMk cId="2142935958" sldId="281"/>
-        </pc:sldMkLst>
-      </pc:sldChg>
-      <pc:sldChg chg="del">
-        <pc:chgData name="Gibbons, Carl" userId="d2b037bc-8fb4-4222-845c-61440543a456" providerId="ADAL" clId="{3CE3119B-1917-4F7B-A5AD-6C146E3F914B}" dt="2023-12-24T04:15:18.904" v="2211" actId="47"/>
-        <pc:sldMkLst>
-          <pc:docMk/>
-          <pc:sldMk cId="1371681654" sldId="282"/>
-        </pc:sldMkLst>
-      </pc:sldChg>
-      <pc:sldChg chg="addSp modSp mod">
-        <pc:chgData name="Gibbons, Carl" userId="d2b037bc-8fb4-4222-845c-61440543a456" providerId="ADAL" clId="{3CE3119B-1917-4F7B-A5AD-6C146E3F914B}" dt="2023-12-24T04:21:46.824" v="2699" actId="20577"/>
-        <pc:sldMkLst>
-          <pc:docMk/>
-          <pc:sldMk cId="2959024232" sldId="283"/>
-        </pc:sldMkLst>
-        <pc:spChg chg="mod">
-          <ac:chgData name="Gibbons, Carl" userId="d2b037bc-8fb4-4222-845c-61440543a456" providerId="ADAL" clId="{3CE3119B-1917-4F7B-A5AD-6C146E3F914B}" dt="2023-12-24T03:51:38.841" v="820" actId="20577"/>
-          <ac:spMkLst>
-            <pc:docMk/>
-            <pc:sldMk cId="2959024232" sldId="283"/>
-            <ac:spMk id="2" creationId="{31B75992-5098-A283-4925-2CCEBB801DC5}"/>
-          </ac:spMkLst>
-        </pc:spChg>
-        <pc:spChg chg="mod">
-          <ac:chgData name="Gibbons, Carl" userId="d2b037bc-8fb4-4222-845c-61440543a456" providerId="ADAL" clId="{3CE3119B-1917-4F7B-A5AD-6C146E3F914B}" dt="2023-12-24T03:50:43.198" v="773" actId="20577"/>
-          <ac:spMkLst>
-            <pc:docMk/>
-            <pc:sldMk cId="2959024232" sldId="283"/>
-            <ac:spMk id="3" creationId="{B5924E0F-A977-1710-779D-EEB74261AF34}"/>
-          </ac:spMkLst>
-        </pc:spChg>
-        <pc:spChg chg="add mod">
-          <ac:chgData name="Gibbons, Carl" userId="d2b037bc-8fb4-4222-845c-61440543a456" providerId="ADAL" clId="{3CE3119B-1917-4F7B-A5AD-6C146E3F914B}" dt="2023-12-24T03:51:05.835" v="812" actId="20577"/>
-          <ac:spMkLst>
-            <pc:docMk/>
-            <pc:sldMk cId="2959024232" sldId="283"/>
-            <ac:spMk id="4" creationId="{6B5EF911-ED83-01C5-8F00-FD1AD80E90D2}"/>
-          </ac:spMkLst>
-        </pc:spChg>
-        <pc:spChg chg="add mod">
-          <ac:chgData name="Gibbons, Carl" userId="d2b037bc-8fb4-4222-845c-61440543a456" providerId="ADAL" clId="{3CE3119B-1917-4F7B-A5AD-6C146E3F914B}" dt="2023-12-24T04:21:46.824" v="2699" actId="20577"/>
-          <ac:spMkLst>
-            <pc:docMk/>
-            <pc:sldMk cId="2959024232" sldId="283"/>
-            <ac:spMk id="5" creationId="{746F0B3D-627C-BF49-CF83-A524927EBEDE}"/>
-          </ac:spMkLst>
-        </pc:spChg>
-      </pc:sldChg>
-      <pc:sldChg chg="delSp modSp mod">
-        <pc:chgData name="Gibbons, Carl" userId="d2b037bc-8fb4-4222-845c-61440543a456" providerId="ADAL" clId="{3CE3119B-1917-4F7B-A5AD-6C146E3F914B}" dt="2023-12-28T21:03:44.041" v="10649" actId="20577"/>
-        <pc:sldMkLst>
-          <pc:docMk/>
-          <pc:sldMk cId="3114675387" sldId="284"/>
-        </pc:sldMkLst>
-        <pc:spChg chg="mod">
-          <ac:chgData name="Gibbons, Carl" userId="d2b037bc-8fb4-4222-845c-61440543a456" providerId="ADAL" clId="{3CE3119B-1917-4F7B-A5AD-6C146E3F914B}" dt="2023-12-24T04:15:28.805" v="2213" actId="20577"/>
-          <ac:spMkLst>
-            <pc:docMk/>
-            <pc:sldMk cId="3114675387" sldId="284"/>
-            <ac:spMk id="2" creationId="{31B75992-5098-A283-4925-2CCEBB801DC5}"/>
-          </ac:spMkLst>
-        </pc:spChg>
-        <pc:spChg chg="mod">
-          <ac:chgData name="Gibbons, Carl" userId="d2b037bc-8fb4-4222-845c-61440543a456" providerId="ADAL" clId="{3CE3119B-1917-4F7B-A5AD-6C146E3F914B}" dt="2023-12-28T21:03:44.041" v="10649" actId="20577"/>
-          <ac:spMkLst>
-            <pc:docMk/>
-            <pc:sldMk cId="3114675387" sldId="284"/>
-            <ac:spMk id="3" creationId="{B5924E0F-A977-1710-779D-EEB74261AF34}"/>
-          </ac:spMkLst>
-        </pc:spChg>
-        <pc:spChg chg="del mod">
-          <ac:chgData name="Gibbons, Carl" userId="d2b037bc-8fb4-4222-845c-61440543a456" providerId="ADAL" clId="{3CE3119B-1917-4F7B-A5AD-6C146E3F914B}" dt="2023-12-24T04:17:34.876" v="2369" actId="478"/>
-          <ac:spMkLst>
-            <pc:docMk/>
-            <pc:sldMk cId="3114675387" sldId="284"/>
-            <ac:spMk id="4" creationId="{6B5EF911-ED83-01C5-8F00-FD1AD80E90D2}"/>
-          </ac:spMkLst>
-        </pc:spChg>
-        <pc:spChg chg="mod">
-          <ac:chgData name="Gibbons, Carl" userId="d2b037bc-8fb4-4222-845c-61440543a456" providerId="ADAL" clId="{3CE3119B-1917-4F7B-A5AD-6C146E3F914B}" dt="2023-12-24T04:25:41.312" v="2946" actId="20577"/>
-          <ac:spMkLst>
-            <pc:docMk/>
-            <pc:sldMk cId="3114675387" sldId="284"/>
-            <ac:spMk id="5" creationId="{746F0B3D-627C-BF49-CF83-A524927EBEDE}"/>
-          </ac:spMkLst>
-        </pc:spChg>
-      </pc:sldChg>
-      <pc:sldChg chg="modSp mod">
-        <pc:chgData name="Gibbons, Carl" userId="d2b037bc-8fb4-4222-845c-61440543a456" providerId="ADAL" clId="{3CE3119B-1917-4F7B-A5AD-6C146E3F914B}" dt="2023-12-28T20:27:51.520" v="8472" actId="20577"/>
-        <pc:sldMkLst>
-          <pc:docMk/>
-          <pc:sldMk cId="1243134729" sldId="285"/>
-        </pc:sldMkLst>
-        <pc:spChg chg="mod">
-          <ac:chgData name="Gibbons, Carl" userId="d2b037bc-8fb4-4222-845c-61440543a456" providerId="ADAL" clId="{3CE3119B-1917-4F7B-A5AD-6C146E3F914B}" dt="2023-12-28T18:55:00.802" v="3019" actId="20577"/>
-          <ac:spMkLst>
-            <pc:docMk/>
-            <pc:sldMk cId="1243134729" sldId="285"/>
-            <ac:spMk id="2" creationId="{31B75992-5098-A283-4925-2CCEBB801DC5}"/>
-          </ac:spMkLst>
-        </pc:spChg>
-        <pc:spChg chg="mod">
-          <ac:chgData name="Gibbons, Carl" userId="d2b037bc-8fb4-4222-845c-61440543a456" providerId="ADAL" clId="{3CE3119B-1917-4F7B-A5AD-6C146E3F914B}" dt="2023-12-28T19:11:28.137" v="4139" actId="20577"/>
-          <ac:spMkLst>
-            <pc:docMk/>
-            <pc:sldMk cId="1243134729" sldId="285"/>
-            <ac:spMk id="3" creationId="{B5924E0F-A977-1710-779D-EEB74261AF34}"/>
-          </ac:spMkLst>
-        </pc:spChg>
-        <pc:spChg chg="mod">
-          <ac:chgData name="Gibbons, Carl" userId="d2b037bc-8fb4-4222-845c-61440543a456" providerId="ADAL" clId="{3CE3119B-1917-4F7B-A5AD-6C146E3F914B}" dt="2023-12-28T20:27:51.520" v="8472" actId="20577"/>
-          <ac:spMkLst>
-            <pc:docMk/>
-            <pc:sldMk cId="1243134729" sldId="285"/>
-            <ac:spMk id="5" creationId="{746F0B3D-627C-BF49-CF83-A524927EBEDE}"/>
-          </ac:spMkLst>
-        </pc:spChg>
-      </pc:sldChg>
-      <pc:sldChg chg="modSp mod ord">
-        <pc:chgData name="Gibbons, Carl" userId="d2b037bc-8fb4-4222-845c-61440543a456" providerId="ADAL" clId="{3CE3119B-1917-4F7B-A5AD-6C146E3F914B}" dt="2023-12-28T20:26:55.852" v="8407" actId="20577"/>
-        <pc:sldMkLst>
-          <pc:docMk/>
-          <pc:sldMk cId="954591853" sldId="286"/>
-        </pc:sldMkLst>
-        <pc:spChg chg="mod">
-          <ac:chgData name="Gibbons, Carl" userId="d2b037bc-8fb4-4222-845c-61440543a456" providerId="ADAL" clId="{3CE3119B-1917-4F7B-A5AD-6C146E3F914B}" dt="2023-12-28T19:12:25.523" v="4250" actId="20577"/>
-          <ac:spMkLst>
-            <pc:docMk/>
-            <pc:sldMk cId="954591853" sldId="286"/>
-            <ac:spMk id="2" creationId="{31B75992-5098-A283-4925-2CCEBB801DC5}"/>
-          </ac:spMkLst>
-        </pc:spChg>
-        <pc:spChg chg="mod">
-          <ac:chgData name="Gibbons, Carl" userId="d2b037bc-8fb4-4222-845c-61440543a456" providerId="ADAL" clId="{3CE3119B-1917-4F7B-A5AD-6C146E3F914B}" dt="2023-12-28T20:11:15.517" v="7216" actId="20577"/>
-          <ac:spMkLst>
-            <pc:docMk/>
-            <pc:sldMk cId="954591853" sldId="286"/>
-            <ac:spMk id="3" creationId="{B5924E0F-A977-1710-779D-EEB74261AF34}"/>
-          </ac:spMkLst>
-        </pc:spChg>
-        <pc:spChg chg="mod">
-          <ac:chgData name="Gibbons, Carl" userId="d2b037bc-8fb4-4222-845c-61440543a456" providerId="ADAL" clId="{3CE3119B-1917-4F7B-A5AD-6C146E3F914B}" dt="2023-12-28T20:26:55.852" v="8407" actId="20577"/>
-          <ac:spMkLst>
-            <pc:docMk/>
-            <pc:sldMk cId="954591853" sldId="286"/>
-            <ac:spMk id="5" creationId="{746F0B3D-627C-BF49-CF83-A524927EBEDE}"/>
-          </ac:spMkLst>
-        </pc:spChg>
-      </pc:sldChg>
-      <pc:sldChg chg="addSp modSp mod">
-        <pc:chgData name="Gibbons, Carl" userId="d2b037bc-8fb4-4222-845c-61440543a456" providerId="ADAL" clId="{3CE3119B-1917-4F7B-A5AD-6C146E3F914B}" dt="2023-12-28T20:10:30.792" v="7202" actId="122"/>
-        <pc:sldMkLst>
-          <pc:docMk/>
-          <pc:sldMk cId="2614091779" sldId="287"/>
-        </pc:sldMkLst>
-        <pc:spChg chg="mod">
-          <ac:chgData name="Gibbons, Carl" userId="d2b037bc-8fb4-4222-845c-61440543a456" providerId="ADAL" clId="{3CE3119B-1917-4F7B-A5AD-6C146E3F914B}" dt="2023-12-28T19:52:51.742" v="5814" actId="20577"/>
-          <ac:spMkLst>
-            <pc:docMk/>
-            <pc:sldMk cId="2614091779" sldId="287"/>
-            <ac:spMk id="2" creationId="{31B75992-5098-A283-4925-2CCEBB801DC5}"/>
-          </ac:spMkLst>
-        </pc:spChg>
-        <pc:spChg chg="mod">
-          <ac:chgData name="Gibbons, Carl" userId="d2b037bc-8fb4-4222-845c-61440543a456" providerId="ADAL" clId="{3CE3119B-1917-4F7B-A5AD-6C146E3F914B}" dt="2023-12-28T19:48:55.211" v="5618" actId="14100"/>
-          <ac:spMkLst>
-            <pc:docMk/>
-            <pc:sldMk cId="2614091779" sldId="287"/>
-            <ac:spMk id="3" creationId="{B5924E0F-A977-1710-779D-EEB74261AF34}"/>
-          </ac:spMkLst>
-        </pc:spChg>
-        <pc:graphicFrameChg chg="add mod modGraphic">
-          <ac:chgData name="Gibbons, Carl" userId="d2b037bc-8fb4-4222-845c-61440543a456" providerId="ADAL" clId="{3CE3119B-1917-4F7B-A5AD-6C146E3F914B}" dt="2023-12-28T20:10:30.792" v="7202" actId="122"/>
-          <ac:graphicFrameMkLst>
-            <pc:docMk/>
-            <pc:sldMk cId="2614091779" sldId="287"/>
-            <ac:graphicFrameMk id="4" creationId="{3CFEF9C3-22C7-2157-EBC8-9116E36A6081}"/>
-          </ac:graphicFrameMkLst>
-        </pc:graphicFrameChg>
-      </pc:sldChg>
-      <pc:sldChg chg="delSp modSp mod">
-        <pc:chgData name="Gibbons, Carl" userId="d2b037bc-8fb4-4222-845c-61440543a456" providerId="ADAL" clId="{3CE3119B-1917-4F7B-A5AD-6C146E3F914B}" dt="2023-12-28T20:10:52.990" v="7204" actId="114"/>
-        <pc:sldMkLst>
-          <pc:docMk/>
-          <pc:sldMk cId="1341659426" sldId="288"/>
-        </pc:sldMkLst>
-        <pc:spChg chg="mod">
-          <ac:chgData name="Gibbons, Carl" userId="d2b037bc-8fb4-4222-845c-61440543a456" providerId="ADAL" clId="{3CE3119B-1917-4F7B-A5AD-6C146E3F914B}" dt="2023-12-28T19:53:19.425" v="5816" actId="20577"/>
-          <ac:spMkLst>
-            <pc:docMk/>
-            <pc:sldMk cId="1341659426" sldId="288"/>
-            <ac:spMk id="2" creationId="{31B75992-5098-A283-4925-2CCEBB801DC5}"/>
-          </ac:spMkLst>
-        </pc:spChg>
-        <pc:spChg chg="mod">
-          <ac:chgData name="Gibbons, Carl" userId="d2b037bc-8fb4-4222-845c-61440543a456" providerId="ADAL" clId="{3CE3119B-1917-4F7B-A5AD-6C146E3F914B}" dt="2023-12-28T20:10:52.990" v="7204" actId="114"/>
-          <ac:spMkLst>
-            <pc:docMk/>
-            <pc:sldMk cId="1341659426" sldId="288"/>
-            <ac:spMk id="3" creationId="{B5924E0F-A977-1710-779D-EEB74261AF34}"/>
-          </ac:spMkLst>
-        </pc:spChg>
-        <pc:graphicFrameChg chg="del modGraphic">
-          <ac:chgData name="Gibbons, Carl" userId="d2b037bc-8fb4-4222-845c-61440543a456" providerId="ADAL" clId="{3CE3119B-1917-4F7B-A5AD-6C146E3F914B}" dt="2023-12-28T19:53:27.454" v="5818" actId="21"/>
-          <ac:graphicFrameMkLst>
-            <pc:docMk/>
-            <pc:sldMk cId="1341659426" sldId="288"/>
-            <ac:graphicFrameMk id="4" creationId="{3CFEF9C3-22C7-2157-EBC8-9116E36A6081}"/>
-          </ac:graphicFrameMkLst>
-        </pc:graphicFrameChg>
-      </pc:sldChg>
-      <pc:sldChg chg="addSp modSp new mod">
-        <pc:chgData name="Gibbons, Carl" userId="d2b037bc-8fb4-4222-845c-61440543a456" providerId="ADAL" clId="{3CE3119B-1917-4F7B-A5AD-6C146E3F914B}" dt="2023-12-28T21:20:58.470" v="11391" actId="27636"/>
-        <pc:sldMkLst>
-          <pc:docMk/>
-          <pc:sldMk cId="2966054478" sldId="289"/>
-        </pc:sldMkLst>
-        <pc:spChg chg="mod">
-          <ac:chgData name="Gibbons, Carl" userId="d2b037bc-8fb4-4222-845c-61440543a456" providerId="ADAL" clId="{3CE3119B-1917-4F7B-A5AD-6C146E3F914B}" dt="2023-12-28T21:20:58.470" v="11391" actId="27636"/>
-          <ac:spMkLst>
-            <pc:docMk/>
-            <pc:sldMk cId="2966054478" sldId="289"/>
-            <ac:spMk id="2" creationId="{264BAEB2-591D-DEE6-3C00-0BAAC69880F0}"/>
-          </ac:spMkLst>
-        </pc:spChg>
-        <pc:spChg chg="add mod">
-          <ac:chgData name="Gibbons, Carl" userId="d2b037bc-8fb4-4222-845c-61440543a456" providerId="ADAL" clId="{3CE3119B-1917-4F7B-A5AD-6C146E3F914B}" dt="2023-12-28T21:02:37.455" v="10592" actId="20577"/>
-          <ac:spMkLst>
-            <pc:docMk/>
-            <pc:sldMk cId="2966054478" sldId="289"/>
-            <ac:spMk id="3" creationId="{0620B8A1-699E-C7B4-0A32-7D9C4529CA27}"/>
-          </ac:spMkLst>
-        </pc:spChg>
-      </pc:sldChg>
-      <pc:sldChg chg="modSp mod">
-        <pc:chgData name="Gibbons, Carl" userId="d2b037bc-8fb4-4222-845c-61440543a456" providerId="ADAL" clId="{3CE3119B-1917-4F7B-A5AD-6C146E3F914B}" dt="2023-12-28T20:25:14.044" v="8347" actId="20577"/>
-        <pc:sldMkLst>
-          <pc:docMk/>
-          <pc:sldMk cId="1014272238" sldId="290"/>
-        </pc:sldMkLst>
-        <pc:spChg chg="mod">
-          <ac:chgData name="Gibbons, Carl" userId="d2b037bc-8fb4-4222-845c-61440543a456" providerId="ADAL" clId="{3CE3119B-1917-4F7B-A5AD-6C146E3F914B}" dt="2023-12-28T20:14:14.888" v="7303" actId="20577"/>
-          <ac:spMkLst>
-            <pc:docMk/>
-            <pc:sldMk cId="1014272238" sldId="290"/>
-            <ac:spMk id="2" creationId="{31B75992-5098-A283-4925-2CCEBB801DC5}"/>
-          </ac:spMkLst>
-        </pc:spChg>
-        <pc:spChg chg="mod">
-          <ac:chgData name="Gibbons, Carl" userId="d2b037bc-8fb4-4222-845c-61440543a456" providerId="ADAL" clId="{3CE3119B-1917-4F7B-A5AD-6C146E3F914B}" dt="2023-12-28T20:25:14.044" v="8347" actId="20577"/>
-          <ac:spMkLst>
-            <pc:docMk/>
-            <pc:sldMk cId="1014272238" sldId="290"/>
+            <pc:sldMk cId="2335633195" sldId="260"/>
             <ac:spMk id="3" creationId="{B5924E0F-A977-1710-779D-EEB74261AF34}"/>
           </ac:spMkLst>
         </pc:spChg>
       </pc:sldChg>
       <pc:sldChg chg="modSp mod">
-        <pc:chgData name="Gibbons, Carl" userId="d2b037bc-8fb4-4222-845c-61440543a456" providerId="ADAL" clId="{3CE3119B-1917-4F7B-A5AD-6C146E3F914B}" dt="2023-12-28T21:21:03.949" v="11393" actId="27636"/>
+        <pc:chgData name="Talbert, Matthew" userId="877a4118-3f16-4ac9-a72c-5dd2c7b28c85" providerId="ADAL" clId="{CADF7B3F-11A9-4AF9-ACAB-9CCA7ECC2061}" dt="2024-11-21T23:58:02.871" v="406" actId="12788"/>
         <pc:sldMkLst>
           <pc:docMk/>
-          <pc:sldMk cId="3689580349" sldId="291"/>
+          <pc:sldMk cId="1284534978" sldId="261"/>
         </pc:sldMkLst>
         <pc:spChg chg="mod">
-          <ac:chgData name="Gibbons, Carl" userId="d2b037bc-8fb4-4222-845c-61440543a456" providerId="ADAL" clId="{3CE3119B-1917-4F7B-A5AD-6C146E3F914B}" dt="2023-12-28T21:21:03.949" v="11393" actId="27636"/>
+          <ac:chgData name="Talbert, Matthew" userId="877a4118-3f16-4ac9-a72c-5dd2c7b28c85" providerId="ADAL" clId="{CADF7B3F-11A9-4AF9-ACAB-9CCA7ECC2061}" dt="2024-11-21T23:58:02.871" v="406" actId="12788"/>
           <ac:spMkLst>
             <pc:docMk/>
-            <pc:sldMk cId="3689580349" sldId="291"/>
-            <ac:spMk id="2" creationId="{264BAEB2-591D-DEE6-3C00-0BAAC69880F0}"/>
-          </ac:spMkLst>
-        </pc:spChg>
-        <pc:spChg chg="mod">
-          <ac:chgData name="Gibbons, Carl" userId="d2b037bc-8fb4-4222-845c-61440543a456" providerId="ADAL" clId="{3CE3119B-1917-4F7B-A5AD-6C146E3F914B}" dt="2023-12-28T21:02:59.174" v="10621" actId="20577"/>
-          <ac:spMkLst>
-            <pc:docMk/>
-            <pc:sldMk cId="3689580349" sldId="291"/>
-            <ac:spMk id="3" creationId="{0620B8A1-699E-C7B4-0A32-7D9C4529CA27}"/>
-          </ac:spMkLst>
-        </pc:spChg>
-      </pc:sldChg>
-      <pc:sldChg chg="modSp mod">
-        <pc:chgData name="Gibbons, Carl" userId="d2b037bc-8fb4-4222-845c-61440543a456" providerId="ADAL" clId="{3CE3119B-1917-4F7B-A5AD-6C146E3F914B}" dt="2023-12-28T21:30:34.709" v="11884" actId="20577"/>
-        <pc:sldMkLst>
-          <pc:docMk/>
-          <pc:sldMk cId="2738411615" sldId="292"/>
-        </pc:sldMkLst>
-        <pc:spChg chg="mod">
-          <ac:chgData name="Gibbons, Carl" userId="d2b037bc-8fb4-4222-845c-61440543a456" providerId="ADAL" clId="{3CE3119B-1917-4F7B-A5AD-6C146E3F914B}" dt="2023-12-28T21:27:00.893" v="11646" actId="20577"/>
-          <ac:spMkLst>
-            <pc:docMk/>
-            <pc:sldMk cId="2738411615" sldId="292"/>
+            <pc:sldMk cId="1284534978" sldId="261"/>
             <ac:spMk id="2" creationId="{31B75992-5098-A283-4925-2CCEBB801DC5}"/>
           </ac:spMkLst>
         </pc:spChg>
         <pc:spChg chg="mod">
-          <ac:chgData name="Gibbons, Carl" userId="d2b037bc-8fb4-4222-845c-61440543a456" providerId="ADAL" clId="{3CE3119B-1917-4F7B-A5AD-6C146E3F914B}" dt="2023-12-28T21:30:34.709" v="11884" actId="20577"/>
+          <ac:chgData name="Talbert, Matthew" userId="877a4118-3f16-4ac9-a72c-5dd2c7b28c85" providerId="ADAL" clId="{CADF7B3F-11A9-4AF9-ACAB-9CCA7ECC2061}" dt="2024-11-21T23:58:02.871" v="406" actId="12788"/>
           <ac:spMkLst>
             <pc:docMk/>
-            <pc:sldMk cId="2738411615" sldId="292"/>
+            <pc:sldMk cId="1284534978" sldId="261"/>
             <ac:spMk id="3" creationId="{B5924E0F-A977-1710-779D-EEB74261AF34}"/>
           </ac:spMkLst>
         </pc:spChg>
       </pc:sldChg>
       <pc:sldChg chg="modSp mod">
-        <pc:chgData name="Gibbons, Carl" userId="d2b037bc-8fb4-4222-845c-61440543a456" providerId="ADAL" clId="{3CE3119B-1917-4F7B-A5AD-6C146E3F914B}" dt="2023-12-28T21:56:49.002" v="13100" actId="20577"/>
+        <pc:chgData name="Talbert, Matthew" userId="877a4118-3f16-4ac9-a72c-5dd2c7b28c85" providerId="ADAL" clId="{CADF7B3F-11A9-4AF9-ACAB-9CCA7ECC2061}" dt="2024-11-21T23:58:05.495" v="407" actId="12788"/>
         <pc:sldMkLst>
           <pc:docMk/>
-          <pc:sldMk cId="852415543" sldId="293"/>
+          <pc:sldMk cId="1802585387" sldId="262"/>
         </pc:sldMkLst>
         <pc:spChg chg="mod">
-          <ac:chgData name="Gibbons, Carl" userId="d2b037bc-8fb4-4222-845c-61440543a456" providerId="ADAL" clId="{3CE3119B-1917-4F7B-A5AD-6C146E3F914B}" dt="2023-12-28T21:32:23.582" v="11900" actId="20577"/>
+          <ac:chgData name="Talbert, Matthew" userId="877a4118-3f16-4ac9-a72c-5dd2c7b28c85" providerId="ADAL" clId="{CADF7B3F-11A9-4AF9-ACAB-9CCA7ECC2061}" dt="2024-11-21T23:58:05.495" v="407" actId="12788"/>
           <ac:spMkLst>
             <pc:docMk/>
-            <pc:sldMk cId="852415543" sldId="293"/>
-            <ac:spMk id="2" creationId="{264BAEB2-591D-DEE6-3C00-0BAAC69880F0}"/>
-          </ac:spMkLst>
-        </pc:spChg>
-        <pc:spChg chg="mod">
-          <ac:chgData name="Gibbons, Carl" userId="d2b037bc-8fb4-4222-845c-61440543a456" providerId="ADAL" clId="{3CE3119B-1917-4F7B-A5AD-6C146E3F914B}" dt="2023-12-28T21:56:49.002" v="13100" actId="20577"/>
-          <ac:spMkLst>
-            <pc:docMk/>
-            <pc:sldMk cId="852415543" sldId="293"/>
-            <ac:spMk id="3" creationId="{0620B8A1-699E-C7B4-0A32-7D9C4529CA27}"/>
-          </ac:spMkLst>
-        </pc:spChg>
-      </pc:sldChg>
-      <pc:sldMasterChg chg="delSldLayout">
-        <pc:chgData name="Gibbons, Carl" userId="d2b037bc-8fb4-4222-845c-61440543a456" providerId="ADAL" clId="{3CE3119B-1917-4F7B-A5AD-6C146E3F914B}" dt="2023-12-24T04:15:18.904" v="2211" actId="47"/>
-        <pc:sldMasterMkLst>
-          <pc:docMk/>
-          <pc:sldMasterMk cId="3616380004" sldId="2147483712"/>
-        </pc:sldMasterMkLst>
-        <pc:sldLayoutChg chg="del">
-          <pc:chgData name="Gibbons, Carl" userId="d2b037bc-8fb4-4222-845c-61440543a456" providerId="ADAL" clId="{3CE3119B-1917-4F7B-A5AD-6C146E3F914B}" dt="2023-12-24T04:15:18.904" v="2211" actId="47"/>
-          <pc:sldLayoutMkLst>
-            <pc:docMk/>
-            <pc:sldMasterMk cId="3616380004" sldId="2147483712"/>
-            <pc:sldLayoutMk cId="2633931619" sldId="2147483725"/>
-          </pc:sldLayoutMkLst>
-        </pc:sldLayoutChg>
-      </pc:sldMasterChg>
-    </pc:docChg>
-  </pc:docChgLst>
-  <pc:docChgLst>
-    <pc:chgData name="Gibbons, Carl" userId="d2b037bc-8fb4-4222-845c-61440543a456" providerId="ADAL" clId="{4505F98C-4CC4-4983-9729-597D2A150C85}"/>
-    <pc:docChg chg="undo custSel addSld delSld modSld">
-      <pc:chgData name="Gibbons, Carl" userId="d2b037bc-8fb4-4222-845c-61440543a456" providerId="ADAL" clId="{4505F98C-4CC4-4983-9729-597D2A150C85}" dt="2023-12-29T02:21:47.448" v="17685" actId="20577"/>
-      <pc:docMkLst>
-        <pc:docMk/>
-      </pc:docMkLst>
-      <pc:sldChg chg="modSp mod">
-        <pc:chgData name="Gibbons, Carl" userId="d2b037bc-8fb4-4222-845c-61440543a456" providerId="ADAL" clId="{4505F98C-4CC4-4983-9729-597D2A150C85}" dt="2023-12-28T22:02:31.848" v="28" actId="20577"/>
-        <pc:sldMkLst>
-          <pc:docMk/>
-          <pc:sldMk cId="3308175748" sldId="256"/>
-        </pc:sldMkLst>
-        <pc:spChg chg="mod">
-          <ac:chgData name="Gibbons, Carl" userId="d2b037bc-8fb4-4222-845c-61440543a456" providerId="ADAL" clId="{4505F98C-4CC4-4983-9729-597D2A150C85}" dt="2023-12-28T22:02:31.848" v="28" actId="20577"/>
-          <ac:spMkLst>
-            <pc:docMk/>
-            <pc:sldMk cId="3308175748" sldId="256"/>
-            <ac:spMk id="3" creationId="{EEC4D41B-E776-05F2-BE0B-89BB339485AB}"/>
-          </ac:spMkLst>
-        </pc:spChg>
-      </pc:sldChg>
-      <pc:sldChg chg="modSp mod">
-        <pc:chgData name="Gibbons, Carl" userId="d2b037bc-8fb4-4222-845c-61440543a456" providerId="ADAL" clId="{4505F98C-4CC4-4983-9729-597D2A150C85}" dt="2023-12-28T22:45:53.299" v="4302" actId="20577"/>
-        <pc:sldMkLst>
-          <pc:docMk/>
-          <pc:sldMk cId="2312486803" sldId="261"/>
-        </pc:sldMkLst>
-        <pc:spChg chg="mod">
-          <ac:chgData name="Gibbons, Carl" userId="d2b037bc-8fb4-4222-845c-61440543a456" providerId="ADAL" clId="{4505F98C-4CC4-4983-9729-597D2A150C85}" dt="2023-12-28T22:02:40.492" v="50" actId="20577"/>
-          <ac:spMkLst>
-            <pc:docMk/>
-            <pc:sldMk cId="2312486803" sldId="261"/>
+            <pc:sldMk cId="1802585387" sldId="262"/>
             <ac:spMk id="2" creationId="{31B75992-5098-A283-4925-2CCEBB801DC5}"/>
           </ac:spMkLst>
         </pc:spChg>
         <pc:spChg chg="mod">
-          <ac:chgData name="Gibbons, Carl" userId="d2b037bc-8fb4-4222-845c-61440543a456" providerId="ADAL" clId="{4505F98C-4CC4-4983-9729-597D2A150C85}" dt="2023-12-28T22:45:53.299" v="4302" actId="20577"/>
+          <ac:chgData name="Talbert, Matthew" userId="877a4118-3f16-4ac9-a72c-5dd2c7b28c85" providerId="ADAL" clId="{CADF7B3F-11A9-4AF9-ACAB-9CCA7ECC2061}" dt="2024-11-21T23:58:05.495" v="407" actId="12788"/>
           <ac:spMkLst>
             <pc:docMk/>
-            <pc:sldMk cId="2312486803" sldId="261"/>
+            <pc:sldMk cId="1802585387" sldId="262"/>
             <ac:spMk id="3" creationId="{B5924E0F-A977-1710-779D-EEB74261AF34}"/>
           </ac:spMkLst>
         </pc:spChg>
       </pc:sldChg>
       <pc:sldChg chg="modSp mod">
-        <pc:chgData name="Gibbons, Carl" userId="d2b037bc-8fb4-4222-845c-61440543a456" providerId="ADAL" clId="{4505F98C-4CC4-4983-9729-597D2A150C85}" dt="2023-12-29T02:18:39.170" v="17623" actId="20577"/>
+        <pc:chgData name="Talbert, Matthew" userId="877a4118-3f16-4ac9-a72c-5dd2c7b28c85" providerId="ADAL" clId="{CADF7B3F-11A9-4AF9-ACAB-9CCA7ECC2061}" dt="2024-11-21T23:58:07.958" v="408" actId="12788"/>
         <pc:sldMkLst>
           <pc:docMk/>
-          <pc:sldMk cId="657795359" sldId="277"/>
+          <pc:sldMk cId="724803187" sldId="263"/>
         </pc:sldMkLst>
         <pc:spChg chg="mod">
-          <ac:chgData name="Gibbons, Carl" userId="d2b037bc-8fb4-4222-845c-61440543a456" providerId="ADAL" clId="{4505F98C-4CC4-4983-9729-597D2A150C85}" dt="2023-12-29T02:18:39.170" v="17623" actId="20577"/>
+          <ac:chgData name="Talbert, Matthew" userId="877a4118-3f16-4ac9-a72c-5dd2c7b28c85" providerId="ADAL" clId="{CADF7B3F-11A9-4AF9-ACAB-9CCA7ECC2061}" dt="2024-11-21T23:58:07.958" v="408" actId="12788"/>
           <ac:spMkLst>
             <pc:docMk/>
-            <pc:sldMk cId="657795359" sldId="277"/>
+            <pc:sldMk cId="724803187" sldId="263"/>
+            <ac:spMk id="2" creationId="{31B75992-5098-A283-4925-2CCEBB801DC5}"/>
+          </ac:spMkLst>
+        </pc:spChg>
+        <pc:spChg chg="mod">
+          <ac:chgData name="Talbert, Matthew" userId="877a4118-3f16-4ac9-a72c-5dd2c7b28c85" providerId="ADAL" clId="{CADF7B3F-11A9-4AF9-ACAB-9CCA7ECC2061}" dt="2024-11-21T23:58:07.958" v="408" actId="12788"/>
+          <ac:spMkLst>
+            <pc:docMk/>
+            <pc:sldMk cId="724803187" sldId="263"/>
+            <ac:spMk id="3" creationId="{B5924E0F-A977-1710-779D-EEB74261AF34}"/>
+          </ac:spMkLst>
+        </pc:spChg>
+      </pc:sldChg>
+      <pc:sldChg chg="modSp mod">
+        <pc:chgData name="Talbert, Matthew" userId="877a4118-3f16-4ac9-a72c-5dd2c7b28c85" providerId="ADAL" clId="{CADF7B3F-11A9-4AF9-ACAB-9CCA7ECC2061}" dt="2024-11-21T23:58:11.727" v="409" actId="12788"/>
+        <pc:sldMkLst>
+          <pc:docMk/>
+          <pc:sldMk cId="1926009205" sldId="264"/>
+        </pc:sldMkLst>
+        <pc:spChg chg="mod">
+          <ac:chgData name="Talbert, Matthew" userId="877a4118-3f16-4ac9-a72c-5dd2c7b28c85" providerId="ADAL" clId="{CADF7B3F-11A9-4AF9-ACAB-9CCA7ECC2061}" dt="2024-11-21T23:58:11.727" v="409" actId="12788"/>
+          <ac:spMkLst>
+            <pc:docMk/>
+            <pc:sldMk cId="1926009205" sldId="264"/>
+            <ac:spMk id="2" creationId="{31B75992-5098-A283-4925-2CCEBB801DC5}"/>
+          </ac:spMkLst>
+        </pc:spChg>
+        <pc:spChg chg="mod">
+          <ac:chgData name="Talbert, Matthew" userId="877a4118-3f16-4ac9-a72c-5dd2c7b28c85" providerId="ADAL" clId="{CADF7B3F-11A9-4AF9-ACAB-9CCA7ECC2061}" dt="2024-11-21T23:58:11.727" v="409" actId="12788"/>
+          <ac:spMkLst>
+            <pc:docMk/>
+            <pc:sldMk cId="1926009205" sldId="264"/>
+            <ac:spMk id="3" creationId="{B5924E0F-A977-1710-779D-EEB74261AF34}"/>
+          </ac:spMkLst>
+        </pc:spChg>
+      </pc:sldChg>
+      <pc:sldChg chg="modSp mod">
+        <pc:chgData name="Talbert, Matthew" userId="877a4118-3f16-4ac9-a72c-5dd2c7b28c85" providerId="ADAL" clId="{CADF7B3F-11A9-4AF9-ACAB-9CCA7ECC2061}" dt="2024-11-21T23:58:13.628" v="410" actId="12788"/>
+        <pc:sldMkLst>
+          <pc:docMk/>
+          <pc:sldMk cId="2366216895" sldId="265"/>
+        </pc:sldMkLst>
+        <pc:spChg chg="mod">
+          <ac:chgData name="Talbert, Matthew" userId="877a4118-3f16-4ac9-a72c-5dd2c7b28c85" providerId="ADAL" clId="{CADF7B3F-11A9-4AF9-ACAB-9CCA7ECC2061}" dt="2024-11-21T23:58:13.628" v="410" actId="12788"/>
+          <ac:spMkLst>
+            <pc:docMk/>
+            <pc:sldMk cId="2366216895" sldId="265"/>
+            <ac:spMk id="2" creationId="{31B75992-5098-A283-4925-2CCEBB801DC5}"/>
+          </ac:spMkLst>
+        </pc:spChg>
+        <pc:spChg chg="mod">
+          <ac:chgData name="Talbert, Matthew" userId="877a4118-3f16-4ac9-a72c-5dd2c7b28c85" providerId="ADAL" clId="{CADF7B3F-11A9-4AF9-ACAB-9CCA7ECC2061}" dt="2024-11-21T23:58:13.628" v="410" actId="12788"/>
+          <ac:spMkLst>
+            <pc:docMk/>
+            <pc:sldMk cId="2366216895" sldId="265"/>
+            <ac:spMk id="3" creationId="{B5924E0F-A977-1710-779D-EEB74261AF34}"/>
+          </ac:spMkLst>
+        </pc:spChg>
+      </pc:sldChg>
+      <pc:sldChg chg="modSp mod">
+        <pc:chgData name="Talbert, Matthew" userId="877a4118-3f16-4ac9-a72c-5dd2c7b28c85" providerId="ADAL" clId="{CADF7B3F-11A9-4AF9-ACAB-9CCA7ECC2061}" dt="2024-11-21T23:58:15.638" v="411" actId="12788"/>
+        <pc:sldMkLst>
+          <pc:docMk/>
+          <pc:sldMk cId="3193160409" sldId="266"/>
+        </pc:sldMkLst>
+        <pc:spChg chg="mod">
+          <ac:chgData name="Talbert, Matthew" userId="877a4118-3f16-4ac9-a72c-5dd2c7b28c85" providerId="ADAL" clId="{CADF7B3F-11A9-4AF9-ACAB-9CCA7ECC2061}" dt="2024-11-21T23:58:15.638" v="411" actId="12788"/>
+          <ac:spMkLst>
+            <pc:docMk/>
+            <pc:sldMk cId="3193160409" sldId="266"/>
+            <ac:spMk id="2" creationId="{31B75992-5098-A283-4925-2CCEBB801DC5}"/>
+          </ac:spMkLst>
+        </pc:spChg>
+        <pc:spChg chg="mod">
+          <ac:chgData name="Talbert, Matthew" userId="877a4118-3f16-4ac9-a72c-5dd2c7b28c85" providerId="ADAL" clId="{CADF7B3F-11A9-4AF9-ACAB-9CCA7ECC2061}" dt="2024-11-21T23:58:15.638" v="411" actId="12788"/>
+          <ac:spMkLst>
+            <pc:docMk/>
+            <pc:sldMk cId="3193160409" sldId="266"/>
+            <ac:spMk id="3" creationId="{B5924E0F-A977-1710-779D-EEB74261AF34}"/>
+          </ac:spMkLst>
+        </pc:spChg>
+      </pc:sldChg>
+      <pc:sldChg chg="modSp mod">
+        <pc:chgData name="Talbert, Matthew" userId="877a4118-3f16-4ac9-a72c-5dd2c7b28c85" providerId="ADAL" clId="{CADF7B3F-11A9-4AF9-ACAB-9CCA7ECC2061}" dt="2024-11-21T23:58:17.710" v="412" actId="12788"/>
+        <pc:sldMkLst>
+          <pc:docMk/>
+          <pc:sldMk cId="3371896289" sldId="267"/>
+        </pc:sldMkLst>
+        <pc:spChg chg="mod">
+          <ac:chgData name="Talbert, Matthew" userId="877a4118-3f16-4ac9-a72c-5dd2c7b28c85" providerId="ADAL" clId="{CADF7B3F-11A9-4AF9-ACAB-9CCA7ECC2061}" dt="2024-11-21T23:58:17.710" v="412" actId="12788"/>
+          <ac:spMkLst>
+            <pc:docMk/>
+            <pc:sldMk cId="3371896289" sldId="267"/>
+            <ac:spMk id="2" creationId="{31B75992-5098-A283-4925-2CCEBB801DC5}"/>
+          </ac:spMkLst>
+        </pc:spChg>
+        <pc:spChg chg="mod">
+          <ac:chgData name="Talbert, Matthew" userId="877a4118-3f16-4ac9-a72c-5dd2c7b28c85" providerId="ADAL" clId="{CADF7B3F-11A9-4AF9-ACAB-9CCA7ECC2061}" dt="2024-11-21T23:58:17.710" v="412" actId="12788"/>
+          <ac:spMkLst>
+            <pc:docMk/>
+            <pc:sldMk cId="3371896289" sldId="267"/>
+            <ac:spMk id="3" creationId="{B5924E0F-A977-1710-779D-EEB74261AF34}"/>
+          </ac:spMkLst>
+        </pc:spChg>
+      </pc:sldChg>
+      <pc:sldChg chg="modSp mod">
+        <pc:chgData name="Talbert, Matthew" userId="877a4118-3f16-4ac9-a72c-5dd2c7b28c85" providerId="ADAL" clId="{CADF7B3F-11A9-4AF9-ACAB-9CCA7ECC2061}" dt="2024-11-21T23:58:19.937" v="413" actId="12788"/>
+        <pc:sldMkLst>
+          <pc:docMk/>
+          <pc:sldMk cId="2688338374" sldId="268"/>
+        </pc:sldMkLst>
+        <pc:spChg chg="mod">
+          <ac:chgData name="Talbert, Matthew" userId="877a4118-3f16-4ac9-a72c-5dd2c7b28c85" providerId="ADAL" clId="{CADF7B3F-11A9-4AF9-ACAB-9CCA7ECC2061}" dt="2024-11-21T23:58:19.937" v="413" actId="12788"/>
+          <ac:spMkLst>
+            <pc:docMk/>
+            <pc:sldMk cId="2688338374" sldId="268"/>
+            <ac:spMk id="2" creationId="{31B75992-5098-A283-4925-2CCEBB801DC5}"/>
+          </ac:spMkLst>
+        </pc:spChg>
+        <pc:spChg chg="mod">
+          <ac:chgData name="Talbert, Matthew" userId="877a4118-3f16-4ac9-a72c-5dd2c7b28c85" providerId="ADAL" clId="{CADF7B3F-11A9-4AF9-ACAB-9CCA7ECC2061}" dt="2024-11-21T23:58:19.937" v="413" actId="12788"/>
+          <ac:spMkLst>
+            <pc:docMk/>
+            <pc:sldMk cId="2688338374" sldId="268"/>
+            <ac:spMk id="3" creationId="{B5924E0F-A977-1710-779D-EEB74261AF34}"/>
+          </ac:spMkLst>
+        </pc:spChg>
+      </pc:sldChg>
+      <pc:sldChg chg="modSp mod">
+        <pc:chgData name="Talbert, Matthew" userId="877a4118-3f16-4ac9-a72c-5dd2c7b28c85" providerId="ADAL" clId="{CADF7B3F-11A9-4AF9-ACAB-9CCA7ECC2061}" dt="2024-11-21T23:58:22.054" v="414" actId="12788"/>
+        <pc:sldMkLst>
+          <pc:docMk/>
+          <pc:sldMk cId="2142935017" sldId="269"/>
+        </pc:sldMkLst>
+        <pc:spChg chg="mod">
+          <ac:chgData name="Talbert, Matthew" userId="877a4118-3f16-4ac9-a72c-5dd2c7b28c85" providerId="ADAL" clId="{CADF7B3F-11A9-4AF9-ACAB-9CCA7ECC2061}" dt="2024-11-21T23:58:22.054" v="414" actId="12788"/>
+          <ac:spMkLst>
+            <pc:docMk/>
+            <pc:sldMk cId="2142935017" sldId="269"/>
+            <ac:spMk id="2" creationId="{31B75992-5098-A283-4925-2CCEBB801DC5}"/>
+          </ac:spMkLst>
+        </pc:spChg>
+        <pc:spChg chg="mod">
+          <ac:chgData name="Talbert, Matthew" userId="877a4118-3f16-4ac9-a72c-5dd2c7b28c85" providerId="ADAL" clId="{CADF7B3F-11A9-4AF9-ACAB-9CCA7ECC2061}" dt="2024-11-21T23:58:22.054" v="414" actId="12788"/>
+          <ac:spMkLst>
+            <pc:docMk/>
+            <pc:sldMk cId="2142935017" sldId="269"/>
+            <ac:spMk id="3" creationId="{B5924E0F-A977-1710-779D-EEB74261AF34}"/>
+          </ac:spMkLst>
+        </pc:spChg>
+      </pc:sldChg>
+      <pc:sldChg chg="modSp mod">
+        <pc:chgData name="Talbert, Matthew" userId="877a4118-3f16-4ac9-a72c-5dd2c7b28c85" providerId="ADAL" clId="{CADF7B3F-11A9-4AF9-ACAB-9CCA7ECC2061}" dt="2024-11-21T23:58:24.080" v="415" actId="12788"/>
+        <pc:sldMkLst>
+          <pc:docMk/>
+          <pc:sldMk cId="2784625941" sldId="270"/>
+        </pc:sldMkLst>
+        <pc:spChg chg="mod">
+          <ac:chgData name="Talbert, Matthew" userId="877a4118-3f16-4ac9-a72c-5dd2c7b28c85" providerId="ADAL" clId="{CADF7B3F-11A9-4AF9-ACAB-9CCA7ECC2061}" dt="2024-11-21T23:58:24.080" v="415" actId="12788"/>
+          <ac:spMkLst>
+            <pc:docMk/>
+            <pc:sldMk cId="2784625941" sldId="270"/>
+            <ac:spMk id="2" creationId="{31B75992-5098-A283-4925-2CCEBB801DC5}"/>
+          </ac:spMkLst>
+        </pc:spChg>
+        <pc:spChg chg="mod">
+          <ac:chgData name="Talbert, Matthew" userId="877a4118-3f16-4ac9-a72c-5dd2c7b28c85" providerId="ADAL" clId="{CADF7B3F-11A9-4AF9-ACAB-9CCA7ECC2061}" dt="2024-11-21T23:58:24.080" v="415" actId="12788"/>
+          <ac:spMkLst>
+            <pc:docMk/>
+            <pc:sldMk cId="2784625941" sldId="270"/>
+            <ac:spMk id="3" creationId="{B5924E0F-A977-1710-779D-EEB74261AF34}"/>
+          </ac:spMkLst>
+        </pc:spChg>
+      </pc:sldChg>
+      <pc:sldChg chg="modSp mod">
+        <pc:chgData name="Talbert, Matthew" userId="877a4118-3f16-4ac9-a72c-5dd2c7b28c85" providerId="ADAL" clId="{CADF7B3F-11A9-4AF9-ACAB-9CCA7ECC2061}" dt="2024-11-22T00:00:15.969" v="548" actId="12788"/>
+        <pc:sldMkLst>
+          <pc:docMk/>
+          <pc:sldMk cId="1677974689" sldId="271"/>
+        </pc:sldMkLst>
+        <pc:spChg chg="mod">
+          <ac:chgData name="Talbert, Matthew" userId="877a4118-3f16-4ac9-a72c-5dd2c7b28c85" providerId="ADAL" clId="{CADF7B3F-11A9-4AF9-ACAB-9CCA7ECC2061}" dt="2024-11-22T00:00:15.969" v="548" actId="12788"/>
+          <ac:spMkLst>
+            <pc:docMk/>
+            <pc:sldMk cId="1677974689" sldId="271"/>
+            <ac:spMk id="2" creationId="{31B75992-5098-A283-4925-2CCEBB801DC5}"/>
+          </ac:spMkLst>
+        </pc:spChg>
+        <pc:spChg chg="mod">
+          <ac:chgData name="Talbert, Matthew" userId="877a4118-3f16-4ac9-a72c-5dd2c7b28c85" providerId="ADAL" clId="{CADF7B3F-11A9-4AF9-ACAB-9CCA7ECC2061}" dt="2024-11-22T00:00:15.969" v="548" actId="12788"/>
+          <ac:spMkLst>
+            <pc:docMk/>
+            <pc:sldMk cId="1677974689" sldId="271"/>
+            <ac:spMk id="3" creationId="{B5924E0F-A977-1710-779D-EEB74261AF34}"/>
+          </ac:spMkLst>
+        </pc:spChg>
+      </pc:sldChg>
+      <pc:sldChg chg="modSp mod">
+        <pc:chgData name="Talbert, Matthew" userId="877a4118-3f16-4ac9-a72c-5dd2c7b28c85" providerId="ADAL" clId="{CADF7B3F-11A9-4AF9-ACAB-9CCA7ECC2061}" dt="2024-11-22T00:00:17.823" v="549" actId="12788"/>
+        <pc:sldMkLst>
+          <pc:docMk/>
+          <pc:sldMk cId="4219326696" sldId="272"/>
+        </pc:sldMkLst>
+        <pc:spChg chg="mod">
+          <ac:chgData name="Talbert, Matthew" userId="877a4118-3f16-4ac9-a72c-5dd2c7b28c85" providerId="ADAL" clId="{CADF7B3F-11A9-4AF9-ACAB-9CCA7ECC2061}" dt="2024-11-22T00:00:17.823" v="549" actId="12788"/>
+          <ac:spMkLst>
+            <pc:docMk/>
+            <pc:sldMk cId="4219326696" sldId="272"/>
+            <ac:spMk id="2" creationId="{31B75992-5098-A283-4925-2CCEBB801DC5}"/>
+          </ac:spMkLst>
+        </pc:spChg>
+        <pc:spChg chg="mod">
+          <ac:chgData name="Talbert, Matthew" userId="877a4118-3f16-4ac9-a72c-5dd2c7b28c85" providerId="ADAL" clId="{CADF7B3F-11A9-4AF9-ACAB-9CCA7ECC2061}" dt="2024-11-22T00:00:17.823" v="549" actId="12788"/>
+          <ac:spMkLst>
+            <pc:docMk/>
+            <pc:sldMk cId="4219326696" sldId="272"/>
+            <ac:spMk id="3" creationId="{B5924E0F-A977-1710-779D-EEB74261AF34}"/>
+          </ac:spMkLst>
+        </pc:spChg>
+      </pc:sldChg>
+      <pc:sldChg chg="modSp mod">
+        <pc:chgData name="Talbert, Matthew" userId="877a4118-3f16-4ac9-a72c-5dd2c7b28c85" providerId="ADAL" clId="{CADF7B3F-11A9-4AF9-ACAB-9CCA7ECC2061}" dt="2024-11-22T00:00:19.882" v="550" actId="12788"/>
+        <pc:sldMkLst>
+          <pc:docMk/>
+          <pc:sldMk cId="33911121" sldId="273"/>
+        </pc:sldMkLst>
+        <pc:spChg chg="mod">
+          <ac:chgData name="Talbert, Matthew" userId="877a4118-3f16-4ac9-a72c-5dd2c7b28c85" providerId="ADAL" clId="{CADF7B3F-11A9-4AF9-ACAB-9CCA7ECC2061}" dt="2024-11-22T00:00:19.882" v="550" actId="12788"/>
+          <ac:spMkLst>
+            <pc:docMk/>
+            <pc:sldMk cId="33911121" sldId="273"/>
+            <ac:spMk id="2" creationId="{1862E903-3C56-BB42-2361-009F2336475A}"/>
+          </ac:spMkLst>
+        </pc:spChg>
+        <pc:spChg chg="mod">
+          <ac:chgData name="Talbert, Matthew" userId="877a4118-3f16-4ac9-a72c-5dd2c7b28c85" providerId="ADAL" clId="{CADF7B3F-11A9-4AF9-ACAB-9CCA7ECC2061}" dt="2024-11-22T00:00:19.882" v="550" actId="12788"/>
+          <ac:spMkLst>
+            <pc:docMk/>
+            <pc:sldMk cId="33911121" sldId="273"/>
             <ac:spMk id="3" creationId="{90179172-96B3-95D0-A137-257770BE7642}"/>
           </ac:spMkLst>
         </pc:spChg>
       </pc:sldChg>
       <pc:sldChg chg="modSp mod">
-        <pc:chgData name="Gibbons, Carl" userId="d2b037bc-8fb4-4222-845c-61440543a456" providerId="ADAL" clId="{4505F98C-4CC4-4983-9729-597D2A150C85}" dt="2023-12-29T02:21:47.448" v="17685" actId="20577"/>
+        <pc:chgData name="Talbert, Matthew" userId="877a4118-3f16-4ac9-a72c-5dd2c7b28c85" providerId="ADAL" clId="{CADF7B3F-11A9-4AF9-ACAB-9CCA7ECC2061}" dt="2024-11-22T00:00:22.017" v="551" actId="12788"/>
         <pc:sldMkLst>
           <pc:docMk/>
-          <pc:sldMk cId="3989541258" sldId="278"/>
+          <pc:sldMk cId="1322372106" sldId="274"/>
         </pc:sldMkLst>
         <pc:spChg chg="mod">
-          <ac:chgData name="Gibbons, Carl" userId="d2b037bc-8fb4-4222-845c-61440543a456" providerId="ADAL" clId="{4505F98C-4CC4-4983-9729-597D2A150C85}" dt="2023-12-28T22:23:56.363" v="2262" actId="20577"/>
+          <ac:chgData name="Talbert, Matthew" userId="877a4118-3f16-4ac9-a72c-5dd2c7b28c85" providerId="ADAL" clId="{CADF7B3F-11A9-4AF9-ACAB-9CCA7ECC2061}" dt="2024-11-22T00:00:22.017" v="551" actId="12788"/>
           <ac:spMkLst>
             <pc:docMk/>
-            <pc:sldMk cId="3989541258" sldId="278"/>
-            <ac:spMk id="2" creationId="{31B75992-5098-A283-4925-2CCEBB801DC5}"/>
-          </ac:spMkLst>
-        </pc:spChg>
-        <pc:spChg chg="mod">
-          <ac:chgData name="Gibbons, Carl" userId="d2b037bc-8fb4-4222-845c-61440543a456" providerId="ADAL" clId="{4505F98C-4CC4-4983-9729-597D2A150C85}" dt="2023-12-29T02:21:47.448" v="17685" actId="20577"/>
-          <ac:spMkLst>
-            <pc:docMk/>
-            <pc:sldMk cId="3989541258" sldId="278"/>
-            <ac:spMk id="3" creationId="{B5924E0F-A977-1710-779D-EEB74261AF34}"/>
-          </ac:spMkLst>
-        </pc:spChg>
-      </pc:sldChg>
-      <pc:sldChg chg="modSp mod">
-        <pc:chgData name="Gibbons, Carl" userId="d2b037bc-8fb4-4222-845c-61440543a456" providerId="ADAL" clId="{4505F98C-4CC4-4983-9729-597D2A150C85}" dt="2023-12-29T00:21:55.646" v="8344" actId="20577"/>
-        <pc:sldMkLst>
-          <pc:docMk/>
-          <pc:sldMk cId="2335633195" sldId="279"/>
-        </pc:sldMkLst>
-        <pc:spChg chg="mod">
-          <ac:chgData name="Gibbons, Carl" userId="d2b037bc-8fb4-4222-845c-61440543a456" providerId="ADAL" clId="{4505F98C-4CC4-4983-9729-597D2A150C85}" dt="2023-12-29T00:21:55.646" v="8344" actId="20577"/>
-          <ac:spMkLst>
-            <pc:docMk/>
-            <pc:sldMk cId="2335633195" sldId="279"/>
-            <ac:spMk id="2" creationId="{31B75992-5098-A283-4925-2CCEBB801DC5}"/>
-          </ac:spMkLst>
-        </pc:spChg>
-        <pc:spChg chg="mod">
-          <ac:chgData name="Gibbons, Carl" userId="d2b037bc-8fb4-4222-845c-61440543a456" providerId="ADAL" clId="{4505F98C-4CC4-4983-9729-597D2A150C85}" dt="2023-12-28T22:56:22.080" v="4730" actId="20577"/>
-          <ac:spMkLst>
-            <pc:docMk/>
-            <pc:sldMk cId="2335633195" sldId="279"/>
-            <ac:spMk id="3" creationId="{B5924E0F-A977-1710-779D-EEB74261AF34}"/>
-          </ac:spMkLst>
-        </pc:spChg>
-      </pc:sldChg>
-      <pc:sldChg chg="modSp add mod">
-        <pc:chgData name="Gibbons, Carl" userId="d2b037bc-8fb4-4222-845c-61440543a456" providerId="ADAL" clId="{4505F98C-4CC4-4983-9729-597D2A150C85}" dt="2023-12-28T23:39:19.135" v="5592" actId="20577"/>
-        <pc:sldMkLst>
-          <pc:docMk/>
-          <pc:sldMk cId="1284534978" sldId="280"/>
-        </pc:sldMkLst>
-        <pc:spChg chg="mod">
-          <ac:chgData name="Gibbons, Carl" userId="d2b037bc-8fb4-4222-845c-61440543a456" providerId="ADAL" clId="{4505F98C-4CC4-4983-9729-597D2A150C85}" dt="2023-12-28T23:26:13.166" v="4743" actId="20577"/>
-          <ac:spMkLst>
-            <pc:docMk/>
-            <pc:sldMk cId="1284534978" sldId="280"/>
-            <ac:spMk id="2" creationId="{31B75992-5098-A283-4925-2CCEBB801DC5}"/>
-          </ac:spMkLst>
-        </pc:spChg>
-        <pc:spChg chg="mod">
-          <ac:chgData name="Gibbons, Carl" userId="d2b037bc-8fb4-4222-845c-61440543a456" providerId="ADAL" clId="{4505F98C-4CC4-4983-9729-597D2A150C85}" dt="2023-12-28T23:39:19.135" v="5592" actId="20577"/>
-          <ac:spMkLst>
-            <pc:docMk/>
-            <pc:sldMk cId="1284534978" sldId="280"/>
-            <ac:spMk id="3" creationId="{B5924E0F-A977-1710-779D-EEB74261AF34}"/>
-          </ac:spMkLst>
-        </pc:spChg>
-      </pc:sldChg>
-      <pc:sldChg chg="modSp mod">
-        <pc:chgData name="Gibbons, Carl" userId="d2b037bc-8fb4-4222-845c-61440543a456" providerId="ADAL" clId="{4505F98C-4CC4-4983-9729-597D2A150C85}" dt="2023-12-28T23:42:19.634" v="5967" actId="20577"/>
-        <pc:sldMkLst>
-          <pc:docMk/>
-          <pc:sldMk cId="1802585387" sldId="281"/>
-        </pc:sldMkLst>
-        <pc:spChg chg="mod">
-          <ac:chgData name="Gibbons, Carl" userId="d2b037bc-8fb4-4222-845c-61440543a456" providerId="ADAL" clId="{4505F98C-4CC4-4983-9729-597D2A150C85}" dt="2023-12-28T23:34:47.360" v="5351" actId="20577"/>
-          <ac:spMkLst>
-            <pc:docMk/>
-            <pc:sldMk cId="1802585387" sldId="281"/>
-            <ac:spMk id="2" creationId="{31B75992-5098-A283-4925-2CCEBB801DC5}"/>
-          </ac:spMkLst>
-        </pc:spChg>
-        <pc:spChg chg="mod">
-          <ac:chgData name="Gibbons, Carl" userId="d2b037bc-8fb4-4222-845c-61440543a456" providerId="ADAL" clId="{4505F98C-4CC4-4983-9729-597D2A150C85}" dt="2023-12-28T23:42:19.634" v="5967" actId="20577"/>
-          <ac:spMkLst>
-            <pc:docMk/>
-            <pc:sldMk cId="1802585387" sldId="281"/>
-            <ac:spMk id="3" creationId="{B5924E0F-A977-1710-779D-EEB74261AF34}"/>
-          </ac:spMkLst>
-        </pc:spChg>
-      </pc:sldChg>
-      <pc:sldChg chg="modSp mod">
-        <pc:chgData name="Gibbons, Carl" userId="d2b037bc-8fb4-4222-845c-61440543a456" providerId="ADAL" clId="{4505F98C-4CC4-4983-9729-597D2A150C85}" dt="2023-12-28T23:54:03.356" v="6623"/>
-        <pc:sldMkLst>
-          <pc:docMk/>
-          <pc:sldMk cId="724803187" sldId="282"/>
-        </pc:sldMkLst>
-        <pc:spChg chg="mod">
-          <ac:chgData name="Gibbons, Carl" userId="d2b037bc-8fb4-4222-845c-61440543a456" providerId="ADAL" clId="{4505F98C-4CC4-4983-9729-597D2A150C85}" dt="2023-12-28T23:39:52.399" v="5606" actId="20577"/>
-          <ac:spMkLst>
-            <pc:docMk/>
-            <pc:sldMk cId="724803187" sldId="282"/>
-            <ac:spMk id="2" creationId="{31B75992-5098-A283-4925-2CCEBB801DC5}"/>
-          </ac:spMkLst>
-        </pc:spChg>
-        <pc:spChg chg="mod">
-          <ac:chgData name="Gibbons, Carl" userId="d2b037bc-8fb4-4222-845c-61440543a456" providerId="ADAL" clId="{4505F98C-4CC4-4983-9729-597D2A150C85}" dt="2023-12-28T23:54:03.356" v="6623"/>
-          <ac:spMkLst>
-            <pc:docMk/>
-            <pc:sldMk cId="724803187" sldId="282"/>
-            <ac:spMk id="3" creationId="{B5924E0F-A977-1710-779D-EEB74261AF34}"/>
-          </ac:spMkLst>
-        </pc:spChg>
-      </pc:sldChg>
-      <pc:sldChg chg="modSp mod">
-        <pc:chgData name="Gibbons, Carl" userId="d2b037bc-8fb4-4222-845c-61440543a456" providerId="ADAL" clId="{4505F98C-4CC4-4983-9729-597D2A150C85}" dt="2023-12-29T02:19:53.158" v="17637" actId="20577"/>
-        <pc:sldMkLst>
-          <pc:docMk/>
-          <pc:sldMk cId="1926009205" sldId="283"/>
-        </pc:sldMkLst>
-        <pc:spChg chg="mod">
-          <ac:chgData name="Gibbons, Carl" userId="d2b037bc-8fb4-4222-845c-61440543a456" providerId="ADAL" clId="{4505F98C-4CC4-4983-9729-597D2A150C85}" dt="2023-12-29T00:22:07.704" v="8354" actId="20577"/>
-          <ac:spMkLst>
-            <pc:docMk/>
-            <pc:sldMk cId="1926009205" sldId="283"/>
-            <ac:spMk id="2" creationId="{31B75992-5098-A283-4925-2CCEBB801DC5}"/>
-          </ac:spMkLst>
-        </pc:spChg>
-        <pc:spChg chg="mod">
-          <ac:chgData name="Gibbons, Carl" userId="d2b037bc-8fb4-4222-845c-61440543a456" providerId="ADAL" clId="{4505F98C-4CC4-4983-9729-597D2A150C85}" dt="2023-12-29T02:19:53.158" v="17637" actId="20577"/>
-          <ac:spMkLst>
-            <pc:docMk/>
-            <pc:sldMk cId="1926009205" sldId="283"/>
-            <ac:spMk id="3" creationId="{B5924E0F-A977-1710-779D-EEB74261AF34}"/>
-          </ac:spMkLst>
-        </pc:spChg>
-      </pc:sldChg>
-      <pc:sldChg chg="del">
-        <pc:chgData name="Gibbons, Carl" userId="d2b037bc-8fb4-4222-845c-61440543a456" providerId="ADAL" clId="{4505F98C-4CC4-4983-9729-597D2A150C85}" dt="2023-12-28T22:17:09.732" v="1699" actId="47"/>
-        <pc:sldMkLst>
-          <pc:docMk/>
-          <pc:sldMk cId="2959024232" sldId="283"/>
-        </pc:sldMkLst>
-      </pc:sldChg>
-      <pc:sldChg chg="modSp mod">
-        <pc:chgData name="Gibbons, Carl" userId="d2b037bc-8fb4-4222-845c-61440543a456" providerId="ADAL" clId="{4505F98C-4CC4-4983-9729-597D2A150C85}" dt="2023-12-29T00:22:15.499" v="8364" actId="20577"/>
-        <pc:sldMkLst>
-          <pc:docMk/>
-          <pc:sldMk cId="2366216895" sldId="284"/>
-        </pc:sldMkLst>
-        <pc:spChg chg="mod">
-          <ac:chgData name="Gibbons, Carl" userId="d2b037bc-8fb4-4222-845c-61440543a456" providerId="ADAL" clId="{4505F98C-4CC4-4983-9729-597D2A150C85}" dt="2023-12-29T00:22:15.499" v="8364" actId="20577"/>
-          <ac:spMkLst>
-            <pc:docMk/>
-            <pc:sldMk cId="2366216895" sldId="284"/>
-            <ac:spMk id="2" creationId="{31B75992-5098-A283-4925-2CCEBB801DC5}"/>
-          </ac:spMkLst>
-        </pc:spChg>
-        <pc:spChg chg="mod">
-          <ac:chgData name="Gibbons, Carl" userId="d2b037bc-8fb4-4222-845c-61440543a456" providerId="ADAL" clId="{4505F98C-4CC4-4983-9729-597D2A150C85}" dt="2023-12-29T00:20:51.612" v="8260" actId="20577"/>
-          <ac:spMkLst>
-            <pc:docMk/>
-            <pc:sldMk cId="2366216895" sldId="284"/>
-            <ac:spMk id="3" creationId="{B5924E0F-A977-1710-779D-EEB74261AF34}"/>
-          </ac:spMkLst>
-        </pc:spChg>
-      </pc:sldChg>
-      <pc:sldChg chg="del">
-        <pc:chgData name="Gibbons, Carl" userId="d2b037bc-8fb4-4222-845c-61440543a456" providerId="ADAL" clId="{4505F98C-4CC4-4983-9729-597D2A150C85}" dt="2023-12-28T22:17:08.965" v="1698" actId="47"/>
-        <pc:sldMkLst>
-          <pc:docMk/>
-          <pc:sldMk cId="3114675387" sldId="284"/>
-        </pc:sldMkLst>
-      </pc:sldChg>
-      <pc:sldChg chg="del">
-        <pc:chgData name="Gibbons, Carl" userId="d2b037bc-8fb4-4222-845c-61440543a456" providerId="ADAL" clId="{4505F98C-4CC4-4983-9729-597D2A150C85}" dt="2023-12-28T22:17:08.106" v="1697" actId="47"/>
-        <pc:sldMkLst>
-          <pc:docMk/>
-          <pc:sldMk cId="1243134729" sldId="285"/>
-        </pc:sldMkLst>
-      </pc:sldChg>
-      <pc:sldChg chg="modSp mod">
-        <pc:chgData name="Gibbons, Carl" userId="d2b037bc-8fb4-4222-845c-61440543a456" providerId="ADAL" clId="{4505F98C-4CC4-4983-9729-597D2A150C85}" dt="2023-12-29T01:14:23.500" v="12327" actId="20577"/>
-        <pc:sldMkLst>
-          <pc:docMk/>
-          <pc:sldMk cId="3371896289" sldId="285"/>
-        </pc:sldMkLst>
-        <pc:spChg chg="mod">
-          <ac:chgData name="Gibbons, Carl" userId="d2b037bc-8fb4-4222-845c-61440543a456" providerId="ADAL" clId="{4505F98C-4CC4-4983-9729-597D2A150C85}" dt="2023-12-29T00:22:25.432" v="8374" actId="20577"/>
-          <ac:spMkLst>
-            <pc:docMk/>
-            <pc:sldMk cId="3371896289" sldId="285"/>
-            <ac:spMk id="2" creationId="{31B75992-5098-A283-4925-2CCEBB801DC5}"/>
-          </ac:spMkLst>
-        </pc:spChg>
-        <pc:spChg chg="mod">
-          <ac:chgData name="Gibbons, Carl" userId="d2b037bc-8fb4-4222-845c-61440543a456" providerId="ADAL" clId="{4505F98C-4CC4-4983-9729-597D2A150C85}" dt="2023-12-29T01:14:23.500" v="12327" actId="20577"/>
-          <ac:spMkLst>
-            <pc:docMk/>
-            <pc:sldMk cId="3371896289" sldId="285"/>
-            <ac:spMk id="3" creationId="{B5924E0F-A977-1710-779D-EEB74261AF34}"/>
-          </ac:spMkLst>
-        </pc:spChg>
-      </pc:sldChg>
-      <pc:sldChg chg="add del">
-        <pc:chgData name="Gibbons, Carl" userId="d2b037bc-8fb4-4222-845c-61440543a456" providerId="ADAL" clId="{4505F98C-4CC4-4983-9729-597D2A150C85}" dt="2023-12-29T00:13:59.438" v="7954" actId="2696"/>
-        <pc:sldMkLst>
-          <pc:docMk/>
-          <pc:sldMk cId="3635199420" sldId="285"/>
-        </pc:sldMkLst>
-      </pc:sldChg>
-      <pc:sldChg chg="del">
-        <pc:chgData name="Gibbons, Carl" userId="d2b037bc-8fb4-4222-845c-61440543a456" providerId="ADAL" clId="{4505F98C-4CC4-4983-9729-597D2A150C85}" dt="2023-12-28T22:17:10.620" v="1700" actId="47"/>
-        <pc:sldMkLst>
-          <pc:docMk/>
-          <pc:sldMk cId="954591853" sldId="286"/>
-        </pc:sldMkLst>
-      </pc:sldChg>
-      <pc:sldChg chg="modSp mod">
-        <pc:chgData name="Gibbons, Carl" userId="d2b037bc-8fb4-4222-845c-61440543a456" providerId="ADAL" clId="{4505F98C-4CC4-4983-9729-597D2A150C85}" dt="2023-12-29T01:14:14.317" v="12318" actId="20577"/>
-        <pc:sldMkLst>
-          <pc:docMk/>
-          <pc:sldMk cId="3193160409" sldId="286"/>
-        </pc:sldMkLst>
-        <pc:spChg chg="mod">
-          <ac:chgData name="Gibbons, Carl" userId="d2b037bc-8fb4-4222-845c-61440543a456" providerId="ADAL" clId="{4505F98C-4CC4-4983-9729-597D2A150C85}" dt="2023-12-29T00:33:44.511" v="9517" actId="20577"/>
-          <ac:spMkLst>
-            <pc:docMk/>
-            <pc:sldMk cId="3193160409" sldId="286"/>
-            <ac:spMk id="2" creationId="{31B75992-5098-A283-4925-2CCEBB801DC5}"/>
-          </ac:spMkLst>
-        </pc:spChg>
-        <pc:spChg chg="mod">
-          <ac:chgData name="Gibbons, Carl" userId="d2b037bc-8fb4-4222-845c-61440543a456" providerId="ADAL" clId="{4505F98C-4CC4-4983-9729-597D2A150C85}" dt="2023-12-29T01:14:14.317" v="12318" actId="20577"/>
-          <ac:spMkLst>
-            <pc:docMk/>
-            <pc:sldMk cId="3193160409" sldId="286"/>
-            <ac:spMk id="3" creationId="{B5924E0F-A977-1710-779D-EEB74261AF34}"/>
-          </ac:spMkLst>
-        </pc:spChg>
-      </pc:sldChg>
-      <pc:sldChg chg="del">
-        <pc:chgData name="Gibbons, Carl" userId="d2b037bc-8fb4-4222-845c-61440543a456" providerId="ADAL" clId="{4505F98C-4CC4-4983-9729-597D2A150C85}" dt="2023-12-28T22:17:12.413" v="1702" actId="47"/>
-        <pc:sldMkLst>
-          <pc:docMk/>
-          <pc:sldMk cId="2614091779" sldId="287"/>
-        </pc:sldMkLst>
-      </pc:sldChg>
-      <pc:sldChg chg="modSp mod">
-        <pc:chgData name="Gibbons, Carl" userId="d2b037bc-8fb4-4222-845c-61440543a456" providerId="ADAL" clId="{4505F98C-4CC4-4983-9729-597D2A150C85}" dt="2023-12-29T02:19:05.385" v="17624"/>
-        <pc:sldMkLst>
-          <pc:docMk/>
-          <pc:sldMk cId="2688338374" sldId="287"/>
-        </pc:sldMkLst>
-        <pc:spChg chg="mod">
-          <ac:chgData name="Gibbons, Carl" userId="d2b037bc-8fb4-4222-845c-61440543a456" providerId="ADAL" clId="{4505F98C-4CC4-4983-9729-597D2A150C85}" dt="2023-12-29T00:41:11.438" v="10364" actId="20577"/>
-          <ac:spMkLst>
-            <pc:docMk/>
-            <pc:sldMk cId="2688338374" sldId="287"/>
-            <ac:spMk id="2" creationId="{31B75992-5098-A283-4925-2CCEBB801DC5}"/>
-          </ac:spMkLst>
-        </pc:spChg>
-        <pc:spChg chg="mod">
-          <ac:chgData name="Gibbons, Carl" userId="d2b037bc-8fb4-4222-845c-61440543a456" providerId="ADAL" clId="{4505F98C-4CC4-4983-9729-597D2A150C85}" dt="2023-12-29T02:19:05.385" v="17624"/>
-          <ac:spMkLst>
-            <pc:docMk/>
-            <pc:sldMk cId="2688338374" sldId="287"/>
-            <ac:spMk id="3" creationId="{B5924E0F-A977-1710-779D-EEB74261AF34}"/>
-          </ac:spMkLst>
-        </pc:spChg>
-      </pc:sldChg>
-      <pc:sldChg chg="del">
-        <pc:chgData name="Gibbons, Carl" userId="d2b037bc-8fb4-4222-845c-61440543a456" providerId="ADAL" clId="{4505F98C-4CC4-4983-9729-597D2A150C85}" dt="2023-12-28T22:17:11.407" v="1701" actId="47"/>
-        <pc:sldMkLst>
-          <pc:docMk/>
-          <pc:sldMk cId="1341659426" sldId="288"/>
-        </pc:sldMkLst>
-      </pc:sldChg>
-      <pc:sldChg chg="modSp add mod">
-        <pc:chgData name="Gibbons, Carl" userId="d2b037bc-8fb4-4222-845c-61440543a456" providerId="ADAL" clId="{4505F98C-4CC4-4983-9729-597D2A150C85}" dt="2023-12-29T01:45:37.293" v="15006"/>
-        <pc:sldMkLst>
-          <pc:docMk/>
-          <pc:sldMk cId="2142935017" sldId="288"/>
-        </pc:sldMkLst>
-        <pc:spChg chg="mod">
-          <ac:chgData name="Gibbons, Carl" userId="d2b037bc-8fb4-4222-845c-61440543a456" providerId="ADAL" clId="{4505F98C-4CC4-4983-9729-597D2A150C85}" dt="2023-12-29T01:16:27.501" v="12383" actId="20577"/>
-          <ac:spMkLst>
-            <pc:docMk/>
-            <pc:sldMk cId="2142935017" sldId="288"/>
-            <ac:spMk id="2" creationId="{31B75992-5098-A283-4925-2CCEBB801DC5}"/>
-          </ac:spMkLst>
-        </pc:spChg>
-        <pc:spChg chg="mod">
-          <ac:chgData name="Gibbons, Carl" userId="d2b037bc-8fb4-4222-845c-61440543a456" providerId="ADAL" clId="{4505F98C-4CC4-4983-9729-597D2A150C85}" dt="2023-12-29T01:45:37.293" v="15006"/>
-          <ac:spMkLst>
-            <pc:docMk/>
-            <pc:sldMk cId="2142935017" sldId="288"/>
-            <ac:spMk id="3" creationId="{B5924E0F-A977-1710-779D-EEB74261AF34}"/>
-          </ac:spMkLst>
-        </pc:spChg>
-      </pc:sldChg>
-      <pc:sldChg chg="modSp mod">
-        <pc:chgData name="Gibbons, Carl" userId="d2b037bc-8fb4-4222-845c-61440543a456" providerId="ADAL" clId="{4505F98C-4CC4-4983-9729-597D2A150C85}" dt="2023-12-29T01:50:54.342" v="15124" actId="20577"/>
-        <pc:sldMkLst>
-          <pc:docMk/>
-          <pc:sldMk cId="2784625941" sldId="289"/>
-        </pc:sldMkLst>
-        <pc:spChg chg="mod">
-          <ac:chgData name="Gibbons, Carl" userId="d2b037bc-8fb4-4222-845c-61440543a456" providerId="ADAL" clId="{4505F98C-4CC4-4983-9729-597D2A150C85}" dt="2023-12-29T01:23:40.688" v="13177" actId="20577"/>
-          <ac:spMkLst>
-            <pc:docMk/>
-            <pc:sldMk cId="2784625941" sldId="289"/>
-            <ac:spMk id="2" creationId="{31B75992-5098-A283-4925-2CCEBB801DC5}"/>
-          </ac:spMkLst>
-        </pc:spChg>
-        <pc:spChg chg="mod">
-          <ac:chgData name="Gibbons, Carl" userId="d2b037bc-8fb4-4222-845c-61440543a456" providerId="ADAL" clId="{4505F98C-4CC4-4983-9729-597D2A150C85}" dt="2023-12-29T01:50:54.342" v="15124" actId="20577"/>
-          <ac:spMkLst>
-            <pc:docMk/>
-            <pc:sldMk cId="2784625941" sldId="289"/>
-            <ac:spMk id="3" creationId="{B5924E0F-A977-1710-779D-EEB74261AF34}"/>
-          </ac:spMkLst>
-        </pc:spChg>
-      </pc:sldChg>
-      <pc:sldChg chg="del">
-        <pc:chgData name="Gibbons, Carl" userId="d2b037bc-8fb4-4222-845c-61440543a456" providerId="ADAL" clId="{4505F98C-4CC4-4983-9729-597D2A150C85}" dt="2023-12-28T22:17:05.773" v="1696" actId="47"/>
-        <pc:sldMkLst>
-          <pc:docMk/>
-          <pc:sldMk cId="2966054478" sldId="289"/>
-        </pc:sldMkLst>
-      </pc:sldChg>
-      <pc:sldChg chg="del">
-        <pc:chgData name="Gibbons, Carl" userId="d2b037bc-8fb4-4222-845c-61440543a456" providerId="ADAL" clId="{4505F98C-4CC4-4983-9729-597D2A150C85}" dt="2023-12-28T22:17:13.315" v="1703" actId="47"/>
-        <pc:sldMkLst>
-          <pc:docMk/>
-          <pc:sldMk cId="1014272238" sldId="290"/>
-        </pc:sldMkLst>
-      </pc:sldChg>
-      <pc:sldChg chg="modSp add mod">
-        <pc:chgData name="Gibbons, Carl" userId="d2b037bc-8fb4-4222-845c-61440543a456" providerId="ADAL" clId="{4505F98C-4CC4-4983-9729-597D2A150C85}" dt="2023-12-29T01:50:36.539" v="15123" actId="20577"/>
-        <pc:sldMkLst>
-          <pc:docMk/>
-          <pc:sldMk cId="1677974689" sldId="290"/>
-        </pc:sldMkLst>
-        <pc:spChg chg="mod">
-          <ac:chgData name="Gibbons, Carl" userId="d2b037bc-8fb4-4222-845c-61440543a456" providerId="ADAL" clId="{4505F98C-4CC4-4983-9729-597D2A150C85}" dt="2023-12-29T01:37:36.931" v="14365" actId="20577"/>
-          <ac:spMkLst>
-            <pc:docMk/>
-            <pc:sldMk cId="1677974689" sldId="290"/>
-            <ac:spMk id="2" creationId="{31B75992-5098-A283-4925-2CCEBB801DC5}"/>
-          </ac:spMkLst>
-        </pc:spChg>
-        <pc:spChg chg="mod">
-          <ac:chgData name="Gibbons, Carl" userId="d2b037bc-8fb4-4222-845c-61440543a456" providerId="ADAL" clId="{4505F98C-4CC4-4983-9729-597D2A150C85}" dt="2023-12-29T01:50:36.539" v="15123" actId="20577"/>
-          <ac:spMkLst>
-            <pc:docMk/>
-            <pc:sldMk cId="1677974689" sldId="290"/>
-            <ac:spMk id="3" creationId="{B5924E0F-A977-1710-779D-EEB74261AF34}"/>
-          </ac:spMkLst>
-        </pc:spChg>
-      </pc:sldChg>
-      <pc:sldChg chg="del">
-        <pc:chgData name="Gibbons, Carl" userId="d2b037bc-8fb4-4222-845c-61440543a456" providerId="ADAL" clId="{4505F98C-4CC4-4983-9729-597D2A150C85}" dt="2023-12-28T22:17:05.079" v="1695" actId="47"/>
-        <pc:sldMkLst>
-          <pc:docMk/>
-          <pc:sldMk cId="3689580349" sldId="291"/>
-        </pc:sldMkLst>
-      </pc:sldChg>
-      <pc:sldChg chg="modSp add mod">
-        <pc:chgData name="Gibbons, Carl" userId="d2b037bc-8fb4-4222-845c-61440543a456" providerId="ADAL" clId="{4505F98C-4CC4-4983-9729-597D2A150C85}" dt="2023-12-29T02:03:57.372" v="16335" actId="20577"/>
-        <pc:sldMkLst>
-          <pc:docMk/>
-          <pc:sldMk cId="4219326696" sldId="291"/>
-        </pc:sldMkLst>
-        <pc:spChg chg="mod">
-          <ac:chgData name="Gibbons, Carl" userId="d2b037bc-8fb4-4222-845c-61440543a456" providerId="ADAL" clId="{4505F98C-4CC4-4983-9729-597D2A150C85}" dt="2023-12-29T01:51:52.820" v="15161" actId="20577"/>
-          <ac:spMkLst>
-            <pc:docMk/>
-            <pc:sldMk cId="4219326696" sldId="291"/>
-            <ac:spMk id="2" creationId="{31B75992-5098-A283-4925-2CCEBB801DC5}"/>
-          </ac:spMkLst>
-        </pc:spChg>
-        <pc:spChg chg="mod">
-          <ac:chgData name="Gibbons, Carl" userId="d2b037bc-8fb4-4222-845c-61440543a456" providerId="ADAL" clId="{4505F98C-4CC4-4983-9729-597D2A150C85}" dt="2023-12-29T02:03:57.372" v="16335" actId="20577"/>
-          <ac:spMkLst>
-            <pc:docMk/>
-            <pc:sldMk cId="4219326696" sldId="291"/>
-            <ac:spMk id="3" creationId="{B5924E0F-A977-1710-779D-EEB74261AF34}"/>
-          </ac:spMkLst>
-        </pc:spChg>
-      </pc:sldChg>
-      <pc:sldChg chg="modSp add mod">
-        <pc:chgData name="Gibbons, Carl" userId="d2b037bc-8fb4-4222-845c-61440543a456" providerId="ADAL" clId="{4505F98C-4CC4-4983-9729-597D2A150C85}" dt="2023-12-29T02:16:48.887" v="17543" actId="20577"/>
-        <pc:sldMkLst>
-          <pc:docMk/>
-          <pc:sldMk cId="33911121" sldId="292"/>
-        </pc:sldMkLst>
-        <pc:spChg chg="mod">
-          <ac:chgData name="Gibbons, Carl" userId="d2b037bc-8fb4-4222-845c-61440543a456" providerId="ADAL" clId="{4505F98C-4CC4-4983-9729-597D2A150C85}" dt="2023-12-29T02:06:26.879" v="16405" actId="20577"/>
-          <ac:spMkLst>
-            <pc:docMk/>
-            <pc:sldMk cId="33911121" sldId="292"/>
+            <pc:sldMk cId="1322372106" sldId="274"/>
             <ac:spMk id="2" creationId="{1862E903-3C56-BB42-2361-009F2336475A}"/>
           </ac:spMkLst>
         </pc:spChg>
         <pc:spChg chg="mod">
-          <ac:chgData name="Gibbons, Carl" userId="d2b037bc-8fb4-4222-845c-61440543a456" providerId="ADAL" clId="{4505F98C-4CC4-4983-9729-597D2A150C85}" dt="2023-12-29T02:16:48.887" v="17543" actId="20577"/>
+          <ac:chgData name="Talbert, Matthew" userId="877a4118-3f16-4ac9-a72c-5dd2c7b28c85" providerId="ADAL" clId="{CADF7B3F-11A9-4AF9-ACAB-9CCA7ECC2061}" dt="2024-11-22T00:00:22.017" v="551" actId="12788"/>
           <ac:spMkLst>
             <pc:docMk/>
-            <pc:sldMk cId="33911121" sldId="292"/>
-            <ac:spMk id="3" creationId="{90179172-96B3-95D0-A137-257770BE7642}"/>
-          </ac:spMkLst>
-        </pc:spChg>
-      </pc:sldChg>
-      <pc:sldChg chg="del">
-        <pc:chgData name="Gibbons, Carl" userId="d2b037bc-8fb4-4222-845c-61440543a456" providerId="ADAL" clId="{4505F98C-4CC4-4983-9729-597D2A150C85}" dt="2023-12-28T22:17:14.720" v="1704" actId="47"/>
-        <pc:sldMkLst>
-          <pc:docMk/>
-          <pc:sldMk cId="2738411615" sldId="292"/>
-        </pc:sldMkLst>
-      </pc:sldChg>
-      <pc:sldChg chg="del">
-        <pc:chgData name="Gibbons, Carl" userId="d2b037bc-8fb4-4222-845c-61440543a456" providerId="ADAL" clId="{4505F98C-4CC4-4983-9729-597D2A150C85}" dt="2023-12-28T22:17:04.103" v="1694" actId="47"/>
-        <pc:sldMkLst>
-          <pc:docMk/>
-          <pc:sldMk cId="852415543" sldId="293"/>
-        </pc:sldMkLst>
-      </pc:sldChg>
-    </pc:docChg>
-  </pc:docChgLst>
-  <pc:docChgLst>
-    <pc:chgData name="Gibbons, Carl" userId="d2b037bc-8fb4-4222-845c-61440543a456" providerId="ADAL" clId="{3D73FC3D-A932-426E-A7E0-475220CAB957}"/>
-    <pc:docChg chg="undo redo custSel addSld delSld modSld">
-      <pc:chgData name="Gibbons, Carl" userId="d2b037bc-8fb4-4222-845c-61440543a456" providerId="ADAL" clId="{3D73FC3D-A932-426E-A7E0-475220CAB957}" dt="2023-12-24T03:24:28.415" v="11663" actId="20577"/>
-      <pc:docMkLst>
-        <pc:docMk/>
-      </pc:docMkLst>
-      <pc:sldChg chg="modSp mod">
-        <pc:chgData name="Gibbons, Carl" userId="d2b037bc-8fb4-4222-845c-61440543a456" providerId="ADAL" clId="{3D73FC3D-A932-426E-A7E0-475220CAB957}" dt="2023-12-23T23:38:20.022" v="49" actId="20577"/>
-        <pc:sldMkLst>
-          <pc:docMk/>
-          <pc:sldMk cId="3308175748" sldId="256"/>
-        </pc:sldMkLst>
-        <pc:spChg chg="mod">
-          <ac:chgData name="Gibbons, Carl" userId="d2b037bc-8fb4-4222-845c-61440543a456" providerId="ADAL" clId="{3D73FC3D-A932-426E-A7E0-475220CAB957}" dt="2023-12-23T23:38:20.022" v="49" actId="20577"/>
-          <ac:spMkLst>
-            <pc:docMk/>
-            <pc:sldMk cId="3308175748" sldId="256"/>
-            <ac:spMk id="3" creationId="{EEC4D41B-E776-05F2-BE0B-89BB339485AB}"/>
-          </ac:spMkLst>
-        </pc:spChg>
-      </pc:sldChg>
-      <pc:sldChg chg="modSp mod">
-        <pc:chgData name="Gibbons, Carl" userId="d2b037bc-8fb4-4222-845c-61440543a456" providerId="ADAL" clId="{3D73FC3D-A932-426E-A7E0-475220CAB957}" dt="2023-12-24T01:13:09.893" v="3743" actId="20577"/>
-        <pc:sldMkLst>
-          <pc:docMk/>
-          <pc:sldMk cId="519357719" sldId="260"/>
-        </pc:sldMkLst>
-        <pc:spChg chg="mod">
-          <ac:chgData name="Gibbons, Carl" userId="d2b037bc-8fb4-4222-845c-61440543a456" providerId="ADAL" clId="{3D73FC3D-A932-426E-A7E0-475220CAB957}" dt="2023-12-24T00:45:38.249" v="1787" actId="20577"/>
-          <ac:spMkLst>
-            <pc:docMk/>
-            <pc:sldMk cId="519357719" sldId="260"/>
-            <ac:spMk id="2" creationId="{E8E7C5B6-3D55-D6F8-C2DE-9B6E32C23A9C}"/>
-          </ac:spMkLst>
-        </pc:spChg>
-        <pc:spChg chg="mod">
-          <ac:chgData name="Gibbons, Carl" userId="d2b037bc-8fb4-4222-845c-61440543a456" providerId="ADAL" clId="{3D73FC3D-A932-426E-A7E0-475220CAB957}" dt="2023-12-24T01:13:09.893" v="3743" actId="20577"/>
-          <ac:spMkLst>
-            <pc:docMk/>
-            <pc:sldMk cId="519357719" sldId="260"/>
-            <ac:spMk id="3" creationId="{17D02A72-79B4-B4A1-5F2B-4922B2F25909}"/>
-          </ac:spMkLst>
-        </pc:spChg>
-      </pc:sldChg>
-      <pc:sldChg chg="addSp modSp mod">
-        <pc:chgData name="Gibbons, Carl" userId="d2b037bc-8fb4-4222-845c-61440543a456" providerId="ADAL" clId="{3D73FC3D-A932-426E-A7E0-475220CAB957}" dt="2023-12-24T00:00:09.105" v="711" actId="20577"/>
-        <pc:sldMkLst>
-          <pc:docMk/>
-          <pc:sldMk cId="2312486803" sldId="261"/>
-        </pc:sldMkLst>
-        <pc:spChg chg="mod">
-          <ac:chgData name="Gibbons, Carl" userId="d2b037bc-8fb4-4222-845c-61440543a456" providerId="ADAL" clId="{3D73FC3D-A932-426E-A7E0-475220CAB957}" dt="2023-12-23T23:50:04.782" v="85" actId="20577"/>
-          <ac:spMkLst>
-            <pc:docMk/>
-            <pc:sldMk cId="2312486803" sldId="261"/>
-            <ac:spMk id="2" creationId="{31B75992-5098-A283-4925-2CCEBB801DC5}"/>
-          </ac:spMkLst>
-        </pc:spChg>
-        <pc:spChg chg="mod">
-          <ac:chgData name="Gibbons, Carl" userId="d2b037bc-8fb4-4222-845c-61440543a456" providerId="ADAL" clId="{3D73FC3D-A932-426E-A7E0-475220CAB957}" dt="2023-12-24T00:00:09.105" v="711" actId="20577"/>
-          <ac:spMkLst>
-            <pc:docMk/>
-            <pc:sldMk cId="2312486803" sldId="261"/>
-            <ac:spMk id="3" creationId="{B5924E0F-A977-1710-779D-EEB74261AF34}"/>
-          </ac:spMkLst>
-        </pc:spChg>
-        <pc:picChg chg="add mod">
-          <ac:chgData name="Gibbons, Carl" userId="d2b037bc-8fb4-4222-845c-61440543a456" providerId="ADAL" clId="{3D73FC3D-A932-426E-A7E0-475220CAB957}" dt="2023-12-23T23:51:02.278" v="91" actId="1076"/>
-          <ac:picMkLst>
-            <pc:docMk/>
-            <pc:sldMk cId="2312486803" sldId="261"/>
-            <ac:picMk id="5" creationId="{95F1B758-8221-A28F-F68D-1A79ADBC274D}"/>
-          </ac:picMkLst>
-        </pc:picChg>
-      </pc:sldChg>
-      <pc:sldChg chg="modSp mod">
-        <pc:chgData name="Gibbons, Carl" userId="d2b037bc-8fb4-4222-845c-61440543a456" providerId="ADAL" clId="{3D73FC3D-A932-426E-A7E0-475220CAB957}" dt="2023-12-24T00:44:00.546" v="1681" actId="20577"/>
-        <pc:sldMkLst>
-          <pc:docMk/>
-          <pc:sldMk cId="378743348" sldId="270"/>
-        </pc:sldMkLst>
-        <pc:spChg chg="mod">
-          <ac:chgData name="Gibbons, Carl" userId="d2b037bc-8fb4-4222-845c-61440543a456" providerId="ADAL" clId="{3D73FC3D-A932-426E-A7E0-475220CAB957}" dt="2023-12-24T00:42:29.049" v="1647" actId="114"/>
-          <ac:spMkLst>
-            <pc:docMk/>
-            <pc:sldMk cId="378743348" sldId="270"/>
-            <ac:spMk id="2" creationId="{C5822466-AC61-5579-F313-7B8A3FE65CC8}"/>
-          </ac:spMkLst>
-        </pc:spChg>
-        <pc:spChg chg="mod">
-          <ac:chgData name="Gibbons, Carl" userId="d2b037bc-8fb4-4222-845c-61440543a456" providerId="ADAL" clId="{3D73FC3D-A932-426E-A7E0-475220CAB957}" dt="2023-12-24T00:44:00.546" v="1681" actId="20577"/>
-          <ac:spMkLst>
-            <pc:docMk/>
-            <pc:sldMk cId="378743348" sldId="270"/>
-            <ac:spMk id="3" creationId="{80041865-9773-290D-EB35-F8AF8BFC505C}"/>
-          </ac:spMkLst>
-        </pc:spChg>
-      </pc:sldChg>
-      <pc:sldChg chg="modSp mod">
-        <pc:chgData name="Gibbons, Carl" userId="d2b037bc-8fb4-4222-845c-61440543a456" providerId="ADAL" clId="{3D73FC3D-A932-426E-A7E0-475220CAB957}" dt="2023-12-24T03:24:28.415" v="11663" actId="20577"/>
-        <pc:sldMkLst>
-          <pc:docMk/>
-          <pc:sldMk cId="657795359" sldId="277"/>
-        </pc:sldMkLst>
-        <pc:spChg chg="mod">
-          <ac:chgData name="Gibbons, Carl" userId="d2b037bc-8fb4-4222-845c-61440543a456" providerId="ADAL" clId="{3D73FC3D-A932-426E-A7E0-475220CAB957}" dt="2023-12-24T03:22:59.669" v="11407" actId="20577"/>
-          <ac:spMkLst>
-            <pc:docMk/>
-            <pc:sldMk cId="657795359" sldId="277"/>
-            <ac:spMk id="2" creationId="{1862E903-3C56-BB42-2361-009F2336475A}"/>
-          </ac:spMkLst>
-        </pc:spChg>
-        <pc:spChg chg="mod">
-          <ac:chgData name="Gibbons, Carl" userId="d2b037bc-8fb4-4222-845c-61440543a456" providerId="ADAL" clId="{3D73FC3D-A932-426E-A7E0-475220CAB957}" dt="2023-12-24T03:24:28.415" v="11663" actId="20577"/>
-          <ac:spMkLst>
-            <pc:docMk/>
-            <pc:sldMk cId="657795359" sldId="277"/>
+            <pc:sldMk cId="1322372106" sldId="274"/>
             <ac:spMk id="3" creationId="{90179172-96B3-95D0-A137-257770BE7642}"/>
           </ac:spMkLst>
         </pc:spChg>
       </pc:sldChg>
       <pc:sldChg chg="modSp mod">
-        <pc:chgData name="Gibbons, Carl" userId="d2b037bc-8fb4-4222-845c-61440543a456" providerId="ADAL" clId="{3D73FC3D-A932-426E-A7E0-475220CAB957}" dt="2023-12-24T01:34:56.666" v="4550" actId="20577"/>
+        <pc:chgData name="Talbert, Matthew" userId="877a4118-3f16-4ac9-a72c-5dd2c7b28c85" providerId="ADAL" clId="{CADF7B3F-11A9-4AF9-ACAB-9CCA7ECC2061}" dt="2024-11-22T00:00:24.430" v="552" actId="12788"/>
         <pc:sldMkLst>
           <pc:docMk/>
-          <pc:sldMk cId="376509629" sldId="278"/>
+          <pc:sldMk cId="3130736821" sldId="275"/>
         </pc:sldMkLst>
         <pc:spChg chg="mod">
-          <ac:chgData name="Gibbons, Carl" userId="d2b037bc-8fb4-4222-845c-61440543a456" providerId="ADAL" clId="{3D73FC3D-A932-426E-A7E0-475220CAB957}" dt="2023-12-24T01:29:35.543" v="4429" actId="20577"/>
+          <ac:chgData name="Talbert, Matthew" userId="877a4118-3f16-4ac9-a72c-5dd2c7b28c85" providerId="ADAL" clId="{CADF7B3F-11A9-4AF9-ACAB-9CCA7ECC2061}" dt="2024-11-22T00:00:24.430" v="552" actId="12788"/>
           <ac:spMkLst>
             <pc:docMk/>
-            <pc:sldMk cId="376509629" sldId="278"/>
-            <ac:spMk id="2" creationId="{E8E7C5B6-3D55-D6F8-C2DE-9B6E32C23A9C}"/>
+            <pc:sldMk cId="3130736821" sldId="275"/>
+            <ac:spMk id="2" creationId="{1862E903-3C56-BB42-2361-009F2336475A}"/>
           </ac:spMkLst>
         </pc:spChg>
         <pc:spChg chg="mod">
-          <ac:chgData name="Gibbons, Carl" userId="d2b037bc-8fb4-4222-845c-61440543a456" providerId="ADAL" clId="{3D73FC3D-A932-426E-A7E0-475220CAB957}" dt="2023-12-24T01:34:56.666" v="4550" actId="20577"/>
+          <ac:chgData name="Talbert, Matthew" userId="877a4118-3f16-4ac9-a72c-5dd2c7b28c85" providerId="ADAL" clId="{CADF7B3F-11A9-4AF9-ACAB-9CCA7ECC2061}" dt="2024-11-22T00:00:24.430" v="552" actId="12788"/>
           <ac:spMkLst>
             <pc:docMk/>
-            <pc:sldMk cId="376509629" sldId="278"/>
-            <ac:spMk id="3" creationId="{17D02A72-79B4-B4A1-5F2B-4922B2F25909}"/>
-          </ac:spMkLst>
-        </pc:spChg>
-      </pc:sldChg>
-      <pc:sldChg chg="modSp add mod">
-        <pc:chgData name="Gibbons, Carl" userId="d2b037bc-8fb4-4222-845c-61440543a456" providerId="ADAL" clId="{3D73FC3D-A932-426E-A7E0-475220CAB957}" dt="2023-12-24T01:50:22.304" v="5579" actId="20577"/>
-        <pc:sldMkLst>
-          <pc:docMk/>
-          <pc:sldMk cId="3153831418" sldId="279"/>
-        </pc:sldMkLst>
-        <pc:spChg chg="mod">
-          <ac:chgData name="Gibbons, Carl" userId="d2b037bc-8fb4-4222-845c-61440543a456" providerId="ADAL" clId="{3D73FC3D-A932-426E-A7E0-475220CAB957}" dt="2023-12-24T01:36:49.541" v="4576" actId="20577"/>
-          <ac:spMkLst>
-            <pc:docMk/>
-            <pc:sldMk cId="3153831418" sldId="279"/>
-            <ac:spMk id="2" creationId="{E8E7C5B6-3D55-D6F8-C2DE-9B6E32C23A9C}"/>
-          </ac:spMkLst>
-        </pc:spChg>
-        <pc:spChg chg="mod">
-          <ac:chgData name="Gibbons, Carl" userId="d2b037bc-8fb4-4222-845c-61440543a456" providerId="ADAL" clId="{3D73FC3D-A932-426E-A7E0-475220CAB957}" dt="2023-12-24T01:50:22.304" v="5579" actId="20577"/>
-          <ac:spMkLst>
-            <pc:docMk/>
-            <pc:sldMk cId="3153831418" sldId="279"/>
-            <ac:spMk id="3" creationId="{17D02A72-79B4-B4A1-5F2B-4922B2F25909}"/>
-          </ac:spMkLst>
-        </pc:spChg>
-      </pc:sldChg>
-      <pc:sldChg chg="del">
-        <pc:chgData name="Gibbons, Carl" userId="d2b037bc-8fb4-4222-845c-61440543a456" providerId="ADAL" clId="{3D73FC3D-A932-426E-A7E0-475220CAB957}" dt="2023-12-24T01:36:36.846" v="4551"/>
-        <pc:sldMkLst>
-          <pc:docMk/>
-          <pc:sldMk cId="3319441950" sldId="279"/>
-        </pc:sldMkLst>
-      </pc:sldChg>
-      <pc:sldChg chg="addSp delSp modSp mod">
-        <pc:chgData name="Gibbons, Carl" userId="d2b037bc-8fb4-4222-845c-61440543a456" providerId="ADAL" clId="{3D73FC3D-A932-426E-A7E0-475220CAB957}" dt="2023-12-24T02:38:37.357" v="8076" actId="22"/>
-        <pc:sldMkLst>
-          <pc:docMk/>
-          <pc:sldMk cId="1730491475" sldId="280"/>
-        </pc:sldMkLst>
-        <pc:spChg chg="mod">
-          <ac:chgData name="Gibbons, Carl" userId="d2b037bc-8fb4-4222-845c-61440543a456" providerId="ADAL" clId="{3D73FC3D-A932-426E-A7E0-475220CAB957}" dt="2023-12-24T01:50:32.554" v="5581" actId="20577"/>
-          <ac:spMkLst>
-            <pc:docMk/>
-            <pc:sldMk cId="1730491475" sldId="280"/>
-            <ac:spMk id="2" creationId="{E8E7C5B6-3D55-D6F8-C2DE-9B6E32C23A9C}"/>
-          </ac:spMkLst>
-        </pc:spChg>
-        <pc:spChg chg="mod">
-          <ac:chgData name="Gibbons, Carl" userId="d2b037bc-8fb4-4222-845c-61440543a456" providerId="ADAL" clId="{3D73FC3D-A932-426E-A7E0-475220CAB957}" dt="2023-12-24T02:35:28.836" v="8074" actId="12"/>
-          <ac:spMkLst>
-            <pc:docMk/>
-            <pc:sldMk cId="1730491475" sldId="280"/>
-            <ac:spMk id="3" creationId="{17D02A72-79B4-B4A1-5F2B-4922B2F25909}"/>
-          </ac:spMkLst>
-        </pc:spChg>
-        <pc:spChg chg="add del">
-          <ac:chgData name="Gibbons, Carl" userId="d2b037bc-8fb4-4222-845c-61440543a456" providerId="ADAL" clId="{3D73FC3D-A932-426E-A7E0-475220CAB957}" dt="2023-12-24T02:38:37.357" v="8076" actId="22"/>
-          <ac:spMkLst>
-            <pc:docMk/>
-            <pc:sldMk cId="1730491475" sldId="280"/>
-            <ac:spMk id="5" creationId="{8BB9020B-ED8A-501F-CC80-C270A0022D15}"/>
+            <pc:sldMk cId="3130736821" sldId="275"/>
+            <ac:spMk id="3" creationId="{90179172-96B3-95D0-A137-257770BE7642}"/>
           </ac:spMkLst>
         </pc:spChg>
       </pc:sldChg>
       <pc:sldChg chg="modSp mod">
-        <pc:chgData name="Gibbons, Carl" userId="d2b037bc-8fb4-4222-845c-61440543a456" providerId="ADAL" clId="{3D73FC3D-A932-426E-A7E0-475220CAB957}" dt="2023-12-24T03:05:20.109" v="10364" actId="20577"/>
+        <pc:chgData name="Talbert, Matthew" userId="877a4118-3f16-4ac9-a72c-5dd2c7b28c85" providerId="ADAL" clId="{CADF7B3F-11A9-4AF9-ACAB-9CCA7ECC2061}" dt="2024-11-22T00:00:29.891" v="553" actId="12788"/>
         <pc:sldMkLst>
           <pc:docMk/>
-          <pc:sldMk cId="2142935958" sldId="281"/>
+          <pc:sldMk cId="657795359" sldId="276"/>
         </pc:sldMkLst>
         <pc:spChg chg="mod">
-          <ac:chgData name="Gibbons, Carl" userId="d2b037bc-8fb4-4222-845c-61440543a456" providerId="ADAL" clId="{3D73FC3D-A932-426E-A7E0-475220CAB957}" dt="2023-12-24T02:43:01.996" v="8436" actId="20577"/>
+          <ac:chgData name="Talbert, Matthew" userId="877a4118-3f16-4ac9-a72c-5dd2c7b28c85" providerId="ADAL" clId="{CADF7B3F-11A9-4AF9-ACAB-9CCA7ECC2061}" dt="2024-11-22T00:00:29.891" v="553" actId="12788"/>
           <ac:spMkLst>
             <pc:docMk/>
-            <pc:sldMk cId="2142935958" sldId="281"/>
-            <ac:spMk id="2" creationId="{E8E7C5B6-3D55-D6F8-C2DE-9B6E32C23A9C}"/>
+            <pc:sldMk cId="657795359" sldId="276"/>
+            <ac:spMk id="2" creationId="{1862E903-3C56-BB42-2361-009F2336475A}"/>
           </ac:spMkLst>
         </pc:spChg>
         <pc:spChg chg="mod">
-          <ac:chgData name="Gibbons, Carl" userId="d2b037bc-8fb4-4222-845c-61440543a456" providerId="ADAL" clId="{3D73FC3D-A932-426E-A7E0-475220CAB957}" dt="2023-12-24T03:05:20.109" v="10364" actId="20577"/>
+          <ac:chgData name="Talbert, Matthew" userId="877a4118-3f16-4ac9-a72c-5dd2c7b28c85" providerId="ADAL" clId="{CADF7B3F-11A9-4AF9-ACAB-9CCA7ECC2061}" dt="2024-11-22T00:00:29.891" v="553" actId="12788"/>
           <ac:spMkLst>
             <pc:docMk/>
-            <pc:sldMk cId="2142935958" sldId="281"/>
-            <ac:spMk id="3" creationId="{17D02A72-79B4-B4A1-5F2B-4922B2F25909}"/>
+            <pc:sldMk cId="657795359" sldId="276"/>
+            <ac:spMk id="3" creationId="{90179172-96B3-95D0-A137-257770BE7642}"/>
           </ac:spMkLst>
         </pc:spChg>
       </pc:sldChg>
       <pc:sldChg chg="modSp mod">
-        <pc:chgData name="Gibbons, Carl" userId="d2b037bc-8fb4-4222-845c-61440543a456" providerId="ADAL" clId="{3D73FC3D-A932-426E-A7E0-475220CAB957}" dt="2023-12-24T03:22:15.893" v="11397" actId="2711"/>
+        <pc:chgData name="Talbert, Matthew" userId="877a4118-3f16-4ac9-a72c-5dd2c7b28c85" providerId="ADAL" clId="{CADF7B3F-11A9-4AF9-ACAB-9CCA7ECC2061}" dt="2024-11-22T00:00:47.312" v="565" actId="12788"/>
         <pc:sldMkLst>
           <pc:docMk/>
-          <pc:sldMk cId="1371681654" sldId="282"/>
+          <pc:sldMk cId="3395791171" sldId="277"/>
         </pc:sldMkLst>
         <pc:spChg chg="mod">
-          <ac:chgData name="Gibbons, Carl" userId="d2b037bc-8fb4-4222-845c-61440543a456" providerId="ADAL" clId="{3D73FC3D-A932-426E-A7E0-475220CAB957}" dt="2023-12-24T03:12:22.296" v="10563" actId="1036"/>
+          <ac:chgData name="Talbert, Matthew" userId="877a4118-3f16-4ac9-a72c-5dd2c7b28c85" providerId="ADAL" clId="{CADF7B3F-11A9-4AF9-ACAB-9CCA7ECC2061}" dt="2024-11-22T00:00:47.312" v="565" actId="12788"/>
           <ac:spMkLst>
             <pc:docMk/>
-            <pc:sldMk cId="1371681654" sldId="282"/>
-            <ac:spMk id="2" creationId="{E8E7C5B6-3D55-D6F8-C2DE-9B6E32C23A9C}"/>
+            <pc:sldMk cId="3395791171" sldId="277"/>
+            <ac:spMk id="2" creationId="{1862E903-3C56-BB42-2361-009F2336475A}"/>
           </ac:spMkLst>
         </pc:spChg>
         <pc:spChg chg="mod">
-          <ac:chgData name="Gibbons, Carl" userId="d2b037bc-8fb4-4222-845c-61440543a456" providerId="ADAL" clId="{3D73FC3D-A932-426E-A7E0-475220CAB957}" dt="2023-12-24T03:22:15.893" v="11397" actId="2711"/>
+          <ac:chgData name="Talbert, Matthew" userId="877a4118-3f16-4ac9-a72c-5dd2c7b28c85" providerId="ADAL" clId="{CADF7B3F-11A9-4AF9-ACAB-9CCA7ECC2061}" dt="2024-11-22T00:00:47.312" v="565" actId="12788"/>
           <ac:spMkLst>
             <pc:docMk/>
-            <pc:sldMk cId="1371681654" sldId="282"/>
-            <ac:spMk id="3" creationId="{17D02A72-79B4-B4A1-5F2B-4922B2F25909}"/>
-          </ac:spMkLst>
-        </pc:spChg>
-      </pc:sldChg>
-    </pc:docChg>
-  </pc:docChgLst>
-  <pc:docChgLst>
-    <pc:chgData name="Gibbons, Carl" userId="d2b037bc-8fb4-4222-845c-61440543a456" providerId="ADAL" clId="{7B5B51BB-EDBF-4DA9-A87C-3EE01BE9AC5A}"/>
-    <pc:docChg chg="undo custSel addSld delSld modSld sldOrd">
-      <pc:chgData name="Gibbons, Carl" userId="d2b037bc-8fb4-4222-845c-61440543a456" providerId="ADAL" clId="{7B5B51BB-EDBF-4DA9-A87C-3EE01BE9AC5A}" dt="2024-05-17T16:24:51.194" v="12020" actId="20577"/>
-      <pc:docMkLst>
-        <pc:docMk/>
-      </pc:docMkLst>
-      <pc:sldChg chg="modSp mod">
-        <pc:chgData name="Gibbons, Carl" userId="d2b037bc-8fb4-4222-845c-61440543a456" providerId="ADAL" clId="{7B5B51BB-EDBF-4DA9-A87C-3EE01BE9AC5A}" dt="2024-05-17T16:01:32.937" v="11949" actId="20577"/>
-        <pc:sldMkLst>
-          <pc:docMk/>
-          <pc:sldMk cId="2312486803" sldId="261"/>
-        </pc:sldMkLst>
-        <pc:spChg chg="mod">
-          <ac:chgData name="Gibbons, Carl" userId="d2b037bc-8fb4-4222-845c-61440543a456" providerId="ADAL" clId="{7B5B51BB-EDBF-4DA9-A87C-3EE01BE9AC5A}" dt="2024-05-17T16:01:32.937" v="11949" actId="20577"/>
-          <ac:spMkLst>
-            <pc:docMk/>
-            <pc:sldMk cId="2312486803" sldId="261"/>
-            <ac:spMk id="3" creationId="{B5924E0F-A977-1710-779D-EEB74261AF34}"/>
+            <pc:sldMk cId="3395791171" sldId="277"/>
+            <ac:spMk id="3" creationId="{90179172-96B3-95D0-A137-257770BE7642}"/>
           </ac:spMkLst>
         </pc:spChg>
       </pc:sldChg>
       <pc:sldChg chg="modSp mod">
-        <pc:chgData name="Gibbons, Carl" userId="d2b037bc-8fb4-4222-845c-61440543a456" providerId="ADAL" clId="{7B5B51BB-EDBF-4DA9-A87C-3EE01BE9AC5A}" dt="2024-05-17T01:52:22.150" v="8216" actId="20577"/>
+        <pc:chgData name="Talbert, Matthew" userId="877a4118-3f16-4ac9-a72c-5dd2c7b28c85" providerId="ADAL" clId="{CADF7B3F-11A9-4AF9-ACAB-9CCA7ECC2061}" dt="2024-11-22T00:01:00.728" v="580" actId="1036"/>
         <pc:sldMkLst>
           <pc:docMk/>
-          <pc:sldMk cId="3798299007" sldId="274"/>
+          <pc:sldMk cId="2019361039" sldId="278"/>
         </pc:sldMkLst>
         <pc:spChg chg="mod">
-          <ac:chgData name="Gibbons, Carl" userId="d2b037bc-8fb4-4222-845c-61440543a456" providerId="ADAL" clId="{7B5B51BB-EDBF-4DA9-A87C-3EE01BE9AC5A}" dt="2024-05-17T01:22:07.337" v="7608" actId="20577"/>
+          <ac:chgData name="Talbert, Matthew" userId="877a4118-3f16-4ac9-a72c-5dd2c7b28c85" providerId="ADAL" clId="{CADF7B3F-11A9-4AF9-ACAB-9CCA7ECC2061}" dt="2024-11-22T00:01:00.728" v="580" actId="1036"/>
           <ac:spMkLst>
             <pc:docMk/>
-            <pc:sldMk cId="3798299007" sldId="274"/>
+            <pc:sldMk cId="2019361039" sldId="278"/>
+            <ac:spMk id="2" creationId="{1862E903-3C56-BB42-2361-009F2336475A}"/>
+          </ac:spMkLst>
+        </pc:spChg>
+        <pc:spChg chg="mod">
+          <ac:chgData name="Talbert, Matthew" userId="877a4118-3f16-4ac9-a72c-5dd2c7b28c85" providerId="ADAL" clId="{CADF7B3F-11A9-4AF9-ACAB-9CCA7ECC2061}" dt="2024-11-22T00:00:55.778" v="569" actId="1036"/>
+          <ac:spMkLst>
+            <pc:docMk/>
+            <pc:sldMk cId="2019361039" sldId="278"/>
+            <ac:spMk id="3" creationId="{90179172-96B3-95D0-A137-257770BE7642}"/>
+          </ac:spMkLst>
+        </pc:spChg>
+      </pc:sldChg>
+      <pc:sldChg chg="modSp mod">
+        <pc:chgData name="Talbert, Matthew" userId="877a4118-3f16-4ac9-a72c-5dd2c7b28c85" providerId="ADAL" clId="{CADF7B3F-11A9-4AF9-ACAB-9CCA7ECC2061}" dt="2024-11-22T00:01:39.344" v="647" actId="1035"/>
+        <pc:sldMkLst>
+          <pc:docMk/>
+          <pc:sldMk cId="1101538689" sldId="279"/>
+        </pc:sldMkLst>
+        <pc:spChg chg="mod">
+          <ac:chgData name="Talbert, Matthew" userId="877a4118-3f16-4ac9-a72c-5dd2c7b28c85" providerId="ADAL" clId="{CADF7B3F-11A9-4AF9-ACAB-9CCA7ECC2061}" dt="2024-11-22T00:01:39.344" v="647" actId="1035"/>
+          <ac:spMkLst>
+            <pc:docMk/>
+            <pc:sldMk cId="1101538689" sldId="279"/>
+            <ac:spMk id="2" creationId="{1862E903-3C56-BB42-2361-009F2336475A}"/>
+          </ac:spMkLst>
+        </pc:spChg>
+        <pc:spChg chg="mod">
+          <ac:chgData name="Talbert, Matthew" userId="877a4118-3f16-4ac9-a72c-5dd2c7b28c85" providerId="ADAL" clId="{CADF7B3F-11A9-4AF9-ACAB-9CCA7ECC2061}" dt="2024-11-22T00:01:33.648" v="641" actId="1035"/>
+          <ac:spMkLst>
+            <pc:docMk/>
+            <pc:sldMk cId="1101538689" sldId="279"/>
+            <ac:spMk id="3" creationId="{90179172-96B3-95D0-A137-257770BE7642}"/>
+          </ac:spMkLst>
+        </pc:spChg>
+      </pc:sldChg>
+      <pc:sldChg chg="modSp mod">
+        <pc:chgData name="Talbert, Matthew" userId="877a4118-3f16-4ac9-a72c-5dd2c7b28c85" providerId="ADAL" clId="{CADF7B3F-11A9-4AF9-ACAB-9CCA7ECC2061}" dt="2024-11-22T00:01:46.512" v="666" actId="1036"/>
+        <pc:sldMkLst>
+          <pc:docMk/>
+          <pc:sldMk cId="1464749429" sldId="280"/>
+        </pc:sldMkLst>
+        <pc:spChg chg="mod">
+          <ac:chgData name="Talbert, Matthew" userId="877a4118-3f16-4ac9-a72c-5dd2c7b28c85" providerId="ADAL" clId="{CADF7B3F-11A9-4AF9-ACAB-9CCA7ECC2061}" dt="2024-11-22T00:01:46.512" v="666" actId="1036"/>
+          <ac:spMkLst>
+            <pc:docMk/>
+            <pc:sldMk cId="1464749429" sldId="280"/>
             <ac:spMk id="2" creationId="{361EE6A6-565D-6719-0FBC-5CFE8D6A76E8}"/>
           </ac:spMkLst>
         </pc:spChg>
         <pc:spChg chg="mod">
-          <ac:chgData name="Gibbons, Carl" userId="d2b037bc-8fb4-4222-845c-61440543a456" providerId="ADAL" clId="{7B5B51BB-EDBF-4DA9-A87C-3EE01BE9AC5A}" dt="2024-05-17T01:52:22.150" v="8216" actId="20577"/>
+          <ac:chgData name="Talbert, Matthew" userId="877a4118-3f16-4ac9-a72c-5dd2c7b28c85" providerId="ADAL" clId="{CADF7B3F-11A9-4AF9-ACAB-9CCA7ECC2061}" dt="2024-11-22T00:01:44.238" v="659" actId="1036"/>
           <ac:spMkLst>
             <pc:docMk/>
-            <pc:sldMk cId="3798299007" sldId="274"/>
+            <pc:sldMk cId="1464749429" sldId="280"/>
             <ac:spMk id="3" creationId="{ADD8957C-88E6-A920-4979-2BDA9406B518}"/>
           </ac:spMkLst>
         </pc:spChg>
       </pc:sldChg>
       <pc:sldChg chg="modSp mod">
-        <pc:chgData name="Gibbons, Carl" userId="d2b037bc-8fb4-4222-845c-61440543a456" providerId="ADAL" clId="{7B5B51BB-EDBF-4DA9-A87C-3EE01BE9AC5A}" dt="2024-05-17T01:59:08.063" v="8580" actId="20577"/>
+        <pc:chgData name="Talbert, Matthew" userId="877a4118-3f16-4ac9-a72c-5dd2c7b28c85" providerId="ADAL" clId="{CADF7B3F-11A9-4AF9-ACAB-9CCA7ECC2061}" dt="2024-11-22T00:02:02.929" v="692" actId="1035"/>
         <pc:sldMkLst>
           <pc:docMk/>
-          <pc:sldMk cId="657795359" sldId="277"/>
+          <pc:sldMk cId="2272690951" sldId="281"/>
         </pc:sldMkLst>
         <pc:spChg chg="mod">
-          <ac:chgData name="Gibbons, Carl" userId="d2b037bc-8fb4-4222-845c-61440543a456" providerId="ADAL" clId="{7B5B51BB-EDBF-4DA9-A87C-3EE01BE9AC5A}" dt="2024-05-17T01:59:08.063" v="8580" actId="20577"/>
+          <ac:chgData name="Talbert, Matthew" userId="877a4118-3f16-4ac9-a72c-5dd2c7b28c85" providerId="ADAL" clId="{CADF7B3F-11A9-4AF9-ACAB-9CCA7ECC2061}" dt="2024-11-22T00:02:00.816" v="690" actId="1036"/>
           <ac:spMkLst>
             <pc:docMk/>
-            <pc:sldMk cId="657795359" sldId="277"/>
-            <ac:spMk id="3" creationId="{90179172-96B3-95D0-A137-257770BE7642}"/>
-          </ac:spMkLst>
-        </pc:spChg>
-      </pc:sldChg>
-      <pc:sldChg chg="modSp mod">
-        <pc:chgData name="Gibbons, Carl" userId="d2b037bc-8fb4-4222-845c-61440543a456" providerId="ADAL" clId="{7B5B51BB-EDBF-4DA9-A87C-3EE01BE9AC5A}" dt="2024-05-17T16:00:25.322" v="11934" actId="20577"/>
-        <pc:sldMkLst>
-          <pc:docMk/>
-          <pc:sldMk cId="3989541258" sldId="278"/>
-        </pc:sldMkLst>
-        <pc:spChg chg="mod">
-          <ac:chgData name="Gibbons, Carl" userId="d2b037bc-8fb4-4222-845c-61440543a456" providerId="ADAL" clId="{7B5B51BB-EDBF-4DA9-A87C-3EE01BE9AC5A}" dt="2024-05-17T16:00:25.322" v="11934" actId="20577"/>
-          <ac:spMkLst>
-            <pc:docMk/>
-            <pc:sldMk cId="3989541258" sldId="278"/>
-            <ac:spMk id="3" creationId="{B5924E0F-A977-1710-779D-EEB74261AF34}"/>
-          </ac:spMkLst>
-        </pc:spChg>
-      </pc:sldChg>
-      <pc:sldChg chg="modSp mod">
-        <pc:chgData name="Gibbons, Carl" userId="d2b037bc-8fb4-4222-845c-61440543a456" providerId="ADAL" clId="{7B5B51BB-EDBF-4DA9-A87C-3EE01BE9AC5A}" dt="2024-05-17T15:48:07.490" v="11091" actId="20577"/>
-        <pc:sldMkLst>
-          <pc:docMk/>
-          <pc:sldMk cId="2335633195" sldId="279"/>
-        </pc:sldMkLst>
-        <pc:spChg chg="mod">
-          <ac:chgData name="Gibbons, Carl" userId="d2b037bc-8fb4-4222-845c-61440543a456" providerId="ADAL" clId="{7B5B51BB-EDBF-4DA9-A87C-3EE01BE9AC5A}" dt="2024-05-17T15:48:07.490" v="11091" actId="20577"/>
-          <ac:spMkLst>
-            <pc:docMk/>
-            <pc:sldMk cId="2335633195" sldId="279"/>
-            <ac:spMk id="3" creationId="{B5924E0F-A977-1710-779D-EEB74261AF34}"/>
-          </ac:spMkLst>
-        </pc:spChg>
-      </pc:sldChg>
-      <pc:sldChg chg="modSp mod">
-        <pc:chgData name="Gibbons, Carl" userId="d2b037bc-8fb4-4222-845c-61440543a456" providerId="ADAL" clId="{7B5B51BB-EDBF-4DA9-A87C-3EE01BE9AC5A}" dt="2024-05-17T15:49:09.813" v="11137" actId="20577"/>
-        <pc:sldMkLst>
-          <pc:docMk/>
-          <pc:sldMk cId="1284534978" sldId="280"/>
-        </pc:sldMkLst>
-        <pc:spChg chg="mod">
-          <ac:chgData name="Gibbons, Carl" userId="d2b037bc-8fb4-4222-845c-61440543a456" providerId="ADAL" clId="{7B5B51BB-EDBF-4DA9-A87C-3EE01BE9AC5A}" dt="2024-05-17T15:49:09.813" v="11137" actId="20577"/>
-          <ac:spMkLst>
-            <pc:docMk/>
-            <pc:sldMk cId="1284534978" sldId="280"/>
-            <ac:spMk id="3" creationId="{B5924E0F-A977-1710-779D-EEB74261AF34}"/>
-          </ac:spMkLst>
-        </pc:spChg>
-      </pc:sldChg>
-      <pc:sldChg chg="modSp mod">
-        <pc:chgData name="Gibbons, Carl" userId="d2b037bc-8fb4-4222-845c-61440543a456" providerId="ADAL" clId="{7B5B51BB-EDBF-4DA9-A87C-3EE01BE9AC5A}" dt="2024-05-17T15:58:18.981" v="11932" actId="20577"/>
-        <pc:sldMkLst>
-          <pc:docMk/>
-          <pc:sldMk cId="1802585387" sldId="281"/>
-        </pc:sldMkLst>
-        <pc:spChg chg="mod">
-          <ac:chgData name="Gibbons, Carl" userId="d2b037bc-8fb4-4222-845c-61440543a456" providerId="ADAL" clId="{7B5B51BB-EDBF-4DA9-A87C-3EE01BE9AC5A}" dt="2024-05-17T15:58:18.981" v="11932" actId="20577"/>
-          <ac:spMkLst>
-            <pc:docMk/>
-            <pc:sldMk cId="1802585387" sldId="281"/>
-            <ac:spMk id="3" creationId="{B5924E0F-A977-1710-779D-EEB74261AF34}"/>
-          </ac:spMkLst>
-        </pc:spChg>
-      </pc:sldChg>
-      <pc:sldChg chg="modSp mod">
-        <pc:chgData name="Gibbons, Carl" userId="d2b037bc-8fb4-4222-845c-61440543a456" providerId="ADAL" clId="{7B5B51BB-EDBF-4DA9-A87C-3EE01BE9AC5A}" dt="2024-05-17T00:13:48.611" v="5087" actId="20577"/>
-        <pc:sldMkLst>
-          <pc:docMk/>
-          <pc:sldMk cId="1926009205" sldId="283"/>
-        </pc:sldMkLst>
-        <pc:spChg chg="mod">
-          <ac:chgData name="Gibbons, Carl" userId="d2b037bc-8fb4-4222-845c-61440543a456" providerId="ADAL" clId="{7B5B51BB-EDBF-4DA9-A87C-3EE01BE9AC5A}" dt="2024-05-17T00:13:48.611" v="5087" actId="20577"/>
-          <ac:spMkLst>
-            <pc:docMk/>
-            <pc:sldMk cId="1926009205" sldId="283"/>
-            <ac:spMk id="3" creationId="{B5924E0F-A977-1710-779D-EEB74261AF34}"/>
-          </ac:spMkLst>
-        </pc:spChg>
-      </pc:sldChg>
-      <pc:sldChg chg="modSp mod">
-        <pc:chgData name="Gibbons, Carl" userId="d2b037bc-8fb4-4222-845c-61440543a456" providerId="ADAL" clId="{7B5B51BB-EDBF-4DA9-A87C-3EE01BE9AC5A}" dt="2024-05-17T00:14:20.719" v="5115" actId="20577"/>
-        <pc:sldMkLst>
-          <pc:docMk/>
-          <pc:sldMk cId="2366216895" sldId="284"/>
-        </pc:sldMkLst>
-        <pc:spChg chg="mod">
-          <ac:chgData name="Gibbons, Carl" userId="d2b037bc-8fb4-4222-845c-61440543a456" providerId="ADAL" clId="{7B5B51BB-EDBF-4DA9-A87C-3EE01BE9AC5A}" dt="2024-05-17T00:14:20.719" v="5115" actId="20577"/>
-          <ac:spMkLst>
-            <pc:docMk/>
-            <pc:sldMk cId="2366216895" sldId="284"/>
-            <ac:spMk id="3" creationId="{B5924E0F-A977-1710-779D-EEB74261AF34}"/>
-          </ac:spMkLst>
-        </pc:spChg>
-      </pc:sldChg>
-      <pc:sldChg chg="modSp mod">
-        <pc:chgData name="Gibbons, Carl" userId="d2b037bc-8fb4-4222-845c-61440543a456" providerId="ADAL" clId="{7B5B51BB-EDBF-4DA9-A87C-3EE01BE9AC5A}" dt="2024-05-17T00:19:50.584" v="5231" actId="2711"/>
-        <pc:sldMkLst>
-          <pc:docMk/>
-          <pc:sldMk cId="3371896289" sldId="285"/>
-        </pc:sldMkLst>
-        <pc:spChg chg="mod">
-          <ac:chgData name="Gibbons, Carl" userId="d2b037bc-8fb4-4222-845c-61440543a456" providerId="ADAL" clId="{7B5B51BB-EDBF-4DA9-A87C-3EE01BE9AC5A}" dt="2024-05-02T16:41:22.862" v="56" actId="20577"/>
-          <ac:spMkLst>
-            <pc:docMk/>
-            <pc:sldMk cId="3371896289" sldId="285"/>
-            <ac:spMk id="2" creationId="{31B75992-5098-A283-4925-2CCEBB801DC5}"/>
+            <pc:sldMk cId="2272690951" sldId="281"/>
+            <ac:spMk id="2" creationId="{361EE6A6-565D-6719-0FBC-5CFE8D6A76E8}"/>
           </ac:spMkLst>
         </pc:spChg>
         <pc:spChg chg="mod">
-          <ac:chgData name="Gibbons, Carl" userId="d2b037bc-8fb4-4222-845c-61440543a456" providerId="ADAL" clId="{7B5B51BB-EDBF-4DA9-A87C-3EE01BE9AC5A}" dt="2024-05-17T00:19:50.584" v="5231" actId="2711"/>
+          <ac:chgData name="Talbert, Matthew" userId="877a4118-3f16-4ac9-a72c-5dd2c7b28c85" providerId="ADAL" clId="{CADF7B3F-11A9-4AF9-ACAB-9CCA7ECC2061}" dt="2024-11-22T00:02:02.929" v="692" actId="1035"/>
           <ac:spMkLst>
             <pc:docMk/>
-            <pc:sldMk cId="3371896289" sldId="285"/>
-            <ac:spMk id="3" creationId="{B5924E0F-A977-1710-779D-EEB74261AF34}"/>
-          </ac:spMkLst>
-        </pc:spChg>
-      </pc:sldChg>
-      <pc:sldChg chg="modSp mod ord">
-        <pc:chgData name="Gibbons, Carl" userId="d2b037bc-8fb4-4222-845c-61440543a456" providerId="ADAL" clId="{7B5B51BB-EDBF-4DA9-A87C-3EE01BE9AC5A}" dt="2024-05-17T00:16:13.215" v="5166" actId="20577"/>
-        <pc:sldMkLst>
-          <pc:docMk/>
-          <pc:sldMk cId="3193160409" sldId="286"/>
-        </pc:sldMkLst>
-        <pc:spChg chg="mod">
-          <ac:chgData name="Gibbons, Carl" userId="d2b037bc-8fb4-4222-845c-61440543a456" providerId="ADAL" clId="{7B5B51BB-EDBF-4DA9-A87C-3EE01BE9AC5A}" dt="2024-05-02T16:41:18.901" v="54" actId="20577"/>
-          <ac:spMkLst>
-            <pc:docMk/>
-            <pc:sldMk cId="3193160409" sldId="286"/>
-            <ac:spMk id="2" creationId="{31B75992-5098-A283-4925-2CCEBB801DC5}"/>
-          </ac:spMkLst>
-        </pc:spChg>
-        <pc:spChg chg="mod">
-          <ac:chgData name="Gibbons, Carl" userId="d2b037bc-8fb4-4222-845c-61440543a456" providerId="ADAL" clId="{7B5B51BB-EDBF-4DA9-A87C-3EE01BE9AC5A}" dt="2024-05-17T00:16:13.215" v="5166" actId="20577"/>
-          <ac:spMkLst>
-            <pc:docMk/>
-            <pc:sldMk cId="3193160409" sldId="286"/>
-            <ac:spMk id="3" creationId="{B5924E0F-A977-1710-779D-EEB74261AF34}"/>
-          </ac:spMkLst>
-        </pc:spChg>
-      </pc:sldChg>
-      <pc:sldChg chg="modSp mod">
-        <pc:chgData name="Gibbons, Carl" userId="d2b037bc-8fb4-4222-845c-61440543a456" providerId="ADAL" clId="{7B5B51BB-EDBF-4DA9-A87C-3EE01BE9AC5A}" dt="2024-05-17T00:21:19.057" v="5239" actId="2711"/>
-        <pc:sldMkLst>
-          <pc:docMk/>
-          <pc:sldMk cId="2688338374" sldId="287"/>
-        </pc:sldMkLst>
-        <pc:spChg chg="mod">
-          <ac:chgData name="Gibbons, Carl" userId="d2b037bc-8fb4-4222-845c-61440543a456" providerId="ADAL" clId="{7B5B51BB-EDBF-4DA9-A87C-3EE01BE9AC5A}" dt="2024-05-17T00:21:19.057" v="5239" actId="2711"/>
-          <ac:spMkLst>
-            <pc:docMk/>
-            <pc:sldMk cId="2688338374" sldId="287"/>
-            <ac:spMk id="3" creationId="{B5924E0F-A977-1710-779D-EEB74261AF34}"/>
-          </ac:spMkLst>
-        </pc:spChg>
-      </pc:sldChg>
-      <pc:sldChg chg="modSp mod">
-        <pc:chgData name="Gibbons, Carl" userId="d2b037bc-8fb4-4222-845c-61440543a456" providerId="ADAL" clId="{7B5B51BB-EDBF-4DA9-A87C-3EE01BE9AC5A}" dt="2024-05-17T00:24:22.883" v="5272" actId="20577"/>
-        <pc:sldMkLst>
-          <pc:docMk/>
-          <pc:sldMk cId="2142935017" sldId="288"/>
-        </pc:sldMkLst>
-        <pc:spChg chg="mod">
-          <ac:chgData name="Gibbons, Carl" userId="d2b037bc-8fb4-4222-845c-61440543a456" providerId="ADAL" clId="{7B5B51BB-EDBF-4DA9-A87C-3EE01BE9AC5A}" dt="2024-05-17T00:24:22.883" v="5272" actId="20577"/>
-          <ac:spMkLst>
-            <pc:docMk/>
-            <pc:sldMk cId="2142935017" sldId="288"/>
-            <ac:spMk id="3" creationId="{B5924E0F-A977-1710-779D-EEB74261AF34}"/>
-          </ac:spMkLst>
-        </pc:spChg>
-      </pc:sldChg>
-      <pc:sldChg chg="modSp mod">
-        <pc:chgData name="Gibbons, Carl" userId="d2b037bc-8fb4-4222-845c-61440543a456" providerId="ADAL" clId="{7B5B51BB-EDBF-4DA9-A87C-3EE01BE9AC5A}" dt="2024-05-17T16:22:44.226" v="12015"/>
-        <pc:sldMkLst>
-          <pc:docMk/>
-          <pc:sldMk cId="2784625941" sldId="289"/>
-        </pc:sldMkLst>
-        <pc:spChg chg="mod">
-          <ac:chgData name="Gibbons, Carl" userId="d2b037bc-8fb4-4222-845c-61440543a456" providerId="ADAL" clId="{7B5B51BB-EDBF-4DA9-A87C-3EE01BE9AC5A}" dt="2024-05-17T16:22:44.226" v="12015"/>
-          <ac:spMkLst>
-            <pc:docMk/>
-            <pc:sldMk cId="2784625941" sldId="289"/>
-            <ac:spMk id="3" creationId="{B5924E0F-A977-1710-779D-EEB74261AF34}"/>
-          </ac:spMkLst>
-        </pc:spChg>
-      </pc:sldChg>
-      <pc:sldChg chg="modSp mod">
-        <pc:chgData name="Gibbons, Carl" userId="d2b037bc-8fb4-4222-845c-61440543a456" providerId="ADAL" clId="{7B5B51BB-EDBF-4DA9-A87C-3EE01BE9AC5A}" dt="2024-05-17T00:29:18.616" v="5323" actId="20577"/>
-        <pc:sldMkLst>
-          <pc:docMk/>
-          <pc:sldMk cId="1677974689" sldId="290"/>
-        </pc:sldMkLst>
-        <pc:spChg chg="mod">
-          <ac:chgData name="Gibbons, Carl" userId="d2b037bc-8fb4-4222-845c-61440543a456" providerId="ADAL" clId="{7B5B51BB-EDBF-4DA9-A87C-3EE01BE9AC5A}" dt="2024-05-17T00:29:18.616" v="5323" actId="20577"/>
-          <ac:spMkLst>
-            <pc:docMk/>
-            <pc:sldMk cId="1677974689" sldId="290"/>
-            <ac:spMk id="3" creationId="{B5924E0F-A977-1710-779D-EEB74261AF34}"/>
-          </ac:spMkLst>
-        </pc:spChg>
-      </pc:sldChg>
-      <pc:sldChg chg="modSp mod">
-        <pc:chgData name="Gibbons, Carl" userId="d2b037bc-8fb4-4222-845c-61440543a456" providerId="ADAL" clId="{7B5B51BB-EDBF-4DA9-A87C-3EE01BE9AC5A}" dt="2024-05-17T16:24:51.194" v="12020" actId="20577"/>
-        <pc:sldMkLst>
-          <pc:docMk/>
-          <pc:sldMk cId="4219326696" sldId="291"/>
-        </pc:sldMkLst>
-        <pc:spChg chg="mod">
-          <ac:chgData name="Gibbons, Carl" userId="d2b037bc-8fb4-4222-845c-61440543a456" providerId="ADAL" clId="{7B5B51BB-EDBF-4DA9-A87C-3EE01BE9AC5A}" dt="2024-05-17T16:24:51.194" v="12020" actId="20577"/>
-          <ac:spMkLst>
-            <pc:docMk/>
-            <pc:sldMk cId="4219326696" sldId="291"/>
-            <ac:spMk id="3" creationId="{B5924E0F-A977-1710-779D-EEB74261AF34}"/>
-          </ac:spMkLst>
-        </pc:spChg>
-      </pc:sldChg>
-      <pc:sldChg chg="modSp mod">
-        <pc:chgData name="Gibbons, Carl" userId="d2b037bc-8fb4-4222-845c-61440543a456" providerId="ADAL" clId="{7B5B51BB-EDBF-4DA9-A87C-3EE01BE9AC5A}" dt="2024-05-17T15:45:21.863" v="11071" actId="20577"/>
-        <pc:sldMkLst>
-          <pc:docMk/>
-          <pc:sldMk cId="33911121" sldId="292"/>
-        </pc:sldMkLst>
-        <pc:spChg chg="mod">
-          <ac:chgData name="Gibbons, Carl" userId="d2b037bc-8fb4-4222-845c-61440543a456" providerId="ADAL" clId="{7B5B51BB-EDBF-4DA9-A87C-3EE01BE9AC5A}" dt="2024-05-03T01:03:18.547" v="1393" actId="20577"/>
-          <ac:spMkLst>
-            <pc:docMk/>
-            <pc:sldMk cId="33911121" sldId="292"/>
-            <ac:spMk id="2" creationId="{1862E903-3C56-BB42-2361-009F2336475A}"/>
-          </ac:spMkLst>
-        </pc:spChg>
-        <pc:spChg chg="mod">
-          <ac:chgData name="Gibbons, Carl" userId="d2b037bc-8fb4-4222-845c-61440543a456" providerId="ADAL" clId="{7B5B51BB-EDBF-4DA9-A87C-3EE01BE9AC5A}" dt="2024-05-17T15:45:21.863" v="11071" actId="20577"/>
-          <ac:spMkLst>
-            <pc:docMk/>
-            <pc:sldMk cId="33911121" sldId="292"/>
-            <ac:spMk id="3" creationId="{90179172-96B3-95D0-A137-257770BE7642}"/>
-          </ac:spMkLst>
-        </pc:spChg>
-      </pc:sldChg>
-      <pc:sldChg chg="modSp add mod">
-        <pc:chgData name="Gibbons, Carl" userId="d2b037bc-8fb4-4222-845c-61440543a456" providerId="ADAL" clId="{7B5B51BB-EDBF-4DA9-A87C-3EE01BE9AC5A}" dt="2024-05-07T16:32:40.834" v="2311" actId="20577"/>
-        <pc:sldMkLst>
-          <pc:docMk/>
-          <pc:sldMk cId="1322372106" sldId="293"/>
-        </pc:sldMkLst>
-        <pc:spChg chg="mod">
-          <ac:chgData name="Gibbons, Carl" userId="d2b037bc-8fb4-4222-845c-61440543a456" providerId="ADAL" clId="{7B5B51BB-EDBF-4DA9-A87C-3EE01BE9AC5A}" dt="2024-05-07T16:12:12.690" v="1563" actId="20577"/>
-          <ac:spMkLst>
-            <pc:docMk/>
-            <pc:sldMk cId="1322372106" sldId="293"/>
-            <ac:spMk id="2" creationId="{1862E903-3C56-BB42-2361-009F2336475A}"/>
-          </ac:spMkLst>
-        </pc:spChg>
-        <pc:spChg chg="mod">
-          <ac:chgData name="Gibbons, Carl" userId="d2b037bc-8fb4-4222-845c-61440543a456" providerId="ADAL" clId="{7B5B51BB-EDBF-4DA9-A87C-3EE01BE9AC5A}" dt="2024-05-07T16:32:40.834" v="2311" actId="20577"/>
-          <ac:spMkLst>
-            <pc:docMk/>
-            <pc:sldMk cId="1322372106" sldId="293"/>
-            <ac:spMk id="3" creationId="{90179172-96B3-95D0-A137-257770BE7642}"/>
-          </ac:spMkLst>
-        </pc:spChg>
-      </pc:sldChg>
-      <pc:sldChg chg="modSp add mod">
-        <pc:chgData name="Gibbons, Carl" userId="d2b037bc-8fb4-4222-845c-61440543a456" providerId="ADAL" clId="{7B5B51BB-EDBF-4DA9-A87C-3EE01BE9AC5A}" dt="2024-05-07T16:31:46.179" v="2278" actId="20577"/>
-        <pc:sldMkLst>
-          <pc:docMk/>
-          <pc:sldMk cId="3130736821" sldId="294"/>
-        </pc:sldMkLst>
-        <pc:spChg chg="mod">
-          <ac:chgData name="Gibbons, Carl" userId="d2b037bc-8fb4-4222-845c-61440543a456" providerId="ADAL" clId="{7B5B51BB-EDBF-4DA9-A87C-3EE01BE9AC5A}" dt="2024-05-07T16:12:27.137" v="1566" actId="20577"/>
-          <ac:spMkLst>
-            <pc:docMk/>
-            <pc:sldMk cId="3130736821" sldId="294"/>
-            <ac:spMk id="2" creationId="{1862E903-3C56-BB42-2361-009F2336475A}"/>
-          </ac:spMkLst>
-        </pc:spChg>
-        <pc:spChg chg="mod">
-          <ac:chgData name="Gibbons, Carl" userId="d2b037bc-8fb4-4222-845c-61440543a456" providerId="ADAL" clId="{7B5B51BB-EDBF-4DA9-A87C-3EE01BE9AC5A}" dt="2024-05-07T16:31:46.179" v="2278" actId="20577"/>
-          <ac:spMkLst>
-            <pc:docMk/>
-            <pc:sldMk cId="3130736821" sldId="294"/>
-            <ac:spMk id="3" creationId="{90179172-96B3-95D0-A137-257770BE7642}"/>
-          </ac:spMkLst>
-        </pc:spChg>
-      </pc:sldChg>
-      <pc:sldChg chg="modSp mod">
-        <pc:chgData name="Gibbons, Carl" userId="d2b037bc-8fb4-4222-845c-61440543a456" providerId="ADAL" clId="{7B5B51BB-EDBF-4DA9-A87C-3EE01BE9AC5A}" dt="2024-05-07T17:03:03.855" v="3774" actId="20577"/>
-        <pc:sldMkLst>
-          <pc:docMk/>
-          <pc:sldMk cId="3395791171" sldId="295"/>
-        </pc:sldMkLst>
-        <pc:spChg chg="mod">
-          <ac:chgData name="Gibbons, Carl" userId="d2b037bc-8fb4-4222-845c-61440543a456" providerId="ADAL" clId="{7B5B51BB-EDBF-4DA9-A87C-3EE01BE9AC5A}" dt="2024-05-07T16:41:58.655" v="2634" actId="20577"/>
-          <ac:spMkLst>
-            <pc:docMk/>
-            <pc:sldMk cId="3395791171" sldId="295"/>
-            <ac:spMk id="2" creationId="{1862E903-3C56-BB42-2361-009F2336475A}"/>
-          </ac:spMkLst>
-        </pc:spChg>
-        <pc:spChg chg="mod">
-          <ac:chgData name="Gibbons, Carl" userId="d2b037bc-8fb4-4222-845c-61440543a456" providerId="ADAL" clId="{7B5B51BB-EDBF-4DA9-A87C-3EE01BE9AC5A}" dt="2024-05-07T17:03:03.855" v="3774" actId="20577"/>
-          <ac:spMkLst>
-            <pc:docMk/>
-            <pc:sldMk cId="3395791171" sldId="295"/>
-            <ac:spMk id="3" creationId="{90179172-96B3-95D0-A137-257770BE7642}"/>
-          </ac:spMkLst>
-        </pc:spChg>
-      </pc:sldChg>
-      <pc:sldChg chg="modSp new del mod">
-        <pc:chgData name="Gibbons, Carl" userId="d2b037bc-8fb4-4222-845c-61440543a456" providerId="ADAL" clId="{7B5B51BB-EDBF-4DA9-A87C-3EE01BE9AC5A}" dt="2024-05-07T17:00:32.619" v="3691" actId="47"/>
-        <pc:sldMkLst>
-          <pc:docMk/>
-          <pc:sldMk cId="231497659" sldId="296"/>
-        </pc:sldMkLst>
-        <pc:spChg chg="mod">
-          <ac:chgData name="Gibbons, Carl" userId="d2b037bc-8fb4-4222-845c-61440543a456" providerId="ADAL" clId="{7B5B51BB-EDBF-4DA9-A87C-3EE01BE9AC5A}" dt="2024-05-07T16:42:36.241" v="2636" actId="27636"/>
-          <ac:spMkLst>
-            <pc:docMk/>
-            <pc:sldMk cId="231497659" sldId="296"/>
-            <ac:spMk id="2" creationId="{49EE59EA-7285-3924-F227-6FB17992699A}"/>
-          </ac:spMkLst>
-        </pc:spChg>
-      </pc:sldChg>
-      <pc:sldChg chg="modSp add mod">
-        <pc:chgData name="Gibbons, Carl" userId="d2b037bc-8fb4-4222-845c-61440543a456" providerId="ADAL" clId="{7B5B51BB-EDBF-4DA9-A87C-3EE01BE9AC5A}" dt="2024-05-17T02:36:44.320" v="10989" actId="20577"/>
-        <pc:sldMkLst>
-          <pc:docMk/>
-          <pc:sldMk cId="2019361039" sldId="297"/>
-        </pc:sldMkLst>
-        <pc:spChg chg="mod">
-          <ac:chgData name="Gibbons, Carl" userId="d2b037bc-8fb4-4222-845c-61440543a456" providerId="ADAL" clId="{7B5B51BB-EDBF-4DA9-A87C-3EE01BE9AC5A}" dt="2024-05-07T16:42:48.466" v="2665" actId="20577"/>
-          <ac:spMkLst>
-            <pc:docMk/>
-            <pc:sldMk cId="2019361039" sldId="297"/>
-            <ac:spMk id="2" creationId="{1862E903-3C56-BB42-2361-009F2336475A}"/>
-          </ac:spMkLst>
-        </pc:spChg>
-        <pc:spChg chg="mod">
-          <ac:chgData name="Gibbons, Carl" userId="d2b037bc-8fb4-4222-845c-61440543a456" providerId="ADAL" clId="{7B5B51BB-EDBF-4DA9-A87C-3EE01BE9AC5A}" dt="2024-05-17T02:36:44.320" v="10989" actId="20577"/>
-          <ac:spMkLst>
-            <pc:docMk/>
-            <pc:sldMk cId="2019361039" sldId="297"/>
-            <ac:spMk id="3" creationId="{90179172-96B3-95D0-A137-257770BE7642}"/>
-          </ac:spMkLst>
-        </pc:spChg>
-      </pc:sldChg>
-      <pc:sldChg chg="modSp add mod ord">
-        <pc:chgData name="Gibbons, Carl" userId="d2b037bc-8fb4-4222-845c-61440543a456" providerId="ADAL" clId="{7B5B51BB-EDBF-4DA9-A87C-3EE01BE9AC5A}" dt="2024-05-17T02:43:46.071" v="11058" actId="20577"/>
-        <pc:sldMkLst>
-          <pc:docMk/>
-          <pc:sldMk cId="1101538689" sldId="298"/>
-        </pc:sldMkLst>
-        <pc:spChg chg="mod">
-          <ac:chgData name="Gibbons, Carl" userId="d2b037bc-8fb4-4222-845c-61440543a456" providerId="ADAL" clId="{7B5B51BB-EDBF-4DA9-A87C-3EE01BE9AC5A}" dt="2024-05-07T17:24:36.283" v="5020" actId="20577"/>
-          <ac:spMkLst>
-            <pc:docMk/>
-            <pc:sldMk cId="1101538689" sldId="298"/>
-            <ac:spMk id="2" creationId="{1862E903-3C56-BB42-2361-009F2336475A}"/>
-          </ac:spMkLst>
-        </pc:spChg>
-        <pc:spChg chg="mod">
-          <ac:chgData name="Gibbons, Carl" userId="d2b037bc-8fb4-4222-845c-61440543a456" providerId="ADAL" clId="{7B5B51BB-EDBF-4DA9-A87C-3EE01BE9AC5A}" dt="2024-05-17T02:43:46.071" v="11058" actId="20577"/>
-          <ac:spMkLst>
-            <pc:docMk/>
-            <pc:sldMk cId="1101538689" sldId="298"/>
-            <ac:spMk id="3" creationId="{90179172-96B3-95D0-A137-257770BE7642}"/>
-          </ac:spMkLst>
-        </pc:spChg>
-      </pc:sldChg>
-      <pc:sldChg chg="modSp mod">
-        <pc:chgData name="Gibbons, Carl" userId="d2b037bc-8fb4-4222-845c-61440543a456" providerId="ADAL" clId="{7B5B51BB-EDBF-4DA9-A87C-3EE01BE9AC5A}" dt="2024-05-17T02:45:12.703" v="11059" actId="115"/>
-        <pc:sldMkLst>
-          <pc:docMk/>
-          <pc:sldMk cId="1464749429" sldId="299"/>
-        </pc:sldMkLst>
-        <pc:spChg chg="mod">
-          <ac:chgData name="Gibbons, Carl" userId="d2b037bc-8fb4-4222-845c-61440543a456" providerId="ADAL" clId="{7B5B51BB-EDBF-4DA9-A87C-3EE01BE9AC5A}" dt="2024-05-17T02:45:12.703" v="11059" actId="115"/>
-          <ac:spMkLst>
-            <pc:docMk/>
-            <pc:sldMk cId="1464749429" sldId="299"/>
+            <pc:sldMk cId="2272690951" sldId="281"/>
             <ac:spMk id="3" creationId="{ADD8957C-88E6-A920-4979-2BDA9406B518}"/>
           </ac:spMkLst>
         </pc:spChg>
       </pc:sldChg>
       <pc:sldChg chg="modSp mod">
-        <pc:chgData name="Gibbons, Carl" userId="d2b037bc-8fb4-4222-845c-61440543a456" providerId="ADAL" clId="{7B5B51BB-EDBF-4DA9-A87C-3EE01BE9AC5A}" dt="2024-05-17T01:50:23.348" v="8207" actId="20577"/>
+        <pc:chgData name="Talbert, Matthew" userId="877a4118-3f16-4ac9-a72c-5dd2c7b28c85" providerId="ADAL" clId="{CADF7B3F-11A9-4AF9-ACAB-9CCA7ECC2061}" dt="2024-11-22T00:02:15.069" v="716" actId="1035"/>
         <pc:sldMkLst>
           <pc:docMk/>
-          <pc:sldMk cId="2272690951" sldId="300"/>
+          <pc:sldMk cId="2246322020" sldId="282"/>
         </pc:sldMkLst>
         <pc:spChg chg="mod">
-          <ac:chgData name="Gibbons, Carl" userId="d2b037bc-8fb4-4222-845c-61440543a456" providerId="ADAL" clId="{7B5B51BB-EDBF-4DA9-A87C-3EE01BE9AC5A}" dt="2024-05-17T01:21:59.806" v="7604" actId="20577"/>
+          <ac:chgData name="Talbert, Matthew" userId="877a4118-3f16-4ac9-a72c-5dd2c7b28c85" providerId="ADAL" clId="{CADF7B3F-11A9-4AF9-ACAB-9CCA7ECC2061}" dt="2024-11-22T00:02:11.934" v="712" actId="1036"/>
           <ac:spMkLst>
             <pc:docMk/>
-            <pc:sldMk cId="2272690951" sldId="300"/>
+            <pc:sldMk cId="2246322020" sldId="282"/>
             <ac:spMk id="2" creationId="{361EE6A6-565D-6719-0FBC-5CFE8D6A76E8}"/>
           </ac:spMkLst>
         </pc:spChg>
         <pc:spChg chg="mod">
-          <ac:chgData name="Gibbons, Carl" userId="d2b037bc-8fb4-4222-845c-61440543a456" providerId="ADAL" clId="{7B5B51BB-EDBF-4DA9-A87C-3EE01BE9AC5A}" dt="2024-05-17T01:50:23.348" v="8207" actId="20577"/>
+          <ac:chgData name="Talbert, Matthew" userId="877a4118-3f16-4ac9-a72c-5dd2c7b28c85" providerId="ADAL" clId="{CADF7B3F-11A9-4AF9-ACAB-9CCA7ECC2061}" dt="2024-11-22T00:02:15.069" v="716" actId="1035"/>
           <ac:spMkLst>
             <pc:docMk/>
-            <pc:sldMk cId="2272690951" sldId="300"/>
+            <pc:sldMk cId="2246322020" sldId="282"/>
             <ac:spMk id="3" creationId="{ADD8957C-88E6-A920-4979-2BDA9406B518}"/>
           </ac:spMkLst>
         </pc:spChg>
       </pc:sldChg>
       <pc:sldChg chg="modSp mod">
-        <pc:chgData name="Gibbons, Carl" userId="d2b037bc-8fb4-4222-845c-61440543a456" providerId="ADAL" clId="{7B5B51BB-EDBF-4DA9-A87C-3EE01BE9AC5A}" dt="2024-05-17T01:50:16.602" v="8204" actId="20577"/>
+        <pc:chgData name="Talbert, Matthew" userId="877a4118-3f16-4ac9-a72c-5dd2c7b28c85" providerId="ADAL" clId="{CADF7B3F-11A9-4AF9-ACAB-9CCA7ECC2061}" dt="2024-11-22T00:02:21.096" v="739" actId="1036"/>
         <pc:sldMkLst>
           <pc:docMk/>
-          <pc:sldMk cId="2246322020" sldId="301"/>
+          <pc:sldMk cId="3798299007" sldId="283"/>
         </pc:sldMkLst>
         <pc:spChg chg="mod">
-          <ac:chgData name="Gibbons, Carl" userId="d2b037bc-8fb4-4222-845c-61440543a456" providerId="ADAL" clId="{7B5B51BB-EDBF-4DA9-A87C-3EE01BE9AC5A}" dt="2024-05-17T01:22:03.597" v="7606" actId="20577"/>
+          <ac:chgData name="Talbert, Matthew" userId="877a4118-3f16-4ac9-a72c-5dd2c7b28c85" providerId="ADAL" clId="{CADF7B3F-11A9-4AF9-ACAB-9CCA7ECC2061}" dt="2024-11-22T00:02:21.096" v="739" actId="1036"/>
           <ac:spMkLst>
             <pc:docMk/>
-            <pc:sldMk cId="2246322020" sldId="301"/>
+            <pc:sldMk cId="3798299007" sldId="283"/>
             <ac:spMk id="2" creationId="{361EE6A6-565D-6719-0FBC-5CFE8D6A76E8}"/>
           </ac:spMkLst>
         </pc:spChg>
         <pc:spChg chg="mod">
-          <ac:chgData name="Gibbons, Carl" userId="d2b037bc-8fb4-4222-845c-61440543a456" providerId="ADAL" clId="{7B5B51BB-EDBF-4DA9-A87C-3EE01BE9AC5A}" dt="2024-05-17T01:50:16.602" v="8204" actId="20577"/>
+          <ac:chgData name="Talbert, Matthew" userId="877a4118-3f16-4ac9-a72c-5dd2c7b28c85" providerId="ADAL" clId="{CADF7B3F-11A9-4AF9-ACAB-9CCA7ECC2061}" dt="2024-11-22T00:02:18.378" v="726" actId="1036"/>
           <ac:spMkLst>
             <pc:docMk/>
-            <pc:sldMk cId="2246322020" sldId="301"/>
+            <pc:sldMk cId="3798299007" sldId="283"/>
             <ac:spMk id="3" creationId="{ADD8957C-88E6-A920-4979-2BDA9406B518}"/>
           </ac:spMkLst>
         </pc:spChg>
@@ -1990,6 +751,512 @@
 </file>
 
 <file path=ppt/slideLayouts/slideLayout1.xml><?xml version="1.0" encoding="utf-8"?>
+<p:sldLayout xmlns:a="http://schemas.openxmlformats.org/drawingml/2006/main" xmlns:r="http://schemas.openxmlformats.org/officeDocument/2006/relationships" xmlns:p="http://schemas.openxmlformats.org/presentationml/2006/main" preserve="1" userDrawn="1">
+  <p:cSld name="Title Slide">
+    <p:spTree>
+      <p:nvGrpSpPr>
+        <p:cNvPr id="1" name=""/>
+        <p:cNvGrpSpPr/>
+        <p:nvPr/>
+      </p:nvGrpSpPr>
+      <p:grpSpPr>
+        <a:xfrm>
+          <a:off x="0" y="0"/>
+          <a:ext cx="0" cy="0"/>
+          <a:chOff x="0" y="0"/>
+          <a:chExt cx="0" cy="0"/>
+        </a:xfrm>
+      </p:grpSpPr>
+    </p:spTree>
+    <p:extLst>
+      <p:ext uri="{BB962C8B-B14F-4D97-AF65-F5344CB8AC3E}">
+        <p14:creationId xmlns:p14="http://schemas.microsoft.com/office/powerpoint/2010/main" val="2903089904"/>
+      </p:ext>
+    </p:extLst>
+  </p:cSld>
+  <p:clrMapOvr>
+    <a:masterClrMapping/>
+  </p:clrMapOvr>
+</p:sldLayout>
+</file>
+
+<file path=ppt/slideLayouts/slideLayout10.xml><?xml version="1.0" encoding="utf-8"?>
+<p:sldLayout xmlns:a="http://schemas.openxmlformats.org/drawingml/2006/main" xmlns:r="http://schemas.openxmlformats.org/officeDocument/2006/relationships" xmlns:p="http://schemas.openxmlformats.org/presentationml/2006/main" type="vertTx" preserve="1">
+  <p:cSld name="Title and Vertical Text">
+    <p:spTree>
+      <p:nvGrpSpPr>
+        <p:cNvPr id="1" name=""/>
+        <p:cNvGrpSpPr/>
+        <p:nvPr/>
+      </p:nvGrpSpPr>
+      <p:grpSpPr>
+        <a:xfrm>
+          <a:off x="0" y="0"/>
+          <a:ext cx="0" cy="0"/>
+          <a:chOff x="0" y="0"/>
+          <a:chExt cx="0" cy="0"/>
+        </a:xfrm>
+      </p:grpSpPr>
+      <p:sp>
+        <p:nvSpPr>
+          <p:cNvPr id="2" name="Title 1">
+            <a:extLst>
+              <a:ext uri="{FF2B5EF4-FFF2-40B4-BE49-F238E27FC236}">
+                <a16:creationId xmlns:a16="http://schemas.microsoft.com/office/drawing/2014/main" id="{A2992E9E-93C1-7E84-A4D5-EA127AB4BDC1}"/>
+              </a:ext>
+            </a:extLst>
+          </p:cNvPr>
+          <p:cNvSpPr>
+            <a:spLocks noGrp="1"/>
+          </p:cNvSpPr>
+          <p:nvPr>
+            <p:ph type="title"/>
+          </p:nvPr>
+        </p:nvSpPr>
+        <p:spPr>
+          <a:xfrm>
+            <a:off x="602787" y="1498382"/>
+            <a:ext cx="10515600" cy="1325563"/>
+          </a:xfrm>
+          <a:prstGeom prst="rect">
+            <a:avLst/>
+          </a:prstGeom>
+        </p:spPr>
+        <p:txBody>
+          <a:bodyPr/>
+          <a:lstStyle/>
+          <a:p>
+            <a:r>
+              <a:rPr lang="en-US"/>
+              <a:t>Click to edit Master title style</a:t>
+            </a:r>
+          </a:p>
+        </p:txBody>
+      </p:sp>
+      <p:sp>
+        <p:nvSpPr>
+          <p:cNvPr id="3" name="Vertical Text Placeholder 2">
+            <a:extLst>
+              <a:ext uri="{FF2B5EF4-FFF2-40B4-BE49-F238E27FC236}">
+                <a16:creationId xmlns:a16="http://schemas.microsoft.com/office/drawing/2014/main" id="{FBFF1E9B-EE9D-9A7E-EE97-87C838D9BB2F}"/>
+              </a:ext>
+            </a:extLst>
+          </p:cNvPr>
+          <p:cNvSpPr>
+            <a:spLocks noGrp="1"/>
+          </p:cNvSpPr>
+          <p:nvPr>
+            <p:ph type="body" orient="vert" idx="1"/>
+          </p:nvPr>
+        </p:nvSpPr>
+        <p:spPr>
+          <a:xfrm>
+            <a:off x="838200" y="1825625"/>
+            <a:ext cx="10515600" cy="4351338"/>
+          </a:xfrm>
+          <a:prstGeom prst="rect">
+            <a:avLst/>
+          </a:prstGeom>
+        </p:spPr>
+        <p:txBody>
+          <a:bodyPr vert="eaVert"/>
+          <a:lstStyle/>
+          <a:p>
+            <a:pPr lvl="0"/>
+            <a:r>
+              <a:rPr lang="en-US"/>
+              <a:t>Click to edit Master text styles</a:t>
+            </a:r>
+          </a:p>
+          <a:p>
+            <a:pPr lvl="1"/>
+            <a:r>
+              <a:rPr lang="en-US"/>
+              <a:t>Second level</a:t>
+            </a:r>
+          </a:p>
+          <a:p>
+            <a:pPr lvl="2"/>
+            <a:r>
+              <a:rPr lang="en-US"/>
+              <a:t>Third level</a:t>
+            </a:r>
+          </a:p>
+          <a:p>
+            <a:pPr lvl="3"/>
+            <a:r>
+              <a:rPr lang="en-US"/>
+              <a:t>Fourth level</a:t>
+            </a:r>
+          </a:p>
+          <a:p>
+            <a:pPr lvl="4"/>
+            <a:r>
+              <a:rPr lang="en-US"/>
+              <a:t>Fifth level</a:t>
+            </a:r>
+          </a:p>
+        </p:txBody>
+      </p:sp>
+      <p:sp>
+        <p:nvSpPr>
+          <p:cNvPr id="4" name="Date Placeholder 3">
+            <a:extLst>
+              <a:ext uri="{FF2B5EF4-FFF2-40B4-BE49-F238E27FC236}">
+                <a16:creationId xmlns:a16="http://schemas.microsoft.com/office/drawing/2014/main" id="{450DA212-C93A-3075-FD32-156F351E64D4}"/>
+              </a:ext>
+            </a:extLst>
+          </p:cNvPr>
+          <p:cNvSpPr>
+            <a:spLocks noGrp="1"/>
+          </p:cNvSpPr>
+          <p:nvPr>
+            <p:ph type="dt" sz="half" idx="10"/>
+          </p:nvPr>
+        </p:nvSpPr>
+        <p:spPr>
+          <a:xfrm>
+            <a:off x="838200" y="6445249"/>
+            <a:ext cx="2743200" cy="365125"/>
+          </a:xfrm>
+          <a:prstGeom prst="rect">
+            <a:avLst/>
+          </a:prstGeom>
+        </p:spPr>
+        <p:txBody>
+          <a:bodyPr/>
+          <a:lstStyle/>
+          <a:p>
+            <a:fld id="{71087A05-F855-4434-8DDE-39A8542098A6}" type="datetimeFigureOut">
+              <a:rPr lang="en-US" smtClean="0"/>
+              <a:t>11/21/2024</a:t>
+            </a:fld>
+            <a:endParaRPr lang="en-US"/>
+          </a:p>
+        </p:txBody>
+      </p:sp>
+      <p:sp>
+        <p:nvSpPr>
+          <p:cNvPr id="5" name="Footer Placeholder 4">
+            <a:extLst>
+              <a:ext uri="{FF2B5EF4-FFF2-40B4-BE49-F238E27FC236}">
+                <a16:creationId xmlns:a16="http://schemas.microsoft.com/office/drawing/2014/main" id="{D6AA4E94-35D9-7831-A0BB-9A28BFA422BE}"/>
+              </a:ext>
+            </a:extLst>
+          </p:cNvPr>
+          <p:cNvSpPr>
+            <a:spLocks noGrp="1"/>
+          </p:cNvSpPr>
+          <p:nvPr>
+            <p:ph type="ftr" sz="quarter" idx="11"/>
+          </p:nvPr>
+        </p:nvSpPr>
+        <p:spPr>
+          <a:xfrm>
+            <a:off x="4038600" y="6356350"/>
+            <a:ext cx="4114800" cy="365125"/>
+          </a:xfrm>
+          <a:prstGeom prst="rect">
+            <a:avLst/>
+          </a:prstGeom>
+        </p:spPr>
+        <p:txBody>
+          <a:bodyPr/>
+          <a:lstStyle/>
+          <a:p>
+            <a:endParaRPr lang="en-US"/>
+          </a:p>
+        </p:txBody>
+      </p:sp>
+      <p:sp>
+        <p:nvSpPr>
+          <p:cNvPr id="6" name="Slide Number Placeholder 5">
+            <a:extLst>
+              <a:ext uri="{FF2B5EF4-FFF2-40B4-BE49-F238E27FC236}">
+                <a16:creationId xmlns:a16="http://schemas.microsoft.com/office/drawing/2014/main" id="{2E0B5BE5-01BB-5041-6101-F169276B2397}"/>
+              </a:ext>
+            </a:extLst>
+          </p:cNvPr>
+          <p:cNvSpPr>
+            <a:spLocks noGrp="1"/>
+          </p:cNvSpPr>
+          <p:nvPr>
+            <p:ph type="sldNum" sz="quarter" idx="12"/>
+          </p:nvPr>
+        </p:nvSpPr>
+        <p:spPr>
+          <a:xfrm>
+            <a:off x="8610600" y="6356350"/>
+            <a:ext cx="2743200" cy="365125"/>
+          </a:xfrm>
+          <a:prstGeom prst="rect">
+            <a:avLst/>
+          </a:prstGeom>
+        </p:spPr>
+        <p:txBody>
+          <a:bodyPr/>
+          <a:lstStyle/>
+          <a:p>
+            <a:fld id="{6C0014F0-3D1D-4459-A530-32E6C19AE461}" type="slidenum">
+              <a:rPr lang="en-US" smtClean="0"/>
+              <a:t>‹#›</a:t>
+            </a:fld>
+            <a:endParaRPr lang="en-US"/>
+          </a:p>
+        </p:txBody>
+      </p:sp>
+    </p:spTree>
+    <p:extLst>
+      <p:ext uri="{BB962C8B-B14F-4D97-AF65-F5344CB8AC3E}">
+        <p14:creationId xmlns:p14="http://schemas.microsoft.com/office/powerpoint/2010/main" val="3058523283"/>
+      </p:ext>
+    </p:extLst>
+  </p:cSld>
+  <p:clrMapOvr>
+    <a:masterClrMapping/>
+  </p:clrMapOvr>
+</p:sldLayout>
+</file>
+
+<file path=ppt/slideLayouts/slideLayout11.xml><?xml version="1.0" encoding="utf-8"?>
+<p:sldLayout xmlns:a="http://schemas.openxmlformats.org/drawingml/2006/main" xmlns:r="http://schemas.openxmlformats.org/officeDocument/2006/relationships" xmlns:p="http://schemas.openxmlformats.org/presentationml/2006/main" type="vertTitleAndTx" preserve="1">
+  <p:cSld name="Vertical Title and Text">
+    <p:spTree>
+      <p:nvGrpSpPr>
+        <p:cNvPr id="1" name=""/>
+        <p:cNvGrpSpPr/>
+        <p:nvPr/>
+      </p:nvGrpSpPr>
+      <p:grpSpPr>
+        <a:xfrm>
+          <a:off x="0" y="0"/>
+          <a:ext cx="0" cy="0"/>
+          <a:chOff x="0" y="0"/>
+          <a:chExt cx="0" cy="0"/>
+        </a:xfrm>
+      </p:grpSpPr>
+      <p:sp>
+        <p:nvSpPr>
+          <p:cNvPr id="2" name="Vertical Title 1">
+            <a:extLst>
+              <a:ext uri="{FF2B5EF4-FFF2-40B4-BE49-F238E27FC236}">
+                <a16:creationId xmlns:a16="http://schemas.microsoft.com/office/drawing/2014/main" id="{B7D370E5-4104-4DF4-CE6F-43777E948DFD}"/>
+              </a:ext>
+            </a:extLst>
+          </p:cNvPr>
+          <p:cNvSpPr>
+            <a:spLocks noGrp="1"/>
+          </p:cNvSpPr>
+          <p:nvPr>
+            <p:ph type="title" orient="vert"/>
+          </p:nvPr>
+        </p:nvSpPr>
+        <p:spPr>
+          <a:xfrm>
+            <a:off x="8724900" y="365125"/>
+            <a:ext cx="2628900" cy="5811838"/>
+          </a:xfrm>
+          <a:prstGeom prst="rect">
+            <a:avLst/>
+          </a:prstGeom>
+        </p:spPr>
+        <p:txBody>
+          <a:bodyPr vert="eaVert"/>
+          <a:lstStyle/>
+          <a:p>
+            <a:r>
+              <a:rPr lang="en-US"/>
+              <a:t>Click to edit Master title style</a:t>
+            </a:r>
+          </a:p>
+        </p:txBody>
+      </p:sp>
+      <p:sp>
+        <p:nvSpPr>
+          <p:cNvPr id="3" name="Vertical Text Placeholder 2">
+            <a:extLst>
+              <a:ext uri="{FF2B5EF4-FFF2-40B4-BE49-F238E27FC236}">
+                <a16:creationId xmlns:a16="http://schemas.microsoft.com/office/drawing/2014/main" id="{3CEA6D81-DFD1-D8AC-EC26-DC0557526EE4}"/>
+              </a:ext>
+            </a:extLst>
+          </p:cNvPr>
+          <p:cNvSpPr>
+            <a:spLocks noGrp="1"/>
+          </p:cNvSpPr>
+          <p:nvPr>
+            <p:ph type="body" orient="vert" idx="1"/>
+          </p:nvPr>
+        </p:nvSpPr>
+        <p:spPr>
+          <a:xfrm>
+            <a:off x="838200" y="365125"/>
+            <a:ext cx="7734300" cy="5811838"/>
+          </a:xfrm>
+          <a:prstGeom prst="rect">
+            <a:avLst/>
+          </a:prstGeom>
+        </p:spPr>
+        <p:txBody>
+          <a:bodyPr vert="eaVert"/>
+          <a:lstStyle/>
+          <a:p>
+            <a:pPr lvl="0"/>
+            <a:r>
+              <a:rPr lang="en-US"/>
+              <a:t>Click to edit Master text styles</a:t>
+            </a:r>
+          </a:p>
+          <a:p>
+            <a:pPr lvl="1"/>
+            <a:r>
+              <a:rPr lang="en-US"/>
+              <a:t>Second level</a:t>
+            </a:r>
+          </a:p>
+          <a:p>
+            <a:pPr lvl="2"/>
+            <a:r>
+              <a:rPr lang="en-US"/>
+              <a:t>Third level</a:t>
+            </a:r>
+          </a:p>
+          <a:p>
+            <a:pPr lvl="3"/>
+            <a:r>
+              <a:rPr lang="en-US"/>
+              <a:t>Fourth level</a:t>
+            </a:r>
+          </a:p>
+          <a:p>
+            <a:pPr lvl="4"/>
+            <a:r>
+              <a:rPr lang="en-US"/>
+              <a:t>Fifth level</a:t>
+            </a:r>
+          </a:p>
+        </p:txBody>
+      </p:sp>
+      <p:sp>
+        <p:nvSpPr>
+          <p:cNvPr id="4" name="Date Placeholder 3">
+            <a:extLst>
+              <a:ext uri="{FF2B5EF4-FFF2-40B4-BE49-F238E27FC236}">
+                <a16:creationId xmlns:a16="http://schemas.microsoft.com/office/drawing/2014/main" id="{60E27890-E421-871D-9D4F-F7E5B558B71E}"/>
+              </a:ext>
+            </a:extLst>
+          </p:cNvPr>
+          <p:cNvSpPr>
+            <a:spLocks noGrp="1"/>
+          </p:cNvSpPr>
+          <p:nvPr>
+            <p:ph type="dt" sz="half" idx="10"/>
+          </p:nvPr>
+        </p:nvSpPr>
+        <p:spPr>
+          <a:xfrm>
+            <a:off x="838200" y="6445249"/>
+            <a:ext cx="2743200" cy="365125"/>
+          </a:xfrm>
+          <a:prstGeom prst="rect">
+            <a:avLst/>
+          </a:prstGeom>
+        </p:spPr>
+        <p:txBody>
+          <a:bodyPr/>
+          <a:lstStyle/>
+          <a:p>
+            <a:fld id="{71087A05-F855-4434-8DDE-39A8542098A6}" type="datetimeFigureOut">
+              <a:rPr lang="en-US" smtClean="0"/>
+              <a:t>11/21/2024</a:t>
+            </a:fld>
+            <a:endParaRPr lang="en-US"/>
+          </a:p>
+        </p:txBody>
+      </p:sp>
+      <p:sp>
+        <p:nvSpPr>
+          <p:cNvPr id="5" name="Footer Placeholder 4">
+            <a:extLst>
+              <a:ext uri="{FF2B5EF4-FFF2-40B4-BE49-F238E27FC236}">
+                <a16:creationId xmlns:a16="http://schemas.microsoft.com/office/drawing/2014/main" id="{B7A93CF4-905B-F31B-69BD-9BEBF9008D86}"/>
+              </a:ext>
+            </a:extLst>
+          </p:cNvPr>
+          <p:cNvSpPr>
+            <a:spLocks noGrp="1"/>
+          </p:cNvSpPr>
+          <p:nvPr>
+            <p:ph type="ftr" sz="quarter" idx="11"/>
+          </p:nvPr>
+        </p:nvSpPr>
+        <p:spPr>
+          <a:xfrm>
+            <a:off x="4038600" y="6356350"/>
+            <a:ext cx="4114800" cy="365125"/>
+          </a:xfrm>
+          <a:prstGeom prst="rect">
+            <a:avLst/>
+          </a:prstGeom>
+        </p:spPr>
+        <p:txBody>
+          <a:bodyPr/>
+          <a:lstStyle/>
+          <a:p>
+            <a:endParaRPr lang="en-US"/>
+          </a:p>
+        </p:txBody>
+      </p:sp>
+      <p:sp>
+        <p:nvSpPr>
+          <p:cNvPr id="6" name="Slide Number Placeholder 5">
+            <a:extLst>
+              <a:ext uri="{FF2B5EF4-FFF2-40B4-BE49-F238E27FC236}">
+                <a16:creationId xmlns:a16="http://schemas.microsoft.com/office/drawing/2014/main" id="{B9BD2B1C-442A-F5C9-9AEB-F9DE0158660F}"/>
+              </a:ext>
+            </a:extLst>
+          </p:cNvPr>
+          <p:cNvSpPr>
+            <a:spLocks noGrp="1"/>
+          </p:cNvSpPr>
+          <p:nvPr>
+            <p:ph type="sldNum" sz="quarter" idx="12"/>
+          </p:nvPr>
+        </p:nvSpPr>
+        <p:spPr>
+          <a:xfrm>
+            <a:off x="8610600" y="6356350"/>
+            <a:ext cx="2743200" cy="365125"/>
+          </a:xfrm>
+          <a:prstGeom prst="rect">
+            <a:avLst/>
+          </a:prstGeom>
+        </p:spPr>
+        <p:txBody>
+          <a:bodyPr/>
+          <a:lstStyle/>
+          <a:p>
+            <a:fld id="{6C0014F0-3D1D-4459-A530-32E6C19AE461}" type="slidenum">
+              <a:rPr lang="en-US" smtClean="0"/>
+              <a:t>‹#›</a:t>
+            </a:fld>
+            <a:endParaRPr lang="en-US"/>
+          </a:p>
+        </p:txBody>
+      </p:sp>
+    </p:spTree>
+    <p:extLst>
+      <p:ext uri="{BB962C8B-B14F-4D97-AF65-F5344CB8AC3E}">
+        <p14:creationId xmlns:p14="http://schemas.microsoft.com/office/powerpoint/2010/main" val="4080666653"/>
+      </p:ext>
+    </p:extLst>
+  </p:cSld>
+  <p:clrMapOvr>
+    <a:masterClrMapping/>
+  </p:clrMapOvr>
+</p:sldLayout>
+</file>
+
+<file path=ppt/slideLayouts/slideLayout12.xml><?xml version="1.0" encoding="utf-8"?>
 <p:sldLayout xmlns:a="http://schemas.openxmlformats.org/drawingml/2006/main" xmlns:r="http://schemas.openxmlformats.org/officeDocument/2006/relationships" xmlns:p="http://schemas.openxmlformats.org/presentationml/2006/main" type="title" preserve="1">
   <p:cSld name="Title Slide">
     <p:spTree>
@@ -2136,7 +1403,7 @@
           <a:p>
             <a:fld id="{421996D4-4A1C-4BBC-AA2B-FD5B7FC395A0}" type="datetime1">
               <a:rPr lang="en-US" smtClean="0"/>
-              <a:t>10/10/2024</a:t>
+              <a:t>11/21/2024</a:t>
             </a:fld>
             <a:endParaRPr lang="en-US"/>
           </a:p>
@@ -2199,7 +1466,7 @@
     </p:spTree>
     <p:extLst>
       <p:ext uri="{BB962C8B-B14F-4D97-AF65-F5344CB8AC3E}">
-        <p14:creationId xmlns:p14="http://schemas.microsoft.com/office/powerpoint/2010/main" val="4169122874"/>
+        <p14:creationId xmlns:p14="http://schemas.microsoft.com/office/powerpoint/2010/main" val="2849966119"/>
       </p:ext>
     </p:extLst>
   </p:cSld>
@@ -2209,413 +1476,7 @@
 </p:sldLayout>
 </file>
 
-<file path=ppt/slideLayouts/slideLayout10.xml><?xml version="1.0" encoding="utf-8"?>
-<p:sldLayout xmlns:a="http://schemas.openxmlformats.org/drawingml/2006/main" xmlns:r="http://schemas.openxmlformats.org/officeDocument/2006/relationships" xmlns:p="http://schemas.openxmlformats.org/presentationml/2006/main" type="vertTx" preserve="1">
-  <p:cSld name="Title and Vertical Text">
-    <p:spTree>
-      <p:nvGrpSpPr>
-        <p:cNvPr id="1" name=""/>
-        <p:cNvGrpSpPr/>
-        <p:nvPr/>
-      </p:nvGrpSpPr>
-      <p:grpSpPr>
-        <a:xfrm>
-          <a:off x="0" y="0"/>
-          <a:ext cx="0" cy="0"/>
-          <a:chOff x="0" y="0"/>
-          <a:chExt cx="0" cy="0"/>
-        </a:xfrm>
-      </p:grpSpPr>
-      <p:sp>
-        <p:nvSpPr>
-          <p:cNvPr id="2" name="Title 1">
-            <a:extLst>
-              <a:ext uri="{FF2B5EF4-FFF2-40B4-BE49-F238E27FC236}">
-                <a16:creationId xmlns:a16="http://schemas.microsoft.com/office/drawing/2014/main" id="{D6AD2E5E-D555-7E2B-7E3F-7520CC1D227E}"/>
-              </a:ext>
-            </a:extLst>
-          </p:cNvPr>
-          <p:cNvSpPr>
-            <a:spLocks noGrp="1"/>
-          </p:cNvSpPr>
-          <p:nvPr>
-            <p:ph type="title"/>
-          </p:nvPr>
-        </p:nvSpPr>
-        <p:spPr/>
-        <p:txBody>
-          <a:bodyPr/>
-          <a:lstStyle/>
-          <a:p>
-            <a:r>
-              <a:rPr lang="en-US"/>
-              <a:t>Click to edit Master title style</a:t>
-            </a:r>
-          </a:p>
-        </p:txBody>
-      </p:sp>
-      <p:sp>
-        <p:nvSpPr>
-          <p:cNvPr id="3" name="Vertical Text Placeholder 2">
-            <a:extLst>
-              <a:ext uri="{FF2B5EF4-FFF2-40B4-BE49-F238E27FC236}">
-                <a16:creationId xmlns:a16="http://schemas.microsoft.com/office/drawing/2014/main" id="{21BCA2AE-5C6A-0627-55FB-1213E6BA2F01}"/>
-              </a:ext>
-            </a:extLst>
-          </p:cNvPr>
-          <p:cNvSpPr>
-            <a:spLocks noGrp="1"/>
-          </p:cNvSpPr>
-          <p:nvPr>
-            <p:ph type="body" orient="vert" idx="1"/>
-          </p:nvPr>
-        </p:nvSpPr>
-        <p:spPr/>
-        <p:txBody>
-          <a:bodyPr vert="eaVert"/>
-          <a:lstStyle/>
-          <a:p>
-            <a:pPr lvl="0"/>
-            <a:r>
-              <a:rPr lang="en-US"/>
-              <a:t>Click to edit Master text styles</a:t>
-            </a:r>
-          </a:p>
-          <a:p>
-            <a:pPr lvl="1"/>
-            <a:r>
-              <a:rPr lang="en-US"/>
-              <a:t>Second level</a:t>
-            </a:r>
-          </a:p>
-          <a:p>
-            <a:pPr lvl="2"/>
-            <a:r>
-              <a:rPr lang="en-US"/>
-              <a:t>Third level</a:t>
-            </a:r>
-          </a:p>
-          <a:p>
-            <a:pPr lvl="3"/>
-            <a:r>
-              <a:rPr lang="en-US"/>
-              <a:t>Fourth level</a:t>
-            </a:r>
-          </a:p>
-          <a:p>
-            <a:pPr lvl="4"/>
-            <a:r>
-              <a:rPr lang="en-US"/>
-              <a:t>Fifth level</a:t>
-            </a:r>
-          </a:p>
-        </p:txBody>
-      </p:sp>
-      <p:sp>
-        <p:nvSpPr>
-          <p:cNvPr id="4" name="Date Placeholder 3">
-            <a:extLst>
-              <a:ext uri="{FF2B5EF4-FFF2-40B4-BE49-F238E27FC236}">
-                <a16:creationId xmlns:a16="http://schemas.microsoft.com/office/drawing/2014/main" id="{5107EDAF-37A2-AD0D-A11E-C6E412B7CD68}"/>
-              </a:ext>
-            </a:extLst>
-          </p:cNvPr>
-          <p:cNvSpPr>
-            <a:spLocks noGrp="1"/>
-          </p:cNvSpPr>
-          <p:nvPr>
-            <p:ph type="dt" sz="half" idx="10"/>
-          </p:nvPr>
-        </p:nvSpPr>
-        <p:spPr/>
-        <p:txBody>
-          <a:bodyPr/>
-          <a:lstStyle/>
-          <a:p>
-            <a:fld id="{CB43818D-5554-4105-BE04-CEE32DEBDA0A}" type="datetime1">
-              <a:rPr lang="en-US" smtClean="0"/>
-              <a:t>10/10/2024</a:t>
-            </a:fld>
-            <a:endParaRPr lang="en-US"/>
-          </a:p>
-        </p:txBody>
-      </p:sp>
-      <p:sp>
-        <p:nvSpPr>
-          <p:cNvPr id="5" name="Footer Placeholder 4">
-            <a:extLst>
-              <a:ext uri="{FF2B5EF4-FFF2-40B4-BE49-F238E27FC236}">
-                <a16:creationId xmlns:a16="http://schemas.microsoft.com/office/drawing/2014/main" id="{17AABE0A-6316-1BFF-88AA-1E305E3595C5}"/>
-              </a:ext>
-            </a:extLst>
-          </p:cNvPr>
-          <p:cNvSpPr>
-            <a:spLocks noGrp="1"/>
-          </p:cNvSpPr>
-          <p:nvPr>
-            <p:ph type="ftr" sz="quarter" idx="11"/>
-          </p:nvPr>
-        </p:nvSpPr>
-        <p:spPr/>
-        <p:txBody>
-          <a:bodyPr/>
-          <a:lstStyle/>
-          <a:p>
-            <a:endParaRPr lang="en-US"/>
-          </a:p>
-        </p:txBody>
-      </p:sp>
-      <p:sp>
-        <p:nvSpPr>
-          <p:cNvPr id="6" name="Slide Number Placeholder 5">
-            <a:extLst>
-              <a:ext uri="{FF2B5EF4-FFF2-40B4-BE49-F238E27FC236}">
-                <a16:creationId xmlns:a16="http://schemas.microsoft.com/office/drawing/2014/main" id="{FC568FF5-9BB0-1800-E4BA-438F3408E54B}"/>
-              </a:ext>
-            </a:extLst>
-          </p:cNvPr>
-          <p:cNvSpPr>
-            <a:spLocks noGrp="1"/>
-          </p:cNvSpPr>
-          <p:nvPr>
-            <p:ph type="sldNum" sz="quarter" idx="12"/>
-          </p:nvPr>
-        </p:nvSpPr>
-        <p:spPr/>
-        <p:txBody>
-          <a:bodyPr/>
-          <a:lstStyle/>
-          <a:p>
-            <a:fld id="{B46E5E13-EE34-439C-B49B-F0CB75B28E1B}" type="slidenum">
-              <a:rPr lang="en-US" smtClean="0"/>
-              <a:t>‹#›</a:t>
-            </a:fld>
-            <a:endParaRPr lang="en-US"/>
-          </a:p>
-        </p:txBody>
-      </p:sp>
-    </p:spTree>
-    <p:extLst>
-      <p:ext uri="{BB962C8B-B14F-4D97-AF65-F5344CB8AC3E}">
-        <p14:creationId xmlns:p14="http://schemas.microsoft.com/office/powerpoint/2010/main" val="3088053719"/>
-      </p:ext>
-    </p:extLst>
-  </p:cSld>
-  <p:clrMapOvr>
-    <a:masterClrMapping/>
-  </p:clrMapOvr>
-</p:sldLayout>
-</file>
-
-<file path=ppt/slideLayouts/slideLayout11.xml><?xml version="1.0" encoding="utf-8"?>
-<p:sldLayout xmlns:a="http://schemas.openxmlformats.org/drawingml/2006/main" xmlns:r="http://schemas.openxmlformats.org/officeDocument/2006/relationships" xmlns:p="http://schemas.openxmlformats.org/presentationml/2006/main" type="vertTitleAndTx" preserve="1">
-  <p:cSld name="Vertical Title and Text">
-    <p:spTree>
-      <p:nvGrpSpPr>
-        <p:cNvPr id="1" name=""/>
-        <p:cNvGrpSpPr/>
-        <p:nvPr/>
-      </p:nvGrpSpPr>
-      <p:grpSpPr>
-        <a:xfrm>
-          <a:off x="0" y="0"/>
-          <a:ext cx="0" cy="0"/>
-          <a:chOff x="0" y="0"/>
-          <a:chExt cx="0" cy="0"/>
-        </a:xfrm>
-      </p:grpSpPr>
-      <p:sp>
-        <p:nvSpPr>
-          <p:cNvPr id="2" name="Vertical Title 1">
-            <a:extLst>
-              <a:ext uri="{FF2B5EF4-FFF2-40B4-BE49-F238E27FC236}">
-                <a16:creationId xmlns:a16="http://schemas.microsoft.com/office/drawing/2014/main" id="{AAE8DA51-17B9-3E3B-6597-C3149EC564E7}"/>
-              </a:ext>
-            </a:extLst>
-          </p:cNvPr>
-          <p:cNvSpPr>
-            <a:spLocks noGrp="1"/>
-          </p:cNvSpPr>
-          <p:nvPr>
-            <p:ph type="title" orient="vert"/>
-          </p:nvPr>
-        </p:nvSpPr>
-        <p:spPr>
-          <a:xfrm>
-            <a:off x="8724900" y="365125"/>
-            <a:ext cx="2628900" cy="5811838"/>
-          </a:xfrm>
-        </p:spPr>
-        <p:txBody>
-          <a:bodyPr vert="eaVert"/>
-          <a:lstStyle/>
-          <a:p>
-            <a:r>
-              <a:rPr lang="en-US"/>
-              <a:t>Click to edit Master title style</a:t>
-            </a:r>
-          </a:p>
-        </p:txBody>
-      </p:sp>
-      <p:sp>
-        <p:nvSpPr>
-          <p:cNvPr id="3" name="Vertical Text Placeholder 2">
-            <a:extLst>
-              <a:ext uri="{FF2B5EF4-FFF2-40B4-BE49-F238E27FC236}">
-                <a16:creationId xmlns:a16="http://schemas.microsoft.com/office/drawing/2014/main" id="{C43333B4-9DAF-48B6-30CB-E3B610BEF084}"/>
-              </a:ext>
-            </a:extLst>
-          </p:cNvPr>
-          <p:cNvSpPr>
-            <a:spLocks noGrp="1"/>
-          </p:cNvSpPr>
-          <p:nvPr>
-            <p:ph type="body" orient="vert" idx="1"/>
-          </p:nvPr>
-        </p:nvSpPr>
-        <p:spPr>
-          <a:xfrm>
-            <a:off x="838200" y="365125"/>
-            <a:ext cx="7734300" cy="5811838"/>
-          </a:xfrm>
-        </p:spPr>
-        <p:txBody>
-          <a:bodyPr vert="eaVert"/>
-          <a:lstStyle/>
-          <a:p>
-            <a:pPr lvl="0"/>
-            <a:r>
-              <a:rPr lang="en-US"/>
-              <a:t>Click to edit Master text styles</a:t>
-            </a:r>
-          </a:p>
-          <a:p>
-            <a:pPr lvl="1"/>
-            <a:r>
-              <a:rPr lang="en-US"/>
-              <a:t>Second level</a:t>
-            </a:r>
-          </a:p>
-          <a:p>
-            <a:pPr lvl="2"/>
-            <a:r>
-              <a:rPr lang="en-US"/>
-              <a:t>Third level</a:t>
-            </a:r>
-          </a:p>
-          <a:p>
-            <a:pPr lvl="3"/>
-            <a:r>
-              <a:rPr lang="en-US"/>
-              <a:t>Fourth level</a:t>
-            </a:r>
-          </a:p>
-          <a:p>
-            <a:pPr lvl="4"/>
-            <a:r>
-              <a:rPr lang="en-US"/>
-              <a:t>Fifth level</a:t>
-            </a:r>
-          </a:p>
-        </p:txBody>
-      </p:sp>
-      <p:sp>
-        <p:nvSpPr>
-          <p:cNvPr id="4" name="Date Placeholder 3">
-            <a:extLst>
-              <a:ext uri="{FF2B5EF4-FFF2-40B4-BE49-F238E27FC236}">
-                <a16:creationId xmlns:a16="http://schemas.microsoft.com/office/drawing/2014/main" id="{6086BDD1-83F5-3D7A-8DD5-DF362A8AD1E7}"/>
-              </a:ext>
-            </a:extLst>
-          </p:cNvPr>
-          <p:cNvSpPr>
-            <a:spLocks noGrp="1"/>
-          </p:cNvSpPr>
-          <p:nvPr>
-            <p:ph type="dt" sz="half" idx="10"/>
-          </p:nvPr>
-        </p:nvSpPr>
-        <p:spPr/>
-        <p:txBody>
-          <a:bodyPr/>
-          <a:lstStyle/>
-          <a:p>
-            <a:fld id="{AFAC11C6-1708-41BC-9474-3D7842023D96}" type="datetime1">
-              <a:rPr lang="en-US" smtClean="0"/>
-              <a:t>10/10/2024</a:t>
-            </a:fld>
-            <a:endParaRPr lang="en-US"/>
-          </a:p>
-        </p:txBody>
-      </p:sp>
-      <p:sp>
-        <p:nvSpPr>
-          <p:cNvPr id="5" name="Footer Placeholder 4">
-            <a:extLst>
-              <a:ext uri="{FF2B5EF4-FFF2-40B4-BE49-F238E27FC236}">
-                <a16:creationId xmlns:a16="http://schemas.microsoft.com/office/drawing/2014/main" id="{4CD22109-0E78-0957-7BBE-F0B6D89EFBB0}"/>
-              </a:ext>
-            </a:extLst>
-          </p:cNvPr>
-          <p:cNvSpPr>
-            <a:spLocks noGrp="1"/>
-          </p:cNvSpPr>
-          <p:nvPr>
-            <p:ph type="ftr" sz="quarter" idx="11"/>
-          </p:nvPr>
-        </p:nvSpPr>
-        <p:spPr/>
-        <p:txBody>
-          <a:bodyPr/>
-          <a:lstStyle/>
-          <a:p>
-            <a:endParaRPr lang="en-US"/>
-          </a:p>
-        </p:txBody>
-      </p:sp>
-      <p:sp>
-        <p:nvSpPr>
-          <p:cNvPr id="6" name="Slide Number Placeholder 5">
-            <a:extLst>
-              <a:ext uri="{FF2B5EF4-FFF2-40B4-BE49-F238E27FC236}">
-                <a16:creationId xmlns:a16="http://schemas.microsoft.com/office/drawing/2014/main" id="{292DE250-FF35-6AD5-3A95-9CDBFE6C2373}"/>
-              </a:ext>
-            </a:extLst>
-          </p:cNvPr>
-          <p:cNvSpPr>
-            <a:spLocks noGrp="1"/>
-          </p:cNvSpPr>
-          <p:nvPr>
-            <p:ph type="sldNum" sz="quarter" idx="12"/>
-          </p:nvPr>
-        </p:nvSpPr>
-        <p:spPr/>
-        <p:txBody>
-          <a:bodyPr/>
-          <a:lstStyle/>
-          <a:p>
-            <a:fld id="{B46E5E13-EE34-439C-B49B-F0CB75B28E1B}" type="slidenum">
-              <a:rPr lang="en-US" smtClean="0"/>
-              <a:t>‹#›</a:t>
-            </a:fld>
-            <a:endParaRPr lang="en-US"/>
-          </a:p>
-        </p:txBody>
-      </p:sp>
-    </p:spTree>
-    <p:extLst>
-      <p:ext uri="{BB962C8B-B14F-4D97-AF65-F5344CB8AC3E}">
-        <p14:creationId xmlns:p14="http://schemas.microsoft.com/office/powerpoint/2010/main" val="3295637468"/>
-      </p:ext>
-    </p:extLst>
-  </p:cSld>
-  <p:clrMapOvr>
-    <a:masterClrMapping/>
-  </p:clrMapOvr>
-</p:sldLayout>
-</file>
-
-<file path=ppt/slideLayouts/slideLayout12.xml><?xml version="1.0" encoding="utf-8"?>
+<file path=ppt/slideLayouts/slideLayout13.xml><?xml version="1.0" encoding="utf-8"?>
 <p:sldLayout xmlns:a="http://schemas.openxmlformats.org/drawingml/2006/main" xmlns:r="http://schemas.openxmlformats.org/officeDocument/2006/relationships" xmlns:p="http://schemas.openxmlformats.org/presentationml/2006/main">
   <p:cSld name="Contents slide layout">
     <p:spTree>
@@ -2686,7 +1547,7 @@
     </p:spTree>
     <p:extLst>
       <p:ext uri="{BB962C8B-B14F-4D97-AF65-F5344CB8AC3E}">
-        <p14:creationId xmlns:p14="http://schemas.microsoft.com/office/powerpoint/2010/main" val="2488198393"/>
+        <p14:creationId xmlns:p14="http://schemas.microsoft.com/office/powerpoint/2010/main" val="3017759666"/>
       </p:ext>
     </p:extLst>
   </p:cSld>
@@ -2718,7 +1579,7 @@
           <p:cNvPr id="2" name="Title 1">
             <a:extLst>
               <a:ext uri="{FF2B5EF4-FFF2-40B4-BE49-F238E27FC236}">
-                <a16:creationId xmlns:a16="http://schemas.microsoft.com/office/drawing/2014/main" id="{9B53F3F8-E052-488D-90D0-D947B99C4AE2}"/>
+                <a16:creationId xmlns:a16="http://schemas.microsoft.com/office/drawing/2014/main" id="{6A54579A-6906-4E6D-591C-C727DF060739}"/>
               </a:ext>
             </a:extLst>
           </p:cNvPr>
@@ -2729,7 +1590,15 @@
             <p:ph type="title"/>
           </p:nvPr>
         </p:nvSpPr>
-        <p:spPr/>
+        <p:spPr>
+          <a:xfrm>
+            <a:off x="602787" y="1498382"/>
+            <a:ext cx="10515600" cy="1325563"/>
+          </a:xfrm>
+          <a:prstGeom prst="rect">
+            <a:avLst/>
+          </a:prstGeom>
+        </p:spPr>
         <p:txBody>
           <a:bodyPr/>
           <a:lstStyle/>
@@ -2746,7 +1615,7 @@
           <p:cNvPr id="3" name="Content Placeholder 2">
             <a:extLst>
               <a:ext uri="{FF2B5EF4-FFF2-40B4-BE49-F238E27FC236}">
-                <a16:creationId xmlns:a16="http://schemas.microsoft.com/office/drawing/2014/main" id="{EDD73720-466D-068E-61C9-BDF9BF686AF3}"/>
+                <a16:creationId xmlns:a16="http://schemas.microsoft.com/office/drawing/2014/main" id="{9C426EAA-227D-5ECA-282E-3A3B3C8AE97C}"/>
               </a:ext>
             </a:extLst>
           </p:cNvPr>
@@ -2757,7 +1626,15 @@
             <p:ph idx="1"/>
           </p:nvPr>
         </p:nvSpPr>
-        <p:spPr/>
+        <p:spPr>
+          <a:xfrm>
+            <a:off x="838200" y="1825625"/>
+            <a:ext cx="10515600" cy="4351338"/>
+          </a:xfrm>
+          <a:prstGeom prst="rect">
+            <a:avLst/>
+          </a:prstGeom>
+        </p:spPr>
         <p:txBody>
           <a:bodyPr/>
           <a:lstStyle/>
@@ -2803,7 +1680,7 @@
           <p:cNvPr id="4" name="Date Placeholder 3">
             <a:extLst>
               <a:ext uri="{FF2B5EF4-FFF2-40B4-BE49-F238E27FC236}">
-                <a16:creationId xmlns:a16="http://schemas.microsoft.com/office/drawing/2014/main" id="{86D8B675-57D5-D89F-01F5-209268AB9E4B}"/>
+                <a16:creationId xmlns:a16="http://schemas.microsoft.com/office/drawing/2014/main" id="{7F651069-7D1F-49B9-3F01-D52A9F3A60B7}"/>
               </a:ext>
             </a:extLst>
           </p:cNvPr>
@@ -2814,14 +1691,22 @@
             <p:ph type="dt" sz="half" idx="10"/>
           </p:nvPr>
         </p:nvSpPr>
-        <p:spPr/>
+        <p:spPr>
+          <a:xfrm>
+            <a:off x="838200" y="6445249"/>
+            <a:ext cx="2743200" cy="365125"/>
+          </a:xfrm>
+          <a:prstGeom prst="rect">
+            <a:avLst/>
+          </a:prstGeom>
+        </p:spPr>
         <p:txBody>
           <a:bodyPr/>
           <a:lstStyle/>
           <a:p>
-            <a:fld id="{490605F8-8C86-41F5-9F5E-04EDB8C2540B}" type="datetime1">
+            <a:fld id="{71087A05-F855-4434-8DDE-39A8542098A6}" type="datetimeFigureOut">
               <a:rPr lang="en-US" smtClean="0"/>
-              <a:t>10/10/2024</a:t>
+              <a:t>11/21/2024</a:t>
             </a:fld>
             <a:endParaRPr lang="en-US"/>
           </a:p>
@@ -2832,7 +1717,7 @@
           <p:cNvPr id="5" name="Footer Placeholder 4">
             <a:extLst>
               <a:ext uri="{FF2B5EF4-FFF2-40B4-BE49-F238E27FC236}">
-                <a16:creationId xmlns:a16="http://schemas.microsoft.com/office/drawing/2014/main" id="{7053F998-E2CB-02E4-49BF-97696F865F45}"/>
+                <a16:creationId xmlns:a16="http://schemas.microsoft.com/office/drawing/2014/main" id="{5756067D-C727-84C7-612B-F665F36170EE}"/>
               </a:ext>
             </a:extLst>
           </p:cNvPr>
@@ -2843,7 +1728,15 @@
             <p:ph type="ftr" sz="quarter" idx="11"/>
           </p:nvPr>
         </p:nvSpPr>
-        <p:spPr/>
+        <p:spPr>
+          <a:xfrm>
+            <a:off x="4038600" y="6356350"/>
+            <a:ext cx="4114800" cy="365125"/>
+          </a:xfrm>
+          <a:prstGeom prst="rect">
+            <a:avLst/>
+          </a:prstGeom>
+        </p:spPr>
         <p:txBody>
           <a:bodyPr/>
           <a:lstStyle/>
@@ -2857,7 +1750,7 @@
           <p:cNvPr id="6" name="Slide Number Placeholder 5">
             <a:extLst>
               <a:ext uri="{FF2B5EF4-FFF2-40B4-BE49-F238E27FC236}">
-                <a16:creationId xmlns:a16="http://schemas.microsoft.com/office/drawing/2014/main" id="{FED59867-B8CC-A6E9-DDC7-43729DA70B76}"/>
+                <a16:creationId xmlns:a16="http://schemas.microsoft.com/office/drawing/2014/main" id="{A3C64F88-1C59-3F79-931F-4F91F22F14D3}"/>
               </a:ext>
             </a:extLst>
           </p:cNvPr>
@@ -2868,12 +1761,20 @@
             <p:ph type="sldNum" sz="quarter" idx="12"/>
           </p:nvPr>
         </p:nvSpPr>
-        <p:spPr/>
+        <p:spPr>
+          <a:xfrm>
+            <a:off x="8610600" y="6356350"/>
+            <a:ext cx="2743200" cy="365125"/>
+          </a:xfrm>
+          <a:prstGeom prst="rect">
+            <a:avLst/>
+          </a:prstGeom>
+        </p:spPr>
         <p:txBody>
           <a:bodyPr/>
           <a:lstStyle/>
           <a:p>
-            <a:fld id="{B46E5E13-EE34-439C-B49B-F0CB75B28E1B}" type="slidenum">
+            <a:fld id="{6C0014F0-3D1D-4459-A530-32E6C19AE461}" type="slidenum">
               <a:rPr lang="en-US" smtClean="0"/>
               <a:t>‹#›</a:t>
             </a:fld>
@@ -2884,7 +1785,7 @@
     </p:spTree>
     <p:extLst>
       <p:ext uri="{BB962C8B-B14F-4D97-AF65-F5344CB8AC3E}">
-        <p14:creationId xmlns:p14="http://schemas.microsoft.com/office/powerpoint/2010/main" val="810322467"/>
+        <p14:creationId xmlns:p14="http://schemas.microsoft.com/office/powerpoint/2010/main" val="3412372441"/>
       </p:ext>
     </p:extLst>
   </p:cSld>
@@ -2916,7 +1817,7 @@
           <p:cNvPr id="2" name="Title 1">
             <a:extLst>
               <a:ext uri="{FF2B5EF4-FFF2-40B4-BE49-F238E27FC236}">
-                <a16:creationId xmlns:a16="http://schemas.microsoft.com/office/drawing/2014/main" id="{24562E59-A35F-2B41-2BE7-EC4592347134}"/>
+                <a16:creationId xmlns:a16="http://schemas.microsoft.com/office/drawing/2014/main" id="{C2E67B73-4EBE-86E7-DEDC-379A7358D71A}"/>
               </a:ext>
             </a:extLst>
           </p:cNvPr>
@@ -2932,6 +1833,9 @@
             <a:off x="831850" y="1709738"/>
             <a:ext cx="10515600" cy="2852737"/>
           </a:xfrm>
+          <a:prstGeom prst="rect">
+            <a:avLst/>
+          </a:prstGeom>
         </p:spPr>
         <p:txBody>
           <a:bodyPr anchor="b"/>
@@ -2953,7 +1857,7 @@
           <p:cNvPr id="3" name="Text Placeholder 2">
             <a:extLst>
               <a:ext uri="{FF2B5EF4-FFF2-40B4-BE49-F238E27FC236}">
-                <a16:creationId xmlns:a16="http://schemas.microsoft.com/office/drawing/2014/main" id="{6CB88CFD-8D25-CDFD-1F9A-6A5BAFD86DD9}"/>
+                <a16:creationId xmlns:a16="http://schemas.microsoft.com/office/drawing/2014/main" id="{39DC486F-4B2F-BAA7-822D-AF77A301C3EF}"/>
               </a:ext>
             </a:extLst>
           </p:cNvPr>
@@ -2969,6 +1873,9 @@
             <a:off x="831850" y="4589463"/>
             <a:ext cx="10515600" cy="1500187"/>
           </a:xfrm>
+          <a:prstGeom prst="rect">
+            <a:avLst/>
+          </a:prstGeom>
         </p:spPr>
         <p:txBody>
           <a:bodyPr/>
@@ -2978,7 +1885,7 @@
               <a:defRPr sz="2400">
                 <a:solidFill>
                   <a:schemeClr val="tx1">
-                    <a:tint val="75000"/>
+                    <a:tint val="82000"/>
                   </a:schemeClr>
                 </a:solidFill>
               </a:defRPr>
@@ -2988,7 +1895,7 @@
               <a:defRPr sz="2000">
                 <a:solidFill>
                   <a:schemeClr val="tx1">
-                    <a:tint val="75000"/>
+                    <a:tint val="82000"/>
                   </a:schemeClr>
                 </a:solidFill>
               </a:defRPr>
@@ -2998,7 +1905,7 @@
               <a:defRPr sz="1800">
                 <a:solidFill>
                   <a:schemeClr val="tx1">
-                    <a:tint val="75000"/>
+                    <a:tint val="82000"/>
                   </a:schemeClr>
                 </a:solidFill>
               </a:defRPr>
@@ -3008,7 +1915,7 @@
               <a:defRPr sz="1600">
                 <a:solidFill>
                   <a:schemeClr val="tx1">
-                    <a:tint val="75000"/>
+                    <a:tint val="82000"/>
                   </a:schemeClr>
                 </a:solidFill>
               </a:defRPr>
@@ -3018,7 +1925,7 @@
               <a:defRPr sz="1600">
                 <a:solidFill>
                   <a:schemeClr val="tx1">
-                    <a:tint val="75000"/>
+                    <a:tint val="82000"/>
                   </a:schemeClr>
                 </a:solidFill>
               </a:defRPr>
@@ -3028,7 +1935,7 @@
               <a:defRPr sz="1600">
                 <a:solidFill>
                   <a:schemeClr val="tx1">
-                    <a:tint val="75000"/>
+                    <a:tint val="82000"/>
                   </a:schemeClr>
                 </a:solidFill>
               </a:defRPr>
@@ -3038,7 +1945,7 @@
               <a:defRPr sz="1600">
                 <a:solidFill>
                   <a:schemeClr val="tx1">
-                    <a:tint val="75000"/>
+                    <a:tint val="82000"/>
                   </a:schemeClr>
                 </a:solidFill>
               </a:defRPr>
@@ -3048,7 +1955,7 @@
               <a:defRPr sz="1600">
                 <a:solidFill>
                   <a:schemeClr val="tx1">
-                    <a:tint val="75000"/>
+                    <a:tint val="82000"/>
                   </a:schemeClr>
                 </a:solidFill>
               </a:defRPr>
@@ -3058,7 +1965,7 @@
               <a:defRPr sz="1600">
                 <a:solidFill>
                   <a:schemeClr val="tx1">
-                    <a:tint val="75000"/>
+                    <a:tint val="82000"/>
                   </a:schemeClr>
                 </a:solidFill>
               </a:defRPr>
@@ -3078,7 +1985,7 @@
           <p:cNvPr id="4" name="Date Placeholder 3">
             <a:extLst>
               <a:ext uri="{FF2B5EF4-FFF2-40B4-BE49-F238E27FC236}">
-                <a16:creationId xmlns:a16="http://schemas.microsoft.com/office/drawing/2014/main" id="{5DC2235C-EA94-C1E9-D4DB-83056BF4C68F}"/>
+                <a16:creationId xmlns:a16="http://schemas.microsoft.com/office/drawing/2014/main" id="{AC1AB7C3-5E85-3B9F-4177-A1AF2AB486D8}"/>
               </a:ext>
             </a:extLst>
           </p:cNvPr>
@@ -3089,14 +1996,22 @@
             <p:ph type="dt" sz="half" idx="10"/>
           </p:nvPr>
         </p:nvSpPr>
-        <p:spPr/>
+        <p:spPr>
+          <a:xfrm>
+            <a:off x="838200" y="6445249"/>
+            <a:ext cx="2743200" cy="365125"/>
+          </a:xfrm>
+          <a:prstGeom prst="rect">
+            <a:avLst/>
+          </a:prstGeom>
+        </p:spPr>
         <p:txBody>
           <a:bodyPr/>
           <a:lstStyle/>
           <a:p>
-            <a:fld id="{CA355DA2-1E89-41CC-B722-CBFC08F260AE}" type="datetime1">
+            <a:fld id="{71087A05-F855-4434-8DDE-39A8542098A6}" type="datetimeFigureOut">
               <a:rPr lang="en-US" smtClean="0"/>
-              <a:t>10/10/2024</a:t>
+              <a:t>11/21/2024</a:t>
             </a:fld>
             <a:endParaRPr lang="en-US"/>
           </a:p>
@@ -3107,7 +2022,7 @@
           <p:cNvPr id="5" name="Footer Placeholder 4">
             <a:extLst>
               <a:ext uri="{FF2B5EF4-FFF2-40B4-BE49-F238E27FC236}">
-                <a16:creationId xmlns:a16="http://schemas.microsoft.com/office/drawing/2014/main" id="{E178E07A-E8A4-2767-2911-D824C588F20D}"/>
+                <a16:creationId xmlns:a16="http://schemas.microsoft.com/office/drawing/2014/main" id="{8950E3CD-02DB-7A08-79DC-74CA926DE70F}"/>
               </a:ext>
             </a:extLst>
           </p:cNvPr>
@@ -3118,7 +2033,15 @@
             <p:ph type="ftr" sz="quarter" idx="11"/>
           </p:nvPr>
         </p:nvSpPr>
-        <p:spPr/>
+        <p:spPr>
+          <a:xfrm>
+            <a:off x="4038600" y="6356350"/>
+            <a:ext cx="4114800" cy="365125"/>
+          </a:xfrm>
+          <a:prstGeom prst="rect">
+            <a:avLst/>
+          </a:prstGeom>
+        </p:spPr>
         <p:txBody>
           <a:bodyPr/>
           <a:lstStyle/>
@@ -3132,7 +2055,7 @@
           <p:cNvPr id="6" name="Slide Number Placeholder 5">
             <a:extLst>
               <a:ext uri="{FF2B5EF4-FFF2-40B4-BE49-F238E27FC236}">
-                <a16:creationId xmlns:a16="http://schemas.microsoft.com/office/drawing/2014/main" id="{6D865987-67F3-82BA-9FFE-7A512551887E}"/>
+                <a16:creationId xmlns:a16="http://schemas.microsoft.com/office/drawing/2014/main" id="{78D6A67F-8469-E8AB-D35D-DEC64EA01BF9}"/>
               </a:ext>
             </a:extLst>
           </p:cNvPr>
@@ -3143,12 +2066,20 @@
             <p:ph type="sldNum" sz="quarter" idx="12"/>
           </p:nvPr>
         </p:nvSpPr>
-        <p:spPr/>
+        <p:spPr>
+          <a:xfrm>
+            <a:off x="8610600" y="6356350"/>
+            <a:ext cx="2743200" cy="365125"/>
+          </a:xfrm>
+          <a:prstGeom prst="rect">
+            <a:avLst/>
+          </a:prstGeom>
+        </p:spPr>
         <p:txBody>
           <a:bodyPr/>
           <a:lstStyle/>
           <a:p>
-            <a:fld id="{B46E5E13-EE34-439C-B49B-F0CB75B28E1B}" type="slidenum">
+            <a:fld id="{6C0014F0-3D1D-4459-A530-32E6C19AE461}" type="slidenum">
               <a:rPr lang="en-US" smtClean="0"/>
               <a:t>‹#›</a:t>
             </a:fld>
@@ -3159,7 +2090,7 @@
     </p:spTree>
     <p:extLst>
       <p:ext uri="{BB962C8B-B14F-4D97-AF65-F5344CB8AC3E}">
-        <p14:creationId xmlns:p14="http://schemas.microsoft.com/office/powerpoint/2010/main" val="3397068280"/>
+        <p14:creationId xmlns:p14="http://schemas.microsoft.com/office/powerpoint/2010/main" val="2389875780"/>
       </p:ext>
     </p:extLst>
   </p:cSld>
@@ -3191,7 +2122,7 @@
           <p:cNvPr id="2" name="Title 1">
             <a:extLst>
               <a:ext uri="{FF2B5EF4-FFF2-40B4-BE49-F238E27FC236}">
-                <a16:creationId xmlns:a16="http://schemas.microsoft.com/office/drawing/2014/main" id="{D7417273-9D16-5639-8844-46262C7A214A}"/>
+                <a16:creationId xmlns:a16="http://schemas.microsoft.com/office/drawing/2014/main" id="{BFB01EF5-6F0D-8686-CDD5-7DB43C9F613E}"/>
               </a:ext>
             </a:extLst>
           </p:cNvPr>
@@ -3202,7 +2133,15 @@
             <p:ph type="title"/>
           </p:nvPr>
         </p:nvSpPr>
-        <p:spPr/>
+        <p:spPr>
+          <a:xfrm>
+            <a:off x="602787" y="1498382"/>
+            <a:ext cx="10515600" cy="1325563"/>
+          </a:xfrm>
+          <a:prstGeom prst="rect">
+            <a:avLst/>
+          </a:prstGeom>
+        </p:spPr>
         <p:txBody>
           <a:bodyPr/>
           <a:lstStyle/>
@@ -3219,7 +2158,7 @@
           <p:cNvPr id="3" name="Content Placeholder 2">
             <a:extLst>
               <a:ext uri="{FF2B5EF4-FFF2-40B4-BE49-F238E27FC236}">
-                <a16:creationId xmlns:a16="http://schemas.microsoft.com/office/drawing/2014/main" id="{B0CB97D0-5920-4A0C-455B-784B34D523CD}"/>
+                <a16:creationId xmlns:a16="http://schemas.microsoft.com/office/drawing/2014/main" id="{2ED595E2-3C65-7E01-6223-574BF8FB8119}"/>
               </a:ext>
             </a:extLst>
           </p:cNvPr>
@@ -3235,6 +2174,9 @@
             <a:off x="838200" y="1825625"/>
             <a:ext cx="5181600" cy="4351338"/>
           </a:xfrm>
+          <a:prstGeom prst="rect">
+            <a:avLst/>
+          </a:prstGeom>
         </p:spPr>
         <p:txBody>
           <a:bodyPr/>
@@ -3281,7 +2223,7 @@
           <p:cNvPr id="4" name="Content Placeholder 3">
             <a:extLst>
               <a:ext uri="{FF2B5EF4-FFF2-40B4-BE49-F238E27FC236}">
-                <a16:creationId xmlns:a16="http://schemas.microsoft.com/office/drawing/2014/main" id="{49C5FDBC-D200-7F14-85E8-2B208477DAF9}"/>
+                <a16:creationId xmlns:a16="http://schemas.microsoft.com/office/drawing/2014/main" id="{DFDA5243-FD59-824D-9801-C6A7FC40AD32}"/>
               </a:ext>
             </a:extLst>
           </p:cNvPr>
@@ -3297,6 +2239,9 @@
             <a:off x="6172200" y="1825625"/>
             <a:ext cx="5181600" cy="4351338"/>
           </a:xfrm>
+          <a:prstGeom prst="rect">
+            <a:avLst/>
+          </a:prstGeom>
         </p:spPr>
         <p:txBody>
           <a:bodyPr/>
@@ -3343,7 +2288,7 @@
           <p:cNvPr id="5" name="Date Placeholder 4">
             <a:extLst>
               <a:ext uri="{FF2B5EF4-FFF2-40B4-BE49-F238E27FC236}">
-                <a16:creationId xmlns:a16="http://schemas.microsoft.com/office/drawing/2014/main" id="{9C0A7D34-EDD4-2B7C-7597-31E5AE2E8BD6}"/>
+                <a16:creationId xmlns:a16="http://schemas.microsoft.com/office/drawing/2014/main" id="{BB0B0631-5586-E8EE-C280-1DC0A64D54C9}"/>
               </a:ext>
             </a:extLst>
           </p:cNvPr>
@@ -3354,14 +2299,22 @@
             <p:ph type="dt" sz="half" idx="10"/>
           </p:nvPr>
         </p:nvSpPr>
-        <p:spPr/>
+        <p:spPr>
+          <a:xfrm>
+            <a:off x="838200" y="6445249"/>
+            <a:ext cx="2743200" cy="365125"/>
+          </a:xfrm>
+          <a:prstGeom prst="rect">
+            <a:avLst/>
+          </a:prstGeom>
+        </p:spPr>
         <p:txBody>
           <a:bodyPr/>
           <a:lstStyle/>
           <a:p>
-            <a:fld id="{7F6AFD48-C472-404E-B7B5-BA44CCF2F55D}" type="datetime1">
+            <a:fld id="{71087A05-F855-4434-8DDE-39A8542098A6}" type="datetimeFigureOut">
               <a:rPr lang="en-US" smtClean="0"/>
-              <a:t>10/10/2024</a:t>
+              <a:t>11/21/2024</a:t>
             </a:fld>
             <a:endParaRPr lang="en-US"/>
           </a:p>
@@ -3372,7 +2325,7 @@
           <p:cNvPr id="6" name="Footer Placeholder 5">
             <a:extLst>
               <a:ext uri="{FF2B5EF4-FFF2-40B4-BE49-F238E27FC236}">
-                <a16:creationId xmlns:a16="http://schemas.microsoft.com/office/drawing/2014/main" id="{001C50E6-D64B-52FC-1719-552ED73B243D}"/>
+                <a16:creationId xmlns:a16="http://schemas.microsoft.com/office/drawing/2014/main" id="{4C7022BC-4356-2E12-5FFC-95893C9539C6}"/>
               </a:ext>
             </a:extLst>
           </p:cNvPr>
@@ -3383,7 +2336,15 @@
             <p:ph type="ftr" sz="quarter" idx="11"/>
           </p:nvPr>
         </p:nvSpPr>
-        <p:spPr/>
+        <p:spPr>
+          <a:xfrm>
+            <a:off x="4038600" y="6356350"/>
+            <a:ext cx="4114800" cy="365125"/>
+          </a:xfrm>
+          <a:prstGeom prst="rect">
+            <a:avLst/>
+          </a:prstGeom>
+        </p:spPr>
         <p:txBody>
           <a:bodyPr/>
           <a:lstStyle/>
@@ -3397,7 +2358,7 @@
           <p:cNvPr id="7" name="Slide Number Placeholder 6">
             <a:extLst>
               <a:ext uri="{FF2B5EF4-FFF2-40B4-BE49-F238E27FC236}">
-                <a16:creationId xmlns:a16="http://schemas.microsoft.com/office/drawing/2014/main" id="{159CBFED-25BE-7153-12B4-D0E8588920D3}"/>
+                <a16:creationId xmlns:a16="http://schemas.microsoft.com/office/drawing/2014/main" id="{2F6F0616-5185-D339-BFDE-0E16B9960312}"/>
               </a:ext>
             </a:extLst>
           </p:cNvPr>
@@ -3408,12 +2369,20 @@
             <p:ph type="sldNum" sz="quarter" idx="12"/>
           </p:nvPr>
         </p:nvSpPr>
-        <p:spPr/>
+        <p:spPr>
+          <a:xfrm>
+            <a:off x="8610600" y="6356350"/>
+            <a:ext cx="2743200" cy="365125"/>
+          </a:xfrm>
+          <a:prstGeom prst="rect">
+            <a:avLst/>
+          </a:prstGeom>
+        </p:spPr>
         <p:txBody>
           <a:bodyPr/>
           <a:lstStyle/>
           <a:p>
-            <a:fld id="{B46E5E13-EE34-439C-B49B-F0CB75B28E1B}" type="slidenum">
+            <a:fld id="{6C0014F0-3D1D-4459-A530-32E6C19AE461}" type="slidenum">
               <a:rPr lang="en-US" smtClean="0"/>
               <a:t>‹#›</a:t>
             </a:fld>
@@ -3424,7 +2393,7 @@
     </p:spTree>
     <p:extLst>
       <p:ext uri="{BB962C8B-B14F-4D97-AF65-F5344CB8AC3E}">
-        <p14:creationId xmlns:p14="http://schemas.microsoft.com/office/powerpoint/2010/main" val="239742289"/>
+        <p14:creationId xmlns:p14="http://schemas.microsoft.com/office/powerpoint/2010/main" val="1597145891"/>
       </p:ext>
     </p:extLst>
   </p:cSld>
@@ -3456,7 +2425,7 @@
           <p:cNvPr id="2" name="Title 1">
             <a:extLst>
               <a:ext uri="{FF2B5EF4-FFF2-40B4-BE49-F238E27FC236}">
-                <a16:creationId xmlns:a16="http://schemas.microsoft.com/office/drawing/2014/main" id="{4EC51817-320C-EB58-D57C-AAA586C0053E}"/>
+                <a16:creationId xmlns:a16="http://schemas.microsoft.com/office/drawing/2014/main" id="{0AADFFED-E59B-6D4E-6B64-0F5B746DEB96}"/>
               </a:ext>
             </a:extLst>
           </p:cNvPr>
@@ -3472,6 +2441,9 @@
             <a:off x="839788" y="365125"/>
             <a:ext cx="10515600" cy="1325563"/>
           </a:xfrm>
+          <a:prstGeom prst="rect">
+            <a:avLst/>
+          </a:prstGeom>
         </p:spPr>
         <p:txBody>
           <a:bodyPr/>
@@ -3489,7 +2461,7 @@
           <p:cNvPr id="3" name="Text Placeholder 2">
             <a:extLst>
               <a:ext uri="{FF2B5EF4-FFF2-40B4-BE49-F238E27FC236}">
-                <a16:creationId xmlns:a16="http://schemas.microsoft.com/office/drawing/2014/main" id="{21FF1CDE-5ED1-45BC-1BBF-82DBA76868F4}"/>
+                <a16:creationId xmlns:a16="http://schemas.microsoft.com/office/drawing/2014/main" id="{1D25BBE6-1C38-6614-EF63-AF608E55C235}"/>
               </a:ext>
             </a:extLst>
           </p:cNvPr>
@@ -3505,6 +2477,9 @@
             <a:off x="839788" y="1681163"/>
             <a:ext cx="5157787" cy="823912"/>
           </a:xfrm>
+          <a:prstGeom prst="rect">
+            <a:avLst/>
+          </a:prstGeom>
         </p:spPr>
         <p:txBody>
           <a:bodyPr anchor="b"/>
@@ -3560,7 +2535,7 @@
           <p:cNvPr id="4" name="Content Placeholder 3">
             <a:extLst>
               <a:ext uri="{FF2B5EF4-FFF2-40B4-BE49-F238E27FC236}">
-                <a16:creationId xmlns:a16="http://schemas.microsoft.com/office/drawing/2014/main" id="{CB45744E-8CC8-1B85-F492-6648EB8A9996}"/>
+                <a16:creationId xmlns:a16="http://schemas.microsoft.com/office/drawing/2014/main" id="{D639AC2E-A378-9E93-69F7-FF92F43FC3A8}"/>
               </a:ext>
             </a:extLst>
           </p:cNvPr>
@@ -3576,6 +2551,9 @@
             <a:off x="839788" y="2505075"/>
             <a:ext cx="5157787" cy="3684588"/>
           </a:xfrm>
+          <a:prstGeom prst="rect">
+            <a:avLst/>
+          </a:prstGeom>
         </p:spPr>
         <p:txBody>
           <a:bodyPr/>
@@ -3622,7 +2600,7 @@
           <p:cNvPr id="5" name="Text Placeholder 4">
             <a:extLst>
               <a:ext uri="{FF2B5EF4-FFF2-40B4-BE49-F238E27FC236}">
-                <a16:creationId xmlns:a16="http://schemas.microsoft.com/office/drawing/2014/main" id="{E073266C-0D92-527A-30E1-7ECDD28C0F91}"/>
+                <a16:creationId xmlns:a16="http://schemas.microsoft.com/office/drawing/2014/main" id="{E57BF240-C80B-E670-B12B-8BCBA850E04F}"/>
               </a:ext>
             </a:extLst>
           </p:cNvPr>
@@ -3638,6 +2616,9 @@
             <a:off x="6172200" y="1681163"/>
             <a:ext cx="5183188" cy="823912"/>
           </a:xfrm>
+          <a:prstGeom prst="rect">
+            <a:avLst/>
+          </a:prstGeom>
         </p:spPr>
         <p:txBody>
           <a:bodyPr anchor="b"/>
@@ -3693,7 +2674,7 @@
           <p:cNvPr id="6" name="Content Placeholder 5">
             <a:extLst>
               <a:ext uri="{FF2B5EF4-FFF2-40B4-BE49-F238E27FC236}">
-                <a16:creationId xmlns:a16="http://schemas.microsoft.com/office/drawing/2014/main" id="{1E10B574-E76B-4DE3-3CFA-1190E252BA61}"/>
+                <a16:creationId xmlns:a16="http://schemas.microsoft.com/office/drawing/2014/main" id="{6AB0FB7E-A75F-AB8B-3217-710BBB592FB3}"/>
               </a:ext>
             </a:extLst>
           </p:cNvPr>
@@ -3709,6 +2690,9 @@
             <a:off x="6172200" y="2505075"/>
             <a:ext cx="5183188" cy="3684588"/>
           </a:xfrm>
+          <a:prstGeom prst="rect">
+            <a:avLst/>
+          </a:prstGeom>
         </p:spPr>
         <p:txBody>
           <a:bodyPr/>
@@ -3755,7 +2739,7 @@
           <p:cNvPr id="7" name="Date Placeholder 6">
             <a:extLst>
               <a:ext uri="{FF2B5EF4-FFF2-40B4-BE49-F238E27FC236}">
-                <a16:creationId xmlns:a16="http://schemas.microsoft.com/office/drawing/2014/main" id="{B22F13C7-15CB-D0AD-592A-4574F62CF3CA}"/>
+                <a16:creationId xmlns:a16="http://schemas.microsoft.com/office/drawing/2014/main" id="{BBAC691C-E8A1-E4A4-391E-3EA19AE5DF7A}"/>
               </a:ext>
             </a:extLst>
           </p:cNvPr>
@@ -3766,14 +2750,22 @@
             <p:ph type="dt" sz="half" idx="10"/>
           </p:nvPr>
         </p:nvSpPr>
-        <p:spPr/>
+        <p:spPr>
+          <a:xfrm>
+            <a:off x="838200" y="6445249"/>
+            <a:ext cx="2743200" cy="365125"/>
+          </a:xfrm>
+          <a:prstGeom prst="rect">
+            <a:avLst/>
+          </a:prstGeom>
+        </p:spPr>
         <p:txBody>
           <a:bodyPr/>
           <a:lstStyle/>
           <a:p>
-            <a:fld id="{B33F52E9-9255-4CAF-909C-660126F1B079}" type="datetime1">
+            <a:fld id="{71087A05-F855-4434-8DDE-39A8542098A6}" type="datetimeFigureOut">
               <a:rPr lang="en-US" smtClean="0"/>
-              <a:t>10/10/2024</a:t>
+              <a:t>11/21/2024</a:t>
             </a:fld>
             <a:endParaRPr lang="en-US"/>
           </a:p>
@@ -3784,7 +2776,7 @@
           <p:cNvPr id="8" name="Footer Placeholder 7">
             <a:extLst>
               <a:ext uri="{FF2B5EF4-FFF2-40B4-BE49-F238E27FC236}">
-                <a16:creationId xmlns:a16="http://schemas.microsoft.com/office/drawing/2014/main" id="{2F5F3798-7B61-5530-4CE3-C6CC264D0CAB}"/>
+                <a16:creationId xmlns:a16="http://schemas.microsoft.com/office/drawing/2014/main" id="{A5742DC8-1560-8BC0-2128-ACBD57240165}"/>
               </a:ext>
             </a:extLst>
           </p:cNvPr>
@@ -3795,7 +2787,15 @@
             <p:ph type="ftr" sz="quarter" idx="11"/>
           </p:nvPr>
         </p:nvSpPr>
-        <p:spPr/>
+        <p:spPr>
+          <a:xfrm>
+            <a:off x="4038600" y="6356350"/>
+            <a:ext cx="4114800" cy="365125"/>
+          </a:xfrm>
+          <a:prstGeom prst="rect">
+            <a:avLst/>
+          </a:prstGeom>
+        </p:spPr>
         <p:txBody>
           <a:bodyPr/>
           <a:lstStyle/>
@@ -3809,7 +2809,7 @@
           <p:cNvPr id="9" name="Slide Number Placeholder 8">
             <a:extLst>
               <a:ext uri="{FF2B5EF4-FFF2-40B4-BE49-F238E27FC236}">
-                <a16:creationId xmlns:a16="http://schemas.microsoft.com/office/drawing/2014/main" id="{DEA57831-0ADE-7493-7182-6249F4413808}"/>
+                <a16:creationId xmlns:a16="http://schemas.microsoft.com/office/drawing/2014/main" id="{589CBA34-0EA5-98FC-EEAA-0C1A44BA1CB5}"/>
               </a:ext>
             </a:extLst>
           </p:cNvPr>
@@ -3820,12 +2820,20 @@
             <p:ph type="sldNum" sz="quarter" idx="12"/>
           </p:nvPr>
         </p:nvSpPr>
-        <p:spPr/>
+        <p:spPr>
+          <a:xfrm>
+            <a:off x="8610600" y="6356350"/>
+            <a:ext cx="2743200" cy="365125"/>
+          </a:xfrm>
+          <a:prstGeom prst="rect">
+            <a:avLst/>
+          </a:prstGeom>
+        </p:spPr>
         <p:txBody>
           <a:bodyPr/>
           <a:lstStyle/>
           <a:p>
-            <a:fld id="{B46E5E13-EE34-439C-B49B-F0CB75B28E1B}" type="slidenum">
+            <a:fld id="{6C0014F0-3D1D-4459-A530-32E6C19AE461}" type="slidenum">
               <a:rPr lang="en-US" smtClean="0"/>
               <a:t>‹#›</a:t>
             </a:fld>
@@ -3836,7 +2844,7 @@
     </p:spTree>
     <p:extLst>
       <p:ext uri="{BB962C8B-B14F-4D97-AF65-F5344CB8AC3E}">
-        <p14:creationId xmlns:p14="http://schemas.microsoft.com/office/powerpoint/2010/main" val="847567891"/>
+        <p14:creationId xmlns:p14="http://schemas.microsoft.com/office/powerpoint/2010/main" val="205957926"/>
       </p:ext>
     </p:extLst>
   </p:cSld>
@@ -3868,7 +2876,7 @@
           <p:cNvPr id="2" name="Title 1">
             <a:extLst>
               <a:ext uri="{FF2B5EF4-FFF2-40B4-BE49-F238E27FC236}">
-                <a16:creationId xmlns:a16="http://schemas.microsoft.com/office/drawing/2014/main" id="{C51D6B86-2F64-08CA-8DAC-2D6D1CA3880D}"/>
+                <a16:creationId xmlns:a16="http://schemas.microsoft.com/office/drawing/2014/main" id="{DB1F5818-3C7C-015C-2483-1875C395B0BF}"/>
               </a:ext>
             </a:extLst>
           </p:cNvPr>
@@ -3879,7 +2887,15 @@
             <p:ph type="title"/>
           </p:nvPr>
         </p:nvSpPr>
-        <p:spPr/>
+        <p:spPr>
+          <a:xfrm>
+            <a:off x="602787" y="1498382"/>
+            <a:ext cx="10515600" cy="1325563"/>
+          </a:xfrm>
+          <a:prstGeom prst="rect">
+            <a:avLst/>
+          </a:prstGeom>
+        </p:spPr>
         <p:txBody>
           <a:bodyPr/>
           <a:lstStyle/>
@@ -3896,7 +2912,7 @@
           <p:cNvPr id="3" name="Date Placeholder 2">
             <a:extLst>
               <a:ext uri="{FF2B5EF4-FFF2-40B4-BE49-F238E27FC236}">
-                <a16:creationId xmlns:a16="http://schemas.microsoft.com/office/drawing/2014/main" id="{03C4A398-4A9D-A2A3-6474-1E420261434B}"/>
+                <a16:creationId xmlns:a16="http://schemas.microsoft.com/office/drawing/2014/main" id="{F223477C-97F9-76B1-065E-300F62DDCF99}"/>
               </a:ext>
             </a:extLst>
           </p:cNvPr>
@@ -3907,14 +2923,22 @@
             <p:ph type="dt" sz="half" idx="10"/>
           </p:nvPr>
         </p:nvSpPr>
-        <p:spPr/>
+        <p:spPr>
+          <a:xfrm>
+            <a:off x="838200" y="6445249"/>
+            <a:ext cx="2743200" cy="365125"/>
+          </a:xfrm>
+          <a:prstGeom prst="rect">
+            <a:avLst/>
+          </a:prstGeom>
+        </p:spPr>
         <p:txBody>
           <a:bodyPr/>
           <a:lstStyle/>
           <a:p>
-            <a:fld id="{67F9F019-D13C-4797-8A9F-7B02D5B8121E}" type="datetime1">
+            <a:fld id="{71087A05-F855-4434-8DDE-39A8542098A6}" type="datetimeFigureOut">
               <a:rPr lang="en-US" smtClean="0"/>
-              <a:t>10/10/2024</a:t>
+              <a:t>11/21/2024</a:t>
             </a:fld>
             <a:endParaRPr lang="en-US"/>
           </a:p>
@@ -3925,7 +2949,7 @@
           <p:cNvPr id="4" name="Footer Placeholder 3">
             <a:extLst>
               <a:ext uri="{FF2B5EF4-FFF2-40B4-BE49-F238E27FC236}">
-                <a16:creationId xmlns:a16="http://schemas.microsoft.com/office/drawing/2014/main" id="{1B329954-395E-06FF-D638-EC31477B4B60}"/>
+                <a16:creationId xmlns:a16="http://schemas.microsoft.com/office/drawing/2014/main" id="{725CCAE4-3361-9867-C2CA-9F8A178ED41C}"/>
               </a:ext>
             </a:extLst>
           </p:cNvPr>
@@ -3936,7 +2960,15 @@
             <p:ph type="ftr" sz="quarter" idx="11"/>
           </p:nvPr>
         </p:nvSpPr>
-        <p:spPr/>
+        <p:spPr>
+          <a:xfrm>
+            <a:off x="4038600" y="6356350"/>
+            <a:ext cx="4114800" cy="365125"/>
+          </a:xfrm>
+          <a:prstGeom prst="rect">
+            <a:avLst/>
+          </a:prstGeom>
+        </p:spPr>
         <p:txBody>
           <a:bodyPr/>
           <a:lstStyle/>
@@ -3950,7 +2982,7 @@
           <p:cNvPr id="5" name="Slide Number Placeholder 4">
             <a:extLst>
               <a:ext uri="{FF2B5EF4-FFF2-40B4-BE49-F238E27FC236}">
-                <a16:creationId xmlns:a16="http://schemas.microsoft.com/office/drawing/2014/main" id="{26A16BE0-3CF4-0FFF-42E9-C2ABCD5E1AB3}"/>
+                <a16:creationId xmlns:a16="http://schemas.microsoft.com/office/drawing/2014/main" id="{E42ECABF-B7A6-37FC-1091-0A6AE97D6725}"/>
               </a:ext>
             </a:extLst>
           </p:cNvPr>
@@ -3961,12 +2993,20 @@
             <p:ph type="sldNum" sz="quarter" idx="12"/>
           </p:nvPr>
         </p:nvSpPr>
-        <p:spPr/>
+        <p:spPr>
+          <a:xfrm>
+            <a:off x="8610600" y="6356350"/>
+            <a:ext cx="2743200" cy="365125"/>
+          </a:xfrm>
+          <a:prstGeom prst="rect">
+            <a:avLst/>
+          </a:prstGeom>
+        </p:spPr>
         <p:txBody>
           <a:bodyPr/>
           <a:lstStyle/>
           <a:p>
-            <a:fld id="{B46E5E13-EE34-439C-B49B-F0CB75B28E1B}" type="slidenum">
+            <a:fld id="{6C0014F0-3D1D-4459-A530-32E6C19AE461}" type="slidenum">
               <a:rPr lang="en-US" smtClean="0"/>
               <a:t>‹#›</a:t>
             </a:fld>
@@ -3977,7 +3017,7 @@
     </p:spTree>
     <p:extLst>
       <p:ext uri="{BB962C8B-B14F-4D97-AF65-F5344CB8AC3E}">
-        <p14:creationId xmlns:p14="http://schemas.microsoft.com/office/powerpoint/2010/main" val="2594811457"/>
+        <p14:creationId xmlns:p14="http://schemas.microsoft.com/office/powerpoint/2010/main" val="2477561557"/>
       </p:ext>
     </p:extLst>
   </p:cSld>
@@ -4009,7 +3049,7 @@
           <p:cNvPr id="2" name="Date Placeholder 1">
             <a:extLst>
               <a:ext uri="{FF2B5EF4-FFF2-40B4-BE49-F238E27FC236}">
-                <a16:creationId xmlns:a16="http://schemas.microsoft.com/office/drawing/2014/main" id="{AA5B9B0A-FA71-5C03-A207-2398589F58E9}"/>
+                <a16:creationId xmlns:a16="http://schemas.microsoft.com/office/drawing/2014/main" id="{E2C2A218-2D68-399E-5303-823F32D18A0A}"/>
               </a:ext>
             </a:extLst>
           </p:cNvPr>
@@ -4020,14 +3060,22 @@
             <p:ph type="dt" sz="half" idx="10"/>
           </p:nvPr>
         </p:nvSpPr>
-        <p:spPr/>
+        <p:spPr>
+          <a:xfrm>
+            <a:off x="838200" y="6445249"/>
+            <a:ext cx="2743200" cy="365125"/>
+          </a:xfrm>
+          <a:prstGeom prst="rect">
+            <a:avLst/>
+          </a:prstGeom>
+        </p:spPr>
         <p:txBody>
           <a:bodyPr/>
           <a:lstStyle/>
           <a:p>
-            <a:fld id="{FDA143B9-A6C4-436D-945A-FF5B3EA2EF39}" type="datetime1">
+            <a:fld id="{71087A05-F855-4434-8DDE-39A8542098A6}" type="datetimeFigureOut">
               <a:rPr lang="en-US" smtClean="0"/>
-              <a:t>10/10/2024</a:t>
+              <a:t>11/21/2024</a:t>
             </a:fld>
             <a:endParaRPr lang="en-US"/>
           </a:p>
@@ -4038,7 +3086,7 @@
           <p:cNvPr id="3" name="Footer Placeholder 2">
             <a:extLst>
               <a:ext uri="{FF2B5EF4-FFF2-40B4-BE49-F238E27FC236}">
-                <a16:creationId xmlns:a16="http://schemas.microsoft.com/office/drawing/2014/main" id="{5EEC7B99-A534-1835-A5BF-8993DDBD237D}"/>
+                <a16:creationId xmlns:a16="http://schemas.microsoft.com/office/drawing/2014/main" id="{41BB3505-96AE-D8F2-469A-F36E9DD155D5}"/>
               </a:ext>
             </a:extLst>
           </p:cNvPr>
@@ -4049,7 +3097,15 @@
             <p:ph type="ftr" sz="quarter" idx="11"/>
           </p:nvPr>
         </p:nvSpPr>
-        <p:spPr/>
+        <p:spPr>
+          <a:xfrm>
+            <a:off x="4038600" y="6356350"/>
+            <a:ext cx="4114800" cy="365125"/>
+          </a:xfrm>
+          <a:prstGeom prst="rect">
+            <a:avLst/>
+          </a:prstGeom>
+        </p:spPr>
         <p:txBody>
           <a:bodyPr/>
           <a:lstStyle/>
@@ -4063,7 +3119,7 @@
           <p:cNvPr id="4" name="Slide Number Placeholder 3">
             <a:extLst>
               <a:ext uri="{FF2B5EF4-FFF2-40B4-BE49-F238E27FC236}">
-                <a16:creationId xmlns:a16="http://schemas.microsoft.com/office/drawing/2014/main" id="{6E001977-30BB-D5A2-E565-94C0467FE0FD}"/>
+                <a16:creationId xmlns:a16="http://schemas.microsoft.com/office/drawing/2014/main" id="{47BA2558-EB65-5F2B-4DEB-5E332CDDC572}"/>
               </a:ext>
             </a:extLst>
           </p:cNvPr>
@@ -4074,12 +3130,20 @@
             <p:ph type="sldNum" sz="quarter" idx="12"/>
           </p:nvPr>
         </p:nvSpPr>
-        <p:spPr/>
+        <p:spPr>
+          <a:xfrm>
+            <a:off x="8610600" y="6356350"/>
+            <a:ext cx="2743200" cy="365125"/>
+          </a:xfrm>
+          <a:prstGeom prst="rect">
+            <a:avLst/>
+          </a:prstGeom>
+        </p:spPr>
         <p:txBody>
           <a:bodyPr/>
           <a:lstStyle/>
           <a:p>
-            <a:fld id="{B46E5E13-EE34-439C-B49B-F0CB75B28E1B}" type="slidenum">
+            <a:fld id="{6C0014F0-3D1D-4459-A530-32E6C19AE461}" type="slidenum">
               <a:rPr lang="en-US" smtClean="0"/>
               <a:t>‹#›</a:t>
             </a:fld>
@@ -4090,7 +3154,7 @@
     </p:spTree>
     <p:extLst>
       <p:ext uri="{BB962C8B-B14F-4D97-AF65-F5344CB8AC3E}">
-        <p14:creationId xmlns:p14="http://schemas.microsoft.com/office/powerpoint/2010/main" val="3457119493"/>
+        <p14:creationId xmlns:p14="http://schemas.microsoft.com/office/powerpoint/2010/main" val="632191323"/>
       </p:ext>
     </p:extLst>
   </p:cSld>
@@ -4122,7 +3186,7 @@
           <p:cNvPr id="2" name="Title 1">
             <a:extLst>
               <a:ext uri="{FF2B5EF4-FFF2-40B4-BE49-F238E27FC236}">
-                <a16:creationId xmlns:a16="http://schemas.microsoft.com/office/drawing/2014/main" id="{AC38A989-6857-707E-A17F-8A83A6144698}"/>
+                <a16:creationId xmlns:a16="http://schemas.microsoft.com/office/drawing/2014/main" id="{E731290A-4FEE-1487-F6FC-152481239225}"/>
               </a:ext>
             </a:extLst>
           </p:cNvPr>
@@ -4138,6 +3202,9 @@
             <a:off x="839788" y="457200"/>
             <a:ext cx="3932237" cy="1600200"/>
           </a:xfrm>
+          <a:prstGeom prst="rect">
+            <a:avLst/>
+          </a:prstGeom>
         </p:spPr>
         <p:txBody>
           <a:bodyPr anchor="b"/>
@@ -4159,7 +3226,7 @@
           <p:cNvPr id="3" name="Content Placeholder 2">
             <a:extLst>
               <a:ext uri="{FF2B5EF4-FFF2-40B4-BE49-F238E27FC236}">
-                <a16:creationId xmlns:a16="http://schemas.microsoft.com/office/drawing/2014/main" id="{D3A3E0C8-FA9B-6F55-E988-D7B8ADBC9C21}"/>
+                <a16:creationId xmlns:a16="http://schemas.microsoft.com/office/drawing/2014/main" id="{3FD49862-968E-6027-1E22-A84213937FC4}"/>
               </a:ext>
             </a:extLst>
           </p:cNvPr>
@@ -4175,6 +3242,9 @@
             <a:off x="5183188" y="987425"/>
             <a:ext cx="6172200" cy="4873625"/>
           </a:xfrm>
+          <a:prstGeom prst="rect">
+            <a:avLst/>
+          </a:prstGeom>
         </p:spPr>
         <p:txBody>
           <a:bodyPr/>
@@ -4249,7 +3319,7 @@
           <p:cNvPr id="4" name="Text Placeholder 3">
             <a:extLst>
               <a:ext uri="{FF2B5EF4-FFF2-40B4-BE49-F238E27FC236}">
-                <a16:creationId xmlns:a16="http://schemas.microsoft.com/office/drawing/2014/main" id="{FC649A31-16E4-3C58-CFAF-870BE9A231C8}"/>
+                <a16:creationId xmlns:a16="http://schemas.microsoft.com/office/drawing/2014/main" id="{DDD75452-B3CD-E4D7-2EEB-4D8E7A55BA47}"/>
               </a:ext>
             </a:extLst>
           </p:cNvPr>
@@ -4265,6 +3335,9 @@
             <a:off x="839788" y="2057400"/>
             <a:ext cx="3932237" cy="3811588"/>
           </a:xfrm>
+          <a:prstGeom prst="rect">
+            <a:avLst/>
+          </a:prstGeom>
         </p:spPr>
         <p:txBody>
           <a:bodyPr/>
@@ -4320,7 +3393,7 @@
           <p:cNvPr id="5" name="Date Placeholder 4">
             <a:extLst>
               <a:ext uri="{FF2B5EF4-FFF2-40B4-BE49-F238E27FC236}">
-                <a16:creationId xmlns:a16="http://schemas.microsoft.com/office/drawing/2014/main" id="{5999608F-F9E6-C047-FAFD-5BD962E36788}"/>
+                <a16:creationId xmlns:a16="http://schemas.microsoft.com/office/drawing/2014/main" id="{E910F3D6-85F4-16D5-02EC-B52A50D1363C}"/>
               </a:ext>
             </a:extLst>
           </p:cNvPr>
@@ -4331,14 +3404,22 @@
             <p:ph type="dt" sz="half" idx="10"/>
           </p:nvPr>
         </p:nvSpPr>
-        <p:spPr/>
+        <p:spPr>
+          <a:xfrm>
+            <a:off x="838200" y="6445249"/>
+            <a:ext cx="2743200" cy="365125"/>
+          </a:xfrm>
+          <a:prstGeom prst="rect">
+            <a:avLst/>
+          </a:prstGeom>
+        </p:spPr>
         <p:txBody>
           <a:bodyPr/>
           <a:lstStyle/>
           <a:p>
-            <a:fld id="{457E18FE-B6F9-4F6A-835B-8251F04458A0}" type="datetime1">
+            <a:fld id="{71087A05-F855-4434-8DDE-39A8542098A6}" type="datetimeFigureOut">
               <a:rPr lang="en-US" smtClean="0"/>
-              <a:t>10/10/2024</a:t>
+              <a:t>11/21/2024</a:t>
             </a:fld>
             <a:endParaRPr lang="en-US"/>
           </a:p>
@@ -4349,7 +3430,7 @@
           <p:cNvPr id="6" name="Footer Placeholder 5">
             <a:extLst>
               <a:ext uri="{FF2B5EF4-FFF2-40B4-BE49-F238E27FC236}">
-                <a16:creationId xmlns:a16="http://schemas.microsoft.com/office/drawing/2014/main" id="{E1D5DC43-2068-E43E-0C96-6105FF141340}"/>
+                <a16:creationId xmlns:a16="http://schemas.microsoft.com/office/drawing/2014/main" id="{FA7DC6C8-71E8-B7D5-9A82-0FA963F35B00}"/>
               </a:ext>
             </a:extLst>
           </p:cNvPr>
@@ -4360,7 +3441,15 @@
             <p:ph type="ftr" sz="quarter" idx="11"/>
           </p:nvPr>
         </p:nvSpPr>
-        <p:spPr/>
+        <p:spPr>
+          <a:xfrm>
+            <a:off x="4038600" y="6356350"/>
+            <a:ext cx="4114800" cy="365125"/>
+          </a:xfrm>
+          <a:prstGeom prst="rect">
+            <a:avLst/>
+          </a:prstGeom>
+        </p:spPr>
         <p:txBody>
           <a:bodyPr/>
           <a:lstStyle/>
@@ -4374,7 +3463,7 @@
           <p:cNvPr id="7" name="Slide Number Placeholder 6">
             <a:extLst>
               <a:ext uri="{FF2B5EF4-FFF2-40B4-BE49-F238E27FC236}">
-                <a16:creationId xmlns:a16="http://schemas.microsoft.com/office/drawing/2014/main" id="{07714F4E-989B-09B5-9809-BA4CDB940F1A}"/>
+                <a16:creationId xmlns:a16="http://schemas.microsoft.com/office/drawing/2014/main" id="{33AEBF5B-81ED-5FC8-76EE-E85F459B2D2B}"/>
               </a:ext>
             </a:extLst>
           </p:cNvPr>
@@ -4385,12 +3474,20 @@
             <p:ph type="sldNum" sz="quarter" idx="12"/>
           </p:nvPr>
         </p:nvSpPr>
-        <p:spPr/>
+        <p:spPr>
+          <a:xfrm>
+            <a:off x="8610600" y="6356350"/>
+            <a:ext cx="2743200" cy="365125"/>
+          </a:xfrm>
+          <a:prstGeom prst="rect">
+            <a:avLst/>
+          </a:prstGeom>
+        </p:spPr>
         <p:txBody>
           <a:bodyPr/>
           <a:lstStyle/>
           <a:p>
-            <a:fld id="{B46E5E13-EE34-439C-B49B-F0CB75B28E1B}" type="slidenum">
+            <a:fld id="{6C0014F0-3D1D-4459-A530-32E6C19AE461}" type="slidenum">
               <a:rPr lang="en-US" smtClean="0"/>
               <a:t>‹#›</a:t>
             </a:fld>
@@ -4401,7 +3498,7 @@
     </p:spTree>
     <p:extLst>
       <p:ext uri="{BB962C8B-B14F-4D97-AF65-F5344CB8AC3E}">
-        <p14:creationId xmlns:p14="http://schemas.microsoft.com/office/powerpoint/2010/main" val="3331387570"/>
+        <p14:creationId xmlns:p14="http://schemas.microsoft.com/office/powerpoint/2010/main" val="740176455"/>
       </p:ext>
     </p:extLst>
   </p:cSld>
@@ -4433,7 +3530,7 @@
           <p:cNvPr id="2" name="Title 1">
             <a:extLst>
               <a:ext uri="{FF2B5EF4-FFF2-40B4-BE49-F238E27FC236}">
-                <a16:creationId xmlns:a16="http://schemas.microsoft.com/office/drawing/2014/main" id="{3355A176-7BDB-BCDB-D1C0-7943D50F9B44}"/>
+                <a16:creationId xmlns:a16="http://schemas.microsoft.com/office/drawing/2014/main" id="{640090C6-958A-8F1E-AAA5-6F70ABB1D9F3}"/>
               </a:ext>
             </a:extLst>
           </p:cNvPr>
@@ -4449,6 +3546,9 @@
             <a:off x="839788" y="457200"/>
             <a:ext cx="3932237" cy="1600200"/>
           </a:xfrm>
+          <a:prstGeom prst="rect">
+            <a:avLst/>
+          </a:prstGeom>
         </p:spPr>
         <p:txBody>
           <a:bodyPr anchor="b"/>
@@ -4470,7 +3570,7 @@
           <p:cNvPr id="3" name="Picture Placeholder 2">
             <a:extLst>
               <a:ext uri="{FF2B5EF4-FFF2-40B4-BE49-F238E27FC236}">
-                <a16:creationId xmlns:a16="http://schemas.microsoft.com/office/drawing/2014/main" id="{B68408D7-61D1-185C-72B8-001F411FC6F7}"/>
+                <a16:creationId xmlns:a16="http://schemas.microsoft.com/office/drawing/2014/main" id="{3302DF14-CA9B-4C85-16D1-AE914D7EB7E7}"/>
               </a:ext>
             </a:extLst>
           </p:cNvPr>
@@ -4486,6 +3586,9 @@
             <a:off x="5183188" y="987425"/>
             <a:ext cx="6172200" cy="4873625"/>
           </a:xfrm>
+          <a:prstGeom prst="rect">
+            <a:avLst/>
+          </a:prstGeom>
         </p:spPr>
         <p:txBody>
           <a:bodyPr/>
@@ -4528,7 +3631,10 @@
             </a:lvl9pPr>
           </a:lstStyle>
           <a:p>
-            <a:endParaRPr lang="en-US"/>
+            <a:r>
+              <a:rPr lang="en-US"/>
+              <a:t>Click icon to add picture</a:t>
+            </a:r>
           </a:p>
         </p:txBody>
       </p:sp>
@@ -4537,7 +3643,7 @@
           <p:cNvPr id="4" name="Text Placeholder 3">
             <a:extLst>
               <a:ext uri="{FF2B5EF4-FFF2-40B4-BE49-F238E27FC236}">
-                <a16:creationId xmlns:a16="http://schemas.microsoft.com/office/drawing/2014/main" id="{390B86E7-BC7A-324F-5231-BB8844695F10}"/>
+                <a16:creationId xmlns:a16="http://schemas.microsoft.com/office/drawing/2014/main" id="{449386B6-C485-3496-A8CD-9C25B60A4255}"/>
               </a:ext>
             </a:extLst>
           </p:cNvPr>
@@ -4553,6 +3659,9 @@
             <a:off x="839788" y="2057400"/>
             <a:ext cx="3932237" cy="3811588"/>
           </a:xfrm>
+          <a:prstGeom prst="rect">
+            <a:avLst/>
+          </a:prstGeom>
         </p:spPr>
         <p:txBody>
           <a:bodyPr/>
@@ -4608,7 +3717,7 @@
           <p:cNvPr id="5" name="Date Placeholder 4">
             <a:extLst>
               <a:ext uri="{FF2B5EF4-FFF2-40B4-BE49-F238E27FC236}">
-                <a16:creationId xmlns:a16="http://schemas.microsoft.com/office/drawing/2014/main" id="{CA9F4411-F5FF-7DD9-8280-4EAE80811D9F}"/>
+                <a16:creationId xmlns:a16="http://schemas.microsoft.com/office/drawing/2014/main" id="{DBD5F565-8080-7E82-246E-1EDDAAC2C236}"/>
               </a:ext>
             </a:extLst>
           </p:cNvPr>
@@ -4619,14 +3728,22 @@
             <p:ph type="dt" sz="half" idx="10"/>
           </p:nvPr>
         </p:nvSpPr>
-        <p:spPr/>
+        <p:spPr>
+          <a:xfrm>
+            <a:off x="838200" y="6445249"/>
+            <a:ext cx="2743200" cy="365125"/>
+          </a:xfrm>
+          <a:prstGeom prst="rect">
+            <a:avLst/>
+          </a:prstGeom>
+        </p:spPr>
         <p:txBody>
           <a:bodyPr/>
           <a:lstStyle/>
           <a:p>
-            <a:fld id="{5F2690CE-112A-455B-AD5F-E26CEA6A5331}" type="datetime1">
+            <a:fld id="{71087A05-F855-4434-8DDE-39A8542098A6}" type="datetimeFigureOut">
               <a:rPr lang="en-US" smtClean="0"/>
-              <a:t>10/10/2024</a:t>
+              <a:t>11/21/2024</a:t>
             </a:fld>
             <a:endParaRPr lang="en-US"/>
           </a:p>
@@ -4637,7 +3754,7 @@
           <p:cNvPr id="6" name="Footer Placeholder 5">
             <a:extLst>
               <a:ext uri="{FF2B5EF4-FFF2-40B4-BE49-F238E27FC236}">
-                <a16:creationId xmlns:a16="http://schemas.microsoft.com/office/drawing/2014/main" id="{BD00158C-2DC0-C40D-E476-8D815E2210E6}"/>
+                <a16:creationId xmlns:a16="http://schemas.microsoft.com/office/drawing/2014/main" id="{C9E12A3F-827C-0539-3AFC-062DDE283567}"/>
               </a:ext>
             </a:extLst>
           </p:cNvPr>
@@ -4648,7 +3765,15 @@
             <p:ph type="ftr" sz="quarter" idx="11"/>
           </p:nvPr>
         </p:nvSpPr>
-        <p:spPr/>
+        <p:spPr>
+          <a:xfrm>
+            <a:off x="4038600" y="6356350"/>
+            <a:ext cx="4114800" cy="365125"/>
+          </a:xfrm>
+          <a:prstGeom prst="rect">
+            <a:avLst/>
+          </a:prstGeom>
+        </p:spPr>
         <p:txBody>
           <a:bodyPr/>
           <a:lstStyle/>
@@ -4662,7 +3787,7 @@
           <p:cNvPr id="7" name="Slide Number Placeholder 6">
             <a:extLst>
               <a:ext uri="{FF2B5EF4-FFF2-40B4-BE49-F238E27FC236}">
-                <a16:creationId xmlns:a16="http://schemas.microsoft.com/office/drawing/2014/main" id="{E47CEA17-958B-3F11-0DD0-F3DB57410690}"/>
+                <a16:creationId xmlns:a16="http://schemas.microsoft.com/office/drawing/2014/main" id="{516B4C84-F522-0893-1790-EF8E720A114E}"/>
               </a:ext>
             </a:extLst>
           </p:cNvPr>
@@ -4673,12 +3798,20 @@
             <p:ph type="sldNum" sz="quarter" idx="12"/>
           </p:nvPr>
         </p:nvSpPr>
-        <p:spPr/>
+        <p:spPr>
+          <a:xfrm>
+            <a:off x="8610600" y="6356350"/>
+            <a:ext cx="2743200" cy="365125"/>
+          </a:xfrm>
+          <a:prstGeom prst="rect">
+            <a:avLst/>
+          </a:prstGeom>
+        </p:spPr>
         <p:txBody>
           <a:bodyPr/>
           <a:lstStyle/>
           <a:p>
-            <a:fld id="{B46E5E13-EE34-439C-B49B-F0CB75B28E1B}" type="slidenum">
+            <a:fld id="{6C0014F0-3D1D-4459-A530-32E6C19AE461}" type="slidenum">
               <a:rPr lang="en-US" smtClean="0"/>
               <a:t>‹#›</a:t>
             </a:fld>
@@ -4689,7 +3822,7 @@
     </p:spTree>
     <p:extLst>
       <p:ext uri="{BB962C8B-B14F-4D97-AF65-F5344CB8AC3E}">
-        <p14:creationId xmlns:p14="http://schemas.microsoft.com/office/powerpoint/2010/main" val="1744603036"/>
+        <p14:creationId xmlns:p14="http://schemas.microsoft.com/office/powerpoint/2010/main" val="2266235175"/>
       </p:ext>
     </p:extLst>
   </p:cSld>
@@ -4721,244 +3854,131 @@
           <a:chExt cx="0" cy="0"/>
         </a:xfrm>
       </p:grpSpPr>
-      <p:sp>
-        <p:nvSpPr>
-          <p:cNvPr id="2" name="Title Placeholder 1">
+      <p:pic>
+        <p:nvPicPr>
+          <p:cNvPr id="7" name="Picture 6">
             <a:extLst>
               <a:ext uri="{FF2B5EF4-FFF2-40B4-BE49-F238E27FC236}">
-                <a16:creationId xmlns:a16="http://schemas.microsoft.com/office/drawing/2014/main" id="{DADBBF7B-0A87-603A-6F96-ED995D2876BC}"/>
+                <a16:creationId xmlns:a16="http://schemas.microsoft.com/office/drawing/2014/main" id="{AEB2CF3C-8982-A5D5-05DB-5BF3F09E24AE}"/>
+              </a:ext>
+              <a:ext uri="{C183D7F6-B498-43B3-948B-1728B52AA6E4}">
+                <adec:decorative xmlns:adec="http://schemas.microsoft.com/office/drawing/2017/decorative" val="1"/>
               </a:ext>
             </a:extLst>
           </p:cNvPr>
-          <p:cNvSpPr>
-            <a:spLocks noGrp="1"/>
-          </p:cNvSpPr>
-          <p:nvPr>
-            <p:ph type="title"/>
-          </p:nvPr>
-        </p:nvSpPr>
+          <p:cNvPicPr>
+            <a:picLocks noChangeAspect="1"/>
+          </p:cNvPicPr>
+          <p:nvPr userDrawn="1"/>
+        </p:nvPicPr>
+        <p:blipFill>
+          <a:blip r:embed="rId15">
+            <a:extLst>
+              <a:ext uri="{28A0092B-C50C-407E-A947-70E740481C1C}">
+                <a14:useLocalDpi xmlns:a14="http://schemas.microsoft.com/office/drawing/2010/main" val="0"/>
+              </a:ext>
+            </a:extLst>
+          </a:blip>
+          <a:stretch>
+            <a:fillRect/>
+          </a:stretch>
+        </p:blipFill>
         <p:spPr>
           <a:xfrm>
-            <a:off x="838200" y="365125"/>
-            <a:ext cx="10515600" cy="1325563"/>
+            <a:off x="212436" y="236453"/>
+            <a:ext cx="11767127" cy="787737"/>
           </a:xfrm>
           <a:prstGeom prst="rect">
             <a:avLst/>
           </a:prstGeom>
         </p:spPr>
-        <p:txBody>
-          <a:bodyPr vert="horz" lIns="91440" tIns="45720" rIns="91440" bIns="45720" rtlCol="0" anchor="ctr">
-            <a:normAutofit/>
-          </a:bodyPr>
-          <a:lstStyle/>
-          <a:p>
-            <a:r>
-              <a:rPr lang="en-US"/>
-              <a:t>Click to edit Master title style</a:t>
-            </a:r>
-          </a:p>
-        </p:txBody>
-      </p:sp>
-      <p:sp>
-        <p:nvSpPr>
-          <p:cNvPr id="3" name="Text Placeholder 2">
+      </p:pic>
+      <p:cxnSp>
+        <p:nvCxnSpPr>
+          <p:cNvPr id="9" name="Straight Connector 8">
             <a:extLst>
               <a:ext uri="{FF2B5EF4-FFF2-40B4-BE49-F238E27FC236}">
-                <a16:creationId xmlns:a16="http://schemas.microsoft.com/office/drawing/2014/main" id="{1EBB9990-0CBB-2977-C631-37F97EB6D7A7}"/>
+                <a16:creationId xmlns:a16="http://schemas.microsoft.com/office/drawing/2014/main" id="{DE7FEFD9-5638-352F-A6ED-06F1FDE322D4}"/>
               </a:ext>
             </a:extLst>
           </p:cNvPr>
-          <p:cNvSpPr>
-            <a:spLocks noGrp="1"/>
-          </p:cNvSpPr>
-          <p:nvPr>
-            <p:ph type="body" idx="1"/>
-          </p:nvPr>
+          <p:cNvCxnSpPr>
+            <a:cxnSpLocks/>
+          </p:cNvCxnSpPr>
+          <p:nvPr userDrawn="1"/>
+        </p:nvCxnSpPr>
+        <p:spPr>
+          <a:xfrm>
+            <a:off x="175490" y="1099127"/>
+            <a:ext cx="11841020" cy="0"/>
+          </a:xfrm>
+          <a:prstGeom prst="line">
+            <a:avLst/>
+          </a:prstGeom>
+          <a:ln w="38100">
+            <a:solidFill>
+              <a:srgbClr val="A13C39"/>
+            </a:solidFill>
+          </a:ln>
+        </p:spPr>
+        <p:style>
+          <a:lnRef idx="2">
+            <a:schemeClr val="accent1"/>
+          </a:lnRef>
+          <a:fillRef idx="0">
+            <a:schemeClr val="accent1"/>
+          </a:fillRef>
+          <a:effectRef idx="1">
+            <a:schemeClr val="accent1"/>
+          </a:effectRef>
+          <a:fontRef idx="minor">
+            <a:schemeClr val="tx1"/>
+          </a:fontRef>
+        </p:style>
+      </p:cxnSp>
+      <p:sp>
+        <p:nvSpPr>
+          <p:cNvPr id="11" name="Rectangle 10">
+            <a:extLst>
+              <a:ext uri="{FF2B5EF4-FFF2-40B4-BE49-F238E27FC236}">
+                <a16:creationId xmlns:a16="http://schemas.microsoft.com/office/drawing/2014/main" id="{910C5C32-408D-8072-82C8-297384424B54}"/>
+              </a:ext>
+            </a:extLst>
+          </p:cNvPr>
+          <p:cNvSpPr/>
+          <p:nvPr userDrawn="1"/>
         </p:nvSpPr>
         <p:spPr>
           <a:xfrm>
-            <a:off x="838200" y="1825625"/>
-            <a:ext cx="10515600" cy="4351338"/>
+            <a:off x="175492" y="184727"/>
+            <a:ext cx="11841018" cy="6493164"/>
           </a:xfrm>
           <a:prstGeom prst="rect">
             <a:avLst/>
           </a:prstGeom>
+          <a:noFill/>
         </p:spPr>
+        <p:style>
+          <a:lnRef idx="2">
+            <a:schemeClr val="accent1">
+              <a:shade val="15000"/>
+            </a:schemeClr>
+          </a:lnRef>
+          <a:fillRef idx="1">
+            <a:schemeClr val="accent1"/>
+          </a:fillRef>
+          <a:effectRef idx="0">
+            <a:schemeClr val="accent1"/>
+          </a:effectRef>
+          <a:fontRef idx="minor">
+            <a:schemeClr val="lt1"/>
+          </a:fontRef>
+        </p:style>
         <p:txBody>
-          <a:bodyPr vert="horz" lIns="91440" tIns="45720" rIns="91440" bIns="45720" rtlCol="0">
-            <a:normAutofit/>
-          </a:bodyPr>
+          <a:bodyPr rtlCol="0" anchor="ctr"/>
           <a:lstStyle/>
           <a:p>
-            <a:pPr lvl="0"/>
-            <a:r>
-              <a:rPr lang="en-US"/>
-              <a:t>Click to edit Master text styles</a:t>
-            </a:r>
-          </a:p>
-          <a:p>
-            <a:pPr lvl="1"/>
-            <a:r>
-              <a:rPr lang="en-US"/>
-              <a:t>Second level</a:t>
-            </a:r>
-          </a:p>
-          <a:p>
-            <a:pPr lvl="2"/>
-            <a:r>
-              <a:rPr lang="en-US"/>
-              <a:t>Third level</a:t>
-            </a:r>
-          </a:p>
-          <a:p>
-            <a:pPr lvl="3"/>
-            <a:r>
-              <a:rPr lang="en-US"/>
-              <a:t>Fourth level</a:t>
-            </a:r>
-          </a:p>
-          <a:p>
-            <a:pPr lvl="4"/>
-            <a:r>
-              <a:rPr lang="en-US"/>
-              <a:t>Fifth level</a:t>
-            </a:r>
-          </a:p>
-        </p:txBody>
-      </p:sp>
-      <p:sp>
-        <p:nvSpPr>
-          <p:cNvPr id="4" name="Date Placeholder 3">
-            <a:extLst>
-              <a:ext uri="{FF2B5EF4-FFF2-40B4-BE49-F238E27FC236}">
-                <a16:creationId xmlns:a16="http://schemas.microsoft.com/office/drawing/2014/main" id="{F336638E-F817-1BC9-ECB7-18071DC44D12}"/>
-              </a:ext>
-            </a:extLst>
-          </p:cNvPr>
-          <p:cNvSpPr>
-            <a:spLocks noGrp="1"/>
-          </p:cNvSpPr>
-          <p:nvPr>
-            <p:ph type="dt" sz="half" idx="2"/>
-          </p:nvPr>
-        </p:nvSpPr>
-        <p:spPr>
-          <a:xfrm>
-            <a:off x="838200" y="6356350"/>
-            <a:ext cx="2743200" cy="365125"/>
-          </a:xfrm>
-          <a:prstGeom prst="rect">
-            <a:avLst/>
-          </a:prstGeom>
-        </p:spPr>
-        <p:txBody>
-          <a:bodyPr vert="horz" lIns="91440" tIns="45720" rIns="91440" bIns="45720" rtlCol="0" anchor="ctr"/>
-          <a:lstStyle>
-            <a:lvl1pPr algn="l">
-              <a:defRPr sz="1200">
-                <a:solidFill>
-                  <a:schemeClr val="tx1">
-                    <a:tint val="75000"/>
-                  </a:schemeClr>
-                </a:solidFill>
-              </a:defRPr>
-            </a:lvl1pPr>
-          </a:lstStyle>
-          <a:p>
-            <a:fld id="{9C4E342D-98AB-407C-88D4-A20ED0F70E1C}" type="datetime1">
-              <a:rPr lang="en-US" smtClean="0"/>
-              <a:t>10/10/2024</a:t>
-            </a:fld>
-            <a:endParaRPr lang="en-US"/>
-          </a:p>
-        </p:txBody>
-      </p:sp>
-      <p:sp>
-        <p:nvSpPr>
-          <p:cNvPr id="5" name="Footer Placeholder 4">
-            <a:extLst>
-              <a:ext uri="{FF2B5EF4-FFF2-40B4-BE49-F238E27FC236}">
-                <a16:creationId xmlns:a16="http://schemas.microsoft.com/office/drawing/2014/main" id="{60C57151-F515-08FA-FD9F-F59EDF1B6581}"/>
-              </a:ext>
-            </a:extLst>
-          </p:cNvPr>
-          <p:cNvSpPr>
-            <a:spLocks noGrp="1"/>
-          </p:cNvSpPr>
-          <p:nvPr>
-            <p:ph type="ftr" sz="quarter" idx="3"/>
-          </p:nvPr>
-        </p:nvSpPr>
-        <p:spPr>
-          <a:xfrm>
-            <a:off x="4038600" y="6356350"/>
-            <a:ext cx="4114800" cy="365125"/>
-          </a:xfrm>
-          <a:prstGeom prst="rect">
-            <a:avLst/>
-          </a:prstGeom>
-        </p:spPr>
-        <p:txBody>
-          <a:bodyPr vert="horz" lIns="91440" tIns="45720" rIns="91440" bIns="45720" rtlCol="0" anchor="ctr"/>
-          <a:lstStyle>
-            <a:lvl1pPr algn="ctr">
-              <a:defRPr sz="1200">
-                <a:solidFill>
-                  <a:schemeClr val="tx1">
-                    <a:tint val="75000"/>
-                  </a:schemeClr>
-                </a:solidFill>
-              </a:defRPr>
-            </a:lvl1pPr>
-          </a:lstStyle>
-          <a:p>
-            <a:endParaRPr lang="en-US"/>
-          </a:p>
-        </p:txBody>
-      </p:sp>
-      <p:sp>
-        <p:nvSpPr>
-          <p:cNvPr id="6" name="Slide Number Placeholder 5">
-            <a:extLst>
-              <a:ext uri="{FF2B5EF4-FFF2-40B4-BE49-F238E27FC236}">
-                <a16:creationId xmlns:a16="http://schemas.microsoft.com/office/drawing/2014/main" id="{F7D361D9-183D-9DF9-C01C-5B530B1CB880}"/>
-              </a:ext>
-            </a:extLst>
-          </p:cNvPr>
-          <p:cNvSpPr>
-            <a:spLocks noGrp="1"/>
-          </p:cNvSpPr>
-          <p:nvPr>
-            <p:ph type="sldNum" sz="quarter" idx="4"/>
-          </p:nvPr>
-        </p:nvSpPr>
-        <p:spPr>
-          <a:xfrm>
-            <a:off x="8610600" y="6356350"/>
-            <a:ext cx="2743200" cy="365125"/>
-          </a:xfrm>
-          <a:prstGeom prst="rect">
-            <a:avLst/>
-          </a:prstGeom>
-        </p:spPr>
-        <p:txBody>
-          <a:bodyPr vert="horz" lIns="91440" tIns="45720" rIns="91440" bIns="45720" rtlCol="0" anchor="ctr"/>
-          <a:lstStyle>
-            <a:lvl1pPr algn="r">
-              <a:defRPr sz="1200">
-                <a:solidFill>
-                  <a:schemeClr val="tx1">
-                    <a:tint val="75000"/>
-                  </a:schemeClr>
-                </a:solidFill>
-              </a:defRPr>
-            </a:lvl1pPr>
-          </a:lstStyle>
-          <a:p>
-            <a:fld id="{B46E5E13-EE34-439C-B49B-F0CB75B28E1B}" type="slidenum">
-              <a:rPr lang="en-US" smtClean="0"/>
-              <a:t>‹#›</a:t>
-            </a:fld>
+            <a:pPr algn="ctr"/>
             <a:endParaRPr lang="en-US"/>
           </a:p>
         </p:txBody>
@@ -4966,29 +3986,29 @@
     </p:spTree>
     <p:extLst>
       <p:ext uri="{BB962C8B-B14F-4D97-AF65-F5344CB8AC3E}">
-        <p14:creationId xmlns:p14="http://schemas.microsoft.com/office/powerpoint/2010/main" val="3616380004"/>
+        <p14:creationId xmlns:p14="http://schemas.microsoft.com/office/powerpoint/2010/main" val="466850387"/>
       </p:ext>
     </p:extLst>
   </p:cSld>
   <p:clrMap bg1="lt1" tx1="dk1" bg2="lt2" tx2="dk2" accent1="accent1" accent2="accent2" accent3="accent3" accent4="accent4" accent5="accent5" accent6="accent6" hlink="hlink" folHlink="folHlink"/>
   <p:sldLayoutIdLst>
-    <p:sldLayoutId id="2147483713" r:id="rId1"/>
-    <p:sldLayoutId id="2147483714" r:id="rId2"/>
-    <p:sldLayoutId id="2147483715" r:id="rId3"/>
-    <p:sldLayoutId id="2147483716" r:id="rId4"/>
-    <p:sldLayoutId id="2147483717" r:id="rId5"/>
-    <p:sldLayoutId id="2147483718" r:id="rId6"/>
-    <p:sldLayoutId id="2147483719" r:id="rId7"/>
-    <p:sldLayoutId id="2147483720" r:id="rId8"/>
-    <p:sldLayoutId id="2147483721" r:id="rId9"/>
-    <p:sldLayoutId id="2147483722" r:id="rId10"/>
-    <p:sldLayoutId id="2147483723" r:id="rId11"/>
-    <p:sldLayoutId id="2147483724" r:id="rId12"/>
+    <p:sldLayoutId id="2147483649" r:id="rId1"/>
+    <p:sldLayoutId id="2147483650" r:id="rId2"/>
+    <p:sldLayoutId id="2147483651" r:id="rId3"/>
+    <p:sldLayoutId id="2147483652" r:id="rId4"/>
+    <p:sldLayoutId id="2147483653" r:id="rId5"/>
+    <p:sldLayoutId id="2147483654" r:id="rId6"/>
+    <p:sldLayoutId id="2147483655" r:id="rId7"/>
+    <p:sldLayoutId id="2147483656" r:id="rId8"/>
+    <p:sldLayoutId id="2147483657" r:id="rId9"/>
+    <p:sldLayoutId id="2147483658" r:id="rId10"/>
+    <p:sldLayoutId id="2147483659" r:id="rId11"/>
+    <p:sldLayoutId id="2147483660" r:id="rId12"/>
+    <p:sldLayoutId id="2147483661" r:id="rId13"/>
   </p:sldLayoutIdLst>
-  <p:hf hdr="0" ftr="0" dt="0"/>
   <p:txStyles>
     <p:titleStyle>
-      <a:lvl1pPr algn="l" defTabSz="914400" rtl="0" eaLnBrk="1" latinLnBrk="0" hangingPunct="1">
+      <a:lvl1pPr algn="ctr" defTabSz="914400" rtl="0" eaLnBrk="1" latinLnBrk="0" hangingPunct="1">
         <a:lnSpc>
           <a:spcPct val="90000"/>
         </a:lnSpc>
@@ -5417,7 +4437,12 @@
             <p:ph type="body" sz="quarter" idx="10"/>
           </p:nvPr>
         </p:nvSpPr>
-        <p:spPr/>
+        <p:spPr>
+          <a:xfrm>
+            <a:off x="323529" y="1301534"/>
+            <a:ext cx="11573197" cy="724247"/>
+          </a:xfrm>
+        </p:spPr>
         <p:txBody>
           <a:bodyPr>
             <a:normAutofit/>
@@ -5458,7 +4483,7 @@
         </p:nvSpPr>
         <p:spPr>
           <a:xfrm>
-            <a:off x="1381533" y="1054728"/>
+            <a:off x="1278710" y="2350128"/>
             <a:ext cx="9662835" cy="3477875"/>
           </a:xfrm>
           <a:prstGeom prst="rect">
@@ -5672,7 +4697,12 @@
             <p:ph type="body" sz="quarter" idx="10"/>
           </p:nvPr>
         </p:nvSpPr>
-        <p:spPr/>
+        <p:spPr>
+          <a:xfrm>
+            <a:off x="323529" y="1130084"/>
+            <a:ext cx="11573197" cy="724247"/>
+          </a:xfrm>
+        </p:spPr>
         <p:txBody>
           <a:bodyPr>
             <a:normAutofit/>
@@ -5709,7 +4739,7 @@
         </p:nvSpPr>
         <p:spPr>
           <a:xfrm>
-            <a:off x="1381533" y="1054728"/>
+            <a:off x="1278710" y="1721478"/>
             <a:ext cx="9662835" cy="5016758"/>
           </a:xfrm>
           <a:prstGeom prst="rect">
@@ -5964,7 +4994,12 @@
             <p:ph type="body" sz="quarter" idx="10"/>
           </p:nvPr>
         </p:nvSpPr>
-        <p:spPr/>
+        <p:spPr>
+          <a:xfrm>
+            <a:off x="323529" y="1158659"/>
+            <a:ext cx="11573197" cy="724247"/>
+          </a:xfrm>
+        </p:spPr>
         <p:txBody>
           <a:bodyPr>
             <a:normAutofit/>
@@ -6001,7 +5036,7 @@
         </p:nvSpPr>
         <p:spPr>
           <a:xfrm>
-            <a:off x="1381533" y="1054728"/>
+            <a:off x="1278710" y="1902453"/>
             <a:ext cx="9662835" cy="5016758"/>
           </a:xfrm>
           <a:prstGeom prst="rect">
@@ -6356,7 +5391,12 @@
             <p:ph type="body" sz="quarter" idx="10"/>
           </p:nvPr>
         </p:nvSpPr>
-        <p:spPr/>
+        <p:spPr>
+          <a:xfrm>
+            <a:off x="323529" y="1149134"/>
+            <a:ext cx="11573197" cy="724247"/>
+          </a:xfrm>
+        </p:spPr>
         <p:txBody>
           <a:bodyPr>
             <a:normAutofit/>
@@ -6393,7 +5433,7 @@
         </p:nvSpPr>
         <p:spPr>
           <a:xfrm>
-            <a:off x="1381533" y="1054728"/>
+            <a:off x="1278710" y="1883403"/>
             <a:ext cx="9662835" cy="5016758"/>
           </a:xfrm>
           <a:prstGeom prst="rect">
@@ -6776,7 +5816,12 @@
             <p:ph type="body" sz="quarter" idx="10"/>
           </p:nvPr>
         </p:nvSpPr>
-        <p:spPr/>
+        <p:spPr>
+          <a:xfrm>
+            <a:off x="323529" y="1120559"/>
+            <a:ext cx="11573197" cy="724247"/>
+          </a:xfrm>
+        </p:spPr>
         <p:txBody>
           <a:bodyPr>
             <a:normAutofit/>
@@ -6813,7 +5858,7 @@
         </p:nvSpPr>
         <p:spPr>
           <a:xfrm>
-            <a:off x="1381533" y="1054728"/>
+            <a:off x="1278710" y="1721478"/>
             <a:ext cx="9662835" cy="5016758"/>
           </a:xfrm>
           <a:prstGeom prst="rect">
@@ -7166,7 +6211,12 @@
             <p:ph type="body" sz="quarter" idx="10"/>
           </p:nvPr>
         </p:nvSpPr>
-        <p:spPr/>
+        <p:spPr>
+          <a:xfrm>
+            <a:off x="323529" y="1177709"/>
+            <a:ext cx="11573197" cy="724247"/>
+          </a:xfrm>
+        </p:spPr>
         <p:txBody>
           <a:bodyPr>
             <a:normAutofit/>
@@ -7203,8 +6253,8 @@
         </p:nvSpPr>
         <p:spPr>
           <a:xfrm>
-            <a:off x="1372907" y="1046102"/>
-            <a:ext cx="9662835" cy="5016758"/>
+            <a:off x="877353" y="1912877"/>
+            <a:ext cx="10465548" cy="5016758"/>
           </a:xfrm>
           <a:prstGeom prst="rect">
             <a:avLst/>
@@ -7591,7 +6641,12 @@
             <p:ph type="body" sz="quarter" idx="10"/>
           </p:nvPr>
         </p:nvSpPr>
-        <p:spPr/>
+        <p:spPr>
+          <a:xfrm>
+            <a:off x="323529" y="1177709"/>
+            <a:ext cx="11573197" cy="724247"/>
+          </a:xfrm>
+        </p:spPr>
         <p:txBody>
           <a:bodyPr>
             <a:normAutofit/>
@@ -7636,8 +6691,8 @@
         </p:nvSpPr>
         <p:spPr>
           <a:xfrm>
-            <a:off x="1372907" y="1046102"/>
-            <a:ext cx="9662835" cy="5016758"/>
+            <a:off x="744003" y="1912877"/>
+            <a:ext cx="10732248" cy="4708981"/>
           </a:xfrm>
           <a:prstGeom prst="rect">
             <a:avLst/>
@@ -7759,15 +6814,7 @@
             </a:pPr>
             <a:r>
               <a:rPr lang="en-US" sz="2000" dirty="0"/>
-              <a:t>Use a continue keyword in a script block to skip the rest of </a:t>
-            </a:r>
-            <a:r>
-              <a:rPr lang="en-US" sz="2000"/>
-              <a:t>a loop script </a:t>
-            </a:r>
-            <a:r>
-              <a:rPr lang="en-US" sz="2000" dirty="0"/>
-              <a:t>block and prepare for the next iteration. Here’s an example that counts from zero to nine, but uses continue to skip over three and eight:</a:t>
+              <a:t>Use a continue keyword in a script block to skip the rest of a loop script block and prepare for the next iteration. Here’s an example that counts from zero to nine, but uses continue to skip over three and eight:</a:t>
             </a:r>
           </a:p>
           <a:p>
@@ -7895,7 +6942,12 @@
             <p:ph type="body" sz="quarter" idx="10"/>
           </p:nvPr>
         </p:nvSpPr>
-        <p:spPr/>
+        <p:spPr>
+          <a:xfrm>
+            <a:off x="323529" y="1282484"/>
+            <a:ext cx="11573197" cy="724247"/>
+          </a:xfrm>
+        </p:spPr>
         <p:txBody>
           <a:bodyPr>
             <a:normAutofit/>
@@ -7923,7 +6975,7 @@
         </p:nvSpPr>
         <p:spPr>
           <a:xfrm>
-            <a:off x="1268392" y="1054728"/>
+            <a:off x="1282524" y="2131053"/>
             <a:ext cx="9655207" cy="3785652"/>
           </a:xfrm>
           <a:prstGeom prst="rect">
@@ -8100,7 +7152,12 @@
             <p:ph type="body" sz="quarter" idx="10"/>
           </p:nvPr>
         </p:nvSpPr>
-        <p:spPr/>
+        <p:spPr>
+          <a:xfrm>
+            <a:off x="323529" y="1330109"/>
+            <a:ext cx="11573197" cy="724247"/>
+          </a:xfrm>
+        </p:spPr>
         <p:txBody>
           <a:bodyPr>
             <a:normAutofit/>
@@ -8128,7 +7185,7 @@
         </p:nvSpPr>
         <p:spPr>
           <a:xfrm>
-            <a:off x="1268392" y="1054728"/>
+            <a:off x="1282524" y="2245353"/>
             <a:ext cx="9655207" cy="4093428"/>
           </a:xfrm>
           <a:prstGeom prst="rect">
@@ -8583,7 +7640,12 @@
             <p:ph type="body" sz="quarter" idx="10"/>
           </p:nvPr>
         </p:nvSpPr>
-        <p:spPr/>
+        <p:spPr>
+          <a:xfrm>
+            <a:off x="323529" y="1168184"/>
+            <a:ext cx="11573197" cy="724247"/>
+          </a:xfrm>
+        </p:spPr>
         <p:txBody>
           <a:bodyPr>
             <a:normAutofit/>
@@ -8611,7 +7673,7 @@
         </p:nvSpPr>
         <p:spPr>
           <a:xfrm>
-            <a:off x="1268392" y="1054728"/>
+            <a:off x="1282524" y="1826253"/>
             <a:ext cx="9655207" cy="4708981"/>
           </a:xfrm>
           <a:prstGeom prst="rect">
@@ -9236,7 +8298,12 @@
             <p:ph type="body" sz="quarter" idx="10"/>
           </p:nvPr>
         </p:nvSpPr>
-        <p:spPr/>
+        <p:spPr>
+          <a:xfrm>
+            <a:off x="323529" y="1130084"/>
+            <a:ext cx="11573197" cy="724247"/>
+          </a:xfrm>
+        </p:spPr>
         <p:txBody>
           <a:bodyPr>
             <a:normAutofit/>
@@ -9264,7 +8331,7 @@
         </p:nvSpPr>
         <p:spPr>
           <a:xfrm>
-            <a:off x="1260764" y="1054728"/>
+            <a:off x="1278710" y="1711953"/>
             <a:ext cx="9662835" cy="4708981"/>
           </a:xfrm>
           <a:prstGeom prst="rect">
@@ -9511,7 +8578,12 @@
             <p:ph type="body" sz="quarter" idx="10"/>
           </p:nvPr>
         </p:nvSpPr>
-        <p:spPr/>
+        <p:spPr>
+          <a:xfrm>
+            <a:off x="323529" y="1349159"/>
+            <a:ext cx="11573197" cy="724247"/>
+          </a:xfrm>
+        </p:spPr>
         <p:txBody>
           <a:bodyPr>
             <a:normAutofit/>
@@ -9539,7 +8611,7 @@
         </p:nvSpPr>
         <p:spPr>
           <a:xfrm>
-            <a:off x="1268392" y="1054728"/>
+            <a:off x="1282524" y="3531228"/>
             <a:ext cx="9655207" cy="707886"/>
           </a:xfrm>
           <a:prstGeom prst="rect">
@@ -9606,7 +8678,12 @@
             <p:ph type="body" sz="quarter" idx="10"/>
           </p:nvPr>
         </p:nvSpPr>
-        <p:spPr/>
+        <p:spPr>
+          <a:xfrm>
+            <a:off x="323529" y="1187234"/>
+            <a:ext cx="11573197" cy="724247"/>
+          </a:xfrm>
+        </p:spPr>
         <p:txBody>
           <a:bodyPr>
             <a:normAutofit/>
@@ -9634,7 +8711,7 @@
         </p:nvSpPr>
         <p:spPr>
           <a:xfrm>
-            <a:off x="1268392" y="1054728"/>
+            <a:off x="1282524" y="1816728"/>
             <a:ext cx="9655207" cy="4862870"/>
           </a:xfrm>
           <a:prstGeom prst="rect">
@@ -9951,7 +9028,12 @@
             <p:ph type="body" sz="quarter" idx="10"/>
           </p:nvPr>
         </p:nvSpPr>
-        <p:spPr/>
+        <p:spPr>
+          <a:xfrm>
+            <a:off x="323529" y="1225334"/>
+            <a:ext cx="11573197" cy="724247"/>
+          </a:xfrm>
+        </p:spPr>
         <p:txBody>
           <a:bodyPr>
             <a:normAutofit/>
@@ -9979,8 +9061,8 @@
         </p:nvSpPr>
         <p:spPr>
           <a:xfrm>
-            <a:off x="1268392" y="1054728"/>
-            <a:ext cx="9655207" cy="4801314"/>
+            <a:off x="1023782" y="1864353"/>
+            <a:ext cx="10172690" cy="4801314"/>
           </a:xfrm>
           <a:prstGeom prst="rect">
             <a:avLst/>
@@ -10211,7 +9293,12 @@
             <p:ph type="body" sz="quarter" idx="10"/>
           </p:nvPr>
         </p:nvSpPr>
-        <p:spPr/>
+        <p:spPr>
+          <a:xfrm>
+            <a:off x="323529" y="1253909"/>
+            <a:ext cx="11573197" cy="724247"/>
+          </a:xfrm>
+        </p:spPr>
         <p:txBody>
           <a:bodyPr>
             <a:normAutofit/>
@@ -10220,13 +9307,8 @@
           <a:p>
             <a:r>
               <a:rPr lang="en-US" sz="4000" dirty="0"/>
-              <a:t>Outside-of-class </a:t>
-            </a:r>
-            <a:r>
-              <a:rPr lang="en-US" sz="4000"/>
-              <a:t>stretch challenges:</a:t>
-            </a:r>
-            <a:endParaRPr lang="en-US" sz="4000" dirty="0"/>
+              <a:t>Outside-of-class stretch challenges:</a:t>
+            </a:r>
           </a:p>
         </p:txBody>
       </p:sp>
@@ -10244,8 +9326,8 @@
         </p:nvSpPr>
         <p:spPr>
           <a:xfrm>
-            <a:off x="1268392" y="1054728"/>
-            <a:ext cx="9655207" cy="4708981"/>
+            <a:off x="866775" y="1940553"/>
+            <a:ext cx="10258416" cy="4708981"/>
           </a:xfrm>
           <a:prstGeom prst="rect">
             <a:avLst/>
@@ -10294,10 +9376,6 @@
             </a:r>
           </a:p>
           <a:p>
-            <a:pPr marL="342900" indent="-342900">
-              <a:buFont typeface="Arial" panose="020B0604020202020204" pitchFamily="34" charset="0"/>
-              <a:buChar char="•"/>
-            </a:pPr>
             <a:endParaRPr lang="en-US" sz="2000" dirty="0"/>
           </a:p>
           <a:p>
@@ -10378,10 +9456,15 @@
             <p:ph type="body" sz="quarter" idx="10"/>
           </p:nvPr>
         </p:nvSpPr>
-        <p:spPr/>
+        <p:spPr>
+          <a:xfrm>
+            <a:off x="323529" y="1225334"/>
+            <a:ext cx="11573197" cy="724247"/>
+          </a:xfrm>
+        </p:spPr>
         <p:txBody>
           <a:bodyPr>
-            <a:normAutofit fontScale="92500" lnSpcReduction="10000"/>
+            <a:normAutofit fontScale="92500" lnSpcReduction="20000"/>
           </a:bodyPr>
           <a:lstStyle/>
           <a:p>
@@ -10407,7 +9490,7 @@
         </p:nvSpPr>
         <p:spPr>
           <a:xfrm>
-            <a:off x="1268392" y="1054728"/>
+            <a:off x="1268392" y="2045328"/>
             <a:ext cx="9655207" cy="4401205"/>
           </a:xfrm>
           <a:prstGeom prst="rect">
@@ -10496,15 +9579,7 @@
             </a:r>
             <a:r>
               <a:rPr lang="en-US" sz="2000" i="1" dirty="0"/>
-              <a:t> (process all items of a collection together </a:t>
-            </a:r>
-            <a:r>
-              <a:rPr lang="en-US" sz="2000" i="1"/>
-              <a:t>into a summary </a:t>
-            </a:r>
-            <a:r>
-              <a:rPr lang="en-US" sz="2000" i="1" dirty="0"/>
-              <a:t>result).</a:t>
+              <a:t> (process all items of a collection together into a summary result).</a:t>
             </a:r>
           </a:p>
           <a:p>
@@ -10593,10 +9668,15 @@
             <p:ph type="body" sz="quarter" idx="10"/>
           </p:nvPr>
         </p:nvSpPr>
-        <p:spPr/>
+        <p:spPr>
+          <a:xfrm>
+            <a:off x="323529" y="1225334"/>
+            <a:ext cx="11573197" cy="724247"/>
+          </a:xfrm>
+        </p:spPr>
         <p:txBody>
           <a:bodyPr>
-            <a:normAutofit fontScale="92500" lnSpcReduction="10000"/>
+            <a:normAutofit fontScale="92500" lnSpcReduction="20000"/>
           </a:bodyPr>
           <a:lstStyle/>
           <a:p>
@@ -10622,7 +9702,7 @@
         </p:nvSpPr>
         <p:spPr>
           <a:xfrm>
-            <a:off x="1268392" y="1054728"/>
+            <a:off x="1268392" y="1950078"/>
             <a:ext cx="9655207" cy="4708981"/>
           </a:xfrm>
           <a:prstGeom prst="rect">
@@ -10840,10 +9920,15 @@
             <p:ph type="body" sz="quarter" idx="10"/>
           </p:nvPr>
         </p:nvSpPr>
-        <p:spPr/>
+        <p:spPr>
+          <a:xfrm>
+            <a:off x="323529" y="1225334"/>
+            <a:ext cx="11573197" cy="724247"/>
+          </a:xfrm>
+        </p:spPr>
         <p:txBody>
           <a:bodyPr>
-            <a:normAutofit fontScale="92500" lnSpcReduction="10000"/>
+            <a:normAutofit fontScale="92500" lnSpcReduction="20000"/>
           </a:bodyPr>
           <a:lstStyle/>
           <a:p>
@@ -10869,7 +9954,7 @@
         </p:nvSpPr>
         <p:spPr>
           <a:xfrm>
-            <a:off x="1268392" y="1054728"/>
+            <a:off x="1268392" y="1902453"/>
             <a:ext cx="9655207" cy="4708981"/>
           </a:xfrm>
           <a:prstGeom prst="rect">
@@ -11079,10 +10164,15 @@
             <p:ph type="body" sz="quarter" idx="10"/>
           </p:nvPr>
         </p:nvSpPr>
-        <p:spPr/>
+        <p:spPr>
+          <a:xfrm>
+            <a:off x="323529" y="1234859"/>
+            <a:ext cx="11573197" cy="724247"/>
+          </a:xfrm>
+        </p:spPr>
         <p:txBody>
           <a:bodyPr>
-            <a:normAutofit fontScale="92500" lnSpcReduction="10000"/>
+            <a:normAutofit fontScale="92500" lnSpcReduction="20000"/>
           </a:bodyPr>
           <a:lstStyle/>
           <a:p>
@@ -11108,7 +10198,7 @@
         </p:nvSpPr>
         <p:spPr>
           <a:xfrm>
-            <a:off x="1268392" y="1054728"/>
+            <a:off x="1268392" y="1921503"/>
             <a:ext cx="9655207" cy="4708981"/>
           </a:xfrm>
           <a:prstGeom prst="rect">
@@ -11321,7 +10411,12 @@
             <p:ph type="body" sz="quarter" idx="10"/>
           </p:nvPr>
         </p:nvSpPr>
-        <p:spPr/>
+        <p:spPr>
+          <a:xfrm>
+            <a:off x="323529" y="1091984"/>
+            <a:ext cx="11573197" cy="724247"/>
+          </a:xfrm>
+        </p:spPr>
         <p:txBody>
           <a:bodyPr>
             <a:normAutofit/>
@@ -11349,8 +10444,8 @@
         </p:nvSpPr>
         <p:spPr>
           <a:xfrm>
-            <a:off x="1260764" y="1054728"/>
-            <a:ext cx="9662835" cy="5632311"/>
+            <a:off x="808520" y="1664328"/>
+            <a:ext cx="10603214" cy="5078313"/>
           </a:xfrm>
           <a:prstGeom prst="rect">
             <a:avLst/>
@@ -11368,48 +10463,24 @@
               <a:buChar char="•"/>
             </a:pPr>
             <a:r>
-              <a:rPr lang="en-US" sz="2000" dirty="0"/>
+              <a:rPr lang="en-US" dirty="0"/>
               <a:t>Richer control structures make use of </a:t>
             </a:r>
             <a:r>
-              <a:rPr lang="en-US" sz="2000" i="1" dirty="0"/>
+              <a:rPr lang="en-US" i="1" dirty="0"/>
               <a:t>script blocks</a:t>
             </a:r>
             <a:r>
-              <a:rPr lang="en-US" sz="2000" dirty="0"/>
+              <a:rPr lang="en-US" dirty="0"/>
               <a:t> enclosed in curly braces. Example:</a:t>
             </a:r>
           </a:p>
           <a:p>
             <a:r>
-              <a:rPr lang="en-US" sz="2000" dirty="0">
-                <a:latin typeface="Lucida Console" panose="020B0609040504020204" pitchFamily="49" charset="0"/>
-              </a:rPr>
-              <a:t>{echo Hello; $n=Read-Host </a:t>
-            </a:r>
-            <a:r>
-              <a:rPr lang="en-US" sz="1800" dirty="0">
-                <a:latin typeface="Lucida Console" panose="020B0609040504020204" pitchFamily="49" charset="0"/>
-              </a:rPr>
-              <a:t>"</a:t>
-            </a:r>
-            <a:r>
-              <a:rPr lang="en-US" sz="2000" dirty="0">
-                <a:latin typeface="Lucida Console" panose="020B0609040504020204" pitchFamily="49" charset="0"/>
-              </a:rPr>
-              <a:t>Your name?</a:t>
-            </a:r>
-            <a:r>
-              <a:rPr lang="en-US" sz="1800" dirty="0">
-                <a:latin typeface="Lucida Console" panose="020B0609040504020204" pitchFamily="49" charset="0"/>
-              </a:rPr>
-              <a:t>";</a:t>
-            </a:r>
-            <a:r>
-              <a:rPr lang="en-US" sz="2000" dirty="0">
-                <a:latin typeface="Lucida Console" panose="020B0609040504020204" pitchFamily="49" charset="0"/>
-              </a:rPr>
-              <a:t> echo "Thanks $n"}</a:t>
+              <a:rPr lang="en-US" dirty="0">
+                <a:latin typeface="Lucida Console" panose="020B0609040504020204" pitchFamily="49" charset="0"/>
+              </a:rPr>
+              <a:t>{echo Hello; $n=Read-Host "Your name?"; echo "Thanks $n"}</a:t>
             </a:r>
           </a:p>
           <a:p>
@@ -11417,7 +10488,7 @@
               <a:buFont typeface="Arial" panose="020B0604020202020204" pitchFamily="34" charset="0"/>
               <a:buChar char="•"/>
             </a:pPr>
-            <a:endParaRPr lang="en-US" sz="2000" dirty="0"/>
+            <a:endParaRPr lang="en-US" dirty="0"/>
           </a:p>
           <a:p>
             <a:pPr marL="342900" indent="-342900">
@@ -11425,49 +10496,25 @@
               <a:buChar char="•"/>
             </a:pPr>
             <a:r>
-              <a:rPr lang="en-US" sz="2000" dirty="0"/>
+              <a:rPr lang="en-US" dirty="0"/>
               <a:t>You can assign a script block to a variable:</a:t>
             </a:r>
           </a:p>
           <a:p>
             <a:r>
-              <a:rPr lang="en-US" sz="2000" dirty="0">
-                <a:latin typeface="Lucida Console" panose="020B0609040504020204" pitchFamily="49" charset="0"/>
-              </a:rPr>
-              <a:t>$sb={echo Hello; $n=Read-Host </a:t>
-            </a:r>
-            <a:r>
-              <a:rPr lang="en-US" sz="1800" dirty="0">
-                <a:latin typeface="Lucida Console" panose="020B0609040504020204" pitchFamily="49" charset="0"/>
-              </a:rPr>
-              <a:t>"</a:t>
-            </a:r>
-            <a:r>
-              <a:rPr lang="en-US" sz="2000" dirty="0">
-                <a:latin typeface="Lucida Console" panose="020B0609040504020204" pitchFamily="49" charset="0"/>
-              </a:rPr>
-              <a:t>Your name?</a:t>
-            </a:r>
-            <a:r>
-              <a:rPr lang="en-US" sz="1800" dirty="0">
-                <a:latin typeface="Lucida Console" panose="020B0609040504020204" pitchFamily="49" charset="0"/>
-              </a:rPr>
-              <a:t>";</a:t>
-            </a:r>
-            <a:r>
-              <a:rPr lang="en-US" sz="2000" dirty="0">
-                <a:latin typeface="Lucida Console" panose="020B0609040504020204" pitchFamily="49" charset="0"/>
-              </a:rPr>
-              <a:t> echo "Thanks $n"}</a:t>
-            </a:r>
-            <a:endParaRPr lang="en-US" sz="2000" dirty="0"/>
+              <a:rPr lang="en-US" dirty="0">
+                <a:latin typeface="Lucida Console" panose="020B0609040504020204" pitchFamily="49" charset="0"/>
+              </a:rPr>
+              <a:t>$sb={echo Hello; $n=Read-Host "Your name?"; echo "Thanks $n"}</a:t>
+            </a:r>
+            <a:endParaRPr lang="en-US" dirty="0"/>
           </a:p>
           <a:p>
             <a:pPr marL="342900" indent="-342900">
               <a:buFont typeface="Arial" panose="020B0604020202020204" pitchFamily="34" charset="0"/>
               <a:buChar char="•"/>
             </a:pPr>
-            <a:endParaRPr lang="en-US" sz="2000" dirty="0"/>
+            <a:endParaRPr lang="en-US" dirty="0"/>
           </a:p>
           <a:p>
             <a:pPr marL="342900" indent="-342900">
@@ -11475,23 +10522,23 @@
               <a:buChar char="•"/>
             </a:pPr>
             <a:r>
-              <a:rPr lang="en-US" sz="2000" dirty="0"/>
+              <a:rPr lang="en-US" dirty="0"/>
               <a:t>Then you can use the “call” operator  </a:t>
             </a:r>
             <a:r>
-              <a:rPr lang="en-US" sz="2000" dirty="0">
+              <a:rPr lang="en-US" dirty="0">
                 <a:latin typeface="Lucida Console" panose="020B0609040504020204" pitchFamily="49" charset="0"/>
               </a:rPr>
               <a:t>&amp;</a:t>
             </a:r>
             <a:r>
-              <a:rPr lang="en-US" sz="2000" dirty="0"/>
+              <a:rPr lang="en-US" dirty="0"/>
               <a:t>  to execute the statements in the script block:</a:t>
             </a:r>
           </a:p>
           <a:p>
             <a:r>
-              <a:rPr lang="en-US" sz="2000" dirty="0">
+              <a:rPr lang="en-US" dirty="0">
                 <a:latin typeface="Lucida Console" panose="020B0609040504020204" pitchFamily="49" charset="0"/>
               </a:rPr>
               <a:t>&amp; $sb</a:t>
@@ -11502,7 +10549,7 @@
               <a:buFont typeface="Arial" panose="020B0604020202020204" pitchFamily="34" charset="0"/>
               <a:buChar char="•"/>
             </a:pPr>
-            <a:endParaRPr lang="en-US" sz="2000" dirty="0"/>
+            <a:endParaRPr lang="en-US" dirty="0"/>
           </a:p>
           <a:p>
             <a:pPr marL="342900" indent="-342900">
@@ -11510,16 +10557,16 @@
               <a:buChar char="•"/>
             </a:pPr>
             <a:r>
-              <a:rPr lang="en-US" sz="2000" dirty="0"/>
+              <a:rPr lang="en-US" dirty="0"/>
               <a:t>In a script file, it’s customary to indent each statement inside the script block. Four spaces is a common indentation best practice:</a:t>
             </a:r>
-            <a:endParaRPr lang="en-US" sz="2000" dirty="0">
+            <a:endParaRPr lang="en-US" dirty="0">
               <a:latin typeface="Lucida Console" panose="020B0609040504020204" pitchFamily="49" charset="0"/>
             </a:endParaRPr>
           </a:p>
           <a:p>
             <a:r>
-              <a:rPr lang="en-US" sz="2000" dirty="0">
+              <a:rPr lang="en-US" dirty="0">
                 <a:latin typeface="Lucida Console" panose="020B0609040504020204" pitchFamily="49" charset="0"/>
               </a:rPr>
               <a:t>{</a:t>
@@ -11527,7 +10574,7 @@
           </a:p>
           <a:p>
             <a:r>
-              <a:rPr lang="en-US" sz="2000" dirty="0">
+              <a:rPr lang="en-US" dirty="0">
                 <a:latin typeface="Lucida Console" panose="020B0609040504020204" pitchFamily="49" charset="0"/>
               </a:rPr>
               <a:t>    echo Hello</a:t>
@@ -11535,36 +10582,15 @@
           </a:p>
           <a:p>
             <a:r>
-              <a:rPr lang="en-US" sz="2000" dirty="0">
-                <a:latin typeface="Lucida Console" panose="020B0609040504020204" pitchFamily="49" charset="0"/>
-              </a:rPr>
-              <a:t>    $n=Read-Host </a:t>
-            </a:r>
-            <a:r>
-              <a:rPr lang="en-US" sz="1800" dirty="0">
-                <a:latin typeface="Lucida Console" panose="020B0609040504020204" pitchFamily="49" charset="0"/>
-              </a:rPr>
-              <a:t>"</a:t>
-            </a:r>
-            <a:r>
-              <a:rPr lang="en-US" sz="2000" dirty="0">
-                <a:latin typeface="Lucida Console" panose="020B0609040504020204" pitchFamily="49" charset="0"/>
-              </a:rPr>
-              <a:t>Your name?</a:t>
-            </a:r>
-            <a:r>
-              <a:rPr lang="en-US" sz="1800" dirty="0">
-                <a:latin typeface="Lucida Console" panose="020B0609040504020204" pitchFamily="49" charset="0"/>
-              </a:rPr>
-              <a:t>"</a:t>
-            </a:r>
-            <a:endParaRPr lang="en-US" sz="2000" dirty="0">
-              <a:latin typeface="Lucida Console" panose="020B0609040504020204" pitchFamily="49" charset="0"/>
-            </a:endParaRPr>
-          </a:p>
-          <a:p>
-            <a:r>
-              <a:rPr lang="en-US" sz="2000" dirty="0">
+              <a:rPr lang="en-US" dirty="0">
+                <a:latin typeface="Lucida Console" panose="020B0609040504020204" pitchFamily="49" charset="0"/>
+              </a:rPr>
+              <a:t>    $n=Read-Host "Your name?"</a:t>
+            </a:r>
+          </a:p>
+          <a:p>
+            <a:r>
+              <a:rPr lang="en-US" dirty="0">
                 <a:latin typeface="Lucida Console" panose="020B0609040504020204" pitchFamily="49" charset="0"/>
               </a:rPr>
               <a:t>    echo "Thanks $n"</a:t>
@@ -11572,14 +10598,14 @@
           </a:p>
           <a:p>
             <a:r>
-              <a:rPr lang="en-US" sz="2000" dirty="0">
+              <a:rPr lang="en-US" dirty="0">
                 <a:latin typeface="Lucida Console" panose="020B0609040504020204" pitchFamily="49" charset="0"/>
               </a:rPr>
               <a:t>}</a:t>
             </a:r>
           </a:p>
           <a:p>
-            <a:endParaRPr lang="en-US" sz="2000" dirty="0">
+            <a:endParaRPr lang="en-US" dirty="0">
               <a:latin typeface="Lucida Console" panose="020B0609040504020204" pitchFamily="49" charset="0"/>
             </a:endParaRPr>
           </a:p>
@@ -11589,22 +10615,22 @@
               <a:buChar char="•"/>
             </a:pPr>
             <a:r>
-              <a:rPr lang="en-US" sz="2000" dirty="0"/>
+              <a:rPr lang="en-US" dirty="0"/>
               <a:t>More info if you’re interested:  </a:t>
             </a:r>
             <a:r>
-              <a:rPr lang="en-US" sz="2000" dirty="0">
+              <a:rPr lang="en-US" dirty="0">
                 <a:latin typeface="Lucida Console" panose="020B0609040504020204" pitchFamily="49" charset="0"/>
               </a:rPr>
               <a:t>Get-Help </a:t>
             </a:r>
             <a:r>
-              <a:rPr lang="en-US" sz="2000" dirty="0" err="1">
+              <a:rPr lang="en-US" dirty="0" err="1">
                 <a:latin typeface="Lucida Console" panose="020B0609040504020204" pitchFamily="49" charset="0"/>
               </a:rPr>
               <a:t>about_Script_Blocks</a:t>
             </a:r>
-            <a:endParaRPr lang="en-US" sz="2000" dirty="0">
+            <a:endParaRPr lang="en-US" dirty="0">
               <a:latin typeface="Lucida Console" panose="020B0609040504020204" pitchFamily="49" charset="0"/>
             </a:endParaRPr>
           </a:p>
@@ -11656,7 +10682,12 @@
             <p:ph type="body" sz="quarter" idx="10"/>
           </p:nvPr>
         </p:nvSpPr>
-        <p:spPr/>
+        <p:spPr>
+          <a:xfrm>
+            <a:off x="323529" y="1301534"/>
+            <a:ext cx="11573197" cy="724247"/>
+          </a:xfrm>
+        </p:spPr>
         <p:txBody>
           <a:bodyPr>
             <a:normAutofit/>
@@ -11693,7 +10724,7 @@
         </p:nvSpPr>
         <p:spPr>
           <a:xfrm>
-            <a:off x="1260764" y="1054728"/>
+            <a:off x="1278710" y="2131053"/>
             <a:ext cx="9662835" cy="4708981"/>
           </a:xfrm>
           <a:prstGeom prst="rect">
@@ -11909,7 +10940,12 @@
             <p:ph type="body" sz="quarter" idx="10"/>
           </p:nvPr>
         </p:nvSpPr>
-        <p:spPr/>
+        <p:spPr>
+          <a:xfrm>
+            <a:off x="323529" y="1311059"/>
+            <a:ext cx="11573197" cy="724247"/>
+          </a:xfrm>
+        </p:spPr>
         <p:txBody>
           <a:bodyPr>
             <a:normAutofit/>
@@ -11941,7 +10977,7 @@
         </p:nvSpPr>
         <p:spPr>
           <a:xfrm>
-            <a:off x="1260764" y="1054728"/>
+            <a:off x="1278710" y="1940553"/>
             <a:ext cx="9662835" cy="4708981"/>
           </a:xfrm>
           <a:prstGeom prst="rect">
@@ -12158,7 +11194,7 @@
         </p:nvSpPr>
         <p:spPr>
           <a:xfrm>
-            <a:off x="323529" y="305005"/>
+            <a:off x="323529" y="1314655"/>
             <a:ext cx="11573197" cy="724247"/>
           </a:xfrm>
         </p:spPr>
@@ -12193,8 +11229,8 @@
         </p:nvSpPr>
         <p:spPr>
           <a:xfrm>
-            <a:off x="1260764" y="1054728"/>
-            <a:ext cx="9662835" cy="5324535"/>
+            <a:off x="1278710" y="2026278"/>
+            <a:ext cx="9662835" cy="4524315"/>
           </a:xfrm>
           <a:prstGeom prst="rect">
             <a:avLst/>
@@ -12212,18 +11248,18 @@
               <a:buChar char="•"/>
             </a:pPr>
             <a:r>
-              <a:rPr lang="en-US" sz="2000" dirty="0"/>
+              <a:rPr lang="en-US" dirty="0"/>
               <a:t>You can chain as many conditions and script blocks as you need. Example:</a:t>
             </a:r>
           </a:p>
           <a:p>
-            <a:endParaRPr lang="en-US" sz="2000" dirty="0">
+            <a:endParaRPr lang="en-US" dirty="0">
               <a:latin typeface="Lucida Console" panose="020B0609040504020204" pitchFamily="49" charset="0"/>
             </a:endParaRPr>
           </a:p>
           <a:p>
             <a:r>
-              <a:rPr lang="en-US" sz="2000" dirty="0">
+              <a:rPr lang="en-US" dirty="0">
                 <a:latin typeface="Lucida Console" panose="020B0609040504020204" pitchFamily="49" charset="0"/>
               </a:rPr>
               <a:t>if ($flavor –eq "savory") {</a:t>
@@ -12231,7 +11267,7 @@
           </a:p>
           <a:p>
             <a:r>
-              <a:rPr lang="en-US" sz="2000" dirty="0">
+              <a:rPr lang="en-US" dirty="0">
                 <a:latin typeface="Lucida Console" panose="020B0609040504020204" pitchFamily="49" charset="0"/>
               </a:rPr>
               <a:t>    echo "yummy"</a:t>
@@ -12239,7 +11275,7 @@
           </a:p>
           <a:p>
             <a:r>
-              <a:rPr lang="en-US" sz="2000" dirty="0">
+              <a:rPr lang="en-US" dirty="0">
                 <a:latin typeface="Lucida Console" panose="020B0609040504020204" pitchFamily="49" charset="0"/>
               </a:rPr>
               <a:t>}</a:t>
@@ -12247,7 +11283,7 @@
           </a:p>
           <a:p>
             <a:r>
-              <a:rPr lang="en-US" sz="2000" dirty="0">
+              <a:rPr lang="en-US" dirty="0">
                 <a:latin typeface="Lucida Console" panose="020B0609040504020204" pitchFamily="49" charset="0"/>
               </a:rPr>
               <a:t>elseif ($flavor –eq "sweet") {</a:t>
@@ -12255,7 +11291,7 @@
           </a:p>
           <a:p>
             <a:r>
-              <a:rPr lang="en-US" sz="2000" dirty="0">
+              <a:rPr lang="en-US" dirty="0">
                 <a:latin typeface="Lucida Console" panose="020B0609040504020204" pitchFamily="49" charset="0"/>
               </a:rPr>
               <a:t>    echo "sugary"</a:t>
@@ -12263,7 +11299,7 @@
           </a:p>
           <a:p>
             <a:r>
-              <a:rPr lang="en-US" sz="2000" dirty="0">
+              <a:rPr lang="en-US" dirty="0">
                 <a:latin typeface="Lucida Console" panose="020B0609040504020204" pitchFamily="49" charset="0"/>
               </a:rPr>
               <a:t>}</a:t>
@@ -12271,7 +11307,7 @@
           </a:p>
           <a:p>
             <a:r>
-              <a:rPr lang="en-US" sz="2000" dirty="0">
+              <a:rPr lang="en-US" dirty="0">
                 <a:latin typeface="Lucida Console" panose="020B0609040504020204" pitchFamily="49" charset="0"/>
               </a:rPr>
               <a:t>elseif ($flavor -eq "bitter" -or $flavor –eq "sour") {</a:t>
@@ -12279,7 +11315,7 @@
           </a:p>
           <a:p>
             <a:r>
-              <a:rPr lang="en-US" sz="2000" dirty="0">
+              <a:rPr lang="en-US" dirty="0">
                 <a:latin typeface="Lucida Console" panose="020B0609040504020204" pitchFamily="49" charset="0"/>
               </a:rPr>
               <a:t>    echo "yuck"</a:t>
@@ -12287,77 +11323,72 @@
           </a:p>
           <a:p>
             <a:r>
-              <a:rPr lang="en-US" sz="2000" dirty="0">
+              <a:rPr lang="en-US" dirty="0">
                 <a:latin typeface="Lucida Console" panose="020B0609040504020204" pitchFamily="49" charset="0"/>
               </a:rPr>
               <a:t>}</a:t>
             </a:r>
           </a:p>
           <a:p>
-            <a:endParaRPr lang="en-US" sz="2000" dirty="0">
-              <a:latin typeface="Lucida Console" panose="020B0609040504020204" pitchFamily="49" charset="0"/>
-            </a:endParaRPr>
-          </a:p>
-          <a:p>
             <a:pPr algn="r"/>
             <a:r>
-              <a:rPr lang="en-US" sz="2000" i="1" dirty="0"/>
+              <a:rPr lang="en-US" i="1" dirty="0"/>
               <a:t>PT (Pro-Tip):</a:t>
             </a:r>
           </a:p>
           <a:p>
             <a:pPr algn="r"/>
             <a:r>
-              <a:rPr lang="en-US" sz="2000" i="1" dirty="0"/>
+              <a:rPr lang="en-US" i="1" dirty="0"/>
               <a:t>Many programming languages’ syntax rules let you omit</a:t>
             </a:r>
           </a:p>
           <a:p>
             <a:pPr algn="r"/>
             <a:r>
-              <a:rPr lang="en-US" sz="2000" i="1" dirty="0"/>
+              <a:rPr lang="en-US" i="1" dirty="0"/>
               <a:t>curly braces for single-statement code blocks. Remember that</a:t>
             </a:r>
           </a:p>
           <a:p>
             <a:pPr algn="r"/>
             <a:r>
-              <a:rPr lang="en-US" sz="2000" i="1" dirty="0"/>
+              <a:rPr lang="en-US" i="1" dirty="0"/>
               <a:t>PowerShell </a:t>
             </a:r>
             <a:r>
-              <a:rPr lang="en-US" sz="2000" b="1" i="1" dirty="0"/>
+              <a:rPr lang="en-US" b="1" i="1" dirty="0"/>
               <a:t>always</a:t>
             </a:r>
             <a:r>
-              <a:rPr lang="en-US" sz="2000" i="1" dirty="0"/>
+              <a:rPr lang="en-US" i="1" dirty="0"/>
               <a:t> requires curly braces around </a:t>
             </a:r>
             <a:r>
-              <a:rPr lang="en-US" sz="2000" dirty="0">
+              <a:rPr lang="en-US" dirty="0">
                 <a:latin typeface="Lucida Console" panose="020B0609040504020204" pitchFamily="49" charset="0"/>
               </a:rPr>
               <a:t>{</a:t>
             </a:r>
             <a:r>
-              <a:rPr lang="en-US" sz="2000" i="1" dirty="0"/>
+              <a:rPr lang="en-US" i="1" dirty="0"/>
               <a:t>script blocks</a:t>
             </a:r>
             <a:r>
-              <a:rPr lang="en-US" sz="2000" dirty="0">
+              <a:rPr lang="en-US" dirty="0">
                 <a:latin typeface="Lucida Console" panose="020B0609040504020204" pitchFamily="49" charset="0"/>
               </a:rPr>
               <a:t>}</a:t>
             </a:r>
             <a:r>
-              <a:rPr lang="en-US" sz="2000" i="1" dirty="0"/>
+              <a:rPr lang="en-US" i="1" dirty="0"/>
               <a:t>,</a:t>
             </a:r>
           </a:p>
           <a:p>
             <a:pPr algn="r"/>
             <a:r>
-              <a:rPr lang="en-US" sz="2000" i="1" dirty="0"/>
+              <a:rPr lang="en-US" i="1" dirty="0"/>
               <a:t>even when there’s only one statement like the examples above.</a:t>
             </a:r>
           </a:p>
@@ -12409,7 +11440,12 @@
             <p:ph type="body" sz="quarter" idx="10"/>
           </p:nvPr>
         </p:nvSpPr>
-        <p:spPr/>
+        <p:spPr>
+          <a:xfrm>
+            <a:off x="323529" y="1263434"/>
+            <a:ext cx="11573197" cy="724247"/>
+          </a:xfrm>
+        </p:spPr>
         <p:txBody>
           <a:bodyPr>
             <a:normAutofit/>
@@ -12441,7 +11477,7 @@
         </p:nvSpPr>
         <p:spPr>
           <a:xfrm>
-            <a:off x="1260764" y="1054728"/>
+            <a:off x="1278710" y="1873878"/>
             <a:ext cx="9662835" cy="4708981"/>
           </a:xfrm>
           <a:prstGeom prst="rect">
@@ -12635,7 +11671,12 @@
             <p:ph type="body" sz="quarter" idx="10"/>
           </p:nvPr>
         </p:nvSpPr>
-        <p:spPr/>
+        <p:spPr>
+          <a:xfrm>
+            <a:off x="323529" y="1301534"/>
+            <a:ext cx="11573197" cy="724247"/>
+          </a:xfrm>
+        </p:spPr>
         <p:txBody>
           <a:bodyPr>
             <a:normAutofit/>
@@ -12672,7 +11713,7 @@
         </p:nvSpPr>
         <p:spPr>
           <a:xfrm>
-            <a:off x="1381533" y="1054728"/>
+            <a:off x="1278710" y="2635878"/>
             <a:ext cx="9662835" cy="3170099"/>
           </a:xfrm>
           <a:prstGeom prst="rect">
@@ -12828,7 +11869,12 @@
             <p:ph type="body" sz="quarter" idx="10"/>
           </p:nvPr>
         </p:nvSpPr>
-        <p:spPr/>
+        <p:spPr>
+          <a:xfrm>
+            <a:off x="323529" y="1206284"/>
+            <a:ext cx="11573197" cy="724247"/>
+          </a:xfrm>
+        </p:spPr>
         <p:txBody>
           <a:bodyPr>
             <a:normAutofit/>
@@ -12860,8 +11906,8 @@
         </p:nvSpPr>
         <p:spPr>
           <a:xfrm>
-            <a:off x="1381533" y="1054728"/>
-            <a:ext cx="9662835" cy="4708981"/>
+            <a:off x="1044809" y="1826253"/>
+            <a:ext cx="10130636" cy="4708981"/>
           </a:xfrm>
           <a:prstGeom prst="rect">
             <a:avLst/>
@@ -13074,39 +12120,39 @@
         <a:sysClr val="window" lastClr="FFFFFF"/>
       </a:lt1>
       <a:dk2>
-        <a:srgbClr val="44546A"/>
+        <a:srgbClr val="0E2841"/>
       </a:dk2>
       <a:lt2>
-        <a:srgbClr val="E7E6E6"/>
+        <a:srgbClr val="E8E8E8"/>
       </a:lt2>
       <a:accent1>
-        <a:srgbClr val="4472C4"/>
+        <a:srgbClr val="156082"/>
       </a:accent1>
       <a:accent2>
-        <a:srgbClr val="ED7D31"/>
+        <a:srgbClr val="E97132"/>
       </a:accent2>
       <a:accent3>
-        <a:srgbClr val="A5A5A5"/>
+        <a:srgbClr val="196B24"/>
       </a:accent3>
       <a:accent4>
-        <a:srgbClr val="FFC000"/>
+        <a:srgbClr val="0F9ED5"/>
       </a:accent4>
       <a:accent5>
-        <a:srgbClr val="5B9BD5"/>
+        <a:srgbClr val="A02B93"/>
       </a:accent5>
       <a:accent6>
-        <a:srgbClr val="70AD47"/>
+        <a:srgbClr val="4EA72E"/>
       </a:accent6>
       <a:hlink>
-        <a:srgbClr val="0563C1"/>
+        <a:srgbClr val="467886"/>
       </a:hlink>
       <a:folHlink>
-        <a:srgbClr val="954F72"/>
+        <a:srgbClr val="96607D"/>
       </a:folHlink>
     </a:clrScheme>
     <a:fontScheme name="Office">
       <a:majorFont>
-        <a:latin typeface="Calibri Light" panose="020F0302020204030204"/>
+        <a:latin typeface="Aptos Display" panose="02110004020202020204"/>
         <a:ea typeface=""/>
         <a:cs typeface=""/>
         <a:font script="Jpan" typeface="游ゴシック Light"/>
@@ -13158,7 +12204,7 @@
         <a:font script="Tfng" typeface="Ebrima"/>
       </a:majorFont>
       <a:minorFont>
-        <a:latin typeface="Calibri" panose="020F0502020204030204"/>
+        <a:latin typeface="Aptos" panose="02110004020202020204"/>
         <a:ea typeface=""/>
         <a:cs typeface=""/>
         <a:font script="Jpan" typeface="游ゴシック"/>
@@ -13269,13 +12315,6 @@
         </a:gradFill>
       </a:fillStyleLst>
       <a:lnStyleLst>
-        <a:ln w="6350" cap="flat" cmpd="sng" algn="ctr">
-          <a:solidFill>
-            <a:schemeClr val="phClr"/>
-          </a:solidFill>
-          <a:prstDash val="solid"/>
-          <a:miter lim="800000"/>
-        </a:ln>
         <a:ln w="12700" cap="flat" cmpd="sng" algn="ctr">
           <a:solidFill>
             <a:schemeClr val="phClr"/>
@@ -13284,6 +12323,13 @@
           <a:miter lim="800000"/>
         </a:ln>
         <a:ln w="19050" cap="flat" cmpd="sng" algn="ctr">
+          <a:solidFill>
+            <a:schemeClr val="phClr"/>
+          </a:solidFill>
+          <a:prstDash val="solid"/>
+          <a:miter lim="800000"/>
+        </a:ln>
+        <a:ln w="25400" cap="flat" cmpd="sng" algn="ctr">
           <a:solidFill>
             <a:schemeClr val="phClr"/>
           </a:solidFill>
@@ -13348,11 +12394,31 @@
       </a:bgFillStyleLst>
     </a:fmtScheme>
   </a:themeElements>
-  <a:objectDefaults/>
+  <a:objectDefaults>
+    <a:lnDef>
+      <a:spPr/>
+      <a:bodyPr/>
+      <a:lstStyle/>
+      <a:style>
+        <a:lnRef idx="2">
+          <a:schemeClr val="accent1"/>
+        </a:lnRef>
+        <a:fillRef idx="0">
+          <a:schemeClr val="accent1"/>
+        </a:fillRef>
+        <a:effectRef idx="1">
+          <a:schemeClr val="accent1"/>
+        </a:effectRef>
+        <a:fontRef idx="minor">
+          <a:schemeClr val="tx1"/>
+        </a:fontRef>
+      </a:style>
+    </a:lnDef>
+  </a:objectDefaults>
   <a:extraClrSchemeLst/>
   <a:extLst>
     <a:ext uri="{05A4C25C-085E-4340-85A3-A5531E510DB2}">
-      <thm15:themeFamily xmlns:thm15="http://schemas.microsoft.com/office/thememl/2012/main" name="Office Theme" id="{62F939B6-93AF-4DB8-9C6B-D6C7DFDC589F}" vid="{4A3C46E8-61CC-4603-A589-7422A47A8E4A}"/>
+      <thm15:themeFamily xmlns:thm15="http://schemas.microsoft.com/office/thememl/2012/main" name="Presentation1" id="{DAD0D162-FE0C-45E1-B287-70A400F0FB2D}" vid="{0F85589E-3A92-4CE5-8C4F-6CD4A008415E}"/>
     </a:ext>
   </a:extLst>
 </a:theme>
